--- a/git/slides/GIT-1__Git.pptx
+++ b/git/slides/GIT-1__Git.pptx
@@ -1,78 +1,78 @@
 
 <file path=ppt/presentation.xml><?xml version="1.0" encoding="utf-8"?>
-<p:presentation xmlns:a="http://schemas.openxmlformats.org/drawingml/2006/main" xmlns:r="http://schemas.openxmlformats.org/officeDocument/2006/relationships" xmlns:p="http://schemas.openxmlformats.org/presentationml/2006/main" saveSubsetFonts="1">
+<p:presentation xmlns:a="http://schemas.openxmlformats.org/drawingml/2006/main" xmlns:r="http://schemas.openxmlformats.org/officeDocument/2006/relationships" xmlns:p="http://schemas.openxmlformats.org/presentationml/2006/main">
   <p:sldMasterIdLst>
-    <p:sldMasterId id="2147483866" r:id="rId1"/>
+    <p:sldMasterId id="2147483648" r:id="rId1"/>
   </p:sldMasterIdLst>
   <p:notesMasterIdLst>
-    <p:notesMasterId r:id="rId64"/>
+    <p:notesMasterId r:id="rId65"/>
   </p:notesMasterIdLst>
   <p:handoutMasterIdLst>
-    <p:handoutMasterId r:id="rId65"/>
+    <p:handoutMasterId r:id="rId66"/>
   </p:handoutMasterIdLst>
   <p:sldIdLst>
-    <p:sldId id="268" r:id="rId2"/>
-    <p:sldId id="402" r:id="rId3"/>
-    <p:sldId id="421" r:id="rId4"/>
-    <p:sldId id="414" r:id="rId5"/>
-    <p:sldId id="415" r:id="rId6"/>
-    <p:sldId id="416" r:id="rId7"/>
-    <p:sldId id="403" r:id="rId8"/>
-    <p:sldId id="417" r:id="rId9"/>
-    <p:sldId id="404" r:id="rId10"/>
-    <p:sldId id="407" r:id="rId11"/>
-    <p:sldId id="405" r:id="rId12"/>
-    <p:sldId id="406" r:id="rId13"/>
-    <p:sldId id="408" r:id="rId14"/>
-    <p:sldId id="409" r:id="rId15"/>
-    <p:sldId id="462" r:id="rId16"/>
-    <p:sldId id="419" r:id="rId17"/>
-    <p:sldId id="418" r:id="rId18"/>
-    <p:sldId id="410" r:id="rId19"/>
-    <p:sldId id="463" r:id="rId20"/>
-    <p:sldId id="420" r:id="rId21"/>
-    <p:sldId id="411" r:id="rId22"/>
-    <p:sldId id="412" r:id="rId23"/>
-    <p:sldId id="424" r:id="rId24"/>
-    <p:sldId id="413" r:id="rId25"/>
-    <p:sldId id="423" r:id="rId26"/>
-    <p:sldId id="422" r:id="rId27"/>
-    <p:sldId id="425" r:id="rId28"/>
-    <p:sldId id="426" r:id="rId29"/>
-    <p:sldId id="427" r:id="rId30"/>
-    <p:sldId id="428" r:id="rId31"/>
-    <p:sldId id="464" r:id="rId32"/>
-    <p:sldId id="430" r:id="rId33"/>
-    <p:sldId id="429" r:id="rId34"/>
-    <p:sldId id="431" r:id="rId35"/>
-    <p:sldId id="432" r:id="rId36"/>
-    <p:sldId id="433" r:id="rId37"/>
-    <p:sldId id="434" r:id="rId38"/>
-    <p:sldId id="435" r:id="rId39"/>
-    <p:sldId id="438" r:id="rId40"/>
-    <p:sldId id="442" r:id="rId41"/>
-    <p:sldId id="440" r:id="rId42"/>
-    <p:sldId id="441" r:id="rId43"/>
-    <p:sldId id="443" r:id="rId44"/>
-    <p:sldId id="444" r:id="rId45"/>
-    <p:sldId id="445" r:id="rId46"/>
-    <p:sldId id="446" r:id="rId47"/>
-    <p:sldId id="447" r:id="rId48"/>
-    <p:sldId id="448" r:id="rId49"/>
-    <p:sldId id="449" r:id="rId50"/>
-    <p:sldId id="450" r:id="rId51"/>
-    <p:sldId id="451" r:id="rId52"/>
-    <p:sldId id="452" r:id="rId53"/>
-    <p:sldId id="454" r:id="rId54"/>
-    <p:sldId id="455" r:id="rId55"/>
-    <p:sldId id="456" r:id="rId56"/>
-    <p:sldId id="465" r:id="rId57"/>
-    <p:sldId id="453" r:id="rId58"/>
-    <p:sldId id="460" r:id="rId59"/>
-    <p:sldId id="458" r:id="rId60"/>
-    <p:sldId id="459" r:id="rId61"/>
-    <p:sldId id="466" r:id="rId62"/>
-    <p:sldId id="468" r:id="rId63"/>
+    <p:sldId id="268" r:id="rId3"/>
+    <p:sldId id="402" r:id="rId4"/>
+    <p:sldId id="421" r:id="rId5"/>
+    <p:sldId id="414" r:id="rId6"/>
+    <p:sldId id="415" r:id="rId7"/>
+    <p:sldId id="416" r:id="rId8"/>
+    <p:sldId id="403" r:id="rId9"/>
+    <p:sldId id="417" r:id="rId10"/>
+    <p:sldId id="404" r:id="rId11"/>
+    <p:sldId id="407" r:id="rId12"/>
+    <p:sldId id="405" r:id="rId13"/>
+    <p:sldId id="406" r:id="rId14"/>
+    <p:sldId id="408" r:id="rId15"/>
+    <p:sldId id="409" r:id="rId16"/>
+    <p:sldId id="462" r:id="rId17"/>
+    <p:sldId id="419" r:id="rId18"/>
+    <p:sldId id="418" r:id="rId19"/>
+    <p:sldId id="410" r:id="rId20"/>
+    <p:sldId id="463" r:id="rId21"/>
+    <p:sldId id="420" r:id="rId22"/>
+    <p:sldId id="411" r:id="rId23"/>
+    <p:sldId id="412" r:id="rId24"/>
+    <p:sldId id="424" r:id="rId25"/>
+    <p:sldId id="413" r:id="rId26"/>
+    <p:sldId id="423" r:id="rId27"/>
+    <p:sldId id="422" r:id="rId28"/>
+    <p:sldId id="425" r:id="rId29"/>
+    <p:sldId id="426" r:id="rId30"/>
+    <p:sldId id="427" r:id="rId31"/>
+    <p:sldId id="428" r:id="rId32"/>
+    <p:sldId id="464" r:id="rId33"/>
+    <p:sldId id="430" r:id="rId34"/>
+    <p:sldId id="429" r:id="rId35"/>
+    <p:sldId id="431" r:id="rId36"/>
+    <p:sldId id="432" r:id="rId37"/>
+    <p:sldId id="433" r:id="rId38"/>
+    <p:sldId id="434" r:id="rId39"/>
+    <p:sldId id="435" r:id="rId40"/>
+    <p:sldId id="438" r:id="rId41"/>
+    <p:sldId id="442" r:id="rId42"/>
+    <p:sldId id="440" r:id="rId43"/>
+    <p:sldId id="441" r:id="rId44"/>
+    <p:sldId id="443" r:id="rId45"/>
+    <p:sldId id="444" r:id="rId46"/>
+    <p:sldId id="445" r:id="rId47"/>
+    <p:sldId id="446" r:id="rId48"/>
+    <p:sldId id="447" r:id="rId49"/>
+    <p:sldId id="448" r:id="rId50"/>
+    <p:sldId id="449" r:id="rId51"/>
+    <p:sldId id="450" r:id="rId52"/>
+    <p:sldId id="451" r:id="rId53"/>
+    <p:sldId id="452" r:id="rId54"/>
+    <p:sldId id="454" r:id="rId55"/>
+    <p:sldId id="455" r:id="rId56"/>
+    <p:sldId id="456" r:id="rId57"/>
+    <p:sldId id="465" r:id="rId58"/>
+    <p:sldId id="453" r:id="rId59"/>
+    <p:sldId id="460" r:id="rId60"/>
+    <p:sldId id="458" r:id="rId61"/>
+    <p:sldId id="459" r:id="rId62"/>
+    <p:sldId id="466" r:id="rId63"/>
+    <p:sldId id="468" r:id="rId64"/>
   </p:sldIdLst>
   <p:sldSz cx="9144000" cy="6858000" type="screen4x3"/>
   <p:notesSz cx="6858000" cy="9144000"/>
@@ -258,20 +258,6 @@
         </p14:section>
       </p14:sectionLst>
     </p:ext>
-    <p:ext uri="{EFAFB233-063F-42B5-8137-9DF3F51BA10A}">
-      <p15:sldGuideLst xmlns:p15="http://schemas.microsoft.com/office/powerpoint/2012/main">
-        <p15:guide id="1" orient="horz" pos="2160">
-          <p15:clr>
-            <a:srgbClr val="A4A3A4"/>
-          </p15:clr>
-        </p15:guide>
-        <p15:guide id="2" pos="2880">
-          <p15:clr>
-            <a:srgbClr val="A4A3A4"/>
-          </p15:clr>
-        </p15:guide>
-      </p15:sldGuideLst>
-    </p:ext>
   </p:extLst>
 </p:presentation>
 </file>
@@ -300,13 +286,7 @@
       </p:grpSpPr>
       <p:sp>
         <p:nvSpPr>
-          <p:cNvPr id="2" name="Header Placeholder 1">
-            <a:extLst>
-              <a:ext uri="{FF2B5EF4-FFF2-40B4-BE49-F238E27FC236}">
-                <a16:creationId xmlns:a16="http://schemas.microsoft.com/office/drawing/2014/main" id="{AB0ACB10-DDFA-7A43-81BF-E021E3C946B2}"/>
-              </a:ext>
-            </a:extLst>
-          </p:cNvPr>
+          <p:cNvPr id="2" name="Header Placeholder 1"/>
           <p:cNvSpPr>
             <a:spLocks noGrp="1"/>
           </p:cNvSpPr>
@@ -337,13 +317,7 @@
       </p:sp>
       <p:sp>
         <p:nvSpPr>
-          <p:cNvPr id="3" name="Date Placeholder 2">
-            <a:extLst>
-              <a:ext uri="{FF2B5EF4-FFF2-40B4-BE49-F238E27FC236}">
-                <a16:creationId xmlns:a16="http://schemas.microsoft.com/office/drawing/2014/main" id="{DC0AE5AC-5069-3748-B9C0-D9FDBEECE26A}"/>
-              </a:ext>
-            </a:extLst>
-          </p:cNvPr>
+          <p:cNvPr id="3" name="Date Placeholder 2"/>
           <p:cNvSpPr>
             <a:spLocks noGrp="1"/>
           </p:cNvSpPr>
@@ -370,7 +344,6 @@
           <a:p>
             <a:fld id="{BAFEE738-D543-6549-8F75-9A4BE0159268}" type="datetimeFigureOut">
               <a:rPr lang="en-US" smtClean="0"/>
-              <a:t>11/5/19</a:t>
             </a:fld>
             <a:endParaRPr lang="en-US"/>
           </a:p>
@@ -378,13 +351,7 @@
       </p:sp>
       <p:sp>
         <p:nvSpPr>
-          <p:cNvPr id="4" name="Footer Placeholder 3">
-            <a:extLst>
-              <a:ext uri="{FF2B5EF4-FFF2-40B4-BE49-F238E27FC236}">
-                <a16:creationId xmlns:a16="http://schemas.microsoft.com/office/drawing/2014/main" id="{AC23F240-9497-554A-8DFA-3091A1297188}"/>
-              </a:ext>
-            </a:extLst>
-          </p:cNvPr>
+          <p:cNvPr id="4" name="Footer Placeholder 3"/>
           <p:cNvSpPr>
             <a:spLocks noGrp="1"/>
           </p:cNvSpPr>
@@ -413,18 +380,13 @@
               <a:rPr lang="en-US"/>
               <a:t>(C) Elephant Scale 2019</a:t>
             </a:r>
-          </a:p>
-        </p:txBody>
-      </p:sp>
-      <p:sp>
-        <p:nvSpPr>
-          <p:cNvPr id="5" name="Slide Number Placeholder 4">
-            <a:extLst>
-              <a:ext uri="{FF2B5EF4-FFF2-40B4-BE49-F238E27FC236}">
-                <a16:creationId xmlns:a16="http://schemas.microsoft.com/office/drawing/2014/main" id="{BCADEF6D-05D2-2040-94C3-49FD257B41FE}"/>
-              </a:ext>
-            </a:extLst>
-          </p:cNvPr>
+            <a:endParaRPr lang="en-US"/>
+          </a:p>
+        </p:txBody>
+      </p:sp>
+      <p:sp>
+        <p:nvSpPr>
+          <p:cNvPr id="5" name="Slide Number Placeholder 4"/>
           <p:cNvSpPr>
             <a:spLocks noGrp="1"/>
           </p:cNvSpPr>
@@ -451,18 +413,12 @@
           <a:p>
             <a:fld id="{537E5EF3-76B4-8945-BA88-6D3891C46164}" type="slidenum">
               <a:rPr lang="en-US" smtClean="0"/>
-              <a:t>‹#›</a:t>
             </a:fld>
             <a:endParaRPr lang="en-US"/>
           </a:p>
         </p:txBody>
       </p:sp>
     </p:spTree>
-    <p:extLst>
-      <p:ext uri="{BB962C8B-B14F-4D97-AF65-F5344CB8AC3E}">
-        <p14:creationId xmlns:p14="http://schemas.microsoft.com/office/powerpoint/2010/main" val="867342367"/>
-      </p:ext>
-    </p:extLst>
   </p:cSld>
   <p:clrMap bg1="lt1" tx1="dk1" bg2="lt2" tx2="dk2" accent1="accent1" accent2="accent2" accent3="accent3" accent4="accent4" accent5="accent5" accent6="accent6" hlink="hlink" folHlink="folHlink"/>
   <p:hf dt="0"/>
@@ -551,7 +507,6 @@
           <a:p>
             <a:fld id="{9BC04DFD-92B3-4045-948D-EC92A88059A5}" type="datetimeFigureOut">
               <a:rPr lang="en-US" smtClean="0"/>
-              <a:t>11/5/19</a:t>
             </a:fld>
             <a:endParaRPr lang="en-US"/>
           </a:p>
@@ -618,6 +573,7 @@
               <a:rPr lang="en-US"/>
               <a:t>Click to edit Master text styles</a:t>
             </a:r>
+            <a:endParaRPr lang="en-US"/>
           </a:p>
           <a:p>
             <a:pPr lvl="1"/>
@@ -625,6 +581,7 @@
               <a:rPr lang="en-US"/>
               <a:t>Second level</a:t>
             </a:r>
+            <a:endParaRPr lang="en-US"/>
           </a:p>
           <a:p>
             <a:pPr lvl="2"/>
@@ -632,6 +589,7 @@
               <a:rPr lang="en-US"/>
               <a:t>Third level</a:t>
             </a:r>
+            <a:endParaRPr lang="en-US"/>
           </a:p>
           <a:p>
             <a:pPr lvl="3"/>
@@ -639,6 +597,7 @@
               <a:rPr lang="en-US"/>
               <a:t>Fourth level</a:t>
             </a:r>
+            <a:endParaRPr lang="en-US"/>
           </a:p>
           <a:p>
             <a:pPr lvl="4"/>
@@ -646,6 +605,7 @@
               <a:rPr lang="en-US"/>
               <a:t>Fifth level</a:t>
             </a:r>
+            <a:endParaRPr lang="en-US"/>
           </a:p>
         </p:txBody>
       </p:sp>
@@ -680,6 +640,7 @@
               <a:rPr lang="en-US"/>
               <a:t>(C) Elephant Scale 2019</a:t>
             </a:r>
+            <a:endParaRPr lang="en-US"/>
           </a:p>
         </p:txBody>
       </p:sp>
@@ -712,18 +673,12 @@
           <a:p>
             <a:fld id="{FA6F1241-889B-AD4D-909B-32DF63E6C49F}" type="slidenum">
               <a:rPr lang="en-US" smtClean="0"/>
-              <a:t>‹#›</a:t>
             </a:fld>
             <a:endParaRPr lang="en-US"/>
           </a:p>
         </p:txBody>
       </p:sp>
     </p:spTree>
-    <p:extLst>
-      <p:ext uri="{BB962C8B-B14F-4D97-AF65-F5344CB8AC3E}">
-        <p14:creationId xmlns:p14="http://schemas.microsoft.com/office/powerpoint/2010/main" val="612153091"/>
-      </p:ext>
-    </p:extLst>
   </p:cSld>
   <p:clrMap bg1="lt1" tx1="dk1" bg2="lt2" tx2="dk2" accent1="accent1" accent2="accent2" accent3="accent3" accent4="accent4" accent5="accent5" accent6="accent6" hlink="hlink" folHlink="folHlink"/>
   <p:hf dt="0"/>
@@ -823,7 +778,7 @@
 </file>
 
 <file path=ppt/slideLayouts/slideLayout1.xml><?xml version="1.0" encoding="utf-8"?>
-<p:sldLayout xmlns:a="http://schemas.openxmlformats.org/drawingml/2006/main" xmlns:r="http://schemas.openxmlformats.org/officeDocument/2006/relationships" xmlns:p="http://schemas.openxmlformats.org/presentationml/2006/main" showMasterSp="0" type="title" preserve="1">
+<p:sldLayout xmlns:a="http://schemas.openxmlformats.org/drawingml/2006/main" xmlns:r="http://schemas.openxmlformats.org/officeDocument/2006/relationships" xmlns:p="http://schemas.openxmlformats.org/presentationml/2006/main" type="title" preserve="1" showMasterSp="0">
   <p:cSld name="Title Slide">
     <p:spTree>
       <p:nvGrpSpPr>
@@ -1023,7 +978,6 @@
           <a:p>
             <a:fld id="{C53B5549-E143-D94F-B3BF-494EE4C6DAA7}" type="datetime1">
               <a:rPr lang="en-US" smtClean="0"/>
-              <a:t>11/5/19</a:t>
             </a:fld>
             <a:endParaRPr lang="en-US" dirty="0"/>
           </a:p>
@@ -1055,7 +1009,7 @@
           <a:p>
             <a:r>
               <a:rPr lang="en-US"/>
-              <a:t>(C) Elephant Scale 2019</a:t>
+              <a:t>(C) Elephant Scale 2021</a:t>
             </a:r>
             <a:endParaRPr lang="en-US" dirty="0"/>
           </a:p>
@@ -1094,6 +1048,14 @@
               </a:rPr>
               <a:t>+</a:t>
             </a:r>
+            <a:endParaRPr sz="5400" b="1">
+              <a:solidFill>
+                <a:schemeClr val="accent1">
+                  <a:lumMod val="60000"/>
+                  <a:lumOff val="40000"/>
+                </a:schemeClr>
+              </a:solidFill>
+            </a:endParaRPr>
           </a:p>
         </p:txBody>
       </p:sp>
@@ -1102,6 +1064,7 @@
   <p:clrMapOvr>
     <a:masterClrMapping/>
   </p:clrMapOvr>
+  <p:hf hdr="0" dt="0"/>
 </p:sldLayout>
 </file>
 
@@ -1164,7 +1127,6 @@
           <a:lstStyle/>
           <a:p>
             <a:pPr algn="ctr"/>
-            <a:endParaRPr/>
           </a:p>
         </p:txBody>
       </p:sp>
@@ -1201,6 +1163,14 @@
               </a:rPr>
               <a:t>+</a:t>
             </a:r>
+            <a:endParaRPr sz="3600" b="1">
+              <a:solidFill>
+                <a:schemeClr val="accent1">
+                  <a:lumMod val="60000"/>
+                  <a:lumOff val="40000"/>
+                </a:schemeClr>
+              </a:solidFill>
+            </a:endParaRPr>
           </a:p>
         </p:txBody>
       </p:sp>
@@ -1223,7 +1193,7 @@
               <a:rPr lang="en-US"/>
               <a:t>Click to edit Master title style</a:t>
             </a:r>
-            <a:endParaRPr/>
+            <a:endParaRPr lang="en-US"/>
           </a:p>
         </p:txBody>
       </p:sp>
@@ -1244,7 +1214,6 @@
           <a:p>
             <a:fld id="{A8F09E8F-51A8-D248-95F5-7F467F059827}" type="datetime1">
               <a:rPr lang="en-US" smtClean="0"/>
-              <a:t>11/5/19</a:t>
             </a:fld>
             <a:endParaRPr lang="en-US" dirty="0"/>
           </a:p>
@@ -1267,7 +1236,7 @@
           <a:p>
             <a:r>
               <a:rPr lang="en-US"/>
-              <a:t>(C) Elephant Scale 2019</a:t>
+              <a:t>(C) Elephant Scale 2021</a:t>
             </a:r>
             <a:endParaRPr lang="en-US" dirty="0"/>
           </a:p>
@@ -1290,8 +1259,6 @@
           <a:p>
             <a:fld id="{BA9B540C-44DA-4F69-89C9-7C84606640D3}" type="slidenum">
               <a:rPr lang="en-US" smtClean="0"/>
-              <a:pPr/>
-              <a:t>‹#›</a:t>
             </a:fld>
             <a:endParaRPr lang="en-US" dirty="0"/>
           </a:p>
@@ -1352,6 +1319,7 @@
               <a:rPr lang="en-US"/>
               <a:t>Click to edit Master text styles</a:t>
             </a:r>
+            <a:endParaRPr lang="en-US"/>
           </a:p>
           <a:p>
             <a:pPr lvl="1"/>
@@ -1359,6 +1327,7 @@
               <a:rPr lang="en-US"/>
               <a:t>Second level</a:t>
             </a:r>
+            <a:endParaRPr lang="en-US"/>
           </a:p>
           <a:p>
             <a:pPr lvl="2"/>
@@ -1366,6 +1335,7 @@
               <a:rPr lang="en-US"/>
               <a:t>Third level</a:t>
             </a:r>
+            <a:endParaRPr lang="en-US"/>
           </a:p>
           <a:p>
             <a:pPr lvl="3"/>
@@ -1373,6 +1343,7 @@
               <a:rPr lang="en-US"/>
               <a:t>Fourth level</a:t>
             </a:r>
+            <a:endParaRPr lang="en-US"/>
           </a:p>
           <a:p>
             <a:pPr lvl="4"/>
@@ -1439,6 +1410,7 @@
               <a:rPr lang="en-US"/>
               <a:t>Click to edit Master text styles</a:t>
             </a:r>
+            <a:endParaRPr lang="en-US"/>
           </a:p>
           <a:p>
             <a:pPr lvl="1"/>
@@ -1446,6 +1418,7 @@
               <a:rPr lang="en-US"/>
               <a:t>Second level</a:t>
             </a:r>
+            <a:endParaRPr lang="en-US"/>
           </a:p>
           <a:p>
             <a:pPr lvl="2"/>
@@ -1453,6 +1426,7 @@
               <a:rPr lang="en-US"/>
               <a:t>Third level</a:t>
             </a:r>
+            <a:endParaRPr lang="en-US"/>
           </a:p>
           <a:p>
             <a:pPr lvl="3"/>
@@ -1460,6 +1434,7 @@
               <a:rPr lang="en-US"/>
               <a:t>Fourth level</a:t>
             </a:r>
+            <a:endParaRPr lang="en-US"/>
           </a:p>
           <a:p>
             <a:pPr lvl="4"/>
@@ -1526,6 +1501,7 @@
               <a:rPr lang="en-US"/>
               <a:t>Click to edit Master text styles</a:t>
             </a:r>
+            <a:endParaRPr lang="en-US"/>
           </a:p>
           <a:p>
             <a:pPr lvl="1"/>
@@ -1533,6 +1509,7 @@
               <a:rPr lang="en-US"/>
               <a:t>Second level</a:t>
             </a:r>
+            <a:endParaRPr lang="en-US"/>
           </a:p>
           <a:p>
             <a:pPr lvl="2"/>
@@ -1540,6 +1517,7 @@
               <a:rPr lang="en-US"/>
               <a:t>Third level</a:t>
             </a:r>
+            <a:endParaRPr lang="en-US"/>
           </a:p>
           <a:p>
             <a:pPr lvl="3"/>
@@ -1547,6 +1525,7 @@
               <a:rPr lang="en-US"/>
               <a:t>Fourth level</a:t>
             </a:r>
+            <a:endParaRPr lang="en-US"/>
           </a:p>
           <a:p>
             <a:pPr lvl="4"/>
@@ -1613,6 +1592,7 @@
               <a:rPr lang="en-US"/>
               <a:t>Click to edit Master text styles</a:t>
             </a:r>
+            <a:endParaRPr lang="en-US"/>
           </a:p>
           <a:p>
             <a:pPr lvl="1"/>
@@ -1620,6 +1600,7 @@
               <a:rPr lang="en-US"/>
               <a:t>Second level</a:t>
             </a:r>
+            <a:endParaRPr lang="en-US"/>
           </a:p>
           <a:p>
             <a:pPr lvl="2"/>
@@ -1627,6 +1608,7 @@
               <a:rPr lang="en-US"/>
               <a:t>Third level</a:t>
             </a:r>
+            <a:endParaRPr lang="en-US"/>
           </a:p>
           <a:p>
             <a:pPr lvl="3"/>
@@ -1634,6 +1616,7 @@
               <a:rPr lang="en-US"/>
               <a:t>Fourth level</a:t>
             </a:r>
+            <a:endParaRPr lang="en-US"/>
           </a:p>
           <a:p>
             <a:pPr lvl="4"/>
@@ -1650,6 +1633,7 @@
   <p:clrMapOvr>
     <a:masterClrMapping/>
   </p:clrMapOvr>
+  <p:hf hdr="0" dt="0"/>
 </p:sldLayout>
 </file>
 
@@ -1712,7 +1696,6 @@
           <a:lstStyle/>
           <a:p>
             <a:pPr algn="ctr"/>
-            <a:endParaRPr/>
           </a:p>
         </p:txBody>
       </p:sp>
@@ -1749,6 +1732,14 @@
               </a:rPr>
               <a:t>+</a:t>
             </a:r>
+            <a:endParaRPr sz="3600" b="1">
+              <a:solidFill>
+                <a:schemeClr val="accent1">
+                  <a:lumMod val="60000"/>
+                  <a:lumOff val="40000"/>
+                </a:schemeClr>
+              </a:solidFill>
+            </a:endParaRPr>
           </a:p>
         </p:txBody>
       </p:sp>
@@ -1771,7 +1762,7 @@
               <a:rPr lang="en-US"/>
               <a:t>Click to edit Master title style</a:t>
             </a:r>
-            <a:endParaRPr/>
+            <a:endParaRPr lang="en-US"/>
           </a:p>
         </p:txBody>
       </p:sp>
@@ -1792,7 +1783,6 @@
           <a:p>
             <a:fld id="{ABF7B023-A86C-D44F-8ECE-5368849D0BB4}" type="datetime1">
               <a:rPr lang="en-US" smtClean="0"/>
-              <a:t>11/5/19</a:t>
             </a:fld>
             <a:endParaRPr lang="en-US"/>
           </a:p>
@@ -1815,8 +1805,9 @@
           <a:p>
             <a:r>
               <a:rPr lang="en-US"/>
-              <a:t>(C) Elephant Scale 2019</a:t>
-            </a:r>
+              <a:t>(C) Elephant Scale 2021</a:t>
+            </a:r>
+            <a:endParaRPr lang="en-US"/>
           </a:p>
         </p:txBody>
       </p:sp>
@@ -1837,8 +1828,6 @@
           <a:p>
             <a:fld id="{BA9B540C-44DA-4F69-89C9-7C84606640D3}" type="slidenum">
               <a:rPr lang="en-US" smtClean="0"/>
-              <a:pPr/>
-              <a:t>‹#›</a:t>
             </a:fld>
             <a:endParaRPr lang="en-US"/>
           </a:p>
@@ -1849,6 +1838,7 @@
   <p:clrMapOvr>
     <a:masterClrMapping/>
   </p:clrMapOvr>
+  <p:hf hdr="0" dt="0"/>
 </p:sldLayout>
 </file>
 
@@ -1911,7 +1901,6 @@
           <a:lstStyle/>
           <a:p>
             <a:pPr algn="ctr"/>
-            <a:endParaRPr/>
           </a:p>
         </p:txBody>
       </p:sp>
@@ -1932,7 +1921,6 @@
           <a:p>
             <a:fld id="{8F2FA471-51C6-AD4F-B776-1BDFA14277ED}" type="datetime1">
               <a:rPr lang="en-US" smtClean="0"/>
-              <a:t>11/5/19</a:t>
             </a:fld>
             <a:endParaRPr lang="en-US"/>
           </a:p>
@@ -1955,8 +1943,9 @@
           <a:p>
             <a:r>
               <a:rPr lang="en-US"/>
-              <a:t>(C) Elephant Scale 2019</a:t>
-            </a:r>
+              <a:t>(C) Elephant Scale 2021</a:t>
+            </a:r>
+            <a:endParaRPr lang="en-US"/>
           </a:p>
         </p:txBody>
       </p:sp>
@@ -1977,8 +1966,6 @@
           <a:p>
             <a:fld id="{BA9B540C-44DA-4F69-89C9-7C84606640D3}" type="slidenum">
               <a:rPr lang="en-US" smtClean="0"/>
-              <a:pPr/>
-              <a:t>‹#›</a:t>
             </a:fld>
             <a:endParaRPr lang="en-US"/>
           </a:p>
@@ -1989,6 +1976,7 @@
   <p:clrMapOvr>
     <a:masterClrMapping/>
   </p:clrMapOvr>
+  <p:hf hdr="0" dt="0"/>
 </p:sldLayout>
 </file>
 
@@ -2051,7 +2039,6 @@
           <a:lstStyle/>
           <a:p>
             <a:pPr algn="ctr"/>
-            <a:endParaRPr/>
           </a:p>
         </p:txBody>
       </p:sp>
@@ -2148,6 +2135,7 @@
               <a:rPr lang="en-US"/>
               <a:t>Click to edit Master text styles</a:t>
             </a:r>
+            <a:endParaRPr lang="en-US"/>
           </a:p>
           <a:p>
             <a:pPr lvl="1"/>
@@ -2155,6 +2143,7 @@
               <a:rPr lang="en-US"/>
               <a:t>Second level</a:t>
             </a:r>
+            <a:endParaRPr lang="en-US"/>
           </a:p>
           <a:p>
             <a:pPr lvl="2"/>
@@ -2162,6 +2151,7 @@
               <a:rPr lang="en-US"/>
               <a:t>Third level</a:t>
             </a:r>
+            <a:endParaRPr lang="en-US"/>
           </a:p>
           <a:p>
             <a:pPr lvl="3"/>
@@ -2169,6 +2159,7 @@
               <a:rPr lang="en-US"/>
               <a:t>Fourth level</a:t>
             </a:r>
+            <a:endParaRPr lang="en-US"/>
           </a:p>
           <a:p>
             <a:pPr lvl="4"/>
@@ -2249,6 +2240,7 @@
               <a:rPr lang="en-US"/>
               <a:t>Click to edit Master text styles</a:t>
             </a:r>
+            <a:endParaRPr lang="en-US"/>
           </a:p>
         </p:txBody>
       </p:sp>
@@ -2274,7 +2266,6 @@
           <a:p>
             <a:fld id="{026AC302-FCCD-E146-B2BA-2DC398AB059B}" type="datetime1">
               <a:rPr lang="en-US" smtClean="0"/>
-              <a:t>11/5/19</a:t>
             </a:fld>
             <a:endParaRPr lang="en-US"/>
           </a:p>
@@ -2302,8 +2293,9 @@
           <a:p>
             <a:r>
               <a:rPr lang="en-US"/>
-              <a:t>(C) Elephant Scale 2019</a:t>
-            </a:r>
+              <a:t>(C) Elephant Scale 2021</a:t>
+            </a:r>
+            <a:endParaRPr lang="en-US"/>
           </a:p>
         </p:txBody>
       </p:sp>
@@ -2340,6 +2332,14 @@
               </a:rPr>
               <a:t>+</a:t>
             </a:r>
+            <a:endParaRPr sz="5400" b="1">
+              <a:solidFill>
+                <a:schemeClr val="accent1">
+                  <a:lumMod val="60000"/>
+                  <a:lumOff val="40000"/>
+                </a:schemeClr>
+              </a:solidFill>
+            </a:endParaRPr>
           </a:p>
         </p:txBody>
       </p:sp>
@@ -2348,6 +2348,7 @@
   <p:clrMapOvr>
     <a:masterClrMapping/>
   </p:clrMapOvr>
+  <p:hf hdr="0" dt="0"/>
 </p:sldLayout>
 </file>
 
@@ -2410,7 +2411,6 @@
           <a:lstStyle/>
           <a:p>
             <a:pPr algn="ctr"/>
-            <a:endParaRPr/>
           </a:p>
         </p:txBody>
       </p:sp>
@@ -2444,7 +2444,7 @@
               <a:rPr lang="en-US"/>
               <a:t>Click to edit Master title style</a:t>
             </a:r>
-            <a:endParaRPr/>
+            <a:endParaRPr lang="en-US"/>
           </a:p>
         </p:txBody>
       </p:sp>
@@ -2455,7 +2455,7 @@
             <a:spLocks noGrp="1"/>
           </p:cNvSpPr>
           <p:nvPr>
-            <p:ph type="pic" idx="1"/>
+            <p:ph type="pic" idx="1" hasCustomPrompt="1"/>
           </p:nvPr>
         </p:nvSpPr>
         <p:spPr>
@@ -2509,7 +2509,7 @@
               <a:rPr lang="en-US"/>
               <a:t>Drag picture to placeholder or click icon to add</a:t>
             </a:r>
-            <a:endParaRPr/>
+            <a:endParaRPr lang="en-US"/>
           </a:p>
         </p:txBody>
       </p:sp>
@@ -2578,6 +2578,7 @@
               <a:rPr lang="en-US"/>
               <a:t>Click to edit Master text styles</a:t>
             </a:r>
+            <a:endParaRPr lang="en-US"/>
           </a:p>
         </p:txBody>
       </p:sp>
@@ -2603,7 +2604,6 @@
           <a:p>
             <a:fld id="{F51CB026-2E51-5344-8D07-E97778EB3E6E}" type="datetime1">
               <a:rPr lang="en-US" smtClean="0"/>
-              <a:t>11/5/19</a:t>
             </a:fld>
             <a:endParaRPr lang="en-US"/>
           </a:p>
@@ -2631,8 +2631,9 @@
           <a:p>
             <a:r>
               <a:rPr lang="en-US"/>
-              <a:t>(C) Elephant Scale 2019</a:t>
-            </a:r>
+              <a:t>(C) Elephant Scale 2021</a:t>
+            </a:r>
+            <a:endParaRPr lang="en-US"/>
           </a:p>
         </p:txBody>
       </p:sp>
@@ -2653,8 +2654,6 @@
           <a:p>
             <a:fld id="{BA9B540C-44DA-4F69-89C9-7C84606640D3}" type="slidenum">
               <a:rPr lang="en-US" smtClean="0"/>
-              <a:pPr/>
-              <a:t>‹#›</a:t>
             </a:fld>
             <a:endParaRPr lang="en-US"/>
           </a:p>
@@ -2693,6 +2692,14 @@
               </a:rPr>
               <a:t>+ </a:t>
             </a:r>
+            <a:endParaRPr sz="2400" b="1" baseline="0">
+              <a:solidFill>
+                <a:schemeClr val="accent1">
+                  <a:lumMod val="60000"/>
+                  <a:lumOff val="40000"/>
+                </a:schemeClr>
+              </a:solidFill>
+            </a:endParaRPr>
           </a:p>
         </p:txBody>
       </p:sp>
@@ -2701,6 +2708,7 @@
   <p:clrMapOvr>
     <a:masterClrMapping/>
   </p:clrMapOvr>
+  <p:hf hdr="0" dt="0"/>
 </p:sldLayout>
 </file>
 
@@ -2751,7 +2759,7 @@
               <a:rPr lang="en-US"/>
               <a:t>Click to edit Master title style</a:t>
             </a:r>
-            <a:endParaRPr/>
+            <a:endParaRPr lang="en-US"/>
           </a:p>
         </p:txBody>
       </p:sp>
@@ -2762,7 +2770,7 @@
             <a:spLocks noGrp="1"/>
           </p:cNvSpPr>
           <p:nvPr>
-            <p:ph type="pic" idx="1"/>
+            <p:ph type="pic" idx="1" hasCustomPrompt="1"/>
           </p:nvPr>
         </p:nvSpPr>
         <p:spPr>
@@ -2816,7 +2824,7 @@
               <a:rPr lang="en-US"/>
               <a:t>Drag picture to placeholder or click icon to add</a:t>
             </a:r>
-            <a:endParaRPr/>
+            <a:endParaRPr lang="en-US"/>
           </a:p>
         </p:txBody>
       </p:sp>
@@ -2885,6 +2893,7 @@
               <a:rPr lang="en-US"/>
               <a:t>Click to edit Master text styles</a:t>
             </a:r>
+            <a:endParaRPr lang="en-US"/>
           </a:p>
         </p:txBody>
       </p:sp>
@@ -2905,7 +2914,6 @@
           <a:p>
             <a:fld id="{1FF242FD-2098-5649-9BD4-8AA09EBFBFF0}" type="datetime1">
               <a:rPr lang="en-US" smtClean="0"/>
-              <a:t>11/5/19</a:t>
             </a:fld>
             <a:endParaRPr lang="en-US" dirty="0"/>
           </a:p>
@@ -2928,7 +2936,7 @@
           <a:p>
             <a:r>
               <a:rPr lang="en-US"/>
-              <a:t>(C) Elephant Scale 2019</a:t>
+              <a:t>(C) Elephant Scale 2021</a:t>
             </a:r>
             <a:endParaRPr lang="en-US" dirty="0"/>
           </a:p>
@@ -2951,8 +2959,6 @@
           <a:p>
             <a:fld id="{BA9B540C-44DA-4F69-89C9-7C84606640D3}" type="slidenum">
               <a:rPr lang="en-US" smtClean="0"/>
-              <a:pPr/>
-              <a:t>‹#›</a:t>
             </a:fld>
             <a:endParaRPr lang="en-US" dirty="0"/>
           </a:p>
@@ -3000,7 +3006,6 @@
           <a:lstStyle/>
           <a:p>
             <a:pPr algn="ctr"/>
-            <a:endParaRPr/>
           </a:p>
         </p:txBody>
       </p:sp>
@@ -3046,7 +3051,6 @@
           <a:lstStyle/>
           <a:p>
             <a:pPr algn="ctr"/>
-            <a:endParaRPr/>
           </a:p>
         </p:txBody>
       </p:sp>
@@ -3083,6 +3087,14 @@
               </a:rPr>
               <a:t>+ </a:t>
             </a:r>
+            <a:endParaRPr sz="2400" b="1" baseline="0">
+              <a:solidFill>
+                <a:schemeClr val="accent1">
+                  <a:lumMod val="60000"/>
+                  <a:lumOff val="40000"/>
+                </a:schemeClr>
+              </a:solidFill>
+            </a:endParaRPr>
           </a:p>
         </p:txBody>
       </p:sp>
@@ -3091,6 +3103,7 @@
   <p:clrMapOvr>
     <a:masterClrMapping/>
   </p:clrMapOvr>
+  <p:hf hdr="0" dt="0"/>
 </p:sldLayout>
 </file>
 
@@ -3153,7 +3166,6 @@
           <a:lstStyle/>
           <a:p>
             <a:pPr algn="ctr"/>
-            <a:endParaRPr/>
           </a:p>
         </p:txBody>
       </p:sp>
@@ -3191,7 +3203,7 @@
               <a:rPr lang="en-US"/>
               <a:t>Click to edit Master title style</a:t>
             </a:r>
-            <a:endParaRPr/>
+            <a:endParaRPr lang="en-US"/>
           </a:p>
         </p:txBody>
       </p:sp>
@@ -3264,6 +3276,7 @@
               <a:rPr lang="en-US"/>
               <a:t>Click to edit Master text styles</a:t>
             </a:r>
+            <a:endParaRPr lang="en-US"/>
           </a:p>
         </p:txBody>
       </p:sp>
@@ -3297,7 +3310,6 @@
           <a:p>
             <a:fld id="{F1BF92B1-63AC-8148-931D-B7843126E619}" type="datetime1">
               <a:rPr lang="en-US" smtClean="0"/>
-              <a:t>11/5/19</a:t>
             </a:fld>
             <a:endParaRPr lang="en-US" dirty="0"/>
           </a:p>
@@ -3333,7 +3345,7 @@
           <a:p>
             <a:r>
               <a:rPr lang="en-US"/>
-              <a:t>(C) Elephant Scale 2019</a:t>
+              <a:t>(C) Elephant Scale 2021</a:t>
             </a:r>
             <a:endParaRPr lang="en-US" dirty="0"/>
           </a:p>
@@ -3356,8 +3368,6 @@
           <a:p>
             <a:fld id="{BA9B540C-44DA-4F69-89C9-7C84606640D3}" type="slidenum">
               <a:rPr lang="en-US" smtClean="0"/>
-              <a:pPr/>
-              <a:t>‹#›</a:t>
             </a:fld>
             <a:endParaRPr lang="en-US" dirty="0"/>
           </a:p>
@@ -3396,6 +3406,14 @@
               </a:rPr>
               <a:t>+</a:t>
             </a:r>
+            <a:endParaRPr sz="5400" b="1">
+              <a:solidFill>
+                <a:schemeClr val="accent1">
+                  <a:lumMod val="60000"/>
+                  <a:lumOff val="40000"/>
+                </a:schemeClr>
+              </a:solidFill>
+            </a:endParaRPr>
           </a:p>
         </p:txBody>
       </p:sp>
@@ -3441,7 +3459,6 @@
           <a:lstStyle/>
           <a:p>
             <a:pPr algn="ctr"/>
-            <a:endParaRPr/>
           </a:p>
         </p:txBody>
       </p:sp>
@@ -3452,7 +3469,7 @@
             <a:spLocks noGrp="1"/>
           </p:cNvSpPr>
           <p:nvPr>
-            <p:ph type="pic" sz="quarter" idx="13"/>
+            <p:ph type="pic" sz="quarter" idx="13" hasCustomPrompt="1"/>
           </p:nvPr>
         </p:nvSpPr>
         <p:spPr>
@@ -3474,7 +3491,7 @@
               <a:rPr lang="en-US"/>
               <a:t>Drag picture to placeholder or click icon to add</a:t>
             </a:r>
-            <a:endParaRPr/>
+            <a:endParaRPr lang="en-US"/>
           </a:p>
         </p:txBody>
       </p:sp>
@@ -3485,7 +3502,7 @@
             <a:spLocks noGrp="1"/>
           </p:cNvSpPr>
           <p:nvPr>
-            <p:ph type="pic" sz="quarter" idx="14"/>
+            <p:ph type="pic" sz="quarter" idx="14" hasCustomPrompt="1"/>
           </p:nvPr>
         </p:nvSpPr>
         <p:spPr>
@@ -3507,7 +3524,7 @@
               <a:rPr lang="en-US"/>
               <a:t>Drag picture to placeholder or click icon to add</a:t>
             </a:r>
-            <a:endParaRPr/>
+            <a:endParaRPr lang="en-US"/>
           </a:p>
         </p:txBody>
       </p:sp>
@@ -3516,6 +3533,7 @@
   <p:clrMapOvr>
     <a:masterClrMapping/>
   </p:clrMapOvr>
+  <p:hf hdr="0" dt="0"/>
 </p:sldLayout>
 </file>
 
@@ -3578,7 +3596,6 @@
           <a:lstStyle/>
           <a:p>
             <a:pPr algn="ctr"/>
-            <a:endParaRPr/>
           </a:p>
         </p:txBody>
       </p:sp>
@@ -3616,7 +3633,7 @@
               <a:rPr lang="en-US"/>
               <a:t>Click to edit Master title style</a:t>
             </a:r>
-            <a:endParaRPr/>
+            <a:endParaRPr lang="en-US"/>
           </a:p>
         </p:txBody>
       </p:sp>
@@ -3689,6 +3706,7 @@
               <a:rPr lang="en-US"/>
               <a:t>Click to edit Master text styles</a:t>
             </a:r>
+            <a:endParaRPr lang="en-US"/>
           </a:p>
         </p:txBody>
       </p:sp>
@@ -3722,7 +3740,6 @@
           <a:p>
             <a:fld id="{A30764FE-1E17-F547-AB2E-A75EBAEB7687}" type="datetime1">
               <a:rPr lang="en-US" smtClean="0"/>
-              <a:t>11/5/19</a:t>
             </a:fld>
             <a:endParaRPr lang="en-US" dirty="0"/>
           </a:p>
@@ -3758,7 +3775,7 @@
           <a:p>
             <a:r>
               <a:rPr lang="en-US"/>
-              <a:t>(C) Elephant Scale 2019</a:t>
+              <a:t>(C) Elephant Scale 2021</a:t>
             </a:r>
             <a:endParaRPr lang="en-US" dirty="0"/>
           </a:p>
@@ -3781,8 +3798,6 @@
           <a:p>
             <a:fld id="{BA9B540C-44DA-4F69-89C9-7C84606640D3}" type="slidenum">
               <a:rPr lang="en-US" smtClean="0"/>
-              <a:pPr/>
-              <a:t>‹#›</a:t>
             </a:fld>
             <a:endParaRPr lang="en-US" dirty="0"/>
           </a:p>
@@ -3821,6 +3836,14 @@
               </a:rPr>
               <a:t>+</a:t>
             </a:r>
+            <a:endParaRPr sz="5400" b="1">
+              <a:solidFill>
+                <a:schemeClr val="accent1">
+                  <a:lumMod val="60000"/>
+                  <a:lumOff val="40000"/>
+                </a:schemeClr>
+              </a:solidFill>
+            </a:endParaRPr>
           </a:p>
         </p:txBody>
       </p:sp>
@@ -3866,7 +3889,6 @@
           <a:lstStyle/>
           <a:p>
             <a:pPr algn="ctr"/>
-            <a:endParaRPr/>
           </a:p>
         </p:txBody>
       </p:sp>
@@ -3912,7 +3934,6 @@
           <a:lstStyle/>
           <a:p>
             <a:pPr algn="ctr"/>
-            <a:endParaRPr/>
           </a:p>
         </p:txBody>
       </p:sp>
@@ -3923,7 +3944,7 @@
             <a:spLocks noGrp="1"/>
           </p:cNvSpPr>
           <p:nvPr>
-            <p:ph type="pic" sz="quarter" idx="13"/>
+            <p:ph type="pic" sz="quarter" idx="13" hasCustomPrompt="1"/>
           </p:nvPr>
         </p:nvSpPr>
         <p:spPr>
@@ -3945,7 +3966,7 @@
               <a:rPr lang="en-US"/>
               <a:t>Drag picture to placeholder or click icon to add</a:t>
             </a:r>
-            <a:endParaRPr/>
+            <a:endParaRPr lang="en-US"/>
           </a:p>
         </p:txBody>
       </p:sp>
@@ -3956,7 +3977,7 @@
             <a:spLocks noGrp="1"/>
           </p:cNvSpPr>
           <p:nvPr>
-            <p:ph type="pic" sz="quarter" idx="14"/>
+            <p:ph type="pic" sz="quarter" idx="14" hasCustomPrompt="1"/>
           </p:nvPr>
         </p:nvSpPr>
         <p:spPr>
@@ -3978,7 +3999,7 @@
               <a:rPr lang="en-US"/>
               <a:t>Drag picture to placeholder or click icon to add</a:t>
             </a:r>
-            <a:endParaRPr/>
+            <a:endParaRPr lang="en-US"/>
           </a:p>
         </p:txBody>
       </p:sp>
@@ -3989,7 +4010,7 @@
             <a:spLocks noGrp="1"/>
           </p:cNvSpPr>
           <p:nvPr>
-            <p:ph type="pic" sz="quarter" idx="15"/>
+            <p:ph type="pic" sz="quarter" idx="15" hasCustomPrompt="1"/>
           </p:nvPr>
         </p:nvSpPr>
         <p:spPr>
@@ -4011,7 +4032,7 @@
               <a:rPr lang="en-US"/>
               <a:t>Drag picture to placeholder or click icon to add</a:t>
             </a:r>
-            <a:endParaRPr/>
+            <a:endParaRPr lang="en-US"/>
           </a:p>
         </p:txBody>
       </p:sp>
@@ -4020,6 +4041,7 @@
   <p:clrMapOvr>
     <a:masterClrMapping/>
   </p:clrMapOvr>
+  <p:hf hdr="0" dt="0"/>
 </p:sldLayout>
 </file>
 
@@ -4082,7 +4104,6 @@
           <a:lstStyle/>
           <a:p>
             <a:pPr algn="ctr"/>
-            <a:endParaRPr/>
           </a:p>
         </p:txBody>
       </p:sp>
@@ -4116,7 +4137,7 @@
               <a:rPr lang="en-US"/>
               <a:t>Click to edit Master title style</a:t>
             </a:r>
-            <a:endParaRPr/>
+            <a:endParaRPr lang="en-US"/>
           </a:p>
         </p:txBody>
       </p:sp>
@@ -4127,7 +4148,7 @@
             <a:spLocks noGrp="1"/>
           </p:cNvSpPr>
           <p:nvPr>
-            <p:ph type="pic" idx="1"/>
+            <p:ph type="pic" idx="1" hasCustomPrompt="1"/>
           </p:nvPr>
         </p:nvSpPr>
         <p:spPr>
@@ -4181,7 +4202,7 @@
               <a:rPr lang="en-US"/>
               <a:t>Drag picture to placeholder or click icon to add</a:t>
             </a:r>
-            <a:endParaRPr/>
+            <a:endParaRPr lang="en-US"/>
           </a:p>
         </p:txBody>
       </p:sp>
@@ -4250,6 +4271,7 @@
               <a:rPr lang="en-US"/>
               <a:t>Click to edit Master text styles</a:t>
             </a:r>
+            <a:endParaRPr lang="en-US"/>
           </a:p>
         </p:txBody>
       </p:sp>
@@ -4275,7 +4297,6 @@
           <a:p>
             <a:fld id="{FA9C4317-62A3-464F-9E9B-0A8E78E4B4E3}" type="datetime1">
               <a:rPr lang="en-US" smtClean="0"/>
-              <a:t>11/5/19</a:t>
             </a:fld>
             <a:endParaRPr lang="en-US" dirty="0"/>
           </a:p>
@@ -4303,7 +4324,7 @@
           <a:p>
             <a:r>
               <a:rPr lang="en-US"/>
-              <a:t>(C) Elephant Scale 2019</a:t>
+              <a:t>(C) Elephant Scale 2021</a:t>
             </a:r>
             <a:endParaRPr lang="en-US" dirty="0"/>
           </a:p>
@@ -4326,8 +4347,6 @@
           <a:p>
             <a:fld id="{BA9B540C-44DA-4F69-89C9-7C84606640D3}" type="slidenum">
               <a:rPr lang="en-US" smtClean="0"/>
-              <a:pPr/>
-              <a:t>‹#›</a:t>
             </a:fld>
             <a:endParaRPr lang="en-US" dirty="0"/>
           </a:p>
@@ -4366,6 +4385,14 @@
               </a:rPr>
               <a:t>+ </a:t>
             </a:r>
+            <a:endParaRPr sz="2400" b="1" baseline="0">
+              <a:solidFill>
+                <a:schemeClr val="accent1">
+                  <a:lumMod val="60000"/>
+                  <a:lumOff val="40000"/>
+                </a:schemeClr>
+              </a:solidFill>
+            </a:endParaRPr>
           </a:p>
         </p:txBody>
       </p:sp>
@@ -4376,7 +4403,7 @@
             <a:spLocks noGrp="1"/>
           </p:cNvSpPr>
           <p:nvPr>
-            <p:ph type="pic" sz="quarter" idx="13"/>
+            <p:ph type="pic" sz="quarter" idx="13" hasCustomPrompt="1"/>
           </p:nvPr>
         </p:nvSpPr>
         <p:spPr>
@@ -4398,7 +4425,7 @@
               <a:rPr lang="en-US"/>
               <a:t>Drag picture to placeholder or click icon to add</a:t>
             </a:r>
-            <a:endParaRPr/>
+            <a:endParaRPr lang="en-US"/>
           </a:p>
         </p:txBody>
       </p:sp>
@@ -4409,7 +4436,7 @@
             <a:spLocks noGrp="1"/>
           </p:cNvSpPr>
           <p:nvPr>
-            <p:ph type="pic" sz="quarter" idx="14"/>
+            <p:ph type="pic" sz="quarter" idx="14" hasCustomPrompt="1"/>
           </p:nvPr>
         </p:nvSpPr>
         <p:spPr>
@@ -4431,7 +4458,7 @@
               <a:rPr lang="en-US"/>
               <a:t>Drag picture to placeholder or click icon to add</a:t>
             </a:r>
-            <a:endParaRPr/>
+            <a:endParaRPr lang="en-US"/>
           </a:p>
         </p:txBody>
       </p:sp>
@@ -4440,6 +4467,7 @@
   <p:clrMapOvr>
     <a:masterClrMapping/>
   </p:clrMapOvr>
+  <p:hf hdr="0" dt="0"/>
 </p:sldLayout>
 </file>
 
@@ -4502,7 +4530,6 @@
           <a:lstStyle/>
           <a:p>
             <a:pPr algn="ctr"/>
-            <a:endParaRPr/>
           </a:p>
         </p:txBody>
       </p:sp>
@@ -4539,6 +4566,14 @@
               </a:rPr>
               <a:t>+</a:t>
             </a:r>
+            <a:endParaRPr sz="3600" b="1">
+              <a:solidFill>
+                <a:schemeClr val="accent1">
+                  <a:lumMod val="60000"/>
+                  <a:lumOff val="40000"/>
+                </a:schemeClr>
+              </a:solidFill>
+            </a:endParaRPr>
           </a:p>
         </p:txBody>
       </p:sp>
@@ -4561,7 +4596,7 @@
               <a:rPr lang="en-US"/>
               <a:t>Click to edit Master title style</a:t>
             </a:r>
-            <a:endParaRPr/>
+            <a:endParaRPr lang="en-US"/>
           </a:p>
         </p:txBody>
       </p:sp>
@@ -4589,6 +4624,7 @@
               <a:rPr lang="en-US"/>
               <a:t>Click to edit Master text styles</a:t>
             </a:r>
+            <a:endParaRPr lang="en-US"/>
           </a:p>
           <a:p>
             <a:pPr lvl="1"/>
@@ -4596,6 +4632,7 @@
               <a:rPr lang="en-US"/>
               <a:t>Second level</a:t>
             </a:r>
+            <a:endParaRPr lang="en-US"/>
           </a:p>
           <a:p>
             <a:pPr lvl="2"/>
@@ -4603,6 +4640,7 @@
               <a:rPr lang="en-US"/>
               <a:t>Third level</a:t>
             </a:r>
+            <a:endParaRPr lang="en-US"/>
           </a:p>
           <a:p>
             <a:pPr lvl="3"/>
@@ -4610,6 +4648,7 @@
               <a:rPr lang="en-US"/>
               <a:t>Fourth level</a:t>
             </a:r>
+            <a:endParaRPr lang="en-US"/>
           </a:p>
           <a:p>
             <a:pPr lvl="4"/>
@@ -4638,7 +4677,6 @@
           <a:p>
             <a:fld id="{7438221F-CE69-CF46-B8F0-3423D0EE1253}" type="datetime1">
               <a:rPr lang="en-US" smtClean="0"/>
-              <a:t>11/5/19</a:t>
             </a:fld>
             <a:endParaRPr lang="en-US"/>
           </a:p>
@@ -4661,8 +4699,9 @@
           <a:p>
             <a:r>
               <a:rPr lang="en-US"/>
-              <a:t>(C) Elephant Scale 2019</a:t>
-            </a:r>
+              <a:t>(C) Elephant Scale 2021</a:t>
+            </a:r>
+            <a:endParaRPr lang="en-US"/>
           </a:p>
         </p:txBody>
       </p:sp>
@@ -4683,8 +4722,6 @@
           <a:p>
             <a:fld id="{BA9B540C-44DA-4F69-89C9-7C84606640D3}" type="slidenum">
               <a:rPr lang="en-US" smtClean="0"/>
-              <a:pPr/>
-              <a:t>‹#›</a:t>
             </a:fld>
             <a:endParaRPr lang="en-US"/>
           </a:p>
@@ -4695,6 +4732,7 @@
   <p:clrMapOvr>
     <a:masterClrMapping/>
   </p:clrMapOvr>
+  <p:hf hdr="0" dt="0"/>
 </p:sldLayout>
 </file>
 
@@ -4757,7 +4795,6 @@
           <a:lstStyle/>
           <a:p>
             <a:pPr algn="ctr"/>
-            <a:endParaRPr/>
           </a:p>
         </p:txBody>
       </p:sp>
@@ -4780,7 +4817,7 @@
               <a:rPr lang="en-US"/>
               <a:t>Click to edit Master title style</a:t>
             </a:r>
-            <a:endParaRPr/>
+            <a:endParaRPr lang="en-US"/>
           </a:p>
         </p:txBody>
       </p:sp>
@@ -4813,6 +4850,7 @@
               <a:rPr lang="en-US"/>
               <a:t>Click to edit Master text styles</a:t>
             </a:r>
+            <a:endParaRPr lang="en-US"/>
           </a:p>
           <a:p>
             <a:pPr lvl="1"/>
@@ -4820,6 +4858,7 @@
               <a:rPr lang="en-US"/>
               <a:t>Second level</a:t>
             </a:r>
+            <a:endParaRPr lang="en-US"/>
           </a:p>
           <a:p>
             <a:pPr lvl="2"/>
@@ -4827,6 +4866,7 @@
               <a:rPr lang="en-US"/>
               <a:t>Third level</a:t>
             </a:r>
+            <a:endParaRPr lang="en-US"/>
           </a:p>
           <a:p>
             <a:pPr lvl="3"/>
@@ -4834,6 +4874,7 @@
               <a:rPr lang="en-US"/>
               <a:t>Fourth level</a:t>
             </a:r>
+            <a:endParaRPr lang="en-US"/>
           </a:p>
           <a:p>
             <a:pPr lvl="4"/>
@@ -4862,7 +4903,6 @@
           <a:p>
             <a:fld id="{976EEB6F-524F-ED44-B3EA-A1C73B297FA0}" type="datetime1">
               <a:rPr lang="en-US" smtClean="0"/>
-              <a:t>11/5/19</a:t>
             </a:fld>
             <a:endParaRPr lang="en-US"/>
           </a:p>
@@ -4885,8 +4925,9 @@
           <a:p>
             <a:r>
               <a:rPr lang="en-US"/>
-              <a:t>(C) Elephant Scale 2019</a:t>
-            </a:r>
+              <a:t>(C) Elephant Scale 2021</a:t>
+            </a:r>
+            <a:endParaRPr lang="en-US"/>
           </a:p>
         </p:txBody>
       </p:sp>
@@ -4907,8 +4948,6 @@
           <a:p>
             <a:fld id="{BA9B540C-44DA-4F69-89C9-7C84606640D3}" type="slidenum">
               <a:rPr lang="en-US" smtClean="0"/>
-              <a:pPr/>
-              <a:t>‹#›</a:t>
             </a:fld>
             <a:endParaRPr lang="en-US" dirty="0"/>
           </a:p>
@@ -4947,6 +4986,14 @@
               </a:rPr>
               <a:t>+</a:t>
             </a:r>
+            <a:endParaRPr sz="3600" b="1">
+              <a:solidFill>
+                <a:schemeClr val="accent1">
+                  <a:lumMod val="60000"/>
+                  <a:lumOff val="40000"/>
+                </a:schemeClr>
+              </a:solidFill>
+            </a:endParaRPr>
           </a:p>
         </p:txBody>
       </p:sp>
@@ -4955,6 +5002,7 @@
   <p:clrMapOvr>
     <a:masterClrMapping/>
   </p:clrMapOvr>
+  <p:hf hdr="0" dt="0"/>
 </p:sldLayout>
 </file>
 
@@ -5017,7 +5065,6 @@
           <a:lstStyle/>
           <a:p>
             <a:pPr algn="ctr"/>
-            <a:endParaRPr/>
           </a:p>
         </p:txBody>
       </p:sp>
@@ -5045,7 +5092,7 @@
               <a:rPr lang="en-US"/>
               <a:t>Click to edit Master title style</a:t>
             </a:r>
-            <a:endParaRPr/>
+            <a:endParaRPr lang="en-US"/>
           </a:p>
         </p:txBody>
       </p:sp>
@@ -5078,6 +5125,7 @@
               <a:rPr lang="en-US"/>
               <a:t>Click to edit Master text styles</a:t>
             </a:r>
+            <a:endParaRPr lang="en-US"/>
           </a:p>
           <a:p>
             <a:pPr lvl="1"/>
@@ -5085,6 +5133,7 @@
               <a:rPr lang="en-US"/>
               <a:t>Second level</a:t>
             </a:r>
+            <a:endParaRPr lang="en-US"/>
           </a:p>
           <a:p>
             <a:pPr lvl="2"/>
@@ -5092,6 +5141,7 @@
               <a:rPr lang="en-US"/>
               <a:t>Third level</a:t>
             </a:r>
+            <a:endParaRPr lang="en-US"/>
           </a:p>
           <a:p>
             <a:pPr lvl="3"/>
@@ -5099,6 +5149,7 @@
               <a:rPr lang="en-US"/>
               <a:t>Fourth level</a:t>
             </a:r>
+            <a:endParaRPr lang="en-US"/>
           </a:p>
           <a:p>
             <a:pPr lvl="4"/>
@@ -5127,7 +5178,6 @@
           <a:p>
             <a:fld id="{E6BDD5FF-5E2C-834F-B1BD-36491CBECD72}" type="datetime1">
               <a:rPr lang="en-US" smtClean="0"/>
-              <a:t>11/5/19</a:t>
             </a:fld>
             <a:endParaRPr lang="en-US"/>
           </a:p>
@@ -5150,8 +5200,9 @@
           <a:p>
             <a:r>
               <a:rPr lang="en-US"/>
-              <a:t>(C) Elephant Scale 2019</a:t>
-            </a:r>
+              <a:t>(C) Elephant Scale 2021</a:t>
+            </a:r>
+            <a:endParaRPr lang="en-US"/>
           </a:p>
         </p:txBody>
       </p:sp>
@@ -5172,8 +5223,6 @@
           <a:p>
             <a:fld id="{BA9B540C-44DA-4F69-89C9-7C84606640D3}" type="slidenum">
               <a:rPr lang="en-US" smtClean="0"/>
-              <a:pPr/>
-              <a:t>‹#›</a:t>
             </a:fld>
             <a:endParaRPr lang="en-US"/>
           </a:p>
@@ -5212,6 +5261,14 @@
               </a:rPr>
               <a:t>+</a:t>
             </a:r>
+            <a:endParaRPr sz="3600" b="1">
+              <a:solidFill>
+                <a:schemeClr val="accent1">
+                  <a:lumMod val="60000"/>
+                  <a:lumOff val="40000"/>
+                </a:schemeClr>
+              </a:solidFill>
+            </a:endParaRPr>
           </a:p>
         </p:txBody>
       </p:sp>
@@ -5220,6 +5277,7 @@
   <p:clrMapOvr>
     <a:masterClrMapping/>
   </p:clrMapOvr>
+  <p:hf hdr="0" dt="0"/>
 </p:sldLayout>
 </file>
 
@@ -5282,7 +5340,6 @@
           <a:lstStyle/>
           <a:p>
             <a:pPr algn="ctr"/>
-            <a:endParaRPr/>
           </a:p>
         </p:txBody>
       </p:sp>
@@ -5310,7 +5367,7 @@
               <a:rPr lang="en-US"/>
               <a:t>Click to edit Master title style</a:t>
             </a:r>
-            <a:endParaRPr/>
+            <a:endParaRPr lang="en-US"/>
           </a:p>
         </p:txBody>
       </p:sp>
@@ -5338,6 +5395,7 @@
               <a:rPr lang="en-US"/>
               <a:t>Click to edit Master text styles</a:t>
             </a:r>
+            <a:endParaRPr lang="en-US"/>
           </a:p>
           <a:p>
             <a:pPr lvl="1"/>
@@ -5345,6 +5403,7 @@
               <a:rPr lang="en-US"/>
               <a:t>Second level</a:t>
             </a:r>
+            <a:endParaRPr lang="en-US"/>
           </a:p>
           <a:p>
             <a:pPr lvl="2"/>
@@ -5352,6 +5411,7 @@
               <a:rPr lang="en-US"/>
               <a:t>Third level</a:t>
             </a:r>
+            <a:endParaRPr lang="en-US"/>
           </a:p>
           <a:p>
             <a:pPr lvl="3"/>
@@ -5359,6 +5419,7 @@
               <a:rPr lang="en-US"/>
               <a:t>Fourth level</a:t>
             </a:r>
+            <a:endParaRPr lang="en-US"/>
           </a:p>
           <a:p>
             <a:pPr lvl="4"/>
@@ -5387,7 +5448,6 @@
           <a:p>
             <a:fld id="{FE30BA9C-16FD-F347-B6CE-765C43504237}" type="datetime1">
               <a:rPr lang="en-US" smtClean="0"/>
-              <a:t>11/5/19</a:t>
             </a:fld>
             <a:endParaRPr lang="en-US" dirty="0"/>
           </a:p>
@@ -5410,7 +5470,7 @@
           <a:p>
             <a:r>
               <a:rPr lang="en-US"/>
-              <a:t>(C) Elephant Scale 2019</a:t>
+              <a:t>(C) Elephant Scale 2021</a:t>
             </a:r>
             <a:endParaRPr lang="en-US" dirty="0"/>
           </a:p>
@@ -5433,8 +5493,6 @@
           <a:p>
             <a:fld id="{BA9B540C-44DA-4F69-89C9-7C84606640D3}" type="slidenum">
               <a:rPr lang="en-US" smtClean="0"/>
-              <a:pPr/>
-              <a:t>‹#›</a:t>
             </a:fld>
             <a:endParaRPr lang="en-US" dirty="0"/>
           </a:p>
@@ -5473,6 +5531,14 @@
               </a:rPr>
               <a:t>+</a:t>
             </a:r>
+            <a:endParaRPr sz="3600" b="1">
+              <a:solidFill>
+                <a:schemeClr val="accent1">
+                  <a:lumMod val="60000"/>
+                  <a:lumOff val="40000"/>
+                </a:schemeClr>
+              </a:solidFill>
+            </a:endParaRPr>
           </a:p>
         </p:txBody>
       </p:sp>
@@ -5562,13 +5628,13 @@
               <a:buSzTx/>
               <a:buFontTx/>
               <a:buNone/>
-              <a:tabLst/>
               <a:defRPr/>
             </a:pPr>
             <a:r>
               <a:rPr lang="en-US"/>
               <a:t>Click to edit Master text styles</a:t>
             </a:r>
+            <a:endParaRPr lang="en-US"/>
           </a:p>
         </p:txBody>
       </p:sp>
@@ -5577,6 +5643,7 @@
   <p:clrMapOvr>
     <a:masterClrMapping/>
   </p:clrMapOvr>
+  <p:hf hdr="0" dt="0"/>
 </p:sldLayout>
 </file>
 
@@ -5627,7 +5694,7 @@
               <a:rPr lang="en-US"/>
               <a:t>Click to edit Master title style</a:t>
             </a:r>
-            <a:endParaRPr/>
+            <a:endParaRPr lang="en-US"/>
           </a:p>
         </p:txBody>
       </p:sp>
@@ -5781,7 +5848,6 @@
           <a:p>
             <a:fld id="{C5441BAF-611A-5C48-BF5D-456B0597AA05}" type="datetime1">
               <a:rPr lang="en-US" smtClean="0"/>
-              <a:t>11/5/19</a:t>
             </a:fld>
             <a:endParaRPr lang="en-US" dirty="0"/>
           </a:p>
@@ -5813,7 +5879,7 @@
           <a:p>
             <a:r>
               <a:rPr lang="en-US"/>
-              <a:t>(C) Elephant Scale 2019</a:t>
+              <a:t>(C) Elephant Scale 2021</a:t>
             </a:r>
             <a:endParaRPr lang="en-US" dirty="0"/>
           </a:p>
@@ -5861,7 +5927,6 @@
           <a:lstStyle/>
           <a:p>
             <a:pPr algn="ctr"/>
-            <a:endParaRPr/>
           </a:p>
         </p:txBody>
       </p:sp>
@@ -5907,7 +5972,6 @@
           <a:lstStyle/>
           <a:p>
             <a:pPr algn="ctr"/>
-            <a:endParaRPr/>
           </a:p>
         </p:txBody>
       </p:sp>
@@ -5953,7 +6017,6 @@
           <a:lstStyle/>
           <a:p>
             <a:pPr algn="ctr"/>
-            <a:endParaRPr/>
           </a:p>
         </p:txBody>
       </p:sp>
@@ -5964,7 +6027,7 @@
             <a:spLocks noGrp="1"/>
           </p:cNvSpPr>
           <p:nvPr>
-            <p:ph type="pic" sz="quarter" idx="12"/>
+            <p:ph type="pic" sz="quarter" idx="12" hasCustomPrompt="1"/>
           </p:nvPr>
         </p:nvSpPr>
         <p:spPr>
@@ -5986,7 +6049,7 @@
               <a:rPr lang="en-US"/>
               <a:t>Drag picture to placeholder or click icon to add</a:t>
             </a:r>
-            <a:endParaRPr/>
+            <a:endParaRPr lang="en-US"/>
           </a:p>
         </p:txBody>
       </p:sp>
@@ -5997,7 +6060,7 @@
             <a:spLocks noGrp="1"/>
           </p:cNvSpPr>
           <p:nvPr>
-            <p:ph type="pic" sz="quarter" idx="13"/>
+            <p:ph type="pic" sz="quarter" idx="13" hasCustomPrompt="1"/>
           </p:nvPr>
         </p:nvSpPr>
         <p:spPr>
@@ -6019,7 +6082,7 @@
               <a:rPr lang="en-US"/>
               <a:t>Drag picture to placeholder or click icon to add</a:t>
             </a:r>
-            <a:endParaRPr/>
+            <a:endParaRPr lang="en-US"/>
           </a:p>
         </p:txBody>
       </p:sp>
@@ -6074,6 +6137,7 @@
               <a:rPr kumimoji="0" lang="en-US"/>
               <a:t>Click to edit Master text styles</a:t>
             </a:r>
+            <a:endParaRPr kumimoji="0" lang="en-US"/>
           </a:p>
         </p:txBody>
       </p:sp>
@@ -6110,6 +6174,14 @@
               </a:rPr>
               <a:t>+</a:t>
             </a:r>
+            <a:endParaRPr sz="5400" b="1">
+              <a:solidFill>
+                <a:schemeClr val="accent1">
+                  <a:lumMod val="60000"/>
+                  <a:lumOff val="40000"/>
+                </a:schemeClr>
+              </a:solidFill>
+            </a:endParaRPr>
           </a:p>
         </p:txBody>
       </p:sp>
@@ -6118,6 +6190,7 @@
   <p:clrMapOvr>
     <a:masterClrMapping/>
   </p:clrMapOvr>
+  <p:hf hdr="0" dt="0"/>
 </p:sldLayout>
 </file>
 
@@ -6180,7 +6253,6 @@
           <a:lstStyle/>
           <a:p>
             <a:pPr algn="ctr"/>
-            <a:endParaRPr/>
           </a:p>
         </p:txBody>
       </p:sp>
@@ -6218,7 +6290,7 @@
               <a:rPr lang="en-US"/>
               <a:t>Click to edit Master title style</a:t>
             </a:r>
-            <a:endParaRPr/>
+            <a:endParaRPr lang="en-US"/>
           </a:p>
         </p:txBody>
       </p:sp>
@@ -6341,6 +6413,7 @@
               <a:rPr lang="en-US"/>
               <a:t>Click to edit Master text styles</a:t>
             </a:r>
+            <a:endParaRPr lang="en-US"/>
           </a:p>
         </p:txBody>
       </p:sp>
@@ -6374,7 +6447,6 @@
           <a:p>
             <a:fld id="{7D213D8E-39C7-7F40-B854-333AB53DB2E3}" type="datetime1">
               <a:rPr lang="en-US" smtClean="0"/>
-              <a:t>11/5/19</a:t>
             </a:fld>
             <a:endParaRPr lang="en-US"/>
           </a:p>
@@ -6410,8 +6482,9 @@
           <a:p>
             <a:r>
               <a:rPr lang="en-US"/>
-              <a:t>(C) Elephant Scale 2019</a:t>
-            </a:r>
+              <a:t>(C) Elephant Scale 2021</a:t>
+            </a:r>
+            <a:endParaRPr lang="en-US"/>
           </a:p>
         </p:txBody>
       </p:sp>
@@ -6437,8 +6510,6 @@
           <a:p>
             <a:fld id="{BA9B540C-44DA-4F69-89C9-7C84606640D3}" type="slidenum">
               <a:rPr lang="en-US" smtClean="0"/>
-              <a:pPr/>
-              <a:t>‹#›</a:t>
             </a:fld>
             <a:endParaRPr lang="en-US"/>
           </a:p>
@@ -6477,6 +6548,14 @@
               </a:rPr>
               <a:t>+</a:t>
             </a:r>
+            <a:endParaRPr sz="4000" b="1">
+              <a:solidFill>
+                <a:schemeClr val="accent1">
+                  <a:lumMod val="60000"/>
+                  <a:lumOff val="40000"/>
+                </a:schemeClr>
+              </a:solidFill>
+            </a:endParaRPr>
           </a:p>
         </p:txBody>
       </p:sp>
@@ -6522,7 +6601,6 @@
           <a:lstStyle/>
           <a:p>
             <a:pPr algn="ctr"/>
-            <a:endParaRPr/>
           </a:p>
         </p:txBody>
       </p:sp>
@@ -6531,6 +6609,7 @@
   <p:clrMapOvr>
     <a:masterClrMapping/>
   </p:clrMapOvr>
+  <p:hf hdr="0" dt="0"/>
 </p:sldLayout>
 </file>
 
@@ -6593,7 +6672,6 @@
           <a:lstStyle/>
           <a:p>
             <a:pPr algn="ctr"/>
-            <a:endParaRPr/>
           </a:p>
         </p:txBody>
       </p:sp>
@@ -6639,7 +6717,6 @@
           <a:lstStyle/>
           <a:p>
             <a:pPr algn="ctr"/>
-            <a:endParaRPr/>
           </a:p>
         </p:txBody>
       </p:sp>
@@ -6676,6 +6753,14 @@
               </a:rPr>
               <a:t>+</a:t>
             </a:r>
+            <a:endParaRPr sz="3600" b="1">
+              <a:solidFill>
+                <a:schemeClr val="accent1">
+                  <a:lumMod val="60000"/>
+                  <a:lumOff val="40000"/>
+                </a:schemeClr>
+              </a:solidFill>
+            </a:endParaRPr>
           </a:p>
         </p:txBody>
       </p:sp>
@@ -6698,7 +6783,7 @@
               <a:rPr lang="en-US"/>
               <a:t>Click to edit Master title style</a:t>
             </a:r>
-            <a:endParaRPr/>
+            <a:endParaRPr lang="en-US"/>
           </a:p>
         </p:txBody>
       </p:sp>
@@ -6757,6 +6842,7 @@
               <a:rPr lang="en-US"/>
               <a:t>Click to edit Master text styles</a:t>
             </a:r>
+            <a:endParaRPr lang="en-US"/>
           </a:p>
           <a:p>
             <a:pPr lvl="1"/>
@@ -6764,6 +6850,7 @@
               <a:rPr lang="en-US"/>
               <a:t>Second level</a:t>
             </a:r>
+            <a:endParaRPr lang="en-US"/>
           </a:p>
           <a:p>
             <a:pPr lvl="2"/>
@@ -6771,6 +6858,7 @@
               <a:rPr lang="en-US"/>
               <a:t>Third level</a:t>
             </a:r>
+            <a:endParaRPr lang="en-US"/>
           </a:p>
           <a:p>
             <a:pPr lvl="3"/>
@@ -6778,6 +6866,7 @@
               <a:rPr lang="en-US"/>
               <a:t>Fourth level</a:t>
             </a:r>
+            <a:endParaRPr lang="en-US"/>
           </a:p>
           <a:p>
             <a:pPr lvl="4"/>
@@ -6844,6 +6933,7 @@
               <a:rPr lang="en-US"/>
               <a:t>Click to edit Master text styles</a:t>
             </a:r>
+            <a:endParaRPr lang="en-US"/>
           </a:p>
           <a:p>
             <a:pPr lvl="1"/>
@@ -6851,6 +6941,7 @@
               <a:rPr lang="en-US"/>
               <a:t>Second level</a:t>
             </a:r>
+            <a:endParaRPr lang="en-US"/>
           </a:p>
           <a:p>
             <a:pPr lvl="2"/>
@@ -6858,6 +6949,7 @@
               <a:rPr lang="en-US"/>
               <a:t>Third level</a:t>
             </a:r>
+            <a:endParaRPr lang="en-US"/>
           </a:p>
           <a:p>
             <a:pPr lvl="3"/>
@@ -6865,6 +6957,7 @@
               <a:rPr lang="en-US"/>
               <a:t>Fourth level</a:t>
             </a:r>
+            <a:endParaRPr lang="en-US"/>
           </a:p>
           <a:p>
             <a:pPr lvl="4"/>
@@ -6893,7 +6986,6 @@
           <a:p>
             <a:fld id="{120E6F83-D35F-6149-846A-8B224D475C32}" type="datetime1">
               <a:rPr lang="en-US" smtClean="0"/>
-              <a:t>11/5/19</a:t>
             </a:fld>
             <a:endParaRPr lang="en-US"/>
           </a:p>
@@ -6916,8 +7008,9 @@
           <a:p>
             <a:r>
               <a:rPr lang="en-US"/>
-              <a:t>(C) Elephant Scale 2019</a:t>
-            </a:r>
+              <a:t>(C) Elephant Scale 2021</a:t>
+            </a:r>
+            <a:endParaRPr lang="en-US"/>
           </a:p>
         </p:txBody>
       </p:sp>
@@ -6938,8 +7031,6 @@
           <a:p>
             <a:fld id="{BA9B540C-44DA-4F69-89C9-7C84606640D3}" type="slidenum">
               <a:rPr lang="en-US" smtClean="0"/>
-              <a:pPr/>
-              <a:t>‹#›</a:t>
             </a:fld>
             <a:endParaRPr lang="en-US"/>
           </a:p>
@@ -6950,6 +7041,7 @@
   <p:clrMapOvr>
     <a:masterClrMapping/>
   </p:clrMapOvr>
+  <p:hf hdr="0" dt="0"/>
 </p:sldLayout>
 </file>
 
@@ -7012,7 +7104,6 @@
           <a:lstStyle/>
           <a:p>
             <a:pPr algn="ctr"/>
-            <a:endParaRPr/>
           </a:p>
         </p:txBody>
       </p:sp>
@@ -7049,6 +7140,14 @@
               </a:rPr>
               <a:t>+</a:t>
             </a:r>
+            <a:endParaRPr sz="3600" b="1">
+              <a:solidFill>
+                <a:schemeClr val="accent1">
+                  <a:lumMod val="60000"/>
+                  <a:lumOff val="40000"/>
+                </a:schemeClr>
+              </a:solidFill>
+            </a:endParaRPr>
           </a:p>
         </p:txBody>
       </p:sp>
@@ -7075,7 +7174,7 @@
               <a:rPr lang="en-US"/>
               <a:t>Click to edit Master title style</a:t>
             </a:r>
-            <a:endParaRPr/>
+            <a:endParaRPr lang="en-US"/>
           </a:p>
         </p:txBody>
       </p:sp>
@@ -7134,6 +7233,7 @@
               <a:rPr lang="en-US"/>
               <a:t>Click to edit Master text styles</a:t>
             </a:r>
+            <a:endParaRPr lang="en-US"/>
           </a:p>
           <a:p>
             <a:pPr lvl="1"/>
@@ -7141,6 +7241,7 @@
               <a:rPr lang="en-US"/>
               <a:t>Second level</a:t>
             </a:r>
+            <a:endParaRPr lang="en-US"/>
           </a:p>
           <a:p>
             <a:pPr lvl="2"/>
@@ -7148,6 +7249,7 @@
               <a:rPr lang="en-US"/>
               <a:t>Third level</a:t>
             </a:r>
+            <a:endParaRPr lang="en-US"/>
           </a:p>
           <a:p>
             <a:pPr lvl="3"/>
@@ -7155,6 +7257,7 @@
               <a:rPr lang="en-US"/>
               <a:t>Fourth level</a:t>
             </a:r>
+            <a:endParaRPr lang="en-US"/>
           </a:p>
           <a:p>
             <a:pPr lvl="4"/>
@@ -7221,6 +7324,7 @@
               <a:rPr lang="en-US"/>
               <a:t>Click to edit Master text styles</a:t>
             </a:r>
+            <a:endParaRPr lang="en-US"/>
           </a:p>
           <a:p>
             <a:pPr lvl="1"/>
@@ -7228,6 +7332,7 @@
               <a:rPr lang="en-US"/>
               <a:t>Second level</a:t>
             </a:r>
+            <a:endParaRPr lang="en-US"/>
           </a:p>
           <a:p>
             <a:pPr lvl="2"/>
@@ -7235,6 +7340,7 @@
               <a:rPr lang="en-US"/>
               <a:t>Third level</a:t>
             </a:r>
+            <a:endParaRPr lang="en-US"/>
           </a:p>
           <a:p>
             <a:pPr lvl="3"/>
@@ -7242,6 +7348,7 @@
               <a:rPr lang="en-US"/>
               <a:t>Fourth level</a:t>
             </a:r>
+            <a:endParaRPr lang="en-US"/>
           </a:p>
           <a:p>
             <a:pPr lvl="4"/>
@@ -7270,7 +7377,6 @@
           <a:p>
             <a:fld id="{CDC8B48E-3E60-C345-9339-318FD49F2A0D}" type="datetime1">
               <a:rPr lang="en-US" smtClean="0"/>
-              <a:t>11/5/19</a:t>
             </a:fld>
             <a:endParaRPr lang="en-US"/>
           </a:p>
@@ -7293,8 +7399,9 @@
           <a:p>
             <a:r>
               <a:rPr lang="en-US"/>
-              <a:t>(C) Elephant Scale 2019</a:t>
-            </a:r>
+              <a:t>(C) Elephant Scale 2021</a:t>
+            </a:r>
+            <a:endParaRPr lang="en-US"/>
           </a:p>
         </p:txBody>
       </p:sp>
@@ -7315,8 +7422,6 @@
           <a:p>
             <a:fld id="{BA9B540C-44DA-4F69-89C9-7C84606640D3}" type="slidenum">
               <a:rPr lang="en-US" smtClean="0"/>
-              <a:pPr/>
-              <a:t>‹#›</a:t>
             </a:fld>
             <a:endParaRPr lang="en-US"/>
           </a:p>
@@ -7399,6 +7504,7 @@
               <a:rPr lang="en-US"/>
               <a:t>Click to edit Master text styles</a:t>
             </a:r>
+            <a:endParaRPr lang="en-US"/>
           </a:p>
         </p:txBody>
       </p:sp>
@@ -7482,6 +7588,7 @@
               <a:rPr lang="en-US"/>
               <a:t>Click to edit Master text styles</a:t>
             </a:r>
+            <a:endParaRPr lang="en-US"/>
           </a:p>
         </p:txBody>
       </p:sp>
@@ -7490,6 +7597,7 @@
   <p:clrMapOvr>
     <a:masterClrMapping/>
   </p:clrMapOvr>
+  <p:hf hdr="0" dt="0"/>
 </p:sldLayout>
 </file>
 
@@ -7543,6 +7651,14 @@
               </a:rPr>
               <a:t>+</a:t>
             </a:r>
+            <a:endParaRPr sz="3600" b="1">
+              <a:solidFill>
+                <a:schemeClr val="accent1">
+                  <a:lumMod val="60000"/>
+                  <a:lumOff val="40000"/>
+                </a:schemeClr>
+              </a:solidFill>
+            </a:endParaRPr>
           </a:p>
         </p:txBody>
       </p:sp>
@@ -7565,7 +7681,7 @@
               <a:rPr lang="en-US"/>
               <a:t>Click to edit Master title style</a:t>
             </a:r>
-            <a:endParaRPr/>
+            <a:endParaRPr lang="en-US"/>
           </a:p>
         </p:txBody>
       </p:sp>
@@ -7624,6 +7740,7 @@
               <a:rPr lang="en-US"/>
               <a:t>Click to edit Master text styles</a:t>
             </a:r>
+            <a:endParaRPr lang="en-US"/>
           </a:p>
           <a:p>
             <a:pPr lvl="1"/>
@@ -7631,6 +7748,7 @@
               <a:rPr lang="en-US"/>
               <a:t>Second level</a:t>
             </a:r>
+            <a:endParaRPr lang="en-US"/>
           </a:p>
           <a:p>
             <a:pPr lvl="2"/>
@@ -7638,6 +7756,7 @@
               <a:rPr lang="en-US"/>
               <a:t>Third level</a:t>
             </a:r>
+            <a:endParaRPr lang="en-US"/>
           </a:p>
           <a:p>
             <a:pPr lvl="3"/>
@@ -7645,6 +7764,7 @@
               <a:rPr lang="en-US"/>
               <a:t>Fourth level</a:t>
             </a:r>
+            <a:endParaRPr lang="en-US"/>
           </a:p>
           <a:p>
             <a:pPr lvl="4"/>
@@ -7673,7 +7793,6 @@
           <a:p>
             <a:fld id="{D70A28F9-E908-F84D-83BE-06764EAA8274}" type="datetime1">
               <a:rPr lang="en-US" smtClean="0"/>
-              <a:t>11/5/19</a:t>
             </a:fld>
             <a:endParaRPr lang="en-US" dirty="0"/>
           </a:p>
@@ -7696,7 +7815,7 @@
           <a:p>
             <a:r>
               <a:rPr lang="en-US"/>
-              <a:t>(C) Elephant Scale 2019</a:t>
+              <a:t>(C) Elephant Scale 2021</a:t>
             </a:r>
             <a:endParaRPr lang="en-US" dirty="0"/>
           </a:p>
@@ -7757,6 +7876,7 @@
               <a:rPr lang="en-US"/>
               <a:t>Click to edit Master text styles</a:t>
             </a:r>
+            <a:endParaRPr lang="en-US"/>
           </a:p>
           <a:p>
             <a:pPr lvl="1"/>
@@ -7764,6 +7884,7 @@
               <a:rPr lang="en-US"/>
               <a:t>Second level</a:t>
             </a:r>
+            <a:endParaRPr lang="en-US"/>
           </a:p>
           <a:p>
             <a:pPr lvl="2"/>
@@ -7771,6 +7892,7 @@
               <a:rPr lang="en-US"/>
               <a:t>Third level</a:t>
             </a:r>
+            <a:endParaRPr lang="en-US"/>
           </a:p>
           <a:p>
             <a:pPr lvl="3"/>
@@ -7778,6 +7900,7 @@
               <a:rPr lang="en-US"/>
               <a:t>Fourth level</a:t>
             </a:r>
+            <a:endParaRPr lang="en-US"/>
           </a:p>
           <a:p>
             <a:pPr lvl="4"/>
@@ -7831,7 +7954,6 @@
           <a:lstStyle/>
           <a:p>
             <a:pPr algn="ctr"/>
-            <a:endParaRPr/>
           </a:p>
         </p:txBody>
       </p:sp>
@@ -7857,8 +7979,6 @@
           <a:p>
             <a:fld id="{BA9B540C-44DA-4F69-89C9-7C84606640D3}" type="slidenum">
               <a:rPr lang="en-US" smtClean="0"/>
-              <a:pPr/>
-              <a:t>‹#›</a:t>
             </a:fld>
             <a:endParaRPr lang="en-US" dirty="0"/>
           </a:p>
@@ -7869,6 +7989,7 @@
   <p:clrMapOvr>
     <a:masterClrMapping/>
   </p:clrMapOvr>
+  <p:hf hdr="0" dt="0"/>
 </p:sldLayout>
 </file>
 
@@ -7931,7 +8052,6 @@
           <a:lstStyle/>
           <a:p>
             <a:pPr algn="ctr"/>
-            <a:endParaRPr/>
           </a:p>
         </p:txBody>
       </p:sp>
@@ -7968,6 +8088,14 @@
               </a:rPr>
               <a:t>+</a:t>
             </a:r>
+            <a:endParaRPr sz="3600" b="1">
+              <a:solidFill>
+                <a:schemeClr val="accent1">
+                  <a:lumMod val="60000"/>
+                  <a:lumOff val="40000"/>
+                </a:schemeClr>
+              </a:solidFill>
+            </a:endParaRPr>
           </a:p>
         </p:txBody>
       </p:sp>
@@ -7990,7 +8118,7 @@
               <a:rPr lang="en-US"/>
               <a:t>Click to edit Master title style</a:t>
             </a:r>
-            <a:endParaRPr/>
+            <a:endParaRPr lang="en-US"/>
           </a:p>
         </p:txBody>
       </p:sp>
@@ -8049,6 +8177,7 @@
               <a:rPr lang="en-US"/>
               <a:t>Click to edit Master text styles</a:t>
             </a:r>
+            <a:endParaRPr lang="en-US"/>
           </a:p>
           <a:p>
             <a:pPr lvl="1"/>
@@ -8056,6 +8185,7 @@
               <a:rPr lang="en-US"/>
               <a:t>Second level</a:t>
             </a:r>
+            <a:endParaRPr lang="en-US"/>
           </a:p>
           <a:p>
             <a:pPr lvl="2"/>
@@ -8063,6 +8193,7 @@
               <a:rPr lang="en-US"/>
               <a:t>Third level</a:t>
             </a:r>
+            <a:endParaRPr lang="en-US"/>
           </a:p>
           <a:p>
             <a:pPr lvl="3"/>
@@ -8070,6 +8201,7 @@
               <a:rPr lang="en-US"/>
               <a:t>Fourth level</a:t>
             </a:r>
+            <a:endParaRPr lang="en-US"/>
           </a:p>
           <a:p>
             <a:pPr lvl="4"/>
@@ -8098,7 +8230,6 @@
           <a:p>
             <a:fld id="{C414A0F5-F26F-EC4B-97BF-EA491D1169A6}" type="datetime1">
               <a:rPr lang="en-US" smtClean="0"/>
-              <a:t>11/5/19</a:t>
             </a:fld>
             <a:endParaRPr lang="en-US" dirty="0"/>
           </a:p>
@@ -8121,7 +8252,7 @@
           <a:p>
             <a:r>
               <a:rPr lang="en-US"/>
-              <a:t>(C) Elephant Scale 2019</a:t>
+              <a:t>(C) Elephant Scale 2021</a:t>
             </a:r>
             <a:endParaRPr lang="en-US" dirty="0"/>
           </a:p>
@@ -8144,8 +8275,6 @@
           <a:p>
             <a:fld id="{BA9B540C-44DA-4F69-89C9-7C84606640D3}" type="slidenum">
               <a:rPr lang="en-US" smtClean="0"/>
-              <a:pPr/>
-              <a:t>‹#›</a:t>
             </a:fld>
             <a:endParaRPr lang="en-US" dirty="0"/>
           </a:p>
@@ -8206,6 +8335,7 @@
               <a:rPr lang="en-US"/>
               <a:t>Click to edit Master text styles</a:t>
             </a:r>
+            <a:endParaRPr lang="en-US"/>
           </a:p>
           <a:p>
             <a:pPr lvl="1"/>
@@ -8213,6 +8343,7 @@
               <a:rPr lang="en-US"/>
               <a:t>Second level</a:t>
             </a:r>
+            <a:endParaRPr lang="en-US"/>
           </a:p>
           <a:p>
             <a:pPr lvl="2"/>
@@ -8220,6 +8351,7 @@
               <a:rPr lang="en-US"/>
               <a:t>Third level</a:t>
             </a:r>
+            <a:endParaRPr lang="en-US"/>
           </a:p>
           <a:p>
             <a:pPr lvl="3"/>
@@ -8227,6 +8359,7 @@
               <a:rPr lang="en-US"/>
               <a:t>Fourth level</a:t>
             </a:r>
+            <a:endParaRPr lang="en-US"/>
           </a:p>
           <a:p>
             <a:pPr lvl="4"/>
@@ -8293,6 +8426,7 @@
               <a:rPr lang="en-US"/>
               <a:t>Click to edit Master text styles</a:t>
             </a:r>
+            <a:endParaRPr lang="en-US"/>
           </a:p>
           <a:p>
             <a:pPr lvl="1"/>
@@ -8300,6 +8434,7 @@
               <a:rPr lang="en-US"/>
               <a:t>Second level</a:t>
             </a:r>
+            <a:endParaRPr lang="en-US"/>
           </a:p>
           <a:p>
             <a:pPr lvl="2"/>
@@ -8307,6 +8442,7 @@
               <a:rPr lang="en-US"/>
               <a:t>Third level</a:t>
             </a:r>
+            <a:endParaRPr lang="en-US"/>
           </a:p>
           <a:p>
             <a:pPr lvl="3"/>
@@ -8314,6 +8450,7 @@
               <a:rPr lang="en-US"/>
               <a:t>Fourth level</a:t>
             </a:r>
+            <a:endParaRPr lang="en-US"/>
           </a:p>
           <a:p>
             <a:pPr lvl="4"/>
@@ -8330,6 +8467,7 @@
   <p:clrMapOvr>
     <a:masterClrMapping/>
   </p:clrMapOvr>
+  <p:hf hdr="0" dt="0"/>
 </p:sldLayout>
 </file>
 
@@ -8384,7 +8522,7 @@
               <a:rPr lang="en-US"/>
               <a:t>Click to edit Master title style</a:t>
             </a:r>
-            <a:endParaRPr/>
+            <a:endParaRPr lang="en-US"/>
           </a:p>
         </p:txBody>
       </p:sp>
@@ -8418,6 +8556,7 @@
               <a:rPr lang="en-US"/>
               <a:t>Click to edit Master text styles</a:t>
             </a:r>
+            <a:endParaRPr lang="en-US"/>
           </a:p>
           <a:p>
             <a:pPr lvl="1"/>
@@ -8425,6 +8564,7 @@
               <a:rPr lang="en-US"/>
               <a:t>Second level</a:t>
             </a:r>
+            <a:endParaRPr lang="en-US"/>
           </a:p>
           <a:p>
             <a:pPr lvl="2"/>
@@ -8432,6 +8572,7 @@
               <a:rPr lang="en-US"/>
               <a:t>Third level</a:t>
             </a:r>
+            <a:endParaRPr lang="en-US"/>
           </a:p>
           <a:p>
             <a:pPr lvl="3"/>
@@ -8439,6 +8580,7 @@
               <a:rPr lang="en-US"/>
               <a:t>Fourth level</a:t>
             </a:r>
+            <a:endParaRPr lang="en-US"/>
           </a:p>
           <a:p>
             <a:pPr lvl="4"/>
@@ -8486,7 +8628,6 @@
           <a:p>
             <a:fld id="{8F73959D-1378-7041-92FF-0F142FC82D7A}" type="datetime1">
               <a:rPr lang="en-US" smtClean="0"/>
-              <a:t>11/5/19</a:t>
             </a:fld>
             <a:endParaRPr lang="en-US" dirty="0"/>
           </a:p>
@@ -8528,7 +8669,7 @@
           <a:p>
             <a:r>
               <a:rPr lang="en-US"/>
-              <a:t>(C) Elephant Scale 2019</a:t>
+              <a:t>(C) Elephant Scale 2021</a:t>
             </a:r>
             <a:endParaRPr lang="en-US" dirty="0"/>
           </a:p>
@@ -8567,8 +8708,6 @@
           <a:p>
             <a:fld id="{BA9B540C-44DA-4F69-89C9-7C84606640D3}" type="slidenum">
               <a:rPr lang="en-US" smtClean="0"/>
-              <a:pPr/>
-              <a:t>‹#›</a:t>
             </a:fld>
             <a:endParaRPr lang="en-US" dirty="0"/>
           </a:p>
@@ -8578,26 +8717,26 @@
   </p:cSld>
   <p:clrMap bg1="lt1" tx1="dk1" bg2="lt2" tx2="dk2" accent1="accent1" accent2="accent2" accent3="accent3" accent4="accent4" accent5="accent5" accent6="accent6" hlink="hlink" folHlink="folHlink"/>
   <p:sldLayoutIdLst>
-    <p:sldLayoutId id="2147483867" r:id="rId1"/>
-    <p:sldLayoutId id="2147483868" r:id="rId2"/>
-    <p:sldLayoutId id="2147483869" r:id="rId3"/>
-    <p:sldLayoutId id="2147483870" r:id="rId4"/>
-    <p:sldLayoutId id="2147483871" r:id="rId5"/>
-    <p:sldLayoutId id="2147483872" r:id="rId6"/>
-    <p:sldLayoutId id="2147483873" r:id="rId7"/>
-    <p:sldLayoutId id="2147483874" r:id="rId8"/>
-    <p:sldLayoutId id="2147483875" r:id="rId9"/>
-    <p:sldLayoutId id="2147483876" r:id="rId10"/>
-    <p:sldLayoutId id="2147483877" r:id="rId11"/>
-    <p:sldLayoutId id="2147483878" r:id="rId12"/>
-    <p:sldLayoutId id="2147483879" r:id="rId13"/>
-    <p:sldLayoutId id="2147483880" r:id="rId14"/>
-    <p:sldLayoutId id="2147483881" r:id="rId15"/>
-    <p:sldLayoutId id="2147483882" r:id="rId16"/>
-    <p:sldLayoutId id="2147483883" r:id="rId17"/>
-    <p:sldLayoutId id="2147483884" r:id="rId18"/>
-    <p:sldLayoutId id="2147483885" r:id="rId19"/>
-    <p:sldLayoutId id="2147483886" r:id="rId20"/>
+    <p:sldLayoutId id="2147483649" r:id="rId1"/>
+    <p:sldLayoutId id="2147483650" r:id="rId2"/>
+    <p:sldLayoutId id="2147483651" r:id="rId3"/>
+    <p:sldLayoutId id="2147483652" r:id="rId4"/>
+    <p:sldLayoutId id="2147483653" r:id="rId5"/>
+    <p:sldLayoutId id="2147483654" r:id="rId6"/>
+    <p:sldLayoutId id="2147483655" r:id="rId7"/>
+    <p:sldLayoutId id="2147483656" r:id="rId8"/>
+    <p:sldLayoutId id="2147483657" r:id="rId9"/>
+    <p:sldLayoutId id="2147483658" r:id="rId10"/>
+    <p:sldLayoutId id="2147483659" r:id="rId11"/>
+    <p:sldLayoutId id="2147483660" r:id="rId12"/>
+    <p:sldLayoutId id="2147483661" r:id="rId13"/>
+    <p:sldLayoutId id="2147483662" r:id="rId14"/>
+    <p:sldLayoutId id="2147483663" r:id="rId15"/>
+    <p:sldLayoutId id="2147483664" r:id="rId16"/>
+    <p:sldLayoutId id="2147483665" r:id="rId17"/>
+    <p:sldLayoutId id="2147483666" r:id="rId18"/>
+    <p:sldLayoutId id="2147483667" r:id="rId19"/>
+    <p:sldLayoutId id="2147483668" r:id="rId20"/>
   </p:sldLayoutIdLst>
   <p:hf hdr="0" dt="0"/>
   <p:txStyles>
@@ -8626,7 +8765,7 @@
           <a:schemeClr val="accent1"/>
         </a:buClr>
         <a:buSzPct val="75000"/>
-        <a:buFont typeface="Wingdings" pitchFamily="2" charset="2"/>
+        <a:buFont typeface="Wingdings" panose="05000000000000000000" pitchFamily="2" charset="2"/>
         <a:buChar char="n"/>
         <a:defRPr sz="2000" kern="1200">
           <a:solidFill>
@@ -8651,7 +8790,7 @@
           </a:schemeClr>
         </a:buClr>
         <a:buSzPct val="75000"/>
-        <a:buFont typeface="Wingdings" pitchFamily="2" charset="2"/>
+        <a:buFont typeface="Wingdings" panose="05000000000000000000" pitchFamily="2" charset="2"/>
         <a:buChar char="n"/>
         <a:defRPr sz="1800" kern="1200">
           <a:solidFill>
@@ -8673,7 +8812,7 @@
           <a:schemeClr val="accent1"/>
         </a:buClr>
         <a:buSzPct val="75000"/>
-        <a:buFont typeface="Wingdings" pitchFamily="2" charset="2"/>
+        <a:buFont typeface="Wingdings" panose="05000000000000000000" pitchFamily="2" charset="2"/>
         <a:buChar char="n"/>
         <a:defRPr sz="1800" kern="1200">
           <a:solidFill>
@@ -8698,7 +8837,7 @@
           </a:schemeClr>
         </a:buClr>
         <a:buSzPct val="75000"/>
-        <a:buFont typeface="Wingdings" pitchFamily="2" charset="2"/>
+        <a:buFont typeface="Wingdings" panose="05000000000000000000" pitchFamily="2" charset="2"/>
         <a:buChar char="n"/>
         <a:defRPr sz="1800" kern="1200">
           <a:solidFill>
@@ -8720,7 +8859,7 @@
           <a:schemeClr val="accent1"/>
         </a:buClr>
         <a:buSzPct val="75000"/>
-        <a:buFont typeface="Wingdings" pitchFamily="2" charset="2"/>
+        <a:buFont typeface="Wingdings" panose="05000000000000000000" pitchFamily="2" charset="2"/>
         <a:buChar char="n"/>
         <a:defRPr sz="1800" kern="1200">
           <a:solidFill>
@@ -8745,7 +8884,7 @@
           </a:schemeClr>
         </a:buClr>
         <a:buSzPct val="75000"/>
-        <a:buFont typeface="Wingdings" pitchFamily="2" charset="2"/>
+        <a:buFont typeface="Wingdings" panose="05000000000000000000" pitchFamily="2" charset="2"/>
         <a:buChar char=""/>
         <a:defRPr lang="en-US" sz="1800" kern="1200" dirty="0" smtClean="0">
           <a:solidFill>
@@ -8767,7 +8906,7 @@
           <a:schemeClr val="accent1"/>
         </a:buClr>
         <a:buSzPct val="75000"/>
-        <a:buFont typeface="Wingdings" pitchFamily="2" charset="2"/>
+        <a:buFont typeface="Wingdings" panose="05000000000000000000" pitchFamily="2" charset="2"/>
         <a:buChar char=""/>
         <a:defRPr lang="en-US" sz="1800" kern="1200" baseline="0" dirty="0" smtClean="0">
           <a:solidFill>
@@ -8781,7 +8920,7 @@
           <a:cs typeface="+mn-cs"/>
         </a:defRPr>
       </a:lvl7pPr>
-      <a:lvl8pPr marL="1830388" indent="-228600" algn="l" defTabSz="914400" rtl="0" eaLnBrk="1" latinLnBrk="0" hangingPunct="1">
+      <a:lvl8pPr marL="1830705" indent="-228600" algn="l" defTabSz="914400" rtl="0" eaLnBrk="1" latinLnBrk="0" hangingPunct="1">
         <a:spcBef>
           <a:spcPct val="20000"/>
         </a:spcBef>
@@ -8792,7 +8931,7 @@
           </a:schemeClr>
         </a:buClr>
         <a:buSzPct val="75000"/>
-        <a:buFont typeface="Wingdings" pitchFamily="2" charset="2"/>
+        <a:buFont typeface="Wingdings" panose="05000000000000000000" pitchFamily="2" charset="2"/>
         <a:buChar char=""/>
         <a:defRPr lang="en-US" sz="1800" kern="1200" baseline="0" dirty="0" smtClean="0">
           <a:solidFill>
@@ -8814,7 +8953,7 @@
           <a:schemeClr val="accent1"/>
         </a:buClr>
         <a:buSzPct val="75000"/>
-        <a:buFont typeface="Wingdings" pitchFamily="2" charset="2"/>
+        <a:buFont typeface="Wingdings" panose="05000000000000000000" pitchFamily="2" charset="2"/>
         <a:buChar char=""/>
         <a:defRPr lang="en-US" sz="1800" kern="1200" baseline="0" dirty="0">
           <a:solidFill>
@@ -8948,9 +9087,7 @@
       <p:sp>
         <p:nvSpPr>
           <p:cNvPr id="8201" name="AutoShape 8"/>
-          <p:cNvSpPr>
-            <a:spLocks/>
-          </p:cNvSpPr>
+          <p:cNvSpPr/>
           <p:nvPr/>
         </p:nvSpPr>
         <p:spPr bwMode="auto">
@@ -9053,7 +9190,7 @@
           <a:bodyPr lIns="88896" tIns="50798" rIns="88896" bIns="50798"/>
           <a:lstStyle/>
           <a:p>
-            <a:pPr algn="r" defTabSz="914145"/>
+            <a:pPr algn="r" defTabSz="914400"/>
             <a:endParaRPr lang="en-US" sz="2700" b="1" dirty="0">
               <a:solidFill>
                 <a:srgbClr val="FFFFFF"/>
@@ -9093,6 +9230,7 @@
               <a:rPr lang="en-US" dirty="0"/>
               <a:t> for Developers</a:t>
             </a:r>
+            <a:endParaRPr lang="en-US" dirty="0"/>
           </a:p>
         </p:txBody>
       </p:sp>
@@ -9122,24 +9260,28 @@
               <a:rPr lang="en-US" sz="2400" dirty="0"/>
               <a:t>Concepts </a:t>
             </a:r>
+            <a:endParaRPr lang="en-US" sz="2400" dirty="0"/>
           </a:p>
           <a:p>
             <a:r>
               <a:rPr lang="en-US" sz="2400" dirty="0"/>
               <a:t>	Hands-on exercises</a:t>
             </a:r>
+            <a:endParaRPr lang="en-US" sz="2400" dirty="0"/>
           </a:p>
           <a:p>
             <a:r>
               <a:rPr lang="en-US" sz="2400" dirty="0"/>
               <a:t>		Command-line</a:t>
             </a:r>
+            <a:endParaRPr lang="en-US" sz="2400" dirty="0"/>
           </a:p>
           <a:p>
             <a:r>
               <a:rPr lang="en-US" sz="2400" dirty="0"/>
               <a:t>			UI clients</a:t>
             </a:r>
+            <a:endParaRPr lang="en-US" sz="2400" dirty="0"/>
           </a:p>
           <a:p>
             <a:endParaRPr lang="en-US" sz="2400" dirty="0"/>
@@ -9172,18 +9314,13 @@
               <a:rPr lang="en-US" dirty="0"/>
               <a:t>© Elephant Scale, 2019</a:t>
             </a:r>
-          </a:p>
-        </p:txBody>
-      </p:sp>
-      <p:sp>
-        <p:nvSpPr>
-          <p:cNvPr id="6" name="Footer Placeholder 5">
-            <a:extLst>
-              <a:ext uri="{FF2B5EF4-FFF2-40B4-BE49-F238E27FC236}">
-                <a16:creationId xmlns:a16="http://schemas.microsoft.com/office/drawing/2014/main" id="{F1C28F59-DE04-8A49-9522-040981C58022}"/>
-              </a:ext>
-            </a:extLst>
-          </p:cNvPr>
+            <a:endParaRPr lang="en-US" dirty="0"/>
+          </a:p>
+        </p:txBody>
+      </p:sp>
+      <p:sp>
+        <p:nvSpPr>
+          <p:cNvPr id="6" name="Footer Placeholder 5"/>
           <p:cNvSpPr>
             <a:spLocks noGrp="1"/>
           </p:cNvSpPr>
@@ -9198,18 +9335,13 @@
           <a:p>
             <a:r>
               <a:rPr lang="en-US"/>
-              <a:t>(C) Elephant Scale 2019</a:t>
+              <a:t>(C) Elephant Scale 2021</a:t>
             </a:r>
             <a:endParaRPr lang="en-US" dirty="0"/>
           </a:p>
         </p:txBody>
       </p:sp>
     </p:spTree>
-    <p:extLst>
-      <p:ext uri="{BB962C8B-B14F-4D97-AF65-F5344CB8AC3E}">
-        <p14:creationId xmlns:p14="http://schemas.microsoft.com/office/powerpoint/2010/main" val="1962641461"/>
-      </p:ext>
-    </p:extLst>
   </p:cSld>
   <p:clrMapOvr>
     <a:masterClrMapping/>
@@ -9254,6 +9386,7 @@
               <a:rPr lang="en-US" dirty="0"/>
               <a:t>How we will approach the terms</a:t>
             </a:r>
+            <a:endParaRPr lang="en-US" dirty="0"/>
           </a:p>
         </p:txBody>
       </p:sp>
@@ -9283,6 +9416,7 @@
               <a:rPr lang="en-US" dirty="0"/>
               <a:t>Define</a:t>
             </a:r>
+            <a:endParaRPr lang="en-US" dirty="0"/>
           </a:p>
           <a:p>
             <a:pPr>
@@ -9294,6 +9428,7 @@
               <a:rPr lang="en-US" dirty="0"/>
               <a:t>Give examples</a:t>
             </a:r>
+            <a:endParaRPr lang="en-US" dirty="0"/>
           </a:p>
           <a:p>
             <a:pPr>
@@ -9305,6 +9440,7 @@
               <a:rPr lang="en-US" dirty="0"/>
               <a:t>Hands-on</a:t>
             </a:r>
+            <a:endParaRPr lang="en-US" dirty="0"/>
           </a:p>
           <a:p>
             <a:pPr lvl="1">
@@ -9318,13 +9454,7 @@
       </p:sp>
       <p:sp>
         <p:nvSpPr>
-          <p:cNvPr id="5" name="Slide Number Placeholder 4">
-            <a:extLst>
-              <a:ext uri="{FF2B5EF4-FFF2-40B4-BE49-F238E27FC236}">
-                <a16:creationId xmlns:a16="http://schemas.microsoft.com/office/drawing/2014/main" id="{47FC82A4-7478-5844-B050-6DF1A916259C}"/>
-              </a:ext>
-            </a:extLst>
-          </p:cNvPr>
+          <p:cNvPr id="5" name="Slide Number Placeholder 4"/>
           <p:cNvSpPr>
             <a:spLocks noGrp="1"/>
           </p:cNvSpPr>
@@ -9339,8 +9469,6 @@
           <a:p>
             <a:fld id="{BA9B540C-44DA-4F69-89C9-7C84606640D3}" type="slidenum">
               <a:rPr lang="en-US" smtClean="0"/>
-              <a:pPr/>
-              <a:t>10</a:t>
             </a:fld>
             <a:endParaRPr lang="en-US" dirty="0"/>
           </a:p>
@@ -9348,13 +9476,7 @@
       </p:sp>
       <p:sp>
         <p:nvSpPr>
-          <p:cNvPr id="6" name="Footer Placeholder 5">
-            <a:extLst>
-              <a:ext uri="{FF2B5EF4-FFF2-40B4-BE49-F238E27FC236}">
-                <a16:creationId xmlns:a16="http://schemas.microsoft.com/office/drawing/2014/main" id="{DAE16FC5-4ECC-1045-A7FB-324BA28B7FAC}"/>
-              </a:ext>
-            </a:extLst>
-          </p:cNvPr>
+          <p:cNvPr id="6" name="Footer Placeholder 5"/>
           <p:cNvSpPr>
             <a:spLocks noGrp="1"/>
           </p:cNvSpPr>
@@ -9369,17 +9491,13 @@
           <a:p>
             <a:r>
               <a:rPr lang="en-US"/>
-              <a:t>(C) Elephant Scale 2019</a:t>
-            </a:r>
+              <a:t>(C) Elephant Scale 2021</a:t>
+            </a:r>
+            <a:endParaRPr lang="en-US"/>
           </a:p>
         </p:txBody>
       </p:sp>
     </p:spTree>
-    <p:extLst>
-      <p:ext uri="{BB962C8B-B14F-4D97-AF65-F5344CB8AC3E}">
-        <p14:creationId xmlns:p14="http://schemas.microsoft.com/office/powerpoint/2010/main" val="1540141120"/>
-      </p:ext>
-    </p:extLst>
   </p:cSld>
   <p:clrMapOvr>
     <a:masterClrMapping/>
@@ -9551,6 +9669,7 @@
               <a:rPr lang="en-US" dirty="0"/>
               <a:t>Repository</a:t>
             </a:r>
+            <a:endParaRPr lang="en-US" dirty="0"/>
           </a:p>
         </p:txBody>
       </p:sp>
@@ -9573,24 +9692,28 @@
               <a:rPr lang="en-US" dirty="0"/>
               <a:t>A set of files and directories</a:t>
             </a:r>
+            <a:endParaRPr lang="en-US" dirty="0"/>
           </a:p>
           <a:p>
             <a:r>
               <a:rPr lang="en-US" dirty="0"/>
               <a:t>Historical record of changes in the repository</a:t>
             </a:r>
+            <a:endParaRPr lang="en-US" dirty="0"/>
           </a:p>
           <a:p>
             <a:r>
               <a:rPr lang="en-US" dirty="0"/>
               <a:t>A set of commit objects</a:t>
             </a:r>
+            <a:endParaRPr lang="en-US" dirty="0"/>
           </a:p>
           <a:p>
             <a:r>
               <a:rPr lang="en-US" dirty="0"/>
               <a:t>A set of references to commit objects, called heads</a:t>
             </a:r>
+            <a:endParaRPr lang="en-US" dirty="0"/>
           </a:p>
           <a:p>
             <a:endParaRPr lang="en-US" dirty="0"/>
@@ -9600,6 +9723,7 @@
               <a:rPr lang="en-US" dirty="0"/>
               <a:t>Let us give examples of what qualifies as a repository</a:t>
             </a:r>
+            <a:endParaRPr lang="en-US" dirty="0"/>
           </a:p>
           <a:p>
             <a:pPr lvl="1"/>
@@ -9607,6 +9731,7 @@
               <a:rPr lang="en-US" dirty="0"/>
               <a:t>A copy of a project directory?</a:t>
             </a:r>
+            <a:endParaRPr lang="en-US" dirty="0"/>
           </a:p>
           <a:p>
             <a:pPr lvl="1"/>
@@ -9614,6 +9739,7 @@
               <a:rPr lang="en-US" dirty="0"/>
               <a:t>CVS? Subversion?</a:t>
             </a:r>
+            <a:endParaRPr lang="en-US" dirty="0"/>
           </a:p>
           <a:p>
             <a:r>
@@ -9624,18 +9750,13 @@
               <a:rPr lang="en-US" dirty="0"/>
               <a:t> is a complete repository, either local and remote</a:t>
             </a:r>
-          </a:p>
-        </p:txBody>
-      </p:sp>
-      <p:sp>
-        <p:nvSpPr>
-          <p:cNvPr id="5" name="Slide Number Placeholder 4">
-            <a:extLst>
-              <a:ext uri="{FF2B5EF4-FFF2-40B4-BE49-F238E27FC236}">
-                <a16:creationId xmlns:a16="http://schemas.microsoft.com/office/drawing/2014/main" id="{85C53088-830A-C64C-A63C-D8125F2ECC1B}"/>
-              </a:ext>
-            </a:extLst>
-          </p:cNvPr>
+            <a:endParaRPr lang="en-US" dirty="0"/>
+          </a:p>
+        </p:txBody>
+      </p:sp>
+      <p:sp>
+        <p:nvSpPr>
+          <p:cNvPr id="5" name="Slide Number Placeholder 4"/>
           <p:cNvSpPr>
             <a:spLocks noGrp="1"/>
           </p:cNvSpPr>
@@ -9650,8 +9771,6 @@
           <a:p>
             <a:fld id="{BA9B540C-44DA-4F69-89C9-7C84606640D3}" type="slidenum">
               <a:rPr lang="en-US" smtClean="0"/>
-              <a:pPr/>
-              <a:t>11</a:t>
             </a:fld>
             <a:endParaRPr lang="en-US" dirty="0"/>
           </a:p>
@@ -9659,13 +9778,7 @@
       </p:sp>
       <p:sp>
         <p:nvSpPr>
-          <p:cNvPr id="6" name="Footer Placeholder 5">
-            <a:extLst>
-              <a:ext uri="{FF2B5EF4-FFF2-40B4-BE49-F238E27FC236}">
-                <a16:creationId xmlns:a16="http://schemas.microsoft.com/office/drawing/2014/main" id="{C45A4470-8905-D14D-A3F8-3002293CE809}"/>
-              </a:ext>
-            </a:extLst>
-          </p:cNvPr>
+          <p:cNvPr id="6" name="Footer Placeholder 5"/>
           <p:cNvSpPr>
             <a:spLocks noGrp="1"/>
           </p:cNvSpPr>
@@ -9680,17 +9793,13 @@
           <a:p>
             <a:r>
               <a:rPr lang="en-US"/>
-              <a:t>(C) Elephant Scale 2019</a:t>
-            </a:r>
+              <a:t>(C) Elephant Scale 2021</a:t>
+            </a:r>
+            <a:endParaRPr lang="en-US"/>
           </a:p>
         </p:txBody>
       </p:sp>
     </p:spTree>
-    <p:extLst>
-      <p:ext uri="{BB962C8B-B14F-4D97-AF65-F5344CB8AC3E}">
-        <p14:creationId xmlns:p14="http://schemas.microsoft.com/office/powerpoint/2010/main" val="1904608092"/>
-      </p:ext>
-    </p:extLst>
   </p:cSld>
   <p:clrMapOvr>
     <a:masterClrMapping/>
@@ -9924,6 +10033,7 @@
               <a:rPr lang="en-US" dirty="0"/>
               <a:t>Working copy</a:t>
             </a:r>
+            <a:endParaRPr lang="en-US" dirty="0"/>
           </a:p>
         </p:txBody>
       </p:sp>
@@ -9950,6 +10060,7 @@
               <a:rPr lang="en-US" dirty="0"/>
               <a:t> “working directory,” is a single checkout of one version of the project</a:t>
             </a:r>
+            <a:endParaRPr lang="en-US" dirty="0"/>
           </a:p>
         </p:txBody>
       </p:sp>
@@ -9962,7 +10073,7 @@
           <p:nvPr/>
         </p:nvPicPr>
         <p:blipFill>
-          <a:blip r:embed="rId2" cstate="email">
+          <a:blip r:embed="rId1" cstate="email">
             <a:extLst>
               <a:ext uri="{28A0092B-C50C-407E-A947-70E740481C1C}">
                 <a14:useLocalDpi xmlns:a14="http://schemas.microsoft.com/office/drawing/2010/main" val="0"/>
@@ -10017,6 +10128,7 @@
               <a:rPr lang="en-US" dirty="0"/>
               <a:t> book</a:t>
             </a:r>
+            <a:endParaRPr lang="en-US" dirty="0"/>
           </a:p>
         </p:txBody>
       </p:sp>
@@ -10062,6 +10174,7 @@
               <a:rPr lang="en-US" dirty="0"/>
               <a:t>)</a:t>
             </a:r>
+            <a:endParaRPr lang="en-US" dirty="0"/>
           </a:p>
         </p:txBody>
       </p:sp>
@@ -10091,18 +10204,13 @@
               <a:rPr lang="en-US" dirty="0"/>
               <a:t>Can you have multiple working copies?</a:t>
             </a:r>
-          </a:p>
-        </p:txBody>
-      </p:sp>
-      <p:sp>
-        <p:nvSpPr>
-          <p:cNvPr id="9" name="Slide Number Placeholder 8">
-            <a:extLst>
-              <a:ext uri="{FF2B5EF4-FFF2-40B4-BE49-F238E27FC236}">
-                <a16:creationId xmlns:a16="http://schemas.microsoft.com/office/drawing/2014/main" id="{990CA574-AF81-E442-89E0-45BC07405499}"/>
-              </a:ext>
-            </a:extLst>
-          </p:cNvPr>
+            <a:endParaRPr lang="en-US" dirty="0"/>
+          </a:p>
+        </p:txBody>
+      </p:sp>
+      <p:sp>
+        <p:nvSpPr>
+          <p:cNvPr id="9" name="Slide Number Placeholder 8"/>
           <p:cNvSpPr>
             <a:spLocks noGrp="1"/>
           </p:cNvSpPr>
@@ -10117,8 +10225,6 @@
           <a:p>
             <a:fld id="{BA9B540C-44DA-4F69-89C9-7C84606640D3}" type="slidenum">
               <a:rPr lang="en-US" smtClean="0"/>
-              <a:pPr/>
-              <a:t>12</a:t>
             </a:fld>
             <a:endParaRPr lang="en-US" dirty="0"/>
           </a:p>
@@ -10126,13 +10232,7 @@
       </p:sp>
       <p:sp>
         <p:nvSpPr>
-          <p:cNvPr id="10" name="Footer Placeholder 9">
-            <a:extLst>
-              <a:ext uri="{FF2B5EF4-FFF2-40B4-BE49-F238E27FC236}">
-                <a16:creationId xmlns:a16="http://schemas.microsoft.com/office/drawing/2014/main" id="{6781AA4B-0177-EC46-B23E-AD49659C059A}"/>
-              </a:ext>
-            </a:extLst>
-          </p:cNvPr>
+          <p:cNvPr id="10" name="Footer Placeholder 9"/>
           <p:cNvSpPr>
             <a:spLocks noGrp="1"/>
           </p:cNvSpPr>
@@ -10147,17 +10247,13 @@
           <a:p>
             <a:r>
               <a:rPr lang="en-US"/>
-              <a:t>(C) Elephant Scale 2019</a:t>
-            </a:r>
+              <a:t>(C) Elephant Scale 2021</a:t>
+            </a:r>
+            <a:endParaRPr lang="en-US"/>
           </a:p>
         </p:txBody>
       </p:sp>
     </p:spTree>
-    <p:extLst>
-      <p:ext uri="{BB962C8B-B14F-4D97-AF65-F5344CB8AC3E}">
-        <p14:creationId xmlns:p14="http://schemas.microsoft.com/office/powerpoint/2010/main" val="1910270787"/>
-      </p:ext>
-    </p:extLst>
   </p:cSld>
   <p:clrMapOvr>
     <a:masterClrMapping/>
@@ -10341,6 +10437,7 @@
               <a:rPr lang="en-US" dirty="0"/>
               <a:t>Index and Staging areas</a:t>
             </a:r>
+            <a:endParaRPr lang="en-US" dirty="0"/>
           </a:p>
         </p:txBody>
       </p:sp>
@@ -10368,6 +10465,7 @@
               <a:rPr lang="en-US" dirty="0"/>
               <a:t>Index and Staging area are the same</a:t>
             </a:r>
+            <a:endParaRPr lang="en-US" dirty="0"/>
           </a:p>
           <a:p>
             <a:pPr>
@@ -10387,6 +10485,7 @@
               <a:rPr lang="en-US" dirty="0"/>
               <a:t> directory</a:t>
             </a:r>
+            <a:endParaRPr lang="en-US" dirty="0"/>
           </a:p>
           <a:p>
             <a:pPr>
@@ -10398,18 +10497,13 @@
               <a:rPr lang="en-US" dirty="0"/>
               <a:t>Stores information about the next commit</a:t>
             </a:r>
-          </a:p>
-        </p:txBody>
-      </p:sp>
-      <p:sp>
-        <p:nvSpPr>
-          <p:cNvPr id="5" name="Slide Number Placeholder 4">
-            <a:extLst>
-              <a:ext uri="{FF2B5EF4-FFF2-40B4-BE49-F238E27FC236}">
-                <a16:creationId xmlns:a16="http://schemas.microsoft.com/office/drawing/2014/main" id="{1D965D5C-A0E0-C841-A266-9530CA779857}"/>
-              </a:ext>
-            </a:extLst>
-          </p:cNvPr>
+            <a:endParaRPr lang="en-US" dirty="0"/>
+          </a:p>
+        </p:txBody>
+      </p:sp>
+      <p:sp>
+        <p:nvSpPr>
+          <p:cNvPr id="5" name="Slide Number Placeholder 4"/>
           <p:cNvSpPr>
             <a:spLocks noGrp="1"/>
           </p:cNvSpPr>
@@ -10424,8 +10518,6 @@
           <a:p>
             <a:fld id="{BA9B540C-44DA-4F69-89C9-7C84606640D3}" type="slidenum">
               <a:rPr lang="en-US" smtClean="0"/>
-              <a:pPr/>
-              <a:t>13</a:t>
             </a:fld>
             <a:endParaRPr lang="en-US" dirty="0"/>
           </a:p>
@@ -10433,13 +10525,7 @@
       </p:sp>
       <p:sp>
         <p:nvSpPr>
-          <p:cNvPr id="6" name="Footer Placeholder 5">
-            <a:extLst>
-              <a:ext uri="{FF2B5EF4-FFF2-40B4-BE49-F238E27FC236}">
-                <a16:creationId xmlns:a16="http://schemas.microsoft.com/office/drawing/2014/main" id="{AAF3BD3F-6525-9149-BAE1-D57FE1A03926}"/>
-              </a:ext>
-            </a:extLst>
-          </p:cNvPr>
+          <p:cNvPr id="6" name="Footer Placeholder 5"/>
           <p:cNvSpPr>
             <a:spLocks noGrp="1"/>
           </p:cNvSpPr>
@@ -10454,17 +10540,13 @@
           <a:p>
             <a:r>
               <a:rPr lang="en-US"/>
-              <a:t>(C) Elephant Scale 2019</a:t>
-            </a:r>
+              <a:t>(C) Elephant Scale 2021</a:t>
+            </a:r>
+            <a:endParaRPr lang="en-US"/>
           </a:p>
         </p:txBody>
       </p:sp>
     </p:spTree>
-    <p:extLst>
-      <p:ext uri="{BB962C8B-B14F-4D97-AF65-F5344CB8AC3E}">
-        <p14:creationId xmlns:p14="http://schemas.microsoft.com/office/powerpoint/2010/main" val="53914550"/>
-      </p:ext>
-    </p:extLst>
   </p:cSld>
   <p:clrMapOvr>
     <a:masterClrMapping/>
@@ -10508,6 +10590,7 @@
               <a:rPr lang="en-US" dirty="0"/>
               <a:t>Blobs, Trees</a:t>
             </a:r>
+            <a:endParaRPr lang="en-US" dirty="0"/>
           </a:p>
         </p:txBody>
       </p:sp>
@@ -10522,7 +10605,7 @@
           </p:nvPr>
         </p:nvPicPr>
         <p:blipFill>
-          <a:blip r:embed="rId2">
+          <a:blip r:embed="rId1">
             <a:extLst>
               <a:ext uri="{28A0092B-C50C-407E-A947-70E740481C1C}">
                 <a14:useLocalDpi xmlns:a14="http://schemas.microsoft.com/office/drawing/2010/main" val="0"/>
@@ -10574,6 +10657,7 @@
               <a:rPr lang="en-US" dirty="0"/>
               <a:t> is a key-value data store</a:t>
             </a:r>
+            <a:endParaRPr lang="en-US" dirty="0"/>
           </a:p>
           <a:p>
             <a:pPr marL="342900" indent="-342900">
@@ -10584,6 +10668,7 @@
               <a:rPr lang="en-US" dirty="0"/>
               <a:t>You can store a value and get back a key</a:t>
             </a:r>
+            <a:endParaRPr lang="en-US" dirty="0"/>
           </a:p>
           <a:p>
             <a:pPr marL="342900" indent="-342900">
@@ -10602,6 +10687,7 @@
               <a:rPr lang="en-US" dirty="0"/>
               <a:t> internals</a:t>
             </a:r>
+            <a:endParaRPr lang="en-US" dirty="0"/>
           </a:p>
           <a:p>
             <a:pPr marL="342900" indent="-342900">
@@ -10612,6 +10698,7 @@
               <a:rPr lang="en-US" dirty="0"/>
               <a:t>All we need to know is “tree” and “blob”</a:t>
             </a:r>
+            <a:endParaRPr lang="en-US" dirty="0"/>
           </a:p>
         </p:txBody>
       </p:sp>
@@ -10649,18 +10736,13 @@
               <a:rPr lang="en-US" dirty="0"/>
               <a:t> book</a:t>
             </a:r>
-          </a:p>
-        </p:txBody>
-      </p:sp>
-      <p:sp>
-        <p:nvSpPr>
-          <p:cNvPr id="7" name="Slide Number Placeholder 6">
-            <a:extLst>
-              <a:ext uri="{FF2B5EF4-FFF2-40B4-BE49-F238E27FC236}">
-                <a16:creationId xmlns:a16="http://schemas.microsoft.com/office/drawing/2014/main" id="{55D6BBC9-0CD0-8243-855A-BE3A1A49DE87}"/>
-              </a:ext>
-            </a:extLst>
-          </p:cNvPr>
+            <a:endParaRPr lang="en-US" dirty="0"/>
+          </a:p>
+        </p:txBody>
+      </p:sp>
+      <p:sp>
+        <p:nvSpPr>
+          <p:cNvPr id="7" name="Slide Number Placeholder 6"/>
           <p:cNvSpPr>
             <a:spLocks noGrp="1"/>
           </p:cNvSpPr>
@@ -10675,8 +10757,6 @@
           <a:p>
             <a:fld id="{BA9B540C-44DA-4F69-89C9-7C84606640D3}" type="slidenum">
               <a:rPr lang="en-US" smtClean="0"/>
-              <a:pPr/>
-              <a:t>14</a:t>
             </a:fld>
             <a:endParaRPr lang="en-US" dirty="0"/>
           </a:p>
@@ -10684,13 +10764,7 @@
       </p:sp>
       <p:sp>
         <p:nvSpPr>
-          <p:cNvPr id="8" name="Footer Placeholder 7">
-            <a:extLst>
-              <a:ext uri="{FF2B5EF4-FFF2-40B4-BE49-F238E27FC236}">
-                <a16:creationId xmlns:a16="http://schemas.microsoft.com/office/drawing/2014/main" id="{886EAC90-4E59-B140-85BC-139D960CAF62}"/>
-              </a:ext>
-            </a:extLst>
-          </p:cNvPr>
+          <p:cNvPr id="8" name="Footer Placeholder 7"/>
           <p:cNvSpPr>
             <a:spLocks noGrp="1"/>
           </p:cNvSpPr>
@@ -10705,17 +10779,13 @@
           <a:p>
             <a:r>
               <a:rPr lang="en-US"/>
-              <a:t>(C) Elephant Scale 2019</a:t>
-            </a:r>
+              <a:t>(C) Elephant Scale 2021</a:t>
+            </a:r>
+            <a:endParaRPr lang="en-US"/>
           </a:p>
         </p:txBody>
       </p:sp>
     </p:spTree>
-    <p:extLst>
-      <p:ext uri="{BB962C8B-B14F-4D97-AF65-F5344CB8AC3E}">
-        <p14:creationId xmlns:p14="http://schemas.microsoft.com/office/powerpoint/2010/main" val="2458613973"/>
-      </p:ext>
-    </p:extLst>
   </p:cSld>
   <p:clrMapOvr>
     <a:masterClrMapping/>
@@ -10786,33 +10856,23 @@
               <a:rPr lang="en-US" dirty="0"/>
               <a:t>Please do all steps in Lab 01:</a:t>
             </a:r>
-          </a:p>
-          <a:p>
-            <a:pPr marL="0" indent="0">
-              <a:buNone/>
-            </a:pPr>
-            <a:r>
-              <a:rPr lang="en-US" dirty="0">
-                <a:hlinkClick r:id="rId2"/>
-              </a:rPr>
-              <a:t>https://github.com/elephantscale/HI-labs/tree/master/git/lab01</a:t>
-            </a:r>
-            <a:endParaRPr lang="en-US" dirty="0"/>
-          </a:p>
-          <a:p>
-            <a:endParaRPr lang="en-US" dirty="0"/>
-          </a:p>
-        </p:txBody>
-      </p:sp>
-      <p:sp>
-        <p:nvSpPr>
-          <p:cNvPr id="5" name="Slide Number Placeholder 4">
-            <a:extLst>
-              <a:ext uri="{FF2B5EF4-FFF2-40B4-BE49-F238E27FC236}">
-                <a16:creationId xmlns:a16="http://schemas.microsoft.com/office/drawing/2014/main" id="{1DC081AD-BD6A-0945-B5E7-58D32ABA686A}"/>
-              </a:ext>
-            </a:extLst>
-          </p:cNvPr>
+            <a:endParaRPr lang="en-US" dirty="0"/>
+          </a:p>
+          <a:p>
+            <a:endParaRPr lang="en-US" dirty="0"/>
+          </a:p>
+          <a:p>
+            <a:r>
+              <a:rPr lang="en-US" dirty="0"/>
+              <a:t>https://github.com/elephantscale/git-labs/tree/main/lab01</a:t>
+            </a:r>
+            <a:endParaRPr lang="en-US" dirty="0"/>
+          </a:p>
+        </p:txBody>
+      </p:sp>
+      <p:sp>
+        <p:nvSpPr>
+          <p:cNvPr id="5" name="Slide Number Placeholder 4"/>
           <p:cNvSpPr>
             <a:spLocks noGrp="1"/>
           </p:cNvSpPr>
@@ -10827,8 +10887,6 @@
           <a:p>
             <a:fld id="{BA9B540C-44DA-4F69-89C9-7C84606640D3}" type="slidenum">
               <a:rPr lang="en-US" smtClean="0"/>
-              <a:pPr/>
-              <a:t>15</a:t>
             </a:fld>
             <a:endParaRPr lang="en-US" dirty="0"/>
           </a:p>
@@ -10836,13 +10894,7 @@
       </p:sp>
       <p:sp>
         <p:nvSpPr>
-          <p:cNvPr id="6" name="Footer Placeholder 5">
-            <a:extLst>
-              <a:ext uri="{FF2B5EF4-FFF2-40B4-BE49-F238E27FC236}">
-                <a16:creationId xmlns:a16="http://schemas.microsoft.com/office/drawing/2014/main" id="{8F719DEF-B0E5-124F-ADBA-CE3D114CB57E}"/>
-              </a:ext>
-            </a:extLst>
-          </p:cNvPr>
+          <p:cNvPr id="6" name="Footer Placeholder 5"/>
           <p:cNvSpPr>
             <a:spLocks noGrp="1"/>
           </p:cNvSpPr>
@@ -10857,17 +10909,13 @@
           <a:p>
             <a:r>
               <a:rPr lang="en-US"/>
-              <a:t>(C) Elephant Scale 2019</a:t>
-            </a:r>
+              <a:t>(C) Elephant Scale 2021</a:t>
+            </a:r>
+            <a:endParaRPr lang="en-US"/>
           </a:p>
         </p:txBody>
       </p:sp>
     </p:spTree>
-    <p:extLst>
-      <p:ext uri="{BB962C8B-B14F-4D97-AF65-F5344CB8AC3E}">
-        <p14:creationId xmlns:p14="http://schemas.microsoft.com/office/powerpoint/2010/main" val="2104235044"/>
-      </p:ext>
-    </p:extLst>
   </p:cSld>
   <p:clrMapOvr>
     <a:masterClrMapping/>
@@ -10911,6 +10959,7 @@
               <a:rPr lang="en-US" dirty="0"/>
               <a:t>Put and get values</a:t>
             </a:r>
+            <a:endParaRPr lang="en-US" dirty="0"/>
           </a:p>
         </p:txBody>
       </p:sp>
@@ -10936,6 +10985,7 @@
               <a:rPr lang="en-US" dirty="0"/>
               <a:t>Put value, observe the key you get in return</a:t>
             </a:r>
+            <a:endParaRPr lang="en-US" dirty="0"/>
           </a:p>
           <a:p>
             <a:pPr marL="0" indent="0">
@@ -10970,6 +11020,7 @@
               <a:rPr lang="en-US" dirty="0"/>
               <a:t>Find the file:</a:t>
             </a:r>
+            <a:endParaRPr lang="en-US" dirty="0"/>
           </a:p>
           <a:p>
             <a:pPr marL="0" indent="0">
@@ -10987,6 +11038,7 @@
               <a:rPr lang="en-US" dirty="0"/>
               <a:t>/objects -type f</a:t>
             </a:r>
+            <a:endParaRPr lang="en-US" dirty="0"/>
           </a:p>
           <a:p>
             <a:pPr marL="0" indent="0">
@@ -11009,6 +11061,7 @@
               <a:rPr lang="en-US" dirty="0"/>
               <a:t>Get it back</a:t>
             </a:r>
+            <a:endParaRPr lang="en-US" dirty="0"/>
           </a:p>
           <a:p>
             <a:pPr marL="0" indent="0">
@@ -11032,13 +11085,7 @@
       </p:sp>
       <p:sp>
         <p:nvSpPr>
-          <p:cNvPr id="5" name="Slide Number Placeholder 4">
-            <a:extLst>
-              <a:ext uri="{FF2B5EF4-FFF2-40B4-BE49-F238E27FC236}">
-                <a16:creationId xmlns:a16="http://schemas.microsoft.com/office/drawing/2014/main" id="{6F458BB8-4704-AC43-93A9-B5F4A4C6ECEC}"/>
-              </a:ext>
-            </a:extLst>
-          </p:cNvPr>
+          <p:cNvPr id="5" name="Slide Number Placeholder 4"/>
           <p:cNvSpPr>
             <a:spLocks noGrp="1"/>
           </p:cNvSpPr>
@@ -11053,8 +11100,6 @@
           <a:p>
             <a:fld id="{BA9B540C-44DA-4F69-89C9-7C84606640D3}" type="slidenum">
               <a:rPr lang="en-US" smtClean="0"/>
-              <a:pPr/>
-              <a:t>16</a:t>
             </a:fld>
             <a:endParaRPr lang="en-US" dirty="0"/>
           </a:p>
@@ -11062,13 +11107,7 @@
       </p:sp>
       <p:sp>
         <p:nvSpPr>
-          <p:cNvPr id="6" name="Footer Placeholder 5">
-            <a:extLst>
-              <a:ext uri="{FF2B5EF4-FFF2-40B4-BE49-F238E27FC236}">
-                <a16:creationId xmlns:a16="http://schemas.microsoft.com/office/drawing/2014/main" id="{87E4D4CA-A7EF-1747-B1AD-EFFEB9F7DEDE}"/>
-              </a:ext>
-            </a:extLst>
-          </p:cNvPr>
+          <p:cNvPr id="6" name="Footer Placeholder 5"/>
           <p:cNvSpPr>
             <a:spLocks noGrp="1"/>
           </p:cNvSpPr>
@@ -11083,17 +11122,13 @@
           <a:p>
             <a:r>
               <a:rPr lang="en-US"/>
-              <a:t>(C) Elephant Scale 2019</a:t>
-            </a:r>
+              <a:t>(C) Elephant Scale 2021</a:t>
+            </a:r>
+            <a:endParaRPr lang="en-US"/>
           </a:p>
         </p:txBody>
       </p:sp>
     </p:spTree>
-    <p:extLst>
-      <p:ext uri="{BB962C8B-B14F-4D97-AF65-F5344CB8AC3E}">
-        <p14:creationId xmlns:p14="http://schemas.microsoft.com/office/powerpoint/2010/main" val="3704633155"/>
-      </p:ext>
-    </p:extLst>
   </p:cSld>
   <p:clrMapOvr>
     <a:masterClrMapping/>
@@ -11137,6 +11172,7 @@
               <a:rPr lang="en-US" dirty="0"/>
               <a:t>Lab 02</a:t>
             </a:r>
+            <a:endParaRPr lang="en-US" dirty="0"/>
           </a:p>
         </p:txBody>
       </p:sp>
@@ -11164,16 +11200,15 @@
               <a:rPr lang="en-US" dirty="0"/>
               <a:t>Please do all steps in lab 02:</a:t>
             </a:r>
+            <a:endParaRPr lang="en-US" dirty="0"/>
           </a:p>
           <a:p>
             <a:pPr marL="0" indent="0">
               <a:buNone/>
             </a:pPr>
             <a:r>
-              <a:rPr lang="en-US" dirty="0">
-                <a:hlinkClick r:id="rId2"/>
-              </a:rPr>
-              <a:t>https://github.com/elephantscale/HI-labs/tree/master/git/lab02</a:t>
+              <a:rPr lang="en-US" dirty="0"/>
+              <a:t>https://github.com/elephantscale/git-labs/tree/main/lab02</a:t>
             </a:r>
             <a:endParaRPr lang="en-US" dirty="0"/>
           </a:p>
@@ -11183,17 +11218,27 @@
             </a:pPr>
             <a:endParaRPr lang="en-US" dirty="0"/>
           </a:p>
-        </p:txBody>
-      </p:sp>
-      <p:sp>
-        <p:nvSpPr>
-          <p:cNvPr id="5" name="Slide Number Placeholder 4">
-            <a:extLst>
-              <a:ext uri="{FF2B5EF4-FFF2-40B4-BE49-F238E27FC236}">
-                <a16:creationId xmlns:a16="http://schemas.microsoft.com/office/drawing/2014/main" id="{251F7A87-C602-2741-A0B2-6E85467ABE01}"/>
-              </a:ext>
-            </a:extLst>
-          </p:cNvPr>
+          <a:p>
+            <a:pPr marL="0" indent="0">
+              <a:buNone/>
+            </a:pPr>
+            <a:endParaRPr lang="en-US" dirty="0">
+              <a:hlinkClick r:id="rId1"/>
+            </a:endParaRPr>
+          </a:p>
+          <a:p>
+            <a:pPr marL="0" indent="0">
+              <a:buNone/>
+            </a:pPr>
+            <a:endParaRPr lang="en-US" dirty="0">
+              <a:hlinkClick r:id="rId1"/>
+            </a:endParaRPr>
+          </a:p>
+        </p:txBody>
+      </p:sp>
+      <p:sp>
+        <p:nvSpPr>
+          <p:cNvPr id="5" name="Slide Number Placeholder 4"/>
           <p:cNvSpPr>
             <a:spLocks noGrp="1"/>
           </p:cNvSpPr>
@@ -11208,8 +11253,6 @@
           <a:p>
             <a:fld id="{BA9B540C-44DA-4F69-89C9-7C84606640D3}" type="slidenum">
               <a:rPr lang="en-US" smtClean="0"/>
-              <a:pPr/>
-              <a:t>17</a:t>
             </a:fld>
             <a:endParaRPr lang="en-US" dirty="0"/>
           </a:p>
@@ -11217,13 +11260,7 @@
       </p:sp>
       <p:sp>
         <p:nvSpPr>
-          <p:cNvPr id="6" name="Footer Placeholder 5">
-            <a:extLst>
-              <a:ext uri="{FF2B5EF4-FFF2-40B4-BE49-F238E27FC236}">
-                <a16:creationId xmlns:a16="http://schemas.microsoft.com/office/drawing/2014/main" id="{BABCB533-4079-C24F-80FA-269780915BB2}"/>
-              </a:ext>
-            </a:extLst>
-          </p:cNvPr>
+          <p:cNvPr id="6" name="Footer Placeholder 5"/>
           <p:cNvSpPr>
             <a:spLocks noGrp="1"/>
           </p:cNvSpPr>
@@ -11238,17 +11275,13 @@
           <a:p>
             <a:r>
               <a:rPr lang="en-US"/>
-              <a:t>(C) Elephant Scale 2019</a:t>
-            </a:r>
+              <a:t>(C) Elephant Scale 2021</a:t>
+            </a:r>
+            <a:endParaRPr lang="en-US"/>
           </a:p>
         </p:txBody>
       </p:sp>
     </p:spTree>
-    <p:extLst>
-      <p:ext uri="{BB962C8B-B14F-4D97-AF65-F5344CB8AC3E}">
-        <p14:creationId xmlns:p14="http://schemas.microsoft.com/office/powerpoint/2010/main" val="1431403675"/>
-      </p:ext>
-    </p:extLst>
   </p:cSld>
   <p:clrMapOvr>
     <a:masterClrMapping/>
@@ -11292,6 +11325,7 @@
               <a:rPr lang="en-US" dirty="0"/>
               <a:t>Cloning</a:t>
             </a:r>
+            <a:endParaRPr lang="en-US" dirty="0"/>
           </a:p>
         </p:txBody>
       </p:sp>
@@ -11314,6 +11348,7 @@
               <a:rPr lang="en-US" dirty="0"/>
               <a:t>Getting a copy of the existing get repository (quick, what is repository?)</a:t>
             </a:r>
+            <a:endParaRPr lang="en-US" dirty="0"/>
           </a:p>
           <a:p>
             <a:r>
@@ -11348,12 +11383,17 @@
               </a:rPr>
               <a:t>&gt;</a:t>
             </a:r>
+            <a:endParaRPr lang="en-US" dirty="0">
+              <a:latin typeface="Courier New" panose="02070309020205020404" pitchFamily="49" charset="0"/>
+              <a:cs typeface="Courier New" panose="02070309020205020404" pitchFamily="49" charset="0"/>
+            </a:endParaRPr>
           </a:p>
           <a:p>
             <a:r>
               <a:rPr lang="en-US" dirty="0"/>
               <a:t>Example:</a:t>
             </a:r>
+            <a:endParaRPr lang="en-US" dirty="0"/>
           </a:p>
           <a:p>
             <a:pPr marL="0" indent="0">
@@ -11380,73 +11420,74 @@
               </a:rPr>
               <a:t> clone git://github.com/schacon/grit.git</a:t>
             </a:r>
-          </a:p>
-          <a:p>
-            <a:r>
-              <a:rPr lang="en-US" dirty="0"/>
-              <a:t>Exercises</a:t>
-            </a:r>
-          </a:p>
-          <a:p>
-            <a:pPr lvl="1"/>
-            <a:r>
-              <a:rPr lang="en-US" dirty="0"/>
-              <a:t>clone on the command line </a:t>
-            </a:r>
-          </a:p>
-          <a:p>
-            <a:pPr lvl="1"/>
-            <a:r>
-              <a:rPr lang="en-US" dirty="0"/>
-              <a:t>clone in your preferred </a:t>
-            </a:r>
-            <a:r>
-              <a:rPr lang="en-US" dirty="0" err="1"/>
-              <a:t>Git</a:t>
-            </a:r>
-            <a:r>
-              <a:rPr lang="en-US" dirty="0"/>
-              <a:t> UI (i.e. Eclipse </a:t>
-            </a:r>
-            <a:r>
-              <a:rPr lang="en-US" dirty="0" err="1"/>
-              <a:t>Git</a:t>
-            </a:r>
-            <a:r>
-              <a:rPr lang="en-US" dirty="0"/>
-              <a:t>, </a:t>
-            </a:r>
-            <a:r>
-              <a:rPr lang="en-US" dirty="0" err="1"/>
-              <a:t>SmartGit</a:t>
-            </a:r>
-            <a:r>
-              <a:rPr lang="en-US" dirty="0"/>
-              <a:t>, etc.)</a:t>
-            </a:r>
-          </a:p>
-          <a:p>
-            <a:pPr lvl="1"/>
-            <a:r>
-              <a:rPr lang="en-US" dirty="0"/>
-              <a:t>See the following lab</a:t>
-            </a:r>
             <a:endParaRPr lang="en-US" dirty="0">
               <a:latin typeface="Courier New" panose="02070309020205020404" pitchFamily="49" charset="0"/>
               <a:cs typeface="Courier New" panose="02070309020205020404" pitchFamily="49" charset="0"/>
             </a:endParaRPr>
           </a:p>
-        </p:txBody>
-      </p:sp>
-      <p:sp>
-        <p:nvSpPr>
-          <p:cNvPr id="5" name="Slide Number Placeholder 4">
-            <a:extLst>
-              <a:ext uri="{FF2B5EF4-FFF2-40B4-BE49-F238E27FC236}">
-                <a16:creationId xmlns:a16="http://schemas.microsoft.com/office/drawing/2014/main" id="{E9135EC7-FE8E-904C-90FF-C9070E8981C8}"/>
-              </a:ext>
-            </a:extLst>
-          </p:cNvPr>
+          <a:p>
+            <a:r>
+              <a:rPr lang="en-US" dirty="0"/>
+              <a:t>Exercises</a:t>
+            </a:r>
+            <a:endParaRPr lang="en-US" dirty="0"/>
+          </a:p>
+          <a:p>
+            <a:pPr lvl="1"/>
+            <a:r>
+              <a:rPr lang="en-US" dirty="0"/>
+              <a:t>clone on the command line </a:t>
+            </a:r>
+            <a:endParaRPr lang="en-US" dirty="0"/>
+          </a:p>
+          <a:p>
+            <a:pPr lvl="1"/>
+            <a:r>
+              <a:rPr lang="en-US" dirty="0"/>
+              <a:t>clone in your preferred </a:t>
+            </a:r>
+            <a:r>
+              <a:rPr lang="en-US" dirty="0" err="1"/>
+              <a:t>Git</a:t>
+            </a:r>
+            <a:r>
+              <a:rPr lang="en-US" dirty="0"/>
+              <a:t> UI (i.e. Eclipse </a:t>
+            </a:r>
+            <a:r>
+              <a:rPr lang="en-US" dirty="0" err="1"/>
+              <a:t>Git</a:t>
+            </a:r>
+            <a:r>
+              <a:rPr lang="en-US" dirty="0"/>
+              <a:t>, </a:t>
+            </a:r>
+            <a:r>
+              <a:rPr lang="en-US" dirty="0" err="1"/>
+              <a:t>SmartGit</a:t>
+            </a:r>
+            <a:r>
+              <a:rPr lang="en-US" dirty="0"/>
+              <a:t>, etc.)</a:t>
+            </a:r>
+            <a:endParaRPr lang="en-US" dirty="0"/>
+          </a:p>
+          <a:p>
+            <a:pPr lvl="1"/>
+            <a:r>
+              <a:rPr lang="en-US" dirty="0"/>
+              <a:t>See the following lab</a:t>
+            </a:r>
+            <a:endParaRPr lang="en-US" dirty="0">
+              <a:latin typeface="Courier New" panose="02070309020205020404" pitchFamily="49" charset="0"/>
+              <a:cs typeface="Courier New" panose="02070309020205020404" pitchFamily="49" charset="0"/>
+            </a:endParaRPr>
+          </a:p>
+        </p:txBody>
+      </p:sp>
+      <p:sp>
+        <p:nvSpPr>
+          <p:cNvPr id="5" name="Slide Number Placeholder 4"/>
           <p:cNvSpPr>
             <a:spLocks noGrp="1"/>
           </p:cNvSpPr>
@@ -11461,8 +11502,6 @@
           <a:p>
             <a:fld id="{BA9B540C-44DA-4F69-89C9-7C84606640D3}" type="slidenum">
               <a:rPr lang="en-US" smtClean="0"/>
-              <a:pPr/>
-              <a:t>18</a:t>
             </a:fld>
             <a:endParaRPr lang="en-US" dirty="0"/>
           </a:p>
@@ -11470,13 +11509,7 @@
       </p:sp>
       <p:sp>
         <p:nvSpPr>
-          <p:cNvPr id="6" name="Footer Placeholder 5">
-            <a:extLst>
-              <a:ext uri="{FF2B5EF4-FFF2-40B4-BE49-F238E27FC236}">
-                <a16:creationId xmlns:a16="http://schemas.microsoft.com/office/drawing/2014/main" id="{298E10CE-09EC-0A46-B81E-43698FE1A87E}"/>
-              </a:ext>
-            </a:extLst>
-          </p:cNvPr>
+          <p:cNvPr id="6" name="Footer Placeholder 5"/>
           <p:cNvSpPr>
             <a:spLocks noGrp="1"/>
           </p:cNvSpPr>
@@ -11491,17 +11524,13 @@
           <a:p>
             <a:r>
               <a:rPr lang="en-US"/>
-              <a:t>(C) Elephant Scale 2019</a:t>
-            </a:r>
+              <a:t>(C) Elephant Scale 2021</a:t>
+            </a:r>
+            <a:endParaRPr lang="en-US"/>
           </a:p>
         </p:txBody>
       </p:sp>
     </p:spTree>
-    <p:extLst>
-      <p:ext uri="{BB962C8B-B14F-4D97-AF65-F5344CB8AC3E}">
-        <p14:creationId xmlns:p14="http://schemas.microsoft.com/office/powerpoint/2010/main" val="661938367"/>
-      </p:ext>
-    </p:extLst>
   </p:cSld>
   <p:clrMapOvr>
     <a:masterClrMapping/>
@@ -11545,6 +11574,7 @@
               <a:rPr lang="en-US" dirty="0"/>
               <a:t>Lab 03</a:t>
             </a:r>
+            <a:endParaRPr lang="en-US" dirty="0"/>
           </a:p>
         </p:txBody>
       </p:sp>
@@ -11572,16 +11602,15 @@
               <a:rPr lang="en-US" dirty="0"/>
               <a:t>Please do all steps in lab 03:</a:t>
             </a:r>
+            <a:endParaRPr lang="en-US" dirty="0"/>
           </a:p>
           <a:p>
             <a:pPr marL="0" indent="0">
               <a:buNone/>
             </a:pPr>
             <a:r>
-              <a:rPr lang="en-US" dirty="0">
-                <a:hlinkClick r:id="rId2"/>
-              </a:rPr>
-              <a:t>https://github.com/elephantscale/HI-labs/tree/master/git/lab03</a:t>
+              <a:rPr lang="en-US" dirty="0"/>
+              <a:t>https://github.com/elephantscale/git-labs/tree/main/lab03</a:t>
             </a:r>
             <a:endParaRPr lang="en-US" dirty="0"/>
           </a:p>
@@ -11601,13 +11630,7 @@
       </p:sp>
       <p:sp>
         <p:nvSpPr>
-          <p:cNvPr id="5" name="Slide Number Placeholder 4">
-            <a:extLst>
-              <a:ext uri="{FF2B5EF4-FFF2-40B4-BE49-F238E27FC236}">
-                <a16:creationId xmlns:a16="http://schemas.microsoft.com/office/drawing/2014/main" id="{D47CCE81-7953-7C4C-8674-18CADE8F7A56}"/>
-              </a:ext>
-            </a:extLst>
-          </p:cNvPr>
+          <p:cNvPr id="5" name="Slide Number Placeholder 4"/>
           <p:cNvSpPr>
             <a:spLocks noGrp="1"/>
           </p:cNvSpPr>
@@ -11622,8 +11645,6 @@
           <a:p>
             <a:fld id="{BA9B540C-44DA-4F69-89C9-7C84606640D3}" type="slidenum">
               <a:rPr lang="en-US" smtClean="0"/>
-              <a:pPr/>
-              <a:t>19</a:t>
             </a:fld>
             <a:endParaRPr lang="en-US" dirty="0"/>
           </a:p>
@@ -11631,13 +11652,7 @@
       </p:sp>
       <p:sp>
         <p:nvSpPr>
-          <p:cNvPr id="6" name="Footer Placeholder 5">
-            <a:extLst>
-              <a:ext uri="{FF2B5EF4-FFF2-40B4-BE49-F238E27FC236}">
-                <a16:creationId xmlns:a16="http://schemas.microsoft.com/office/drawing/2014/main" id="{0DD6D559-744C-414C-9BEF-0882599A1E67}"/>
-              </a:ext>
-            </a:extLst>
-          </p:cNvPr>
+          <p:cNvPr id="6" name="Footer Placeholder 5"/>
           <p:cNvSpPr>
             <a:spLocks noGrp="1"/>
           </p:cNvSpPr>
@@ -11652,17 +11667,13 @@
           <a:p>
             <a:r>
               <a:rPr lang="en-US"/>
-              <a:t>(C) Elephant Scale 2019</a:t>
-            </a:r>
+              <a:t>(C) Elephant Scale 2021</a:t>
+            </a:r>
+            <a:endParaRPr lang="en-US"/>
           </a:p>
         </p:txBody>
       </p:sp>
     </p:spTree>
-    <p:extLst>
-      <p:ext uri="{BB962C8B-B14F-4D97-AF65-F5344CB8AC3E}">
-        <p14:creationId xmlns:p14="http://schemas.microsoft.com/office/powerpoint/2010/main" val="1732236849"/>
-      </p:ext>
-    </p:extLst>
   </p:cSld>
   <p:clrMapOvr>
     <a:masterClrMapping/>
@@ -11706,6 +11717,7 @@
               <a:rPr lang="en-US" dirty="0"/>
               <a:t>Agenda</a:t>
             </a:r>
+            <a:endParaRPr lang="en-US" dirty="0"/>
           </a:p>
         </p:txBody>
       </p:sp>
@@ -11733,6 +11745,7 @@
               <a:rPr lang="en-US" dirty="0"/>
               <a:t>What we will learn</a:t>
             </a:r>
+            <a:endParaRPr lang="en-US" dirty="0"/>
           </a:p>
           <a:p>
             <a:pPr lvl="1">
@@ -11744,6 +11757,7 @@
               <a:rPr lang="en-US" dirty="0"/>
               <a:t>Terminology</a:t>
             </a:r>
+            <a:endParaRPr lang="en-US" dirty="0"/>
           </a:p>
           <a:p>
             <a:pPr lvl="1">
@@ -11755,6 +11769,7 @@
               <a:rPr lang="en-US" dirty="0"/>
               <a:t>Basic operations</a:t>
             </a:r>
+            <a:endParaRPr lang="en-US" dirty="0"/>
           </a:p>
           <a:p>
             <a:pPr lvl="1">
@@ -11766,6 +11781,7 @@
               <a:rPr lang="en-US" dirty="0"/>
               <a:t>Changes, staging, commit</a:t>
             </a:r>
+            <a:endParaRPr lang="en-US" dirty="0"/>
           </a:p>
           <a:p>
             <a:pPr lvl="1">
@@ -11777,18 +11793,13 @@
               <a:rPr lang="en-US" dirty="0"/>
               <a:t>Merge and conflict resolution</a:t>
             </a:r>
-          </a:p>
-        </p:txBody>
-      </p:sp>
-      <p:sp>
-        <p:nvSpPr>
-          <p:cNvPr id="5" name="Slide Number Placeholder 4">
-            <a:extLst>
-              <a:ext uri="{FF2B5EF4-FFF2-40B4-BE49-F238E27FC236}">
-                <a16:creationId xmlns:a16="http://schemas.microsoft.com/office/drawing/2014/main" id="{9C8DAD59-E315-614C-AE2D-96062BB00227}"/>
-              </a:ext>
-            </a:extLst>
-          </p:cNvPr>
+            <a:endParaRPr lang="en-US" dirty="0"/>
+          </a:p>
+        </p:txBody>
+      </p:sp>
+      <p:sp>
+        <p:nvSpPr>
+          <p:cNvPr id="5" name="Slide Number Placeholder 4"/>
           <p:cNvSpPr>
             <a:spLocks noGrp="1"/>
           </p:cNvSpPr>
@@ -11803,8 +11814,6 @@
           <a:p>
             <a:fld id="{BA9B540C-44DA-4F69-89C9-7C84606640D3}" type="slidenum">
               <a:rPr lang="en-US" smtClean="0"/>
-              <a:pPr/>
-              <a:t>2</a:t>
             </a:fld>
             <a:endParaRPr lang="en-US" dirty="0"/>
           </a:p>
@@ -11812,13 +11821,7 @@
       </p:sp>
       <p:sp>
         <p:nvSpPr>
-          <p:cNvPr id="6" name="Footer Placeholder 5">
-            <a:extLst>
-              <a:ext uri="{FF2B5EF4-FFF2-40B4-BE49-F238E27FC236}">
-                <a16:creationId xmlns:a16="http://schemas.microsoft.com/office/drawing/2014/main" id="{C71DC08D-FB76-7144-8127-AE5446537132}"/>
-              </a:ext>
-            </a:extLst>
-          </p:cNvPr>
+          <p:cNvPr id="6" name="Footer Placeholder 5"/>
           <p:cNvSpPr>
             <a:spLocks noGrp="1"/>
           </p:cNvSpPr>
@@ -11833,17 +11836,13 @@
           <a:p>
             <a:r>
               <a:rPr lang="en-US"/>
-              <a:t>(C) Elephant Scale 2019</a:t>
-            </a:r>
+              <a:t>(C) Elephant Scale 2021</a:t>
+            </a:r>
+            <a:endParaRPr lang="en-US"/>
           </a:p>
         </p:txBody>
       </p:sp>
     </p:spTree>
-    <p:extLst>
-      <p:ext uri="{BB962C8B-B14F-4D97-AF65-F5344CB8AC3E}">
-        <p14:creationId xmlns:p14="http://schemas.microsoft.com/office/powerpoint/2010/main" val="1255844432"/>
-      </p:ext>
-    </p:extLst>
   </p:cSld>
   <p:clrMapOvr>
     <a:masterClrMapping/>
@@ -11887,6 +11886,7 @@
               <a:rPr lang="en-US" dirty="0"/>
               <a:t>Cloning vs ‘checkout’</a:t>
             </a:r>
+            <a:endParaRPr lang="en-US" dirty="0"/>
           </a:p>
         </p:txBody>
       </p:sp>
@@ -11920,6 +11920,7 @@
               <a:rPr lang="en-US" dirty="0"/>
               <a:t>. Difference?</a:t>
             </a:r>
+            <a:endParaRPr lang="en-US" dirty="0"/>
           </a:p>
           <a:p>
             <a:pPr marL="0" indent="0">
@@ -11941,7 +11942,7 @@
           <p:nvPr/>
         </p:nvPicPr>
         <p:blipFill>
-          <a:blip r:embed="rId2">
+          <a:blip r:embed="rId1">
             <a:extLst>
               <a:ext uri="{28A0092B-C50C-407E-A947-70E740481C1C}">
                 <a14:useLocalDpi xmlns:a14="http://schemas.microsoft.com/office/drawing/2010/main" val="0"/>
@@ -11971,7 +11972,7 @@
           <p:nvPr/>
         </p:nvPicPr>
         <p:blipFill>
-          <a:blip r:embed="rId3" cstate="email">
+          <a:blip r:embed="rId2" cstate="email">
             <a:extLst>
               <a:ext uri="{28A0092B-C50C-407E-A947-70E740481C1C}">
                 <a14:useLocalDpi xmlns:a14="http://schemas.microsoft.com/office/drawing/2010/main" val="0"/>
@@ -12048,18 +12049,13 @@
               <a:rPr lang="en-US" dirty="0"/>
               <a:t>Subversion</a:t>
             </a:r>
-          </a:p>
-        </p:txBody>
-      </p:sp>
-      <p:sp>
-        <p:nvSpPr>
-          <p:cNvPr id="9" name="Slide Number Placeholder 8">
-            <a:extLst>
-              <a:ext uri="{FF2B5EF4-FFF2-40B4-BE49-F238E27FC236}">
-                <a16:creationId xmlns:a16="http://schemas.microsoft.com/office/drawing/2014/main" id="{D338A4D8-1AF6-5C46-A374-9F6B9DF4B16A}"/>
-              </a:ext>
-            </a:extLst>
-          </p:cNvPr>
+            <a:endParaRPr lang="en-US" dirty="0"/>
+          </a:p>
+        </p:txBody>
+      </p:sp>
+      <p:sp>
+        <p:nvSpPr>
+          <p:cNvPr id="9" name="Slide Number Placeholder 8"/>
           <p:cNvSpPr>
             <a:spLocks noGrp="1"/>
           </p:cNvSpPr>
@@ -12074,8 +12070,6 @@
           <a:p>
             <a:fld id="{BA9B540C-44DA-4F69-89C9-7C84606640D3}" type="slidenum">
               <a:rPr lang="en-US" smtClean="0"/>
-              <a:pPr/>
-              <a:t>20</a:t>
             </a:fld>
             <a:endParaRPr lang="en-US" dirty="0"/>
           </a:p>
@@ -12083,13 +12077,7 @@
       </p:sp>
       <p:sp>
         <p:nvSpPr>
-          <p:cNvPr id="10" name="Footer Placeholder 9">
-            <a:extLst>
-              <a:ext uri="{FF2B5EF4-FFF2-40B4-BE49-F238E27FC236}">
-                <a16:creationId xmlns:a16="http://schemas.microsoft.com/office/drawing/2014/main" id="{0894CB6C-AFFE-D347-8D68-D13F9FF135A1}"/>
-              </a:ext>
-            </a:extLst>
-          </p:cNvPr>
+          <p:cNvPr id="10" name="Footer Placeholder 9"/>
           <p:cNvSpPr>
             <a:spLocks noGrp="1"/>
           </p:cNvSpPr>
@@ -12104,17 +12092,13 @@
           <a:p>
             <a:r>
               <a:rPr lang="en-US"/>
-              <a:t>(C) Elephant Scale 2019</a:t>
-            </a:r>
+              <a:t>(C) Elephant Scale 2021</a:t>
+            </a:r>
+            <a:endParaRPr lang="en-US"/>
           </a:p>
         </p:txBody>
       </p:sp>
     </p:spTree>
-    <p:extLst>
-      <p:ext uri="{BB962C8B-B14F-4D97-AF65-F5344CB8AC3E}">
-        <p14:creationId xmlns:p14="http://schemas.microsoft.com/office/powerpoint/2010/main" val="646973246"/>
-      </p:ext>
-    </p:extLst>
   </p:cSld>
   <p:clrMapOvr>
     <a:masterClrMapping/>
@@ -12158,6 +12142,7 @@
               <a:rPr lang="en-US" dirty="0"/>
               <a:t>Remotes</a:t>
             </a:r>
+            <a:endParaRPr lang="en-US" dirty="0"/>
           </a:p>
         </p:txBody>
       </p:sp>
@@ -12180,12 +12165,14 @@
               <a:rPr lang="en-US" dirty="0"/>
               <a:t>Versions of your project that are hosted on the Internet or network – that’s how you collaborate</a:t>
             </a:r>
+            <a:endParaRPr lang="en-US" dirty="0"/>
           </a:p>
           <a:p>
             <a:r>
               <a:rPr lang="en-US" dirty="0"/>
               <a:t>Remotes can be</a:t>
             </a:r>
+            <a:endParaRPr lang="en-US" dirty="0"/>
           </a:p>
           <a:p>
             <a:pPr lvl="1"/>
@@ -12193,6 +12180,7 @@
               <a:rPr lang="en-US" dirty="0"/>
               <a:t>Multiple</a:t>
             </a:r>
+            <a:endParaRPr lang="en-US" dirty="0"/>
           </a:p>
           <a:p>
             <a:pPr lvl="1"/>
@@ -12200,6 +12188,7 @@
               <a:rPr lang="en-US" dirty="0"/>
               <a:t>Read only or read-write</a:t>
             </a:r>
+            <a:endParaRPr lang="en-US" dirty="0"/>
           </a:p>
           <a:p>
             <a:pPr lvl="1"/>
@@ -12211,6 +12200,7 @@
               <a:rPr lang="en-US" dirty="0"/>
               <a:t>Try</a:t>
             </a:r>
+            <a:endParaRPr lang="en-US" dirty="0"/>
           </a:p>
           <a:p>
             <a:pPr lvl="2"/>
@@ -12245,18 +12235,13 @@
               <a:rPr lang="en-US" dirty="0"/>
               <a:t>This is where you clone your project from</a:t>
             </a:r>
-          </a:p>
-        </p:txBody>
-      </p:sp>
-      <p:sp>
-        <p:nvSpPr>
-          <p:cNvPr id="5" name="Slide Number Placeholder 4">
-            <a:extLst>
-              <a:ext uri="{FF2B5EF4-FFF2-40B4-BE49-F238E27FC236}">
-                <a16:creationId xmlns:a16="http://schemas.microsoft.com/office/drawing/2014/main" id="{C805D4E9-CF3B-954F-BB72-BFAC8124C2F0}"/>
-              </a:ext>
-            </a:extLst>
-          </p:cNvPr>
+            <a:endParaRPr lang="en-US" dirty="0"/>
+          </a:p>
+        </p:txBody>
+      </p:sp>
+      <p:sp>
+        <p:nvSpPr>
+          <p:cNvPr id="5" name="Slide Number Placeholder 4"/>
           <p:cNvSpPr>
             <a:spLocks noGrp="1"/>
           </p:cNvSpPr>
@@ -12271,8 +12256,6 @@
           <a:p>
             <a:fld id="{BA9B540C-44DA-4F69-89C9-7C84606640D3}" type="slidenum">
               <a:rPr lang="en-US" smtClean="0"/>
-              <a:pPr/>
-              <a:t>21</a:t>
             </a:fld>
             <a:endParaRPr lang="en-US" dirty="0"/>
           </a:p>
@@ -12280,13 +12263,7 @@
       </p:sp>
       <p:sp>
         <p:nvSpPr>
-          <p:cNvPr id="6" name="Footer Placeholder 5">
-            <a:extLst>
-              <a:ext uri="{FF2B5EF4-FFF2-40B4-BE49-F238E27FC236}">
-                <a16:creationId xmlns:a16="http://schemas.microsoft.com/office/drawing/2014/main" id="{38EC622C-5AD2-5044-A3BD-9C3E12438E6B}"/>
-              </a:ext>
-            </a:extLst>
-          </p:cNvPr>
+          <p:cNvPr id="6" name="Footer Placeholder 5"/>
           <p:cNvSpPr>
             <a:spLocks noGrp="1"/>
           </p:cNvSpPr>
@@ -12301,17 +12278,13 @@
           <a:p>
             <a:r>
               <a:rPr lang="en-US"/>
-              <a:t>(C) Elephant Scale 2019</a:t>
-            </a:r>
+              <a:t>(C) Elephant Scale 2021</a:t>
+            </a:r>
+            <a:endParaRPr lang="en-US"/>
           </a:p>
         </p:txBody>
       </p:sp>
     </p:spTree>
-    <p:extLst>
-      <p:ext uri="{BB962C8B-B14F-4D97-AF65-F5344CB8AC3E}">
-        <p14:creationId xmlns:p14="http://schemas.microsoft.com/office/powerpoint/2010/main" val="1954377363"/>
-      </p:ext>
-    </p:extLst>
   </p:cSld>
   <p:clrMapOvr>
     <a:masterClrMapping/>
@@ -12355,6 +12328,7 @@
               <a:rPr lang="en-US" dirty="0"/>
               <a:t>Pulling + Pushing</a:t>
             </a:r>
+            <a:endParaRPr lang="en-US" dirty="0"/>
           </a:p>
         </p:txBody>
       </p:sp>
@@ -12384,6 +12358,7 @@
               <a:rPr lang="en-US" dirty="0"/>
               <a:t>Pulling – from a branch on a remote</a:t>
             </a:r>
+            <a:endParaRPr lang="en-US" dirty="0"/>
           </a:p>
           <a:p>
             <a:pPr>
@@ -12395,6 +12370,7 @@
               <a:rPr lang="en-US" dirty="0"/>
               <a:t>Fetching – all that you don’t have yet</a:t>
             </a:r>
+            <a:endParaRPr lang="en-US" dirty="0"/>
           </a:p>
           <a:p>
             <a:pPr>
@@ -12406,6 +12382,7 @@
               <a:rPr lang="en-US" dirty="0"/>
               <a:t>Pushing – back to the branch on a remote</a:t>
             </a:r>
+            <a:endParaRPr lang="en-US" dirty="0"/>
           </a:p>
         </p:txBody>
       </p:sp>
@@ -12418,7 +12395,7 @@
           <p:nvPr/>
         </p:nvPicPr>
         <p:blipFill>
-          <a:blip r:embed="rId2" cstate="email">
+          <a:blip r:embed="rId1" cstate="email">
             <a:extLst>
               <a:ext uri="{28A0092B-C50C-407E-A947-70E740481C1C}">
                 <a14:useLocalDpi xmlns:a14="http://schemas.microsoft.com/office/drawing/2010/main" val="0"/>
@@ -12465,18 +12442,13 @@
               <a:rPr lang="en-US" dirty="0"/>
               <a:t>Source: Cutedocpix.com</a:t>
             </a:r>
-          </a:p>
-        </p:txBody>
-      </p:sp>
-      <p:sp>
-        <p:nvSpPr>
-          <p:cNvPr id="7" name="Slide Number Placeholder 6">
-            <a:extLst>
-              <a:ext uri="{FF2B5EF4-FFF2-40B4-BE49-F238E27FC236}">
-                <a16:creationId xmlns:a16="http://schemas.microsoft.com/office/drawing/2014/main" id="{1D3D24D7-7CF0-374D-9289-2D301EB94AB8}"/>
-              </a:ext>
-            </a:extLst>
-          </p:cNvPr>
+            <a:endParaRPr lang="en-US" dirty="0"/>
+          </a:p>
+        </p:txBody>
+      </p:sp>
+      <p:sp>
+        <p:nvSpPr>
+          <p:cNvPr id="7" name="Slide Number Placeholder 6"/>
           <p:cNvSpPr>
             <a:spLocks noGrp="1"/>
           </p:cNvSpPr>
@@ -12491,8 +12463,6 @@
           <a:p>
             <a:fld id="{BA9B540C-44DA-4F69-89C9-7C84606640D3}" type="slidenum">
               <a:rPr lang="en-US" smtClean="0"/>
-              <a:pPr/>
-              <a:t>22</a:t>
             </a:fld>
             <a:endParaRPr lang="en-US" dirty="0"/>
           </a:p>
@@ -12500,13 +12470,7 @@
       </p:sp>
       <p:sp>
         <p:nvSpPr>
-          <p:cNvPr id="8" name="Footer Placeholder 7">
-            <a:extLst>
-              <a:ext uri="{FF2B5EF4-FFF2-40B4-BE49-F238E27FC236}">
-                <a16:creationId xmlns:a16="http://schemas.microsoft.com/office/drawing/2014/main" id="{6BF18122-F5DA-5641-A348-DC3B1640FB94}"/>
-              </a:ext>
-            </a:extLst>
-          </p:cNvPr>
+          <p:cNvPr id="8" name="Footer Placeholder 7"/>
           <p:cNvSpPr>
             <a:spLocks noGrp="1"/>
           </p:cNvSpPr>
@@ -12521,17 +12485,13 @@
           <a:p>
             <a:r>
               <a:rPr lang="en-US"/>
-              <a:t>(C) Elephant Scale 2019</a:t>
-            </a:r>
+              <a:t>(C) Elephant Scale 2021</a:t>
+            </a:r>
+            <a:endParaRPr lang="en-US"/>
           </a:p>
         </p:txBody>
       </p:sp>
     </p:spTree>
-    <p:extLst>
-      <p:ext uri="{BB962C8B-B14F-4D97-AF65-F5344CB8AC3E}">
-        <p14:creationId xmlns:p14="http://schemas.microsoft.com/office/powerpoint/2010/main" val="1474448926"/>
-      </p:ext>
-    </p:extLst>
   </p:cSld>
   <p:clrMapOvr>
     <a:masterClrMapping/>
@@ -12575,6 +12535,7 @@
               <a:rPr lang="en-US" dirty="0"/>
               <a:t>Lab 04</a:t>
             </a:r>
+            <a:endParaRPr lang="en-US" dirty="0"/>
           </a:p>
         </p:txBody>
       </p:sp>
@@ -12600,16 +12561,15 @@
               <a:rPr lang="en-US" dirty="0"/>
               <a:t>Please do all steps in lab 04</a:t>
             </a:r>
+            <a:endParaRPr lang="en-US" dirty="0"/>
           </a:p>
           <a:p>
             <a:pPr marL="0" indent="0">
               <a:buNone/>
             </a:pPr>
             <a:r>
-              <a:rPr lang="en-US" dirty="0">
-                <a:hlinkClick r:id="rId2"/>
-              </a:rPr>
-              <a:t>https://github.com/elephantscale/HI-labs/tree/master/git/lab04</a:t>
+              <a:rPr lang="en-US" dirty="0"/>
+              <a:t>https://github.com/elephantscale/git-labs/tree/main/lab04</a:t>
             </a:r>
             <a:endParaRPr lang="en-US" dirty="0"/>
           </a:p>
@@ -12621,6 +12581,7 @@
               <a:rPr lang="en-US" dirty="0"/>
               <a:t>Note, however, that the simples way to work is to always use</a:t>
             </a:r>
+            <a:endParaRPr lang="en-US" dirty="0"/>
           </a:p>
           <a:p>
             <a:pPr marL="0" indent="0">
@@ -12640,6 +12601,10 @@
               </a:rPr>
               <a:t> commit –a</a:t>
             </a:r>
+            <a:endParaRPr lang="en-US" dirty="0">
+              <a:latin typeface="Courier New" panose="02070309020205020404" pitchFamily="49" charset="0"/>
+              <a:cs typeface="Courier New" panose="02070309020205020404" pitchFamily="49" charset="0"/>
+            </a:endParaRPr>
           </a:p>
           <a:p>
             <a:pPr marL="0" indent="0">
@@ -12649,6 +12614,7 @@
               <a:rPr lang="en-US" dirty="0"/>
               <a:t>command</a:t>
             </a:r>
+            <a:endParaRPr lang="en-US" dirty="0"/>
           </a:p>
           <a:p>
             <a:pPr marL="0" indent="0">
@@ -12669,13 +12635,7 @@
       </p:sp>
       <p:sp>
         <p:nvSpPr>
-          <p:cNvPr id="5" name="Slide Number Placeholder 4">
-            <a:extLst>
-              <a:ext uri="{FF2B5EF4-FFF2-40B4-BE49-F238E27FC236}">
-                <a16:creationId xmlns:a16="http://schemas.microsoft.com/office/drawing/2014/main" id="{13DA5956-1B5B-A949-9AAC-C04DEDF53E58}"/>
-              </a:ext>
-            </a:extLst>
-          </p:cNvPr>
+          <p:cNvPr id="5" name="Slide Number Placeholder 4"/>
           <p:cNvSpPr>
             <a:spLocks noGrp="1"/>
           </p:cNvSpPr>
@@ -12690,8 +12650,6 @@
           <a:p>
             <a:fld id="{BA9B540C-44DA-4F69-89C9-7C84606640D3}" type="slidenum">
               <a:rPr lang="en-US" smtClean="0"/>
-              <a:pPr/>
-              <a:t>23</a:t>
             </a:fld>
             <a:endParaRPr lang="en-US" dirty="0"/>
           </a:p>
@@ -12699,13 +12657,7 @@
       </p:sp>
       <p:sp>
         <p:nvSpPr>
-          <p:cNvPr id="6" name="Footer Placeholder 5">
-            <a:extLst>
-              <a:ext uri="{FF2B5EF4-FFF2-40B4-BE49-F238E27FC236}">
-                <a16:creationId xmlns:a16="http://schemas.microsoft.com/office/drawing/2014/main" id="{8E27F591-B11C-694A-8436-B47CC2B03FA3}"/>
-              </a:ext>
-            </a:extLst>
-          </p:cNvPr>
+          <p:cNvPr id="6" name="Footer Placeholder 5"/>
           <p:cNvSpPr>
             <a:spLocks noGrp="1"/>
           </p:cNvSpPr>
@@ -12720,17 +12672,13 @@
           <a:p>
             <a:r>
               <a:rPr lang="en-US"/>
-              <a:t>(C) Elephant Scale 2019</a:t>
-            </a:r>
+              <a:t>(C) Elephant Scale 2021</a:t>
+            </a:r>
+            <a:endParaRPr lang="en-US"/>
           </a:p>
         </p:txBody>
       </p:sp>
     </p:spTree>
-    <p:extLst>
-      <p:ext uri="{BB962C8B-B14F-4D97-AF65-F5344CB8AC3E}">
-        <p14:creationId xmlns:p14="http://schemas.microsoft.com/office/powerpoint/2010/main" val="2871305265"/>
-      </p:ext>
-    </p:extLst>
   </p:cSld>
   <p:clrMapOvr>
     <a:masterClrMapping/>
@@ -12774,6 +12722,7 @@
               <a:rPr lang="en-US" dirty="0"/>
               <a:t>Local history vs. Public history</a:t>
             </a:r>
+            <a:endParaRPr lang="en-US" dirty="0"/>
           </a:p>
         </p:txBody>
       </p:sp>
@@ -12796,12 +12745,14 @@
               <a:rPr lang="en-US" dirty="0"/>
               <a:t>Local history is on your laptop</a:t>
             </a:r>
+            <a:endParaRPr lang="en-US" dirty="0"/>
           </a:p>
           <a:p>
             <a:r>
               <a:rPr lang="en-US" dirty="0"/>
               <a:t>You can</a:t>
             </a:r>
+            <a:endParaRPr lang="en-US" dirty="0"/>
           </a:p>
           <a:p>
             <a:pPr lvl="1"/>
@@ -12809,6 +12760,7 @@
               <a:rPr lang="en-US" dirty="0"/>
               <a:t>Change commits</a:t>
             </a:r>
+            <a:endParaRPr lang="en-US" dirty="0"/>
           </a:p>
           <a:p>
             <a:pPr lvl="1"/>
@@ -12816,6 +12768,7 @@
               <a:rPr lang="en-US" dirty="0"/>
               <a:t>Change commit messages</a:t>
             </a:r>
+            <a:endParaRPr lang="en-US" dirty="0"/>
           </a:p>
           <a:p>
             <a:pPr lvl="1"/>
@@ -12823,6 +12776,7 @@
               <a:rPr lang="en-US" dirty="0"/>
               <a:t>Reorder</a:t>
             </a:r>
+            <a:endParaRPr lang="en-US" dirty="0"/>
           </a:p>
           <a:p>
             <a:pPr lvl="1"/>
@@ -12830,6 +12784,7 @@
               <a:rPr lang="en-US" dirty="0"/>
               <a:t>Squash</a:t>
             </a:r>
+            <a:endParaRPr lang="en-US" dirty="0"/>
           </a:p>
           <a:p>
             <a:pPr marL="228600" lvl="1" indent="0">
@@ -12842,6 +12797,7 @@
               <a:rPr lang="en-US" dirty="0"/>
               <a:t>However</a:t>
             </a:r>
+            <a:endParaRPr lang="en-US" dirty="0"/>
           </a:p>
           <a:p>
             <a:pPr lvl="1"/>
@@ -12849,6 +12805,7 @@
               <a:rPr lang="en-US" dirty="0"/>
               <a:t>Be careful pushing this to the public history</a:t>
             </a:r>
+            <a:endParaRPr lang="en-US" dirty="0"/>
           </a:p>
           <a:p>
             <a:pPr lvl="1"/>
@@ -12856,6 +12813,7 @@
               <a:rPr lang="en-US" dirty="0"/>
               <a:t>Because other developers may end up having to merge</a:t>
             </a:r>
+            <a:endParaRPr lang="en-US" dirty="0"/>
           </a:p>
           <a:p>
             <a:pPr marL="228600" lvl="1" indent="0">
@@ -12867,13 +12825,7 @@
       </p:sp>
       <p:sp>
         <p:nvSpPr>
-          <p:cNvPr id="5" name="Slide Number Placeholder 4">
-            <a:extLst>
-              <a:ext uri="{FF2B5EF4-FFF2-40B4-BE49-F238E27FC236}">
-                <a16:creationId xmlns:a16="http://schemas.microsoft.com/office/drawing/2014/main" id="{8DAC9570-6FBF-374D-92E6-7A535448786C}"/>
-              </a:ext>
-            </a:extLst>
-          </p:cNvPr>
+          <p:cNvPr id="5" name="Slide Number Placeholder 4"/>
           <p:cNvSpPr>
             <a:spLocks noGrp="1"/>
           </p:cNvSpPr>
@@ -12888,8 +12840,6 @@
           <a:p>
             <a:fld id="{BA9B540C-44DA-4F69-89C9-7C84606640D3}" type="slidenum">
               <a:rPr lang="en-US" smtClean="0"/>
-              <a:pPr/>
-              <a:t>24</a:t>
             </a:fld>
             <a:endParaRPr lang="en-US" dirty="0"/>
           </a:p>
@@ -12897,13 +12847,7 @@
       </p:sp>
       <p:sp>
         <p:nvSpPr>
-          <p:cNvPr id="6" name="Footer Placeholder 5">
-            <a:extLst>
-              <a:ext uri="{FF2B5EF4-FFF2-40B4-BE49-F238E27FC236}">
-                <a16:creationId xmlns:a16="http://schemas.microsoft.com/office/drawing/2014/main" id="{D40A8090-33FA-2C4F-B60A-CFDFCBC43A9F}"/>
-              </a:ext>
-            </a:extLst>
-          </p:cNvPr>
+          <p:cNvPr id="6" name="Footer Placeholder 5"/>
           <p:cNvSpPr>
             <a:spLocks noGrp="1"/>
           </p:cNvSpPr>
@@ -12918,17 +12862,13 @@
           <a:p>
             <a:r>
               <a:rPr lang="en-US"/>
-              <a:t>(C) Elephant Scale 2019</a:t>
-            </a:r>
+              <a:t>(C) Elephant Scale 2021</a:t>
+            </a:r>
+            <a:endParaRPr lang="en-US"/>
           </a:p>
         </p:txBody>
       </p:sp>
     </p:spTree>
-    <p:extLst>
-      <p:ext uri="{BB962C8B-B14F-4D97-AF65-F5344CB8AC3E}">
-        <p14:creationId xmlns:p14="http://schemas.microsoft.com/office/powerpoint/2010/main" val="581225302"/>
-      </p:ext>
-    </p:extLst>
   </p:cSld>
   <p:clrMapOvr>
     <a:masterClrMapping/>
@@ -12980,6 +12920,7 @@
               <a:rPr lang="en-US" dirty="0"/>
               <a:t> Operations</a:t>
             </a:r>
+            <a:endParaRPr lang="en-US" dirty="0"/>
           </a:p>
         </p:txBody>
       </p:sp>
@@ -12994,7 +12935,7 @@
           </p:nvPr>
         </p:nvPicPr>
         <p:blipFill>
-          <a:blip r:embed="rId2" cstate="email">
+          <a:blip r:embed="rId1" cstate="email">
             <a:extLst>
               <a:ext uri="{28A0092B-C50C-407E-A947-70E740481C1C}">
                 <a14:useLocalDpi xmlns:a14="http://schemas.microsoft.com/office/drawing/2010/main" val="0"/>
@@ -13046,18 +12987,13 @@
               <a:rPr lang="en-US" dirty="0"/>
               <a:t> book</a:t>
             </a:r>
-          </a:p>
-        </p:txBody>
-      </p:sp>
-      <p:sp>
-        <p:nvSpPr>
-          <p:cNvPr id="6" name="Slide Number Placeholder 5">
-            <a:extLst>
-              <a:ext uri="{FF2B5EF4-FFF2-40B4-BE49-F238E27FC236}">
-                <a16:creationId xmlns:a16="http://schemas.microsoft.com/office/drawing/2014/main" id="{D3A7B3BA-CBE3-3B4C-932F-7BFD421E3C4B}"/>
-              </a:ext>
-            </a:extLst>
-          </p:cNvPr>
+            <a:endParaRPr lang="en-US" dirty="0"/>
+          </a:p>
+        </p:txBody>
+      </p:sp>
+      <p:sp>
+        <p:nvSpPr>
+          <p:cNvPr id="6" name="Slide Number Placeholder 5"/>
           <p:cNvSpPr>
             <a:spLocks noGrp="1"/>
           </p:cNvSpPr>
@@ -13072,8 +13008,6 @@
           <a:p>
             <a:fld id="{BA9B540C-44DA-4F69-89C9-7C84606640D3}" type="slidenum">
               <a:rPr lang="en-US" smtClean="0"/>
-              <a:pPr/>
-              <a:t>25</a:t>
             </a:fld>
             <a:endParaRPr lang="en-US" dirty="0"/>
           </a:p>
@@ -13081,13 +13015,7 @@
       </p:sp>
       <p:sp>
         <p:nvSpPr>
-          <p:cNvPr id="7" name="Footer Placeholder 6">
-            <a:extLst>
-              <a:ext uri="{FF2B5EF4-FFF2-40B4-BE49-F238E27FC236}">
-                <a16:creationId xmlns:a16="http://schemas.microsoft.com/office/drawing/2014/main" id="{EEAB001E-0919-C944-87ED-DF03BC59CBC4}"/>
-              </a:ext>
-            </a:extLst>
-          </p:cNvPr>
+          <p:cNvPr id="7" name="Footer Placeholder 6"/>
           <p:cNvSpPr>
             <a:spLocks noGrp="1"/>
           </p:cNvSpPr>
@@ -13102,17 +13030,13 @@
           <a:p>
             <a:r>
               <a:rPr lang="en-US"/>
-              <a:t>(C) Elephant Scale 2019</a:t>
-            </a:r>
+              <a:t>(C) Elephant Scale 2021</a:t>
+            </a:r>
+            <a:endParaRPr lang="en-US"/>
           </a:p>
         </p:txBody>
       </p:sp>
     </p:spTree>
-    <p:extLst>
-      <p:ext uri="{BB962C8B-B14F-4D97-AF65-F5344CB8AC3E}">
-        <p14:creationId xmlns:p14="http://schemas.microsoft.com/office/powerpoint/2010/main" val="1687982312"/>
-      </p:ext>
-    </p:extLst>
   </p:cSld>
   <p:clrMapOvr>
     <a:masterClrMapping/>
@@ -13156,6 +13080,7 @@
               <a:rPr lang="en-US" dirty="0"/>
               <a:t>Viewing a commit in UI</a:t>
             </a:r>
+            <a:endParaRPr lang="en-US" dirty="0"/>
           </a:p>
         </p:txBody>
       </p:sp>
@@ -13183,6 +13108,7 @@
               <a:rPr lang="en-US" dirty="0"/>
               <a:t>Execute the commands below</a:t>
             </a:r>
+            <a:endParaRPr lang="en-US" dirty="0"/>
           </a:p>
           <a:p>
             <a:pPr marL="0" indent="0">
@@ -13200,6 +13126,7 @@
               <a:rPr lang="en-US" dirty="0"/>
               <a:t> Bash</a:t>
             </a:r>
+            <a:endParaRPr lang="en-US" dirty="0"/>
           </a:p>
           <a:p>
             <a:pPr marL="0" indent="0">
@@ -13223,6 +13150,7 @@
               <a:rPr lang="en-US" dirty="0"/>
               <a:t>Or</a:t>
             </a:r>
+            <a:endParaRPr lang="en-US" dirty="0"/>
           </a:p>
           <a:p>
             <a:pPr marL="0" indent="0">
@@ -13240,6 +13168,7 @@
               <a:rPr lang="en-US" dirty="0"/>
               <a:t> Shell</a:t>
             </a:r>
+            <a:endParaRPr lang="en-US" dirty="0"/>
           </a:p>
           <a:p>
             <a:pPr marL="0" indent="0">
@@ -13263,6 +13192,7 @@
               <a:rPr lang="en-US" dirty="0"/>
               <a:t>To view a specific commit</a:t>
             </a:r>
+            <a:endParaRPr lang="en-US" dirty="0"/>
           </a:p>
           <a:p>
             <a:pPr marL="0" indent="0">
@@ -13280,18 +13210,13 @@
               <a:rPr lang="en-US" dirty="0"/>
               <a:t> show 5809 (first few letters of the SHA-1)</a:t>
             </a:r>
-          </a:p>
-        </p:txBody>
-      </p:sp>
-      <p:sp>
-        <p:nvSpPr>
-          <p:cNvPr id="5" name="Slide Number Placeholder 4">
-            <a:extLst>
-              <a:ext uri="{FF2B5EF4-FFF2-40B4-BE49-F238E27FC236}">
-                <a16:creationId xmlns:a16="http://schemas.microsoft.com/office/drawing/2014/main" id="{AEEDE124-A119-6E40-8730-A436F94A56B0}"/>
-              </a:ext>
-            </a:extLst>
-          </p:cNvPr>
+            <a:endParaRPr lang="en-US" dirty="0"/>
+          </a:p>
+        </p:txBody>
+      </p:sp>
+      <p:sp>
+        <p:nvSpPr>
+          <p:cNvPr id="5" name="Slide Number Placeholder 4"/>
           <p:cNvSpPr>
             <a:spLocks noGrp="1"/>
           </p:cNvSpPr>
@@ -13306,8 +13231,6 @@
           <a:p>
             <a:fld id="{BA9B540C-44DA-4F69-89C9-7C84606640D3}" type="slidenum">
               <a:rPr lang="en-US" smtClean="0"/>
-              <a:pPr/>
-              <a:t>26</a:t>
             </a:fld>
             <a:endParaRPr lang="en-US" dirty="0"/>
           </a:p>
@@ -13315,13 +13238,7 @@
       </p:sp>
       <p:sp>
         <p:nvSpPr>
-          <p:cNvPr id="6" name="Footer Placeholder 5">
-            <a:extLst>
-              <a:ext uri="{FF2B5EF4-FFF2-40B4-BE49-F238E27FC236}">
-                <a16:creationId xmlns:a16="http://schemas.microsoft.com/office/drawing/2014/main" id="{FC608CF3-E133-D943-972F-6E0224D6C934}"/>
-              </a:ext>
-            </a:extLst>
-          </p:cNvPr>
+          <p:cNvPr id="6" name="Footer Placeholder 5"/>
           <p:cNvSpPr>
             <a:spLocks noGrp="1"/>
           </p:cNvSpPr>
@@ -13336,17 +13253,13 @@
           <a:p>
             <a:r>
               <a:rPr lang="en-US"/>
-              <a:t>(C) Elephant Scale 2019</a:t>
-            </a:r>
+              <a:t>(C) Elephant Scale 2021</a:t>
+            </a:r>
+            <a:endParaRPr lang="en-US"/>
           </a:p>
         </p:txBody>
       </p:sp>
     </p:spTree>
-    <p:extLst>
-      <p:ext uri="{BB962C8B-B14F-4D97-AF65-F5344CB8AC3E}">
-        <p14:creationId xmlns:p14="http://schemas.microsoft.com/office/powerpoint/2010/main" val="1957125021"/>
-      </p:ext>
-    </p:extLst>
   </p:cSld>
   <p:clrMapOvr>
     <a:masterClrMapping/>
@@ -13390,6 +13303,7 @@
               <a:rPr lang="en-US" dirty="0"/>
               <a:t>Switching branches</a:t>
             </a:r>
+            <a:endParaRPr lang="en-US" dirty="0"/>
           </a:p>
         </p:txBody>
       </p:sp>
@@ -13423,6 +13337,7 @@
               <a:rPr lang="en-US" dirty="0"/>
               <a:t> checkout &lt;branch-name&gt;</a:t>
             </a:r>
+            <a:endParaRPr lang="en-US" dirty="0"/>
           </a:p>
           <a:p>
             <a:pPr marL="228600" lvl="1" indent="0">
@@ -13440,6 +13355,7 @@
               <a:rPr lang="en-US" dirty="0"/>
               <a:t>Try switching between your branches</a:t>
             </a:r>
+            <a:endParaRPr lang="en-US" dirty="0"/>
           </a:p>
           <a:p>
             <a:pPr lvl="1">
@@ -13451,6 +13367,7 @@
               <a:rPr lang="en-US" dirty="0"/>
               <a:t>Try switching branches to your friend’s</a:t>
             </a:r>
+            <a:endParaRPr lang="en-US" dirty="0"/>
           </a:p>
           <a:p>
             <a:pPr lvl="1">
@@ -13462,18 +13379,13 @@
               <a:rPr lang="en-US" dirty="0"/>
               <a:t>Describe what happens when you switch a branch</a:t>
             </a:r>
-          </a:p>
-        </p:txBody>
-      </p:sp>
-      <p:sp>
-        <p:nvSpPr>
-          <p:cNvPr id="5" name="Slide Number Placeholder 4">
-            <a:extLst>
-              <a:ext uri="{FF2B5EF4-FFF2-40B4-BE49-F238E27FC236}">
-                <a16:creationId xmlns:a16="http://schemas.microsoft.com/office/drawing/2014/main" id="{BF6D3756-2695-8B4E-9BD9-F452ED9B6E50}"/>
-              </a:ext>
-            </a:extLst>
-          </p:cNvPr>
+            <a:endParaRPr lang="en-US" dirty="0"/>
+          </a:p>
+        </p:txBody>
+      </p:sp>
+      <p:sp>
+        <p:nvSpPr>
+          <p:cNvPr id="5" name="Slide Number Placeholder 4"/>
           <p:cNvSpPr>
             <a:spLocks noGrp="1"/>
           </p:cNvSpPr>
@@ -13488,8 +13400,6 @@
           <a:p>
             <a:fld id="{BA9B540C-44DA-4F69-89C9-7C84606640D3}" type="slidenum">
               <a:rPr lang="en-US" smtClean="0"/>
-              <a:pPr/>
-              <a:t>27</a:t>
             </a:fld>
             <a:endParaRPr lang="en-US" dirty="0"/>
           </a:p>
@@ -13497,13 +13407,7 @@
       </p:sp>
       <p:sp>
         <p:nvSpPr>
-          <p:cNvPr id="6" name="Footer Placeholder 5">
-            <a:extLst>
-              <a:ext uri="{FF2B5EF4-FFF2-40B4-BE49-F238E27FC236}">
-                <a16:creationId xmlns:a16="http://schemas.microsoft.com/office/drawing/2014/main" id="{0DED4DC8-DFC8-E445-A5EE-D323BD21F18C}"/>
-              </a:ext>
-            </a:extLst>
-          </p:cNvPr>
+          <p:cNvPr id="6" name="Footer Placeholder 5"/>
           <p:cNvSpPr>
             <a:spLocks noGrp="1"/>
           </p:cNvSpPr>
@@ -13518,17 +13422,13 @@
           <a:p>
             <a:r>
               <a:rPr lang="en-US"/>
-              <a:t>(C) Elephant Scale 2019</a:t>
-            </a:r>
+              <a:t>(C) Elephant Scale 2021</a:t>
+            </a:r>
+            <a:endParaRPr lang="en-US"/>
           </a:p>
         </p:txBody>
       </p:sp>
     </p:spTree>
-    <p:extLst>
-      <p:ext uri="{BB962C8B-B14F-4D97-AF65-F5344CB8AC3E}">
-        <p14:creationId xmlns:p14="http://schemas.microsoft.com/office/powerpoint/2010/main" val="2399240435"/>
-      </p:ext>
-    </p:extLst>
   </p:cSld>
   <p:clrMapOvr>
     <a:masterClrMapping/>
@@ -13572,6 +13472,7 @@
               <a:rPr lang="en-US" dirty="0"/>
               <a:t>Switching branches – practical scenario</a:t>
             </a:r>
+            <a:endParaRPr lang="en-US" dirty="0"/>
           </a:p>
         </p:txBody>
       </p:sp>
@@ -13594,6 +13495,7 @@
               <a:rPr lang="en-US" dirty="0"/>
               <a:t>A day in the life of a web developer</a:t>
             </a:r>
+            <a:endParaRPr lang="en-US" dirty="0"/>
           </a:p>
           <a:p>
             <a:endParaRPr lang="en-US" dirty="0"/>
@@ -13609,7 +13511,7 @@
           <p:nvPr/>
         </p:nvPicPr>
         <p:blipFill>
-          <a:blip r:embed="rId2" cstate="email">
+          <a:blip r:embed="rId1" cstate="email">
             <a:extLst>
               <a:ext uri="{28A0092B-C50C-407E-A947-70E740481C1C}">
                 <a14:useLocalDpi xmlns:a14="http://schemas.microsoft.com/office/drawing/2010/main" val="0"/>
@@ -13632,13 +13534,7 @@
       </p:pic>
       <p:sp>
         <p:nvSpPr>
-          <p:cNvPr id="6" name="Slide Number Placeholder 5">
-            <a:extLst>
-              <a:ext uri="{FF2B5EF4-FFF2-40B4-BE49-F238E27FC236}">
-                <a16:creationId xmlns:a16="http://schemas.microsoft.com/office/drawing/2014/main" id="{F873DF85-B2D3-4A40-B183-5E35059CE4BF}"/>
-              </a:ext>
-            </a:extLst>
-          </p:cNvPr>
+          <p:cNvPr id="6" name="Slide Number Placeholder 5"/>
           <p:cNvSpPr>
             <a:spLocks noGrp="1"/>
           </p:cNvSpPr>
@@ -13653,8 +13549,6 @@
           <a:p>
             <a:fld id="{BA9B540C-44DA-4F69-89C9-7C84606640D3}" type="slidenum">
               <a:rPr lang="en-US" smtClean="0"/>
-              <a:pPr/>
-              <a:t>28</a:t>
             </a:fld>
             <a:endParaRPr lang="en-US" dirty="0"/>
           </a:p>
@@ -13662,13 +13556,7 @@
       </p:sp>
       <p:sp>
         <p:nvSpPr>
-          <p:cNvPr id="7" name="Footer Placeholder 6">
-            <a:extLst>
-              <a:ext uri="{FF2B5EF4-FFF2-40B4-BE49-F238E27FC236}">
-                <a16:creationId xmlns:a16="http://schemas.microsoft.com/office/drawing/2014/main" id="{409D3986-459C-BC43-828F-25A98CA84262}"/>
-              </a:ext>
-            </a:extLst>
-          </p:cNvPr>
+          <p:cNvPr id="7" name="Footer Placeholder 6"/>
           <p:cNvSpPr>
             <a:spLocks noGrp="1"/>
           </p:cNvSpPr>
@@ -13683,17 +13571,13 @@
           <a:p>
             <a:r>
               <a:rPr lang="en-US"/>
-              <a:t>(C) Elephant Scale 2019</a:t>
-            </a:r>
+              <a:t>(C) Elephant Scale 2021</a:t>
+            </a:r>
+            <a:endParaRPr lang="en-US"/>
           </a:p>
         </p:txBody>
       </p:sp>
     </p:spTree>
-    <p:extLst>
-      <p:ext uri="{BB962C8B-B14F-4D97-AF65-F5344CB8AC3E}">
-        <p14:creationId xmlns:p14="http://schemas.microsoft.com/office/powerpoint/2010/main" val="1944265125"/>
-      </p:ext>
-    </p:extLst>
   </p:cSld>
   <p:clrMapOvr>
     <a:masterClrMapping/>
@@ -13737,6 +13621,7 @@
               <a:rPr lang="en-US" dirty="0"/>
               <a:t>Morning</a:t>
             </a:r>
+            <a:endParaRPr lang="en-US" dirty="0"/>
           </a:p>
         </p:txBody>
       </p:sp>
@@ -13763,6 +13648,7 @@
               <a:rPr lang="en-US" dirty="0"/>
               <a:t>Do work on a web site.</a:t>
             </a:r>
+            <a:endParaRPr lang="en-US" dirty="0"/>
           </a:p>
           <a:p>
             <a:pPr marL="457200" indent="-457200">
@@ -13773,6 +13659,7 @@
               <a:rPr lang="en-US" dirty="0"/>
               <a:t>Create a branch for a new story you’re working on.</a:t>
             </a:r>
+            <a:endParaRPr lang="en-US" dirty="0"/>
           </a:p>
           <a:p>
             <a:pPr marL="457200" indent="-457200">
@@ -13783,6 +13670,7 @@
               <a:rPr lang="en-US" dirty="0"/>
               <a:t>Do some work in that branch.</a:t>
             </a:r>
+            <a:endParaRPr lang="en-US" dirty="0"/>
           </a:p>
           <a:p>
             <a:pPr marL="0" indent="0">
@@ -13792,6 +13680,7 @@
               <a:rPr lang="en-US" dirty="0"/>
               <a:t>Let us try that. </a:t>
             </a:r>
+            <a:endParaRPr lang="en-US" dirty="0"/>
           </a:p>
           <a:p>
             <a:pPr marL="457200" indent="-457200">
@@ -13802,6 +13691,7 @@
               <a:rPr lang="en-US" dirty="0"/>
               <a:t>Work on the text file of your choice</a:t>
             </a:r>
+            <a:endParaRPr lang="en-US" dirty="0"/>
           </a:p>
           <a:p>
             <a:pPr marL="457200" indent="-457200">
@@ -13827,6 +13717,7 @@
               <a:rPr lang="en-US" dirty="0"/>
               <a:t>Do some work in that branch.</a:t>
             </a:r>
+            <a:endParaRPr lang="en-US" dirty="0"/>
           </a:p>
           <a:p>
             <a:pPr marL="0" indent="0">
@@ -13838,13 +13729,7 @@
       </p:sp>
       <p:sp>
         <p:nvSpPr>
-          <p:cNvPr id="5" name="Slide Number Placeholder 4">
-            <a:extLst>
-              <a:ext uri="{FF2B5EF4-FFF2-40B4-BE49-F238E27FC236}">
-                <a16:creationId xmlns:a16="http://schemas.microsoft.com/office/drawing/2014/main" id="{886C180E-E7D4-2D40-9BE4-5CF1F1E385F3}"/>
-              </a:ext>
-            </a:extLst>
-          </p:cNvPr>
+          <p:cNvPr id="5" name="Slide Number Placeholder 4"/>
           <p:cNvSpPr>
             <a:spLocks noGrp="1"/>
           </p:cNvSpPr>
@@ -13859,8 +13744,6 @@
           <a:p>
             <a:fld id="{BA9B540C-44DA-4F69-89C9-7C84606640D3}" type="slidenum">
               <a:rPr lang="en-US" smtClean="0"/>
-              <a:pPr/>
-              <a:t>29</a:t>
             </a:fld>
             <a:endParaRPr lang="en-US" dirty="0"/>
           </a:p>
@@ -13868,13 +13751,7 @@
       </p:sp>
       <p:sp>
         <p:nvSpPr>
-          <p:cNvPr id="6" name="Footer Placeholder 5">
-            <a:extLst>
-              <a:ext uri="{FF2B5EF4-FFF2-40B4-BE49-F238E27FC236}">
-                <a16:creationId xmlns:a16="http://schemas.microsoft.com/office/drawing/2014/main" id="{3E3FFF0D-A9F0-B540-8863-EA55EC3CCF81}"/>
-              </a:ext>
-            </a:extLst>
-          </p:cNvPr>
+          <p:cNvPr id="6" name="Footer Placeholder 5"/>
           <p:cNvSpPr>
             <a:spLocks noGrp="1"/>
           </p:cNvSpPr>
@@ -13889,17 +13766,13 @@
           <a:p>
             <a:r>
               <a:rPr lang="en-US"/>
-              <a:t>(C) Elephant Scale 2019</a:t>
-            </a:r>
+              <a:t>(C) Elephant Scale 2021</a:t>
+            </a:r>
+            <a:endParaRPr lang="en-US"/>
           </a:p>
         </p:txBody>
       </p:sp>
     </p:spTree>
-    <p:extLst>
-      <p:ext uri="{BB962C8B-B14F-4D97-AF65-F5344CB8AC3E}">
-        <p14:creationId xmlns:p14="http://schemas.microsoft.com/office/powerpoint/2010/main" val="3695751515"/>
-      </p:ext>
-    </p:extLst>
   </p:cSld>
   <p:clrMapOvr>
     <a:masterClrMapping/>
@@ -13943,6 +13816,7 @@
               <a:rPr lang="en-US" dirty="0"/>
               <a:t>Section - Terminology</a:t>
             </a:r>
+            <a:endParaRPr lang="en-US" dirty="0"/>
           </a:p>
         </p:txBody>
       </p:sp>
@@ -13957,7 +13831,7 @@
           </p:nvPr>
         </p:nvPicPr>
         <p:blipFill>
-          <a:blip r:embed="rId2" cstate="email">
+          <a:blip r:embed="rId1" cstate="email">
             <a:extLst>
               <a:ext uri="{28A0092B-C50C-407E-A947-70E740481C1C}">
                 <a14:useLocalDpi xmlns:a14="http://schemas.microsoft.com/office/drawing/2010/main" val="0"/>
@@ -13977,13 +13851,7 @@
       </p:pic>
       <p:sp>
         <p:nvSpPr>
-          <p:cNvPr id="5" name="Slide Number Placeholder 4">
-            <a:extLst>
-              <a:ext uri="{FF2B5EF4-FFF2-40B4-BE49-F238E27FC236}">
-                <a16:creationId xmlns:a16="http://schemas.microsoft.com/office/drawing/2014/main" id="{BC32B98F-1383-3D4F-A726-0F84243A6FD6}"/>
-              </a:ext>
-            </a:extLst>
-          </p:cNvPr>
+          <p:cNvPr id="5" name="Slide Number Placeholder 4"/>
           <p:cNvSpPr>
             <a:spLocks noGrp="1"/>
           </p:cNvSpPr>
@@ -13998,8 +13866,6 @@
           <a:p>
             <a:fld id="{BA9B540C-44DA-4F69-89C9-7C84606640D3}" type="slidenum">
               <a:rPr lang="en-US" smtClean="0"/>
-              <a:pPr/>
-              <a:t>3</a:t>
             </a:fld>
             <a:endParaRPr lang="en-US" dirty="0"/>
           </a:p>
@@ -14007,13 +13873,7 @@
       </p:sp>
       <p:sp>
         <p:nvSpPr>
-          <p:cNvPr id="6" name="Footer Placeholder 5">
-            <a:extLst>
-              <a:ext uri="{FF2B5EF4-FFF2-40B4-BE49-F238E27FC236}">
-                <a16:creationId xmlns:a16="http://schemas.microsoft.com/office/drawing/2014/main" id="{8726511B-4929-8142-9F1B-DCC528722D85}"/>
-              </a:ext>
-            </a:extLst>
-          </p:cNvPr>
+          <p:cNvPr id="6" name="Footer Placeholder 5"/>
           <p:cNvSpPr>
             <a:spLocks noGrp="1"/>
           </p:cNvSpPr>
@@ -14028,17 +13888,13 @@
           <a:p>
             <a:r>
               <a:rPr lang="en-US"/>
-              <a:t>(C) Elephant Scale 2019</a:t>
-            </a:r>
+              <a:t>(C) Elephant Scale 2021</a:t>
+            </a:r>
+            <a:endParaRPr lang="en-US"/>
           </a:p>
         </p:txBody>
       </p:sp>
     </p:spTree>
-    <p:extLst>
-      <p:ext uri="{BB962C8B-B14F-4D97-AF65-F5344CB8AC3E}">
-        <p14:creationId xmlns:p14="http://schemas.microsoft.com/office/powerpoint/2010/main" val="1726214832"/>
-      </p:ext>
-    </p:extLst>
   </p:cSld>
   <p:clrMapOvr>
     <a:masterClrMapping/>
@@ -14082,6 +13938,7 @@
               <a:rPr lang="en-US" dirty="0"/>
               <a:t>Afternoon</a:t>
             </a:r>
+            <a:endParaRPr lang="en-US" dirty="0"/>
           </a:p>
         </p:txBody>
       </p:sp>
@@ -14104,6 +13961,7 @@
               <a:rPr lang="en-US" dirty="0"/>
               <a:t>Emergency fix is required in your branch your-name!</a:t>
             </a:r>
+            <a:endParaRPr lang="en-US" dirty="0"/>
           </a:p>
           <a:p>
             <a:pPr marL="457200" indent="-457200">
@@ -14114,6 +13972,7 @@
               <a:rPr lang="en-US" dirty="0"/>
               <a:t>Switch back to your production branch.</a:t>
             </a:r>
+            <a:endParaRPr lang="en-US" dirty="0"/>
           </a:p>
           <a:p>
             <a:pPr marL="457200" indent="-457200">
@@ -14124,6 +13983,7 @@
               <a:rPr lang="en-US" dirty="0"/>
               <a:t>Create a branch to add the fix.</a:t>
             </a:r>
+            <a:endParaRPr lang="en-US" dirty="0"/>
           </a:p>
           <a:p>
             <a:pPr marL="457200" indent="-457200">
@@ -14134,6 +13994,7 @@
               <a:rPr lang="en-US" dirty="0"/>
               <a:t>Test, merge the hotfix branch into your-name, and push to production.</a:t>
             </a:r>
+            <a:endParaRPr lang="en-US" dirty="0"/>
           </a:p>
           <a:p>
             <a:pPr marL="457200" indent="-457200">
@@ -14144,6 +14005,7 @@
               <a:rPr lang="en-US" dirty="0"/>
               <a:t>Switch back to your original story and continue working.</a:t>
             </a:r>
+            <a:endParaRPr lang="en-US" dirty="0"/>
           </a:p>
           <a:p>
             <a:pPr marL="457200" indent="-457200">
@@ -14160,18 +14022,13 @@
               <a:rPr lang="en-US" dirty="0"/>
               <a:t>Let us do that (following lab)</a:t>
             </a:r>
-          </a:p>
-        </p:txBody>
-      </p:sp>
-      <p:sp>
-        <p:nvSpPr>
-          <p:cNvPr id="5" name="Slide Number Placeholder 4">
-            <a:extLst>
-              <a:ext uri="{FF2B5EF4-FFF2-40B4-BE49-F238E27FC236}">
-                <a16:creationId xmlns:a16="http://schemas.microsoft.com/office/drawing/2014/main" id="{52F07DAB-B621-7248-98B3-B8C44D22F4D4}"/>
-              </a:ext>
-            </a:extLst>
-          </p:cNvPr>
+            <a:endParaRPr lang="en-US" dirty="0"/>
+          </a:p>
+        </p:txBody>
+      </p:sp>
+      <p:sp>
+        <p:nvSpPr>
+          <p:cNvPr id="5" name="Slide Number Placeholder 4"/>
           <p:cNvSpPr>
             <a:spLocks noGrp="1"/>
           </p:cNvSpPr>
@@ -14186,8 +14043,6 @@
           <a:p>
             <a:fld id="{BA9B540C-44DA-4F69-89C9-7C84606640D3}" type="slidenum">
               <a:rPr lang="en-US" smtClean="0"/>
-              <a:pPr/>
-              <a:t>30</a:t>
             </a:fld>
             <a:endParaRPr lang="en-US" dirty="0"/>
           </a:p>
@@ -14195,13 +14050,7 @@
       </p:sp>
       <p:sp>
         <p:nvSpPr>
-          <p:cNvPr id="6" name="Footer Placeholder 5">
-            <a:extLst>
-              <a:ext uri="{FF2B5EF4-FFF2-40B4-BE49-F238E27FC236}">
-                <a16:creationId xmlns:a16="http://schemas.microsoft.com/office/drawing/2014/main" id="{609859ED-A73D-C446-BFF7-C43138805AB2}"/>
-              </a:ext>
-            </a:extLst>
-          </p:cNvPr>
+          <p:cNvPr id="6" name="Footer Placeholder 5"/>
           <p:cNvSpPr>
             <a:spLocks noGrp="1"/>
           </p:cNvSpPr>
@@ -14216,17 +14065,13 @@
           <a:p>
             <a:r>
               <a:rPr lang="en-US"/>
-              <a:t>(C) Elephant Scale 2019</a:t>
-            </a:r>
+              <a:t>(C) Elephant Scale 2021</a:t>
+            </a:r>
+            <a:endParaRPr lang="en-US"/>
           </a:p>
         </p:txBody>
       </p:sp>
     </p:spTree>
-    <p:extLst>
-      <p:ext uri="{BB962C8B-B14F-4D97-AF65-F5344CB8AC3E}">
-        <p14:creationId xmlns:p14="http://schemas.microsoft.com/office/powerpoint/2010/main" val="2044166566"/>
-      </p:ext>
-    </p:extLst>
   </p:cSld>
   <p:clrMapOvr>
     <a:masterClrMapping/>
@@ -14270,6 +14115,7 @@
               <a:rPr lang="en-US" dirty="0"/>
               <a:t>Lab 05</a:t>
             </a:r>
+            <a:endParaRPr lang="en-US" dirty="0"/>
           </a:p>
         </p:txBody>
       </p:sp>
@@ -14295,16 +14141,15 @@
               <a:rPr lang="en-US" dirty="0"/>
               <a:t>Please do all steps in lab 05</a:t>
             </a:r>
+            <a:endParaRPr lang="en-US" dirty="0"/>
           </a:p>
           <a:p>
             <a:pPr marL="0" indent="0">
               <a:buNone/>
             </a:pPr>
             <a:r>
-              <a:rPr lang="en-US" dirty="0">
-                <a:hlinkClick r:id="rId2"/>
-              </a:rPr>
-              <a:t>https://github.com/elephantscale/HI-labs/tree/master/git/lab05</a:t>
+              <a:rPr lang="en-US" dirty="0"/>
+              <a:t>https://github.com/elephantscale/git-labs/tree/main/lab05</a:t>
             </a:r>
             <a:endParaRPr lang="en-US" dirty="0"/>
           </a:p>
@@ -14333,13 +14178,7 @@
       </p:sp>
       <p:sp>
         <p:nvSpPr>
-          <p:cNvPr id="5" name="Slide Number Placeholder 4">
-            <a:extLst>
-              <a:ext uri="{FF2B5EF4-FFF2-40B4-BE49-F238E27FC236}">
-                <a16:creationId xmlns:a16="http://schemas.microsoft.com/office/drawing/2014/main" id="{CD396434-59F7-C74C-B328-BFA7DF51B9E5}"/>
-              </a:ext>
-            </a:extLst>
-          </p:cNvPr>
+          <p:cNvPr id="5" name="Slide Number Placeholder 4"/>
           <p:cNvSpPr>
             <a:spLocks noGrp="1"/>
           </p:cNvSpPr>
@@ -14354,8 +14193,6 @@
           <a:p>
             <a:fld id="{BA9B540C-44DA-4F69-89C9-7C84606640D3}" type="slidenum">
               <a:rPr lang="en-US" smtClean="0"/>
-              <a:pPr/>
-              <a:t>31</a:t>
             </a:fld>
             <a:endParaRPr lang="en-US" dirty="0"/>
           </a:p>
@@ -14363,13 +14200,7 @@
       </p:sp>
       <p:sp>
         <p:nvSpPr>
-          <p:cNvPr id="6" name="Footer Placeholder 5">
-            <a:extLst>
-              <a:ext uri="{FF2B5EF4-FFF2-40B4-BE49-F238E27FC236}">
-                <a16:creationId xmlns:a16="http://schemas.microsoft.com/office/drawing/2014/main" id="{FC12D65B-6714-6543-B66D-AEDEC32A7A8E}"/>
-              </a:ext>
-            </a:extLst>
-          </p:cNvPr>
+          <p:cNvPr id="6" name="Footer Placeholder 5"/>
           <p:cNvSpPr>
             <a:spLocks noGrp="1"/>
           </p:cNvSpPr>
@@ -14384,17 +14215,13 @@
           <a:p>
             <a:r>
               <a:rPr lang="en-US"/>
-              <a:t>(C) Elephant Scale 2019</a:t>
-            </a:r>
+              <a:t>(C) Elephant Scale 2021</a:t>
+            </a:r>
+            <a:endParaRPr lang="en-US"/>
           </a:p>
         </p:txBody>
       </p:sp>
     </p:spTree>
-    <p:extLst>
-      <p:ext uri="{BB962C8B-B14F-4D97-AF65-F5344CB8AC3E}">
-        <p14:creationId xmlns:p14="http://schemas.microsoft.com/office/powerpoint/2010/main" val="1151432143"/>
-      </p:ext>
-    </p:extLst>
   </p:cSld>
   <p:clrMapOvr>
     <a:masterClrMapping/>
@@ -14438,6 +14265,7 @@
               <a:rPr lang="en-US" dirty="0"/>
               <a:t>Section: making changes, staging, and committing</a:t>
             </a:r>
+            <a:endParaRPr lang="en-US" dirty="0"/>
           </a:p>
         </p:txBody>
       </p:sp>
@@ -14452,7 +14280,7 @@
           </p:nvPr>
         </p:nvPicPr>
         <p:blipFill>
-          <a:blip r:embed="rId2">
+          <a:blip r:embed="rId1">
             <a:extLst>
               <a:ext uri="{28A0092B-C50C-407E-A947-70E740481C1C}">
                 <a14:useLocalDpi xmlns:a14="http://schemas.microsoft.com/office/drawing/2010/main" val="0"/>
@@ -14496,18 +14324,13 @@
               <a:rPr lang="en-US" dirty="0"/>
               <a:t>Source: http://www.northeaststage.com</a:t>
             </a:r>
-          </a:p>
-        </p:txBody>
-      </p:sp>
-      <p:sp>
-        <p:nvSpPr>
-          <p:cNvPr id="6" name="Slide Number Placeholder 5">
-            <a:extLst>
-              <a:ext uri="{FF2B5EF4-FFF2-40B4-BE49-F238E27FC236}">
-                <a16:creationId xmlns:a16="http://schemas.microsoft.com/office/drawing/2014/main" id="{235B9AD9-A625-194D-847E-6E12C50E137D}"/>
-              </a:ext>
-            </a:extLst>
-          </p:cNvPr>
+            <a:endParaRPr lang="en-US" dirty="0"/>
+          </a:p>
+        </p:txBody>
+      </p:sp>
+      <p:sp>
+        <p:nvSpPr>
+          <p:cNvPr id="6" name="Slide Number Placeholder 5"/>
           <p:cNvSpPr>
             <a:spLocks noGrp="1"/>
           </p:cNvSpPr>
@@ -14522,8 +14345,6 @@
           <a:p>
             <a:fld id="{BA9B540C-44DA-4F69-89C9-7C84606640D3}" type="slidenum">
               <a:rPr lang="en-US" smtClean="0"/>
-              <a:pPr/>
-              <a:t>32</a:t>
             </a:fld>
             <a:endParaRPr lang="en-US" dirty="0"/>
           </a:p>
@@ -14531,13 +14352,7 @@
       </p:sp>
       <p:sp>
         <p:nvSpPr>
-          <p:cNvPr id="7" name="Footer Placeholder 6">
-            <a:extLst>
-              <a:ext uri="{FF2B5EF4-FFF2-40B4-BE49-F238E27FC236}">
-                <a16:creationId xmlns:a16="http://schemas.microsoft.com/office/drawing/2014/main" id="{78E04379-A8B1-8449-AC6F-3DAE778AA858}"/>
-              </a:ext>
-            </a:extLst>
-          </p:cNvPr>
+          <p:cNvPr id="7" name="Footer Placeholder 6"/>
           <p:cNvSpPr>
             <a:spLocks noGrp="1"/>
           </p:cNvSpPr>
@@ -14552,17 +14367,13 @@
           <a:p>
             <a:r>
               <a:rPr lang="en-US"/>
-              <a:t>(C) Elephant Scale 2019</a:t>
-            </a:r>
+              <a:t>(C) Elephant Scale 2021</a:t>
+            </a:r>
+            <a:endParaRPr lang="en-US"/>
           </a:p>
         </p:txBody>
       </p:sp>
     </p:spTree>
-    <p:extLst>
-      <p:ext uri="{BB962C8B-B14F-4D97-AF65-F5344CB8AC3E}">
-        <p14:creationId xmlns:p14="http://schemas.microsoft.com/office/powerpoint/2010/main" val="101904751"/>
-      </p:ext>
-    </p:extLst>
   </p:cSld>
   <p:clrMapOvr>
     <a:masterClrMapping/>
@@ -14606,6 +14417,7 @@
               <a:rPr lang="en-US" dirty="0"/>
               <a:t>Making changes, staging and committing – in-depth look</a:t>
             </a:r>
+            <a:endParaRPr lang="en-US" dirty="0"/>
           </a:p>
         </p:txBody>
       </p:sp>
@@ -14633,6 +14445,7 @@
               <a:rPr lang="en-US" dirty="0"/>
               <a:t>Staging a commit</a:t>
             </a:r>
+            <a:endParaRPr lang="en-US" dirty="0"/>
           </a:p>
           <a:p>
             <a:pPr>
@@ -14644,6 +14457,7 @@
               <a:rPr lang="en-US" dirty="0"/>
               <a:t>Making a commit</a:t>
             </a:r>
+            <a:endParaRPr lang="en-US" dirty="0"/>
           </a:p>
           <a:p>
             <a:pPr>
@@ -14655,6 +14469,7 @@
               <a:rPr lang="en-US" dirty="0"/>
               <a:t>Pushing your change</a:t>
             </a:r>
+            <a:endParaRPr lang="en-US" dirty="0"/>
           </a:p>
           <a:p>
             <a:pPr>
@@ -14666,6 +14481,7 @@
               <a:rPr lang="en-US" dirty="0"/>
               <a:t>Undoing latest local commit</a:t>
             </a:r>
+            <a:endParaRPr lang="en-US" dirty="0"/>
           </a:p>
           <a:p>
             <a:pPr>
@@ -14677,18 +14493,13 @@
               <a:rPr lang="en-US" dirty="0"/>
               <a:t>Reverting a commit</a:t>
             </a:r>
-          </a:p>
-        </p:txBody>
-      </p:sp>
-      <p:sp>
-        <p:nvSpPr>
-          <p:cNvPr id="5" name="Slide Number Placeholder 4">
-            <a:extLst>
-              <a:ext uri="{FF2B5EF4-FFF2-40B4-BE49-F238E27FC236}">
-                <a16:creationId xmlns:a16="http://schemas.microsoft.com/office/drawing/2014/main" id="{C2252AC9-3E75-BD40-82C5-E482E2948C94}"/>
-              </a:ext>
-            </a:extLst>
-          </p:cNvPr>
+            <a:endParaRPr lang="en-US" dirty="0"/>
+          </a:p>
+        </p:txBody>
+      </p:sp>
+      <p:sp>
+        <p:nvSpPr>
+          <p:cNvPr id="5" name="Slide Number Placeholder 4"/>
           <p:cNvSpPr>
             <a:spLocks noGrp="1"/>
           </p:cNvSpPr>
@@ -14703,8 +14514,6 @@
           <a:p>
             <a:fld id="{BA9B540C-44DA-4F69-89C9-7C84606640D3}" type="slidenum">
               <a:rPr lang="en-US" smtClean="0"/>
-              <a:pPr/>
-              <a:t>33</a:t>
             </a:fld>
             <a:endParaRPr lang="en-US" dirty="0"/>
           </a:p>
@@ -14712,13 +14521,7 @@
       </p:sp>
       <p:sp>
         <p:nvSpPr>
-          <p:cNvPr id="6" name="Footer Placeholder 5">
-            <a:extLst>
-              <a:ext uri="{FF2B5EF4-FFF2-40B4-BE49-F238E27FC236}">
-                <a16:creationId xmlns:a16="http://schemas.microsoft.com/office/drawing/2014/main" id="{E9FA3827-630A-C64C-B018-1E4337366798}"/>
-              </a:ext>
-            </a:extLst>
-          </p:cNvPr>
+          <p:cNvPr id="6" name="Footer Placeholder 5"/>
           <p:cNvSpPr>
             <a:spLocks noGrp="1"/>
           </p:cNvSpPr>
@@ -14733,17 +14536,13 @@
           <a:p>
             <a:r>
               <a:rPr lang="en-US"/>
-              <a:t>(C) Elephant Scale 2019</a:t>
-            </a:r>
+              <a:t>(C) Elephant Scale 2021</a:t>
+            </a:r>
+            <a:endParaRPr lang="en-US"/>
           </a:p>
         </p:txBody>
       </p:sp>
     </p:spTree>
-    <p:extLst>
-      <p:ext uri="{BB962C8B-B14F-4D97-AF65-F5344CB8AC3E}">
-        <p14:creationId xmlns:p14="http://schemas.microsoft.com/office/powerpoint/2010/main" val="3154117366"/>
-      </p:ext>
-    </p:extLst>
   </p:cSld>
   <p:clrMapOvr>
     <a:masterClrMapping/>
@@ -15037,6 +14836,7 @@
               <a:rPr lang="en-US" dirty="0"/>
               <a:t>Staging a commit	</a:t>
             </a:r>
+            <a:endParaRPr lang="en-US" dirty="0"/>
           </a:p>
         </p:txBody>
       </p:sp>
@@ -15059,12 +14859,14 @@
               <a:rPr lang="en-US" dirty="0"/>
               <a:t>Review: what happens in staging?</a:t>
             </a:r>
+            <a:endParaRPr lang="en-US" dirty="0"/>
           </a:p>
           <a:p>
             <a:r>
               <a:rPr lang="en-US" dirty="0"/>
               <a:t>Answer: your changes go to the staging area</a:t>
             </a:r>
+            <a:endParaRPr lang="en-US" dirty="0"/>
           </a:p>
           <a:p>
             <a:pPr marL="0" indent="0">
@@ -15074,6 +14876,7 @@
               <a:rPr lang="en-US" dirty="0"/>
               <a:t>Do commands</a:t>
             </a:r>
+            <a:endParaRPr lang="en-US" dirty="0"/>
           </a:p>
           <a:p>
             <a:pPr marL="0" indent="0">
@@ -15091,6 +14894,7 @@
               <a:rPr lang="en-US" dirty="0"/>
               <a:t> status</a:t>
             </a:r>
+            <a:endParaRPr lang="en-US" dirty="0"/>
           </a:p>
           <a:p>
             <a:pPr marL="0" indent="0">
@@ -15108,6 +14912,7 @@
               <a:rPr lang="en-US" dirty="0"/>
               <a:t> add &lt;file&gt;</a:t>
             </a:r>
+            <a:endParaRPr lang="en-US" dirty="0"/>
           </a:p>
           <a:p>
             <a:pPr marL="0" indent="0">
@@ -15125,6 +14930,7 @@
               <a:rPr lang="en-US" dirty="0"/>
               <a:t> commit –a</a:t>
             </a:r>
+            <a:endParaRPr lang="en-US" dirty="0"/>
           </a:p>
           <a:p>
             <a:pPr marL="0" indent="0">
@@ -15134,6 +14940,7 @@
               <a:rPr lang="en-US" dirty="0"/>
               <a:t>Interactive</a:t>
             </a:r>
+            <a:endParaRPr lang="en-US" dirty="0"/>
           </a:p>
           <a:p>
             <a:pPr marL="0" indent="0">
@@ -15164,13 +14971,7 @@
       </p:sp>
       <p:sp>
         <p:nvSpPr>
-          <p:cNvPr id="5" name="Slide Number Placeholder 4">
-            <a:extLst>
-              <a:ext uri="{FF2B5EF4-FFF2-40B4-BE49-F238E27FC236}">
-                <a16:creationId xmlns:a16="http://schemas.microsoft.com/office/drawing/2014/main" id="{AE9D59C3-34C6-2B4E-ABC3-ED59EAC52FBE}"/>
-              </a:ext>
-            </a:extLst>
-          </p:cNvPr>
+          <p:cNvPr id="5" name="Slide Number Placeholder 4"/>
           <p:cNvSpPr>
             <a:spLocks noGrp="1"/>
           </p:cNvSpPr>
@@ -15185,8 +14986,6 @@
           <a:p>
             <a:fld id="{BA9B540C-44DA-4F69-89C9-7C84606640D3}" type="slidenum">
               <a:rPr lang="en-US" smtClean="0"/>
-              <a:pPr/>
-              <a:t>34</a:t>
             </a:fld>
             <a:endParaRPr lang="en-US" dirty="0"/>
           </a:p>
@@ -15194,13 +14993,7 @@
       </p:sp>
       <p:sp>
         <p:nvSpPr>
-          <p:cNvPr id="6" name="Footer Placeholder 5">
-            <a:extLst>
-              <a:ext uri="{FF2B5EF4-FFF2-40B4-BE49-F238E27FC236}">
-                <a16:creationId xmlns:a16="http://schemas.microsoft.com/office/drawing/2014/main" id="{585BFFA5-8D0E-9340-807B-25B1B0B08EA6}"/>
-              </a:ext>
-            </a:extLst>
-          </p:cNvPr>
+          <p:cNvPr id="6" name="Footer Placeholder 5"/>
           <p:cNvSpPr>
             <a:spLocks noGrp="1"/>
           </p:cNvSpPr>
@@ -15215,17 +15008,13 @@
           <a:p>
             <a:r>
               <a:rPr lang="en-US"/>
-              <a:t>(C) Elephant Scale 2019</a:t>
-            </a:r>
+              <a:t>(C) Elephant Scale 2021</a:t>
+            </a:r>
+            <a:endParaRPr lang="en-US"/>
           </a:p>
         </p:txBody>
       </p:sp>
     </p:spTree>
-    <p:extLst>
-      <p:ext uri="{BB962C8B-B14F-4D97-AF65-F5344CB8AC3E}">
-        <p14:creationId xmlns:p14="http://schemas.microsoft.com/office/powerpoint/2010/main" val="2063641703"/>
-      </p:ext>
-    </p:extLst>
   </p:cSld>
   <p:clrMapOvr>
     <a:masterClrMapping/>
@@ -15269,6 +15058,7 @@
               <a:rPr lang="en-US" dirty="0"/>
               <a:t>Making a commit</a:t>
             </a:r>
+            <a:endParaRPr lang="en-US" dirty="0"/>
           </a:p>
         </p:txBody>
       </p:sp>
@@ -15299,12 +15089,14 @@
               <a:rPr lang="en-US" dirty="0"/>
               <a:t> directory (repository)</a:t>
             </a:r>
+            <a:endParaRPr lang="en-US" dirty="0"/>
           </a:p>
           <a:p>
             <a:r>
               <a:rPr lang="en-US" dirty="0"/>
               <a:t>Making a commit is moving the branch point (master in this case) to the next snapshot</a:t>
             </a:r>
+            <a:endParaRPr lang="en-US" dirty="0"/>
           </a:p>
           <a:p>
             <a:endParaRPr lang="en-US" dirty="0"/>
@@ -15320,7 +15112,7 @@
           <p:nvPr/>
         </p:nvPicPr>
         <p:blipFill>
-          <a:blip r:embed="rId2">
+          <a:blip r:embed="rId1">
             <a:extLst>
               <a:ext uri="{28A0092B-C50C-407E-A947-70E740481C1C}">
                 <a14:useLocalDpi xmlns:a14="http://schemas.microsoft.com/office/drawing/2010/main" val="0"/>
@@ -15375,18 +15167,13 @@
               <a:rPr lang="en-US" dirty="0"/>
               <a:t> book</a:t>
             </a:r>
-          </a:p>
-        </p:txBody>
-      </p:sp>
-      <p:sp>
-        <p:nvSpPr>
-          <p:cNvPr id="7" name="Slide Number Placeholder 6">
-            <a:extLst>
-              <a:ext uri="{FF2B5EF4-FFF2-40B4-BE49-F238E27FC236}">
-                <a16:creationId xmlns:a16="http://schemas.microsoft.com/office/drawing/2014/main" id="{0467FD8B-8F3E-3742-A9A5-E26F051FAAF0}"/>
-              </a:ext>
-            </a:extLst>
-          </p:cNvPr>
+            <a:endParaRPr lang="en-US" dirty="0"/>
+          </a:p>
+        </p:txBody>
+      </p:sp>
+      <p:sp>
+        <p:nvSpPr>
+          <p:cNvPr id="7" name="Slide Number Placeholder 6"/>
           <p:cNvSpPr>
             <a:spLocks noGrp="1"/>
           </p:cNvSpPr>
@@ -15401,8 +15188,6 @@
           <a:p>
             <a:fld id="{BA9B540C-44DA-4F69-89C9-7C84606640D3}" type="slidenum">
               <a:rPr lang="en-US" smtClean="0"/>
-              <a:pPr/>
-              <a:t>35</a:t>
             </a:fld>
             <a:endParaRPr lang="en-US" dirty="0"/>
           </a:p>
@@ -15410,13 +15195,7 @@
       </p:sp>
       <p:sp>
         <p:nvSpPr>
-          <p:cNvPr id="8" name="Footer Placeholder 7">
-            <a:extLst>
-              <a:ext uri="{FF2B5EF4-FFF2-40B4-BE49-F238E27FC236}">
-                <a16:creationId xmlns:a16="http://schemas.microsoft.com/office/drawing/2014/main" id="{901A567B-B53C-A748-AF40-FFD40F49C383}"/>
-              </a:ext>
-            </a:extLst>
-          </p:cNvPr>
+          <p:cNvPr id="8" name="Footer Placeholder 7"/>
           <p:cNvSpPr>
             <a:spLocks noGrp="1"/>
           </p:cNvSpPr>
@@ -15431,17 +15210,13 @@
           <a:p>
             <a:r>
               <a:rPr lang="en-US"/>
-              <a:t>(C) Elephant Scale 2019</a:t>
-            </a:r>
+              <a:t>(C) Elephant Scale 2021</a:t>
+            </a:r>
+            <a:endParaRPr lang="en-US"/>
           </a:p>
         </p:txBody>
       </p:sp>
     </p:spTree>
-    <p:extLst>
-      <p:ext uri="{BB962C8B-B14F-4D97-AF65-F5344CB8AC3E}">
-        <p14:creationId xmlns:p14="http://schemas.microsoft.com/office/powerpoint/2010/main" val="915705433"/>
-      </p:ext>
-    </p:extLst>
   </p:cSld>
   <p:clrMapOvr>
     <a:masterClrMapping/>
@@ -15485,6 +15260,7 @@
               <a:rPr lang="en-US" dirty="0"/>
               <a:t>Commits</a:t>
             </a:r>
+            <a:endParaRPr lang="en-US" dirty="0"/>
           </a:p>
         </p:txBody>
       </p:sp>
@@ -15507,6 +15283,7 @@
               <a:rPr lang="en-US" dirty="0"/>
               <a:t>What are the differences and similarities between a commitment and a commit?</a:t>
             </a:r>
+            <a:endParaRPr lang="en-US" dirty="0"/>
           </a:p>
         </p:txBody>
       </p:sp>
@@ -15519,7 +15296,7 @@
           <p:nvPr/>
         </p:nvPicPr>
         <p:blipFill>
-          <a:blip r:embed="rId2">
+          <a:blip r:embed="rId1">
             <a:extLst>
               <a:ext uri="{28A0092B-C50C-407E-A947-70E740481C1C}">
                 <a14:useLocalDpi xmlns:a14="http://schemas.microsoft.com/office/drawing/2010/main" val="0"/>
@@ -15542,13 +15319,7 @@
       </p:pic>
       <p:sp>
         <p:nvSpPr>
-          <p:cNvPr id="6" name="Slide Number Placeholder 5">
-            <a:extLst>
-              <a:ext uri="{FF2B5EF4-FFF2-40B4-BE49-F238E27FC236}">
-                <a16:creationId xmlns:a16="http://schemas.microsoft.com/office/drawing/2014/main" id="{798894EE-A9E8-A649-B1B8-51CBE3261A50}"/>
-              </a:ext>
-            </a:extLst>
-          </p:cNvPr>
+          <p:cNvPr id="6" name="Slide Number Placeholder 5"/>
           <p:cNvSpPr>
             <a:spLocks noGrp="1"/>
           </p:cNvSpPr>
@@ -15563,8 +15334,6 @@
           <a:p>
             <a:fld id="{BA9B540C-44DA-4F69-89C9-7C84606640D3}" type="slidenum">
               <a:rPr lang="en-US" smtClean="0"/>
-              <a:pPr/>
-              <a:t>36</a:t>
             </a:fld>
             <a:endParaRPr lang="en-US" dirty="0"/>
           </a:p>
@@ -15572,13 +15341,7 @@
       </p:sp>
       <p:sp>
         <p:nvSpPr>
-          <p:cNvPr id="7" name="Footer Placeholder 6">
-            <a:extLst>
-              <a:ext uri="{FF2B5EF4-FFF2-40B4-BE49-F238E27FC236}">
-                <a16:creationId xmlns:a16="http://schemas.microsoft.com/office/drawing/2014/main" id="{DEDBAD39-B4FD-0B42-A8DE-8B0FDDB0A4E7}"/>
-              </a:ext>
-            </a:extLst>
-          </p:cNvPr>
+          <p:cNvPr id="7" name="Footer Placeholder 6"/>
           <p:cNvSpPr>
             <a:spLocks noGrp="1"/>
           </p:cNvSpPr>
@@ -15593,17 +15356,13 @@
           <a:p>
             <a:r>
               <a:rPr lang="en-US"/>
-              <a:t>(C) Elephant Scale 2019</a:t>
-            </a:r>
+              <a:t>(C) Elephant Scale 2021</a:t>
+            </a:r>
+            <a:endParaRPr lang="en-US"/>
           </a:p>
         </p:txBody>
       </p:sp>
     </p:spTree>
-    <p:extLst>
-      <p:ext uri="{BB962C8B-B14F-4D97-AF65-F5344CB8AC3E}">
-        <p14:creationId xmlns:p14="http://schemas.microsoft.com/office/powerpoint/2010/main" val="2533858337"/>
-      </p:ext>
-    </p:extLst>
   </p:cSld>
   <p:clrMapOvr>
     <a:masterClrMapping/>
@@ -15647,6 +15406,7 @@
               <a:rPr lang="en-US" dirty="0"/>
               <a:t>Commit features</a:t>
             </a:r>
+            <a:endParaRPr lang="en-US" dirty="0"/>
           </a:p>
         </p:txBody>
       </p:sp>
@@ -15669,6 +15429,7 @@
               <a:rPr lang="en-US" dirty="0"/>
               <a:t>Permanence</a:t>
             </a:r>
+            <a:endParaRPr lang="en-US" dirty="0"/>
           </a:p>
           <a:p>
             <a:pPr lvl="1"/>
@@ -15676,6 +15437,7 @@
               <a:rPr lang="en-US" dirty="0"/>
               <a:t>Commit leaves a record</a:t>
             </a:r>
+            <a:endParaRPr lang="en-US" dirty="0"/>
           </a:p>
           <a:p>
             <a:pPr lvl="1"/>
@@ -15691,6 +15453,7 @@
               <a:rPr lang="en-US" dirty="0"/>
               <a:t> area</a:t>
             </a:r>
+            <a:endParaRPr lang="en-US" dirty="0"/>
           </a:p>
           <a:p>
             <a:pPr lvl="1"/>
@@ -15698,6 +15461,7 @@
               <a:rPr lang="en-US" dirty="0"/>
               <a:t>Commit can be further recorded in a remote</a:t>
             </a:r>
+            <a:endParaRPr lang="en-US" dirty="0"/>
           </a:p>
           <a:p>
             <a:pPr lvl="1"/>
@@ -15708,6 +15472,7 @@
               <a:rPr lang="en-US" dirty="0"/>
               <a:t>Impermanence</a:t>
             </a:r>
+            <a:endParaRPr lang="en-US" dirty="0"/>
           </a:p>
           <a:p>
             <a:pPr lvl="1"/>
@@ -15715,6 +15480,7 @@
               <a:rPr lang="en-US" dirty="0"/>
               <a:t>Commits can be taken back (undone locally or reverted)</a:t>
             </a:r>
+            <a:endParaRPr lang="en-US" dirty="0"/>
           </a:p>
           <a:p>
             <a:pPr lvl="1"/>
@@ -15726,18 +15492,13 @@
               <a:rPr lang="en-US"/>
               <a:t>(rebase)</a:t>
             </a:r>
-          </a:p>
-        </p:txBody>
-      </p:sp>
-      <p:sp>
-        <p:nvSpPr>
-          <p:cNvPr id="5" name="Slide Number Placeholder 4">
-            <a:extLst>
-              <a:ext uri="{FF2B5EF4-FFF2-40B4-BE49-F238E27FC236}">
-                <a16:creationId xmlns:a16="http://schemas.microsoft.com/office/drawing/2014/main" id="{45E0E24B-A9AF-BE44-9FA1-17EF029AAC5A}"/>
-              </a:ext>
-            </a:extLst>
-          </p:cNvPr>
+            <a:endParaRPr lang="en-US"/>
+          </a:p>
+        </p:txBody>
+      </p:sp>
+      <p:sp>
+        <p:nvSpPr>
+          <p:cNvPr id="5" name="Slide Number Placeholder 4"/>
           <p:cNvSpPr>
             <a:spLocks noGrp="1"/>
           </p:cNvSpPr>
@@ -15752,8 +15513,6 @@
           <a:p>
             <a:fld id="{BA9B540C-44DA-4F69-89C9-7C84606640D3}" type="slidenum">
               <a:rPr lang="en-US" smtClean="0"/>
-              <a:pPr/>
-              <a:t>37</a:t>
             </a:fld>
             <a:endParaRPr lang="en-US" dirty="0"/>
           </a:p>
@@ -15761,13 +15520,7 @@
       </p:sp>
       <p:sp>
         <p:nvSpPr>
-          <p:cNvPr id="6" name="Footer Placeholder 5">
-            <a:extLst>
-              <a:ext uri="{FF2B5EF4-FFF2-40B4-BE49-F238E27FC236}">
-                <a16:creationId xmlns:a16="http://schemas.microsoft.com/office/drawing/2014/main" id="{5C84EDED-95B1-BC48-8A92-4FD18C9811B0}"/>
-              </a:ext>
-            </a:extLst>
-          </p:cNvPr>
+          <p:cNvPr id="6" name="Footer Placeholder 5"/>
           <p:cNvSpPr>
             <a:spLocks noGrp="1"/>
           </p:cNvSpPr>
@@ -15782,17 +15535,13 @@
           <a:p>
             <a:r>
               <a:rPr lang="en-US"/>
-              <a:t>(C) Elephant Scale 2019</a:t>
-            </a:r>
+              <a:t>(C) Elephant Scale 2021</a:t>
+            </a:r>
+            <a:endParaRPr lang="en-US"/>
           </a:p>
         </p:txBody>
       </p:sp>
     </p:spTree>
-    <p:extLst>
-      <p:ext uri="{BB962C8B-B14F-4D97-AF65-F5344CB8AC3E}">
-        <p14:creationId xmlns:p14="http://schemas.microsoft.com/office/powerpoint/2010/main" val="3846663284"/>
-      </p:ext>
-    </p:extLst>
   </p:cSld>
   <p:clrMapOvr>
     <a:masterClrMapping/>
@@ -15836,6 +15585,7 @@
               <a:rPr lang="en-US" dirty="0"/>
               <a:t>How does branching and merging work</a:t>
             </a:r>
+            <a:endParaRPr lang="en-US" dirty="0"/>
           </a:p>
         </p:txBody>
       </p:sp>
@@ -15858,6 +15608,7 @@
               <a:rPr lang="en-US" dirty="0"/>
               <a:t>Let’s go back to our morning-afternoon scenario. In brief…</a:t>
             </a:r>
+            <a:endParaRPr lang="en-US" dirty="0"/>
           </a:p>
           <a:p>
             <a:endParaRPr lang="en-US" dirty="0"/>
@@ -15867,30 +15618,27 @@
               <a:rPr lang="en-US" dirty="0"/>
               <a:t>Working on your issue</a:t>
             </a:r>
+            <a:endParaRPr lang="en-US" dirty="0"/>
           </a:p>
           <a:p>
             <a:r>
               <a:rPr lang="en-US" dirty="0"/>
               <a:t>Get interrupted with the production fix</a:t>
             </a:r>
+            <a:endParaRPr lang="en-US" dirty="0"/>
           </a:p>
           <a:p>
             <a:r>
               <a:rPr lang="en-US" dirty="0"/>
               <a:t>Fix the production, go back to your issue</a:t>
             </a:r>
-          </a:p>
-        </p:txBody>
-      </p:sp>
-      <p:sp>
-        <p:nvSpPr>
-          <p:cNvPr id="5" name="Slide Number Placeholder 4">
-            <a:extLst>
-              <a:ext uri="{FF2B5EF4-FFF2-40B4-BE49-F238E27FC236}">
-                <a16:creationId xmlns:a16="http://schemas.microsoft.com/office/drawing/2014/main" id="{20A6D02D-49E8-8E48-9EA7-573A1AF09ADD}"/>
-              </a:ext>
-            </a:extLst>
-          </p:cNvPr>
+            <a:endParaRPr lang="en-US" dirty="0"/>
+          </a:p>
+        </p:txBody>
+      </p:sp>
+      <p:sp>
+        <p:nvSpPr>
+          <p:cNvPr id="5" name="Slide Number Placeholder 4"/>
           <p:cNvSpPr>
             <a:spLocks noGrp="1"/>
           </p:cNvSpPr>
@@ -15905,8 +15653,6 @@
           <a:p>
             <a:fld id="{BA9B540C-44DA-4F69-89C9-7C84606640D3}" type="slidenum">
               <a:rPr lang="en-US" smtClean="0"/>
-              <a:pPr/>
-              <a:t>38</a:t>
             </a:fld>
             <a:endParaRPr lang="en-US" dirty="0"/>
           </a:p>
@@ -15914,13 +15660,7 @@
       </p:sp>
       <p:sp>
         <p:nvSpPr>
-          <p:cNvPr id="6" name="Footer Placeholder 5">
-            <a:extLst>
-              <a:ext uri="{FF2B5EF4-FFF2-40B4-BE49-F238E27FC236}">
-                <a16:creationId xmlns:a16="http://schemas.microsoft.com/office/drawing/2014/main" id="{3F2249D9-854B-9349-98ED-6692D6C0DE29}"/>
-              </a:ext>
-            </a:extLst>
-          </p:cNvPr>
+          <p:cNvPr id="6" name="Footer Placeholder 5"/>
           <p:cNvSpPr>
             <a:spLocks noGrp="1"/>
           </p:cNvSpPr>
@@ -15935,17 +15675,13 @@
           <a:p>
             <a:r>
               <a:rPr lang="en-US"/>
-              <a:t>(C) Elephant Scale 2019</a:t>
-            </a:r>
+              <a:t>(C) Elephant Scale 2021</a:t>
+            </a:r>
+            <a:endParaRPr lang="en-US"/>
           </a:p>
         </p:txBody>
       </p:sp>
     </p:spTree>
-    <p:extLst>
-      <p:ext uri="{BB962C8B-B14F-4D97-AF65-F5344CB8AC3E}">
-        <p14:creationId xmlns:p14="http://schemas.microsoft.com/office/powerpoint/2010/main" val="1395494584"/>
-      </p:ext>
-    </p:extLst>
   </p:cSld>
   <p:clrMapOvr>
     <a:masterClrMapping/>
@@ -15989,6 +15725,7 @@
               <a:rPr lang="en-US" dirty="0"/>
               <a:t>This is where you start</a:t>
             </a:r>
+            <a:endParaRPr lang="en-US" dirty="0"/>
           </a:p>
         </p:txBody>
       </p:sp>
@@ -16003,7 +15740,7 @@
           </p:nvPr>
         </p:nvPicPr>
         <p:blipFill>
-          <a:blip r:embed="rId2" cstate="email">
+          <a:blip r:embed="rId1" cstate="email">
             <a:extLst>
               <a:ext uri="{28A0092B-C50C-407E-A947-70E740481C1C}">
                 <a14:useLocalDpi xmlns:a14="http://schemas.microsoft.com/office/drawing/2010/main" val="0"/>
@@ -16023,13 +15760,7 @@
       </p:pic>
       <p:sp>
         <p:nvSpPr>
-          <p:cNvPr id="4" name="Slide Number Placeholder 3">
-            <a:extLst>
-              <a:ext uri="{FF2B5EF4-FFF2-40B4-BE49-F238E27FC236}">
-                <a16:creationId xmlns:a16="http://schemas.microsoft.com/office/drawing/2014/main" id="{84DA2450-8CF4-1D44-A7F2-9E8B07E67BEB}"/>
-              </a:ext>
-            </a:extLst>
-          </p:cNvPr>
+          <p:cNvPr id="4" name="Slide Number Placeholder 3"/>
           <p:cNvSpPr>
             <a:spLocks noGrp="1"/>
           </p:cNvSpPr>
@@ -16044,8 +15775,6 @@
           <a:p>
             <a:fld id="{BA9B540C-44DA-4F69-89C9-7C84606640D3}" type="slidenum">
               <a:rPr lang="en-US" smtClean="0"/>
-              <a:pPr/>
-              <a:t>39</a:t>
             </a:fld>
             <a:endParaRPr lang="en-US" dirty="0"/>
           </a:p>
@@ -16053,13 +15782,7 @@
       </p:sp>
       <p:sp>
         <p:nvSpPr>
-          <p:cNvPr id="5" name="Footer Placeholder 4">
-            <a:extLst>
-              <a:ext uri="{FF2B5EF4-FFF2-40B4-BE49-F238E27FC236}">
-                <a16:creationId xmlns:a16="http://schemas.microsoft.com/office/drawing/2014/main" id="{D9442725-884A-0343-8EAF-E3932519EBBF}"/>
-              </a:ext>
-            </a:extLst>
-          </p:cNvPr>
+          <p:cNvPr id="5" name="Footer Placeholder 4"/>
           <p:cNvSpPr>
             <a:spLocks noGrp="1"/>
           </p:cNvSpPr>
@@ -16074,17 +15797,13 @@
           <a:p>
             <a:r>
               <a:rPr lang="en-US"/>
-              <a:t>(C) Elephant Scale 2019</a:t>
-            </a:r>
+              <a:t>(C) Elephant Scale 2021</a:t>
+            </a:r>
+            <a:endParaRPr lang="en-US"/>
           </a:p>
         </p:txBody>
       </p:sp>
     </p:spTree>
-    <p:extLst>
-      <p:ext uri="{BB962C8B-B14F-4D97-AF65-F5344CB8AC3E}">
-        <p14:creationId xmlns:p14="http://schemas.microsoft.com/office/powerpoint/2010/main" val="2774600304"/>
-      </p:ext>
-    </p:extLst>
   </p:cSld>
   <p:clrMapOvr>
     <a:masterClrMapping/>
@@ -16128,6 +15847,7 @@
               <a:rPr lang="en-US" dirty="0"/>
               <a:t>What is Version Control?</a:t>
             </a:r>
+            <a:endParaRPr lang="en-US" dirty="0"/>
           </a:p>
         </p:txBody>
       </p:sp>
@@ -16152,12 +15872,14 @@
               <a:rPr lang="en-US" dirty="0"/>
               <a:t>Management of changes</a:t>
             </a:r>
+            <a:endParaRPr lang="en-US" dirty="0"/>
           </a:p>
           <a:p>
             <a:r>
               <a:rPr lang="en-US" dirty="0"/>
               <a:t>Why is it important?</a:t>
             </a:r>
+            <a:endParaRPr lang="en-US" dirty="0"/>
           </a:p>
           <a:p>
             <a:pPr lvl="1"/>
@@ -16165,6 +15887,7 @@
               <a:rPr lang="en-US" dirty="0"/>
               <a:t>Revert code changes</a:t>
             </a:r>
+            <a:endParaRPr lang="en-US" dirty="0"/>
           </a:p>
           <a:p>
             <a:pPr lvl="1"/>
@@ -16172,6 +15895,7 @@
               <a:rPr lang="en-US" dirty="0"/>
               <a:t>Never loose code</a:t>
             </a:r>
+            <a:endParaRPr lang="en-US" dirty="0"/>
           </a:p>
           <a:p>
             <a:pPr lvl="1"/>
@@ -16179,6 +15903,7 @@
               <a:rPr lang="en-US" dirty="0"/>
               <a:t>Maintain multiple versions of a product</a:t>
             </a:r>
+            <a:endParaRPr lang="en-US" dirty="0"/>
           </a:p>
           <a:p>
             <a:pPr lvl="1"/>
@@ -16186,6 +15911,7 @@
               <a:rPr lang="en-US" dirty="0"/>
               <a:t>See the difference between two (or more) versions of your code</a:t>
             </a:r>
+            <a:endParaRPr lang="en-US" dirty="0"/>
           </a:p>
           <a:p>
             <a:pPr lvl="1"/>
@@ -16193,6 +15919,7 @@
               <a:rPr lang="en-US" dirty="0"/>
               <a:t>Prove that a particular change broke or fixed a piece of code</a:t>
             </a:r>
+            <a:endParaRPr lang="en-US" dirty="0"/>
           </a:p>
           <a:p>
             <a:pPr lvl="1"/>
@@ -16200,6 +15927,7 @@
               <a:rPr lang="en-US" dirty="0"/>
               <a:t>Review the history of some code</a:t>
             </a:r>
+            <a:endParaRPr lang="en-US" dirty="0"/>
           </a:p>
           <a:p>
             <a:pPr lvl="1"/>
@@ -16207,6 +15935,7 @@
               <a:rPr lang="en-US" dirty="0"/>
               <a:t>Submit a change to someone else's code</a:t>
             </a:r>
+            <a:endParaRPr lang="en-US" dirty="0"/>
           </a:p>
           <a:p>
             <a:pPr lvl="1"/>
@@ -16214,6 +15943,7 @@
               <a:rPr lang="en-US" dirty="0"/>
               <a:t>Share your code, or let other people work on your code</a:t>
             </a:r>
+            <a:endParaRPr lang="en-US" dirty="0"/>
           </a:p>
           <a:p>
             <a:pPr lvl="1"/>
@@ -16221,6 +15951,7 @@
               <a:rPr lang="en-US" dirty="0"/>
               <a:t>See how much work is being done, and where, when and by whom</a:t>
             </a:r>
+            <a:endParaRPr lang="en-US" dirty="0"/>
           </a:p>
           <a:p>
             <a:pPr lvl="1"/>
@@ -16228,6 +15959,7 @@
               <a:rPr lang="en-US" dirty="0"/>
               <a:t>Experiment with a new feature without interfering with working code</a:t>
             </a:r>
+            <a:endParaRPr lang="en-US" dirty="0"/>
           </a:p>
           <a:p>
             <a:pPr lvl="1"/>
@@ -16235,18 +15967,13 @@
               <a:rPr lang="en-US" dirty="0"/>
               <a:t>More?</a:t>
             </a:r>
-          </a:p>
-        </p:txBody>
-      </p:sp>
-      <p:sp>
-        <p:nvSpPr>
-          <p:cNvPr id="5" name="Slide Number Placeholder 4">
-            <a:extLst>
-              <a:ext uri="{FF2B5EF4-FFF2-40B4-BE49-F238E27FC236}">
-                <a16:creationId xmlns:a16="http://schemas.microsoft.com/office/drawing/2014/main" id="{B76D3C5B-4D7B-6D4C-827B-338D7C3B5140}"/>
-              </a:ext>
-            </a:extLst>
-          </p:cNvPr>
+            <a:endParaRPr lang="en-US" dirty="0"/>
+          </a:p>
+        </p:txBody>
+      </p:sp>
+      <p:sp>
+        <p:nvSpPr>
+          <p:cNvPr id="5" name="Slide Number Placeholder 4"/>
           <p:cNvSpPr>
             <a:spLocks noGrp="1"/>
           </p:cNvSpPr>
@@ -16261,8 +15988,6 @@
           <a:p>
             <a:fld id="{BA9B540C-44DA-4F69-89C9-7C84606640D3}" type="slidenum">
               <a:rPr lang="en-US" smtClean="0"/>
-              <a:pPr/>
-              <a:t>4</a:t>
             </a:fld>
             <a:endParaRPr lang="en-US" dirty="0"/>
           </a:p>
@@ -16270,13 +15995,7 @@
       </p:sp>
       <p:sp>
         <p:nvSpPr>
-          <p:cNvPr id="6" name="Footer Placeholder 5">
-            <a:extLst>
-              <a:ext uri="{FF2B5EF4-FFF2-40B4-BE49-F238E27FC236}">
-                <a16:creationId xmlns:a16="http://schemas.microsoft.com/office/drawing/2014/main" id="{110904BA-1789-9344-952B-8404032FD562}"/>
-              </a:ext>
-            </a:extLst>
-          </p:cNvPr>
+          <p:cNvPr id="6" name="Footer Placeholder 5"/>
           <p:cNvSpPr>
             <a:spLocks noGrp="1"/>
           </p:cNvSpPr>
@@ -16291,17 +16010,13 @@
           <a:p>
             <a:r>
               <a:rPr lang="en-US"/>
-              <a:t>(C) Elephant Scale 2019</a:t>
-            </a:r>
+              <a:t>(C) Elephant Scale 2021</a:t>
+            </a:r>
+            <a:endParaRPr lang="en-US"/>
           </a:p>
         </p:txBody>
       </p:sp>
     </p:spTree>
-    <p:extLst>
-      <p:ext uri="{BB962C8B-B14F-4D97-AF65-F5344CB8AC3E}">
-        <p14:creationId xmlns:p14="http://schemas.microsoft.com/office/powerpoint/2010/main" val="1605810268"/>
-      </p:ext>
-    </p:extLst>
   </p:cSld>
   <p:clrMapOvr>
     <a:masterClrMapping/>
@@ -16913,6 +16628,7 @@
               <a:rPr lang="en-US" dirty="0"/>
               <a:t>Prepare to work on your feature</a:t>
             </a:r>
+            <a:endParaRPr lang="en-US" dirty="0"/>
           </a:p>
         </p:txBody>
       </p:sp>
@@ -16927,7 +16643,7 @@
           </p:nvPr>
         </p:nvPicPr>
         <p:blipFill>
-          <a:blip r:embed="rId2" cstate="email">
+          <a:blip r:embed="rId1" cstate="email">
             <a:extLst>
               <a:ext uri="{28A0092B-C50C-407E-A947-70E740481C1C}">
                 <a14:useLocalDpi xmlns:a14="http://schemas.microsoft.com/office/drawing/2010/main" val="0"/>
@@ -16975,18 +16691,13 @@
               <a:rPr lang="en-US" dirty="0"/>
               <a:t> checkout tom -b</a:t>
             </a:r>
-          </a:p>
-        </p:txBody>
-      </p:sp>
-      <p:sp>
-        <p:nvSpPr>
-          <p:cNvPr id="6" name="Slide Number Placeholder 5">
-            <a:extLst>
-              <a:ext uri="{FF2B5EF4-FFF2-40B4-BE49-F238E27FC236}">
-                <a16:creationId xmlns:a16="http://schemas.microsoft.com/office/drawing/2014/main" id="{5A29FE92-C0C7-C740-8F5C-2035F1721C97}"/>
-              </a:ext>
-            </a:extLst>
-          </p:cNvPr>
+            <a:endParaRPr lang="en-US" dirty="0"/>
+          </a:p>
+        </p:txBody>
+      </p:sp>
+      <p:sp>
+        <p:nvSpPr>
+          <p:cNvPr id="6" name="Slide Number Placeholder 5"/>
           <p:cNvSpPr>
             <a:spLocks noGrp="1"/>
           </p:cNvSpPr>
@@ -17001,8 +16712,6 @@
           <a:p>
             <a:fld id="{BA9B540C-44DA-4F69-89C9-7C84606640D3}" type="slidenum">
               <a:rPr lang="en-US" smtClean="0"/>
-              <a:pPr/>
-              <a:t>40</a:t>
             </a:fld>
             <a:endParaRPr lang="en-US" dirty="0"/>
           </a:p>
@@ -17010,13 +16719,7 @@
       </p:sp>
       <p:sp>
         <p:nvSpPr>
-          <p:cNvPr id="7" name="Footer Placeholder 6">
-            <a:extLst>
-              <a:ext uri="{FF2B5EF4-FFF2-40B4-BE49-F238E27FC236}">
-                <a16:creationId xmlns:a16="http://schemas.microsoft.com/office/drawing/2014/main" id="{B8B53C2A-A34A-614E-97A4-C451FD30D9A3}"/>
-              </a:ext>
-            </a:extLst>
-          </p:cNvPr>
+          <p:cNvPr id="7" name="Footer Placeholder 6"/>
           <p:cNvSpPr>
             <a:spLocks noGrp="1"/>
           </p:cNvSpPr>
@@ -17031,17 +16734,13 @@
           <a:p>
             <a:r>
               <a:rPr lang="en-US"/>
-              <a:t>(C) Elephant Scale 2019</a:t>
-            </a:r>
+              <a:t>(C) Elephant Scale 2021</a:t>
+            </a:r>
+            <a:endParaRPr lang="en-US"/>
           </a:p>
         </p:txBody>
       </p:sp>
     </p:spTree>
-    <p:extLst>
-      <p:ext uri="{BB962C8B-B14F-4D97-AF65-F5344CB8AC3E}">
-        <p14:creationId xmlns:p14="http://schemas.microsoft.com/office/powerpoint/2010/main" val="3861216136"/>
-      </p:ext>
-    </p:extLst>
   </p:cSld>
   <p:clrMapOvr>
     <a:masterClrMapping/>
@@ -17085,6 +16784,7 @@
               <a:rPr lang="en-US" dirty="0"/>
               <a:t>Commit your new changes</a:t>
             </a:r>
+            <a:endParaRPr lang="en-US" dirty="0"/>
           </a:p>
         </p:txBody>
       </p:sp>
@@ -17099,7 +16799,7 @@
           </p:nvPr>
         </p:nvPicPr>
         <p:blipFill>
-          <a:blip r:embed="rId2" cstate="email">
+          <a:blip r:embed="rId1" cstate="email">
             <a:extLst>
               <a:ext uri="{28A0092B-C50C-407E-A947-70E740481C1C}">
                 <a14:useLocalDpi xmlns:a14="http://schemas.microsoft.com/office/drawing/2010/main" val="0"/>
@@ -17147,18 +16847,13 @@
               <a:rPr lang="en-US" dirty="0"/>
               <a:t> commit -a</a:t>
             </a:r>
-          </a:p>
-        </p:txBody>
-      </p:sp>
-      <p:sp>
-        <p:nvSpPr>
-          <p:cNvPr id="6" name="Slide Number Placeholder 5">
-            <a:extLst>
-              <a:ext uri="{FF2B5EF4-FFF2-40B4-BE49-F238E27FC236}">
-                <a16:creationId xmlns:a16="http://schemas.microsoft.com/office/drawing/2014/main" id="{DE749EDA-CE1A-BC4F-B628-9EF8E4BE6CFC}"/>
-              </a:ext>
-            </a:extLst>
-          </p:cNvPr>
+            <a:endParaRPr lang="en-US" dirty="0"/>
+          </a:p>
+        </p:txBody>
+      </p:sp>
+      <p:sp>
+        <p:nvSpPr>
+          <p:cNvPr id="6" name="Slide Number Placeholder 5"/>
           <p:cNvSpPr>
             <a:spLocks noGrp="1"/>
           </p:cNvSpPr>
@@ -17173,8 +16868,6 @@
           <a:p>
             <a:fld id="{BA9B540C-44DA-4F69-89C9-7C84606640D3}" type="slidenum">
               <a:rPr lang="en-US" smtClean="0"/>
-              <a:pPr/>
-              <a:t>41</a:t>
             </a:fld>
             <a:endParaRPr lang="en-US" dirty="0"/>
           </a:p>
@@ -17182,13 +16875,7 @@
       </p:sp>
       <p:sp>
         <p:nvSpPr>
-          <p:cNvPr id="7" name="Footer Placeholder 6">
-            <a:extLst>
-              <a:ext uri="{FF2B5EF4-FFF2-40B4-BE49-F238E27FC236}">
-                <a16:creationId xmlns:a16="http://schemas.microsoft.com/office/drawing/2014/main" id="{62AFFC10-4850-1241-90FF-12403405A98A}"/>
-              </a:ext>
-            </a:extLst>
-          </p:cNvPr>
+          <p:cNvPr id="7" name="Footer Placeholder 6"/>
           <p:cNvSpPr>
             <a:spLocks noGrp="1"/>
           </p:cNvSpPr>
@@ -17203,17 +16890,13 @@
           <a:p>
             <a:r>
               <a:rPr lang="en-US"/>
-              <a:t>(C) Elephant Scale 2019</a:t>
-            </a:r>
+              <a:t>(C) Elephant Scale 2021</a:t>
+            </a:r>
+            <a:endParaRPr lang="en-US"/>
           </a:p>
         </p:txBody>
       </p:sp>
     </p:spTree>
-    <p:extLst>
-      <p:ext uri="{BB962C8B-B14F-4D97-AF65-F5344CB8AC3E}">
-        <p14:creationId xmlns:p14="http://schemas.microsoft.com/office/powerpoint/2010/main" val="56664389"/>
-      </p:ext>
-    </p:extLst>
   </p:cSld>
   <p:clrMapOvr>
     <a:masterClrMapping/>
@@ -17257,6 +16940,7 @@
               <a:rPr lang="en-US" dirty="0"/>
               <a:t>Work on hotfix</a:t>
             </a:r>
+            <a:endParaRPr lang="en-US" dirty="0"/>
           </a:p>
         </p:txBody>
       </p:sp>
@@ -17269,7 +16953,7 @@
           <p:nvPr/>
         </p:nvPicPr>
         <p:blipFill>
-          <a:blip r:embed="rId2" cstate="email">
+          <a:blip r:embed="rId1" cstate="email">
             <a:extLst>
               <a:ext uri="{28A0092B-C50C-407E-A947-70E740481C1C}">
                 <a14:useLocalDpi xmlns:a14="http://schemas.microsoft.com/office/drawing/2010/main" val="0"/>
@@ -17324,18 +17008,21 @@
               <a:rPr lang="en-US" dirty="0"/>
               <a:t> checkout -b hotfix</a:t>
             </a:r>
+            <a:endParaRPr lang="en-US" dirty="0"/>
           </a:p>
           <a:p>
             <a:r>
               <a:rPr lang="en-US" dirty="0"/>
               <a:t>Switched to a new branch 'hotfix'</a:t>
             </a:r>
+            <a:endParaRPr lang="en-US" dirty="0"/>
           </a:p>
           <a:p>
             <a:r>
               <a:rPr lang="en-US" dirty="0"/>
               <a:t>$ do your work</a:t>
             </a:r>
+            <a:endParaRPr lang="en-US" dirty="0"/>
           </a:p>
           <a:p>
             <a:r>
@@ -17350,18 +17037,13 @@
               <a:rPr lang="en-US" dirty="0"/>
               <a:t> commit -a -m 'urgent fix'</a:t>
             </a:r>
-          </a:p>
-        </p:txBody>
-      </p:sp>
-      <p:sp>
-        <p:nvSpPr>
-          <p:cNvPr id="5" name="Slide Number Placeholder 4">
-            <a:extLst>
-              <a:ext uri="{FF2B5EF4-FFF2-40B4-BE49-F238E27FC236}">
-                <a16:creationId xmlns:a16="http://schemas.microsoft.com/office/drawing/2014/main" id="{EA591C09-54FA-1A48-9AAC-ABBF1DED51DE}"/>
-              </a:ext>
-            </a:extLst>
-          </p:cNvPr>
+            <a:endParaRPr lang="en-US" dirty="0"/>
+          </a:p>
+        </p:txBody>
+      </p:sp>
+      <p:sp>
+        <p:nvSpPr>
+          <p:cNvPr id="5" name="Slide Number Placeholder 4"/>
           <p:cNvSpPr>
             <a:spLocks noGrp="1"/>
           </p:cNvSpPr>
@@ -17376,8 +17058,6 @@
           <a:p>
             <a:fld id="{BA9B540C-44DA-4F69-89C9-7C84606640D3}" type="slidenum">
               <a:rPr lang="en-US" smtClean="0"/>
-              <a:pPr/>
-              <a:t>42</a:t>
             </a:fld>
             <a:endParaRPr lang="en-US" dirty="0"/>
           </a:p>
@@ -17385,13 +17065,7 @@
       </p:sp>
       <p:sp>
         <p:nvSpPr>
-          <p:cNvPr id="7" name="Footer Placeholder 6">
-            <a:extLst>
-              <a:ext uri="{FF2B5EF4-FFF2-40B4-BE49-F238E27FC236}">
-                <a16:creationId xmlns:a16="http://schemas.microsoft.com/office/drawing/2014/main" id="{A3F21E21-DDC2-6D4E-8B11-DC809C6DE37C}"/>
-              </a:ext>
-            </a:extLst>
-          </p:cNvPr>
+          <p:cNvPr id="7" name="Footer Placeholder 6"/>
           <p:cNvSpPr>
             <a:spLocks noGrp="1"/>
           </p:cNvSpPr>
@@ -17406,17 +17080,13 @@
           <a:p>
             <a:r>
               <a:rPr lang="en-US"/>
-              <a:t>(C) Elephant Scale 2019</a:t>
-            </a:r>
+              <a:t>(C) Elephant Scale 2021</a:t>
+            </a:r>
+            <a:endParaRPr lang="en-US"/>
           </a:p>
         </p:txBody>
       </p:sp>
     </p:spTree>
-    <p:extLst>
-      <p:ext uri="{BB962C8B-B14F-4D97-AF65-F5344CB8AC3E}">
-        <p14:creationId xmlns:p14="http://schemas.microsoft.com/office/powerpoint/2010/main" val="56664389"/>
-      </p:ext>
-    </p:extLst>
   </p:cSld>
   <p:clrMapOvr>
     <a:masterClrMapping/>
@@ -17460,6 +17130,7 @@
               <a:rPr lang="en-US" dirty="0"/>
               <a:t>Merge hotfix</a:t>
             </a:r>
+            <a:endParaRPr lang="en-US" dirty="0"/>
           </a:p>
         </p:txBody>
       </p:sp>
@@ -17474,7 +17145,7 @@
           </p:nvPr>
         </p:nvPicPr>
         <p:blipFill>
-          <a:blip r:embed="rId2" cstate="email">
+          <a:blip r:embed="rId1" cstate="email">
             <a:extLst>
               <a:ext uri="{28A0092B-C50C-407E-A947-70E740481C1C}">
                 <a14:useLocalDpi xmlns:a14="http://schemas.microsoft.com/office/drawing/2010/main" val="0"/>
@@ -17518,6 +17189,7 @@
               <a:rPr lang="sv-SE" dirty="0"/>
               <a:t>git checkout master</a:t>
             </a:r>
+            <a:endParaRPr lang="sv-SE" dirty="0"/>
           </a:p>
           <a:p>
             <a:r>
@@ -17530,13 +17202,7 @@
       </p:sp>
       <p:sp>
         <p:nvSpPr>
-          <p:cNvPr id="5" name="Slide Number Placeholder 4">
-            <a:extLst>
-              <a:ext uri="{FF2B5EF4-FFF2-40B4-BE49-F238E27FC236}">
-                <a16:creationId xmlns:a16="http://schemas.microsoft.com/office/drawing/2014/main" id="{FFB8457D-F8FE-2947-8B86-471C2651BCB3}"/>
-              </a:ext>
-            </a:extLst>
-          </p:cNvPr>
+          <p:cNvPr id="5" name="Slide Number Placeholder 4"/>
           <p:cNvSpPr>
             <a:spLocks noGrp="1"/>
           </p:cNvSpPr>
@@ -17551,8 +17217,6 @@
           <a:p>
             <a:fld id="{BA9B540C-44DA-4F69-89C9-7C84606640D3}" type="slidenum">
               <a:rPr lang="en-US" smtClean="0"/>
-              <a:pPr/>
-              <a:t>43</a:t>
             </a:fld>
             <a:endParaRPr lang="en-US" dirty="0"/>
           </a:p>
@@ -17560,13 +17224,7 @@
       </p:sp>
       <p:sp>
         <p:nvSpPr>
-          <p:cNvPr id="7" name="Footer Placeholder 6">
-            <a:extLst>
-              <a:ext uri="{FF2B5EF4-FFF2-40B4-BE49-F238E27FC236}">
-                <a16:creationId xmlns:a16="http://schemas.microsoft.com/office/drawing/2014/main" id="{311ECEB3-DBC1-274D-91F6-8CD8E722BD8D}"/>
-              </a:ext>
-            </a:extLst>
-          </p:cNvPr>
+          <p:cNvPr id="7" name="Footer Placeholder 6"/>
           <p:cNvSpPr>
             <a:spLocks noGrp="1"/>
           </p:cNvSpPr>
@@ -17581,17 +17239,13 @@
           <a:p>
             <a:r>
               <a:rPr lang="en-US"/>
-              <a:t>(C) Elephant Scale 2019</a:t>
-            </a:r>
+              <a:t>(C) Elephant Scale 2021</a:t>
+            </a:r>
+            <a:endParaRPr lang="en-US"/>
           </a:p>
         </p:txBody>
       </p:sp>
     </p:spTree>
-    <p:extLst>
-      <p:ext uri="{BB962C8B-B14F-4D97-AF65-F5344CB8AC3E}">
-        <p14:creationId xmlns:p14="http://schemas.microsoft.com/office/powerpoint/2010/main" val="1748975123"/>
-      </p:ext>
-    </p:extLst>
   </p:cSld>
   <p:clrMapOvr>
     <a:masterClrMapping/>
@@ -17635,6 +17289,7 @@
               <a:rPr lang="en-US" dirty="0"/>
               <a:t>And now, clean up!</a:t>
             </a:r>
+            <a:endParaRPr lang="en-US" dirty="0"/>
           </a:p>
         </p:txBody>
       </p:sp>
@@ -17649,7 +17304,7 @@
           </p:nvPr>
         </p:nvPicPr>
         <p:blipFill>
-          <a:blip r:embed="rId2" cstate="email">
+          <a:blip r:embed="rId1" cstate="email">
             <a:extLst>
               <a:ext uri="{28A0092B-C50C-407E-A947-70E740481C1C}">
                 <a14:useLocalDpi xmlns:a14="http://schemas.microsoft.com/office/drawing/2010/main" val="0"/>
@@ -17697,18 +17352,13 @@
               <a:rPr lang="en-US" dirty="0"/>
               <a:t> branch -d hotfix</a:t>
             </a:r>
-          </a:p>
-        </p:txBody>
-      </p:sp>
-      <p:sp>
-        <p:nvSpPr>
-          <p:cNvPr id="6" name="Slide Number Placeholder 5">
-            <a:extLst>
-              <a:ext uri="{FF2B5EF4-FFF2-40B4-BE49-F238E27FC236}">
-                <a16:creationId xmlns:a16="http://schemas.microsoft.com/office/drawing/2014/main" id="{FF1F8931-3864-844B-93CA-4879BD8B462B}"/>
-              </a:ext>
-            </a:extLst>
-          </p:cNvPr>
+            <a:endParaRPr lang="en-US" dirty="0"/>
+          </a:p>
+        </p:txBody>
+      </p:sp>
+      <p:sp>
+        <p:nvSpPr>
+          <p:cNvPr id="6" name="Slide Number Placeholder 5"/>
           <p:cNvSpPr>
             <a:spLocks noGrp="1"/>
           </p:cNvSpPr>
@@ -17723,8 +17373,6 @@
           <a:p>
             <a:fld id="{BA9B540C-44DA-4F69-89C9-7C84606640D3}" type="slidenum">
               <a:rPr lang="en-US" smtClean="0"/>
-              <a:pPr/>
-              <a:t>44</a:t>
             </a:fld>
             <a:endParaRPr lang="en-US" dirty="0"/>
           </a:p>
@@ -17732,13 +17380,7 @@
       </p:sp>
       <p:sp>
         <p:nvSpPr>
-          <p:cNvPr id="7" name="Footer Placeholder 6">
-            <a:extLst>
-              <a:ext uri="{FF2B5EF4-FFF2-40B4-BE49-F238E27FC236}">
-                <a16:creationId xmlns:a16="http://schemas.microsoft.com/office/drawing/2014/main" id="{6ACCBEAA-45FD-814B-A468-56FCEA797EFF}"/>
-              </a:ext>
-            </a:extLst>
-          </p:cNvPr>
+          <p:cNvPr id="7" name="Footer Placeholder 6"/>
           <p:cNvSpPr>
             <a:spLocks noGrp="1"/>
           </p:cNvSpPr>
@@ -17753,17 +17395,13 @@
           <a:p>
             <a:r>
               <a:rPr lang="en-US"/>
-              <a:t>(C) Elephant Scale 2019</a:t>
-            </a:r>
+              <a:t>(C) Elephant Scale 2021</a:t>
+            </a:r>
+            <a:endParaRPr lang="en-US"/>
           </a:p>
         </p:txBody>
       </p:sp>
     </p:spTree>
-    <p:extLst>
-      <p:ext uri="{BB962C8B-B14F-4D97-AF65-F5344CB8AC3E}">
-        <p14:creationId xmlns:p14="http://schemas.microsoft.com/office/powerpoint/2010/main" val="1782540173"/>
-      </p:ext>
-    </p:extLst>
   </p:cSld>
   <p:clrMapOvr>
     <a:masterClrMapping/>
@@ -17807,6 +17445,7 @@
               <a:rPr lang="en-US" dirty="0"/>
               <a:t>Pushing your change</a:t>
             </a:r>
+            <a:endParaRPr lang="en-US" dirty="0"/>
           </a:p>
         </p:txBody>
       </p:sp>
@@ -17821,7 +17460,7 @@
           </p:nvPr>
         </p:nvPicPr>
         <p:blipFill>
-          <a:blip r:embed="rId2">
+          <a:blip r:embed="rId1">
             <a:extLst>
               <a:ext uri="{28A0092B-C50C-407E-A947-70E740481C1C}">
                 <a14:useLocalDpi xmlns:a14="http://schemas.microsoft.com/office/drawing/2010/main" val="0"/>
@@ -17869,6 +17508,7 @@
               <a:rPr lang="en-US" dirty="0"/>
               <a:t> push &lt;remote&gt; &lt;branch&gt;</a:t>
             </a:r>
+            <a:endParaRPr lang="en-US" dirty="0"/>
           </a:p>
           <a:p>
             <a:endParaRPr lang="en-US" dirty="0"/>
@@ -17878,6 +17518,7 @@
               <a:rPr lang="en-US" dirty="0"/>
               <a:t>or simply</a:t>
             </a:r>
+            <a:endParaRPr lang="en-US" dirty="0"/>
           </a:p>
           <a:p>
             <a:endParaRPr lang="en-US" dirty="0"/>
@@ -17891,18 +17532,13 @@
               <a:rPr lang="en-US" dirty="0"/>
               <a:t> push</a:t>
             </a:r>
-          </a:p>
-        </p:txBody>
-      </p:sp>
-      <p:sp>
-        <p:nvSpPr>
-          <p:cNvPr id="6" name="Slide Number Placeholder 5">
-            <a:extLst>
-              <a:ext uri="{FF2B5EF4-FFF2-40B4-BE49-F238E27FC236}">
-                <a16:creationId xmlns:a16="http://schemas.microsoft.com/office/drawing/2014/main" id="{B2062BC9-0C40-704C-B553-66A5A35B1232}"/>
-              </a:ext>
-            </a:extLst>
-          </p:cNvPr>
+            <a:endParaRPr lang="en-US" dirty="0"/>
+          </a:p>
+        </p:txBody>
+      </p:sp>
+      <p:sp>
+        <p:nvSpPr>
+          <p:cNvPr id="6" name="Slide Number Placeholder 5"/>
           <p:cNvSpPr>
             <a:spLocks noGrp="1"/>
           </p:cNvSpPr>
@@ -17917,8 +17553,6 @@
           <a:p>
             <a:fld id="{BA9B540C-44DA-4F69-89C9-7C84606640D3}" type="slidenum">
               <a:rPr lang="en-US" smtClean="0"/>
-              <a:pPr/>
-              <a:t>45</a:t>
             </a:fld>
             <a:endParaRPr lang="en-US" dirty="0"/>
           </a:p>
@@ -17926,13 +17560,7 @@
       </p:sp>
       <p:sp>
         <p:nvSpPr>
-          <p:cNvPr id="7" name="Footer Placeholder 6">
-            <a:extLst>
-              <a:ext uri="{FF2B5EF4-FFF2-40B4-BE49-F238E27FC236}">
-                <a16:creationId xmlns:a16="http://schemas.microsoft.com/office/drawing/2014/main" id="{BE4ABAED-0840-CA47-BF40-EAF828107131}"/>
-              </a:ext>
-            </a:extLst>
-          </p:cNvPr>
+          <p:cNvPr id="7" name="Footer Placeholder 6"/>
           <p:cNvSpPr>
             <a:spLocks noGrp="1"/>
           </p:cNvSpPr>
@@ -17947,17 +17575,13 @@
           <a:p>
             <a:r>
               <a:rPr lang="en-US"/>
-              <a:t>(C) Elephant Scale 2019</a:t>
-            </a:r>
+              <a:t>(C) Elephant Scale 2021</a:t>
+            </a:r>
+            <a:endParaRPr lang="en-US"/>
           </a:p>
         </p:txBody>
       </p:sp>
     </p:spTree>
-    <p:extLst>
-      <p:ext uri="{BB962C8B-B14F-4D97-AF65-F5344CB8AC3E}">
-        <p14:creationId xmlns:p14="http://schemas.microsoft.com/office/powerpoint/2010/main" val="2224899030"/>
-      </p:ext>
-    </p:extLst>
   </p:cSld>
   <p:clrMapOvr>
     <a:masterClrMapping/>
@@ -18001,6 +17625,7 @@
               <a:rPr lang="en-US" dirty="0"/>
               <a:t>Pushing – do not use force</a:t>
             </a:r>
+            <a:endParaRPr lang="en-US" dirty="0"/>
           </a:p>
         </p:txBody>
       </p:sp>
@@ -18023,6 +17648,7 @@
               <a:rPr lang="en-US" dirty="0"/>
               <a:t>As good practice, do not do this</a:t>
             </a:r>
+            <a:endParaRPr lang="en-US" dirty="0"/>
           </a:p>
           <a:p>
             <a:pPr marL="0" indent="0">
@@ -18036,6 +17662,7 @@
               <a:rPr lang="en-US" dirty="0"/>
               <a:t> push &lt;remote&gt; --force</a:t>
             </a:r>
+            <a:endParaRPr lang="en-US" dirty="0"/>
           </a:p>
           <a:p>
             <a:pPr marL="0" indent="0">
@@ -18045,6 +17672,7 @@
               <a:rPr lang="en-US" dirty="0"/>
               <a:t>When can it happen?</a:t>
             </a:r>
+            <a:endParaRPr lang="en-US" dirty="0"/>
           </a:p>
           <a:p>
             <a:pPr marL="457200" indent="-457200">
@@ -18054,6 +17682,7 @@
               <a:rPr lang="en-US" dirty="0"/>
               <a:t>Did not pull but want to push</a:t>
             </a:r>
+            <a:endParaRPr lang="en-US" dirty="0"/>
           </a:p>
           <a:p>
             <a:pPr marL="457200" indent="-457200">
@@ -18063,18 +17692,13 @@
               <a:rPr lang="en-US" dirty="0"/>
               <a:t>Rebase (we will mention it later)</a:t>
             </a:r>
-          </a:p>
-        </p:txBody>
-      </p:sp>
-      <p:sp>
-        <p:nvSpPr>
-          <p:cNvPr id="5" name="Slide Number Placeholder 4">
-            <a:extLst>
-              <a:ext uri="{FF2B5EF4-FFF2-40B4-BE49-F238E27FC236}">
-                <a16:creationId xmlns:a16="http://schemas.microsoft.com/office/drawing/2014/main" id="{41F941CA-3F01-AD46-8235-99D221BE22FA}"/>
-              </a:ext>
-            </a:extLst>
-          </p:cNvPr>
+            <a:endParaRPr lang="en-US" dirty="0"/>
+          </a:p>
+        </p:txBody>
+      </p:sp>
+      <p:sp>
+        <p:nvSpPr>
+          <p:cNvPr id="5" name="Slide Number Placeholder 4"/>
           <p:cNvSpPr>
             <a:spLocks noGrp="1"/>
           </p:cNvSpPr>
@@ -18089,8 +17713,6 @@
           <a:p>
             <a:fld id="{BA9B540C-44DA-4F69-89C9-7C84606640D3}" type="slidenum">
               <a:rPr lang="en-US" smtClean="0"/>
-              <a:pPr/>
-              <a:t>46</a:t>
             </a:fld>
             <a:endParaRPr lang="en-US" dirty="0"/>
           </a:p>
@@ -18098,13 +17720,7 @@
       </p:sp>
       <p:sp>
         <p:nvSpPr>
-          <p:cNvPr id="6" name="Footer Placeholder 5">
-            <a:extLst>
-              <a:ext uri="{FF2B5EF4-FFF2-40B4-BE49-F238E27FC236}">
-                <a16:creationId xmlns:a16="http://schemas.microsoft.com/office/drawing/2014/main" id="{DEF23DC7-1842-914F-8646-02D9272D7804}"/>
-              </a:ext>
-            </a:extLst>
-          </p:cNvPr>
+          <p:cNvPr id="6" name="Footer Placeholder 5"/>
           <p:cNvSpPr>
             <a:spLocks noGrp="1"/>
           </p:cNvSpPr>
@@ -18119,17 +17735,13 @@
           <a:p>
             <a:r>
               <a:rPr lang="en-US"/>
-              <a:t>(C) Elephant Scale 2019</a:t>
-            </a:r>
+              <a:t>(C) Elephant Scale 2021</a:t>
+            </a:r>
+            <a:endParaRPr lang="en-US"/>
           </a:p>
         </p:txBody>
       </p:sp>
     </p:spTree>
-    <p:extLst>
-      <p:ext uri="{BB962C8B-B14F-4D97-AF65-F5344CB8AC3E}">
-        <p14:creationId xmlns:p14="http://schemas.microsoft.com/office/powerpoint/2010/main" val="1861998237"/>
-      </p:ext>
-    </p:extLst>
   </p:cSld>
   <p:clrMapOvr>
     <a:masterClrMapping/>
@@ -18314,6 +17926,7 @@
               <a:rPr lang="en-US" dirty="0"/>
               <a:t>Undoing latest local commit</a:t>
             </a:r>
+            <a:endParaRPr lang="en-US" dirty="0"/>
           </a:p>
         </p:txBody>
       </p:sp>
@@ -18339,6 +17952,7 @@
               <a:rPr lang="en-US" dirty="0"/>
               <a:t>Can you do this?</a:t>
             </a:r>
+            <a:endParaRPr lang="en-US" dirty="0"/>
           </a:p>
           <a:p>
             <a:pPr marL="0" indent="0">
@@ -18356,6 +17970,9 @@
               </a:rPr>
               <a:t> undo-commit</a:t>
             </a:r>
+            <a:endParaRPr lang="en-US" dirty="0">
+              <a:latin typeface="Corbel" panose="020B0503020204020204" pitchFamily="34" charset="0"/>
+            </a:endParaRPr>
           </a:p>
           <a:p>
             <a:pPr marL="0" indent="0">
@@ -18365,6 +17982,7 @@
               <a:rPr lang="en-US" dirty="0"/>
               <a:t>Yes, if prior you type</a:t>
             </a:r>
+            <a:endParaRPr lang="en-US" dirty="0"/>
           </a:p>
           <a:p>
             <a:pPr marL="0" indent="0">
@@ -18412,6 +18030,10 @@
               </a:rPr>
               <a:t>-commit 'reset --soft HEAD^'</a:t>
             </a:r>
+            <a:endParaRPr lang="en-US" sz="1600" dirty="0">
+              <a:latin typeface="Courier New" panose="02070309020205020404" pitchFamily="49" charset="0"/>
+              <a:cs typeface="Courier New" panose="02070309020205020404" pitchFamily="49" charset="0"/>
+            </a:endParaRPr>
           </a:p>
           <a:p>
             <a:pPr marL="0" indent="0">
@@ -18421,6 +18043,7 @@
               <a:rPr lang="en-US" dirty="0"/>
               <a:t>Another way:</a:t>
             </a:r>
+            <a:endParaRPr lang="en-US" dirty="0"/>
           </a:p>
           <a:p>
             <a:pPr marL="0" indent="0">
@@ -18440,18 +18063,16 @@
               </a:rPr>
               <a:t> reset --soft HEAD~1</a:t>
             </a:r>
-          </a:p>
-        </p:txBody>
-      </p:sp>
-      <p:sp>
-        <p:nvSpPr>
-          <p:cNvPr id="5" name="Slide Number Placeholder 4">
-            <a:extLst>
-              <a:ext uri="{FF2B5EF4-FFF2-40B4-BE49-F238E27FC236}">
-                <a16:creationId xmlns:a16="http://schemas.microsoft.com/office/drawing/2014/main" id="{3702683B-DCA7-B74C-8DEF-0200C8C651B3}"/>
-              </a:ext>
-            </a:extLst>
-          </p:cNvPr>
+            <a:endParaRPr lang="en-US" dirty="0">
+              <a:latin typeface="Courier New" panose="02070309020205020404" pitchFamily="49" charset="0"/>
+              <a:cs typeface="Courier New" panose="02070309020205020404" pitchFamily="49" charset="0"/>
+            </a:endParaRPr>
+          </a:p>
+        </p:txBody>
+      </p:sp>
+      <p:sp>
+        <p:nvSpPr>
+          <p:cNvPr id="5" name="Slide Number Placeholder 4"/>
           <p:cNvSpPr>
             <a:spLocks noGrp="1"/>
           </p:cNvSpPr>
@@ -18466,8 +18087,6 @@
           <a:p>
             <a:fld id="{BA9B540C-44DA-4F69-89C9-7C84606640D3}" type="slidenum">
               <a:rPr lang="en-US" smtClean="0"/>
-              <a:pPr/>
-              <a:t>47</a:t>
             </a:fld>
             <a:endParaRPr lang="en-US" dirty="0"/>
           </a:p>
@@ -18475,13 +18094,7 @@
       </p:sp>
       <p:sp>
         <p:nvSpPr>
-          <p:cNvPr id="6" name="Footer Placeholder 5">
-            <a:extLst>
-              <a:ext uri="{FF2B5EF4-FFF2-40B4-BE49-F238E27FC236}">
-                <a16:creationId xmlns:a16="http://schemas.microsoft.com/office/drawing/2014/main" id="{D10B33F3-DA23-F44D-8ECD-1DE2BF15283F}"/>
-              </a:ext>
-            </a:extLst>
-          </p:cNvPr>
+          <p:cNvPr id="6" name="Footer Placeholder 5"/>
           <p:cNvSpPr>
             <a:spLocks noGrp="1"/>
           </p:cNvSpPr>
@@ -18496,17 +18109,13 @@
           <a:p>
             <a:r>
               <a:rPr lang="en-US"/>
-              <a:t>(C) Elephant Scale 2019</a:t>
-            </a:r>
+              <a:t>(C) Elephant Scale 2021</a:t>
+            </a:r>
+            <a:endParaRPr lang="en-US"/>
           </a:p>
         </p:txBody>
       </p:sp>
     </p:spTree>
-    <p:extLst>
-      <p:ext uri="{BB962C8B-B14F-4D97-AF65-F5344CB8AC3E}">
-        <p14:creationId xmlns:p14="http://schemas.microsoft.com/office/powerpoint/2010/main" val="140220950"/>
-      </p:ext>
-    </p:extLst>
   </p:cSld>
   <p:clrMapOvr>
     <a:masterClrMapping/>
@@ -18550,6 +18159,7 @@
               <a:rPr lang="en-US" dirty="0"/>
               <a:t>Undo staging</a:t>
             </a:r>
+            <a:endParaRPr lang="en-US" dirty="0"/>
           </a:p>
         </p:txBody>
       </p:sp>
@@ -18572,6 +18182,7 @@
               <a:rPr lang="en-US" dirty="0"/>
               <a:t>Say you did this and added too much</a:t>
             </a:r>
+            <a:endParaRPr lang="en-US" dirty="0"/>
           </a:p>
           <a:p>
             <a:pPr marL="0" indent="0">
@@ -18591,6 +18202,10 @@
               </a:rPr>
               <a:t> add .</a:t>
             </a:r>
+            <a:endParaRPr lang="en-US" dirty="0">
+              <a:latin typeface="Courier New" panose="02070309020205020404" pitchFamily="49" charset="0"/>
+              <a:cs typeface="Courier New" panose="02070309020205020404" pitchFamily="49" charset="0"/>
+            </a:endParaRPr>
           </a:p>
           <a:p>
             <a:pPr marL="0" indent="0">
@@ -18600,6 +18215,7 @@
               <a:rPr lang="en-US" dirty="0"/>
               <a:t>Here is how you can extricate yourself</a:t>
             </a:r>
+            <a:endParaRPr lang="en-US" dirty="0"/>
           </a:p>
           <a:p>
             <a:pPr marL="0" indent="0">
@@ -18633,6 +18249,10 @@
               </a:rPr>
               <a:t> -r --cached .</a:t>
             </a:r>
+            <a:endParaRPr lang="en-US" dirty="0">
+              <a:latin typeface="Courier New" panose="02070309020205020404" pitchFamily="49" charset="0"/>
+              <a:cs typeface="Courier New" panose="02070309020205020404" pitchFamily="49" charset="0"/>
+            </a:endParaRPr>
           </a:p>
           <a:p>
             <a:pPr marL="0" indent="0">
@@ -18665,31 +18285,29 @@
               </a:rPr>
               <a:t> add -n .</a:t>
             </a:r>
-          </a:p>
-          <a:p>
-            <a:pPr marL="0" indent="0">
-              <a:buNone/>
-            </a:pPr>
-            <a:r>
-              <a:rPr lang="en-US" dirty="0"/>
-              <a:t>Try this: create a file, add it, then undo the staging</a:t>
-            </a:r>
             <a:endParaRPr lang="en-US" dirty="0">
               <a:latin typeface="Courier New" panose="02070309020205020404" pitchFamily="49" charset="0"/>
               <a:cs typeface="Courier New" panose="02070309020205020404" pitchFamily="49" charset="0"/>
             </a:endParaRPr>
           </a:p>
-        </p:txBody>
-      </p:sp>
-      <p:sp>
-        <p:nvSpPr>
-          <p:cNvPr id="5" name="Slide Number Placeholder 4">
-            <a:extLst>
-              <a:ext uri="{FF2B5EF4-FFF2-40B4-BE49-F238E27FC236}">
-                <a16:creationId xmlns:a16="http://schemas.microsoft.com/office/drawing/2014/main" id="{9A3C039D-1F1D-1444-A8AD-1F2FEAB896BB}"/>
-              </a:ext>
-            </a:extLst>
-          </p:cNvPr>
+          <a:p>
+            <a:pPr marL="0" indent="0">
+              <a:buNone/>
+            </a:pPr>
+            <a:r>
+              <a:rPr lang="en-US" dirty="0"/>
+              <a:t>Try this: create a file, add it, then undo the staging</a:t>
+            </a:r>
+            <a:endParaRPr lang="en-US" dirty="0">
+              <a:latin typeface="Courier New" panose="02070309020205020404" pitchFamily="49" charset="0"/>
+              <a:cs typeface="Courier New" panose="02070309020205020404" pitchFamily="49" charset="0"/>
+            </a:endParaRPr>
+          </a:p>
+        </p:txBody>
+      </p:sp>
+      <p:sp>
+        <p:nvSpPr>
+          <p:cNvPr id="5" name="Slide Number Placeholder 4"/>
           <p:cNvSpPr>
             <a:spLocks noGrp="1"/>
           </p:cNvSpPr>
@@ -18704,8 +18322,6 @@
           <a:p>
             <a:fld id="{BA9B540C-44DA-4F69-89C9-7C84606640D3}" type="slidenum">
               <a:rPr lang="en-US" smtClean="0"/>
-              <a:pPr/>
-              <a:t>48</a:t>
             </a:fld>
             <a:endParaRPr lang="en-US" dirty="0"/>
           </a:p>
@@ -18713,13 +18329,7 @@
       </p:sp>
       <p:sp>
         <p:nvSpPr>
-          <p:cNvPr id="6" name="Footer Placeholder 5">
-            <a:extLst>
-              <a:ext uri="{FF2B5EF4-FFF2-40B4-BE49-F238E27FC236}">
-                <a16:creationId xmlns:a16="http://schemas.microsoft.com/office/drawing/2014/main" id="{5D68F407-B4C1-8D44-A075-85122E93D2C4}"/>
-              </a:ext>
-            </a:extLst>
-          </p:cNvPr>
+          <p:cNvPr id="6" name="Footer Placeholder 5"/>
           <p:cNvSpPr>
             <a:spLocks noGrp="1"/>
           </p:cNvSpPr>
@@ -18734,17 +18344,13 @@
           <a:p>
             <a:r>
               <a:rPr lang="en-US"/>
-              <a:t>(C) Elephant Scale 2019</a:t>
-            </a:r>
+              <a:t>(C) Elephant Scale 2021</a:t>
+            </a:r>
+            <a:endParaRPr lang="en-US"/>
           </a:p>
         </p:txBody>
       </p:sp>
     </p:spTree>
-    <p:extLst>
-      <p:ext uri="{BB962C8B-B14F-4D97-AF65-F5344CB8AC3E}">
-        <p14:creationId xmlns:p14="http://schemas.microsoft.com/office/powerpoint/2010/main" val="1961410296"/>
-      </p:ext>
-    </p:extLst>
   </p:cSld>
   <p:clrMapOvr>
     <a:masterClrMapping/>
@@ -18788,6 +18394,7 @@
               <a:rPr lang="en-US" dirty="0"/>
               <a:t>Revert commit</a:t>
             </a:r>
+            <a:endParaRPr lang="en-US" dirty="0"/>
           </a:p>
         </p:txBody>
       </p:sp>
@@ -18813,6 +18420,7 @@
               <a:rPr lang="en-US" dirty="0"/>
               <a:t>To go to a previous commit</a:t>
             </a:r>
+            <a:endParaRPr lang="en-US" dirty="0"/>
           </a:p>
           <a:p>
             <a:pPr marL="0" indent="0">
@@ -18832,6 +18440,10 @@
               </a:rPr>
               <a:t> checkout 0d1d (start of your hash)</a:t>
             </a:r>
+            <a:endParaRPr lang="en-US" dirty="0">
+              <a:latin typeface="Courier New" panose="02070309020205020404" pitchFamily="49" charset="0"/>
+              <a:cs typeface="Courier New" panose="02070309020205020404" pitchFamily="49" charset="0"/>
+            </a:endParaRPr>
           </a:p>
           <a:p>
             <a:pPr marL="0" indent="0">
@@ -18847,6 +18459,7 @@
               <a:rPr lang="en-US" dirty="0"/>
               <a:t>Careful! To go back and delete all subsequent commits</a:t>
             </a:r>
+            <a:endParaRPr lang="en-US" dirty="0"/>
           </a:p>
           <a:p>
             <a:pPr marL="0" indent="0">
@@ -18866,6 +18479,10 @@
               </a:rPr>
               <a:t> reset --hard 0d1d (start of the commit hash)</a:t>
             </a:r>
+            <a:endParaRPr lang="en-US" dirty="0">
+              <a:latin typeface="Courier New" panose="02070309020205020404" pitchFamily="49" charset="0"/>
+              <a:cs typeface="Courier New" panose="02070309020205020404" pitchFamily="49" charset="0"/>
+            </a:endParaRPr>
           </a:p>
           <a:p>
             <a:pPr marL="0" indent="0">
@@ -18883,13 +18500,7 @@
       </p:sp>
       <p:sp>
         <p:nvSpPr>
-          <p:cNvPr id="5" name="Slide Number Placeholder 4">
-            <a:extLst>
-              <a:ext uri="{FF2B5EF4-FFF2-40B4-BE49-F238E27FC236}">
-                <a16:creationId xmlns:a16="http://schemas.microsoft.com/office/drawing/2014/main" id="{978A7599-3EE7-3B49-9811-0AAF86903BF5}"/>
-              </a:ext>
-            </a:extLst>
-          </p:cNvPr>
+          <p:cNvPr id="5" name="Slide Number Placeholder 4"/>
           <p:cNvSpPr>
             <a:spLocks noGrp="1"/>
           </p:cNvSpPr>
@@ -18904,8 +18515,6 @@
           <a:p>
             <a:fld id="{BA9B540C-44DA-4F69-89C9-7C84606640D3}" type="slidenum">
               <a:rPr lang="en-US" smtClean="0"/>
-              <a:pPr/>
-              <a:t>49</a:t>
             </a:fld>
             <a:endParaRPr lang="en-US" dirty="0"/>
           </a:p>
@@ -18913,13 +18522,7 @@
       </p:sp>
       <p:sp>
         <p:nvSpPr>
-          <p:cNvPr id="6" name="Footer Placeholder 5">
-            <a:extLst>
-              <a:ext uri="{FF2B5EF4-FFF2-40B4-BE49-F238E27FC236}">
-                <a16:creationId xmlns:a16="http://schemas.microsoft.com/office/drawing/2014/main" id="{DC759342-4969-C04F-89F9-28C35E159E6A}"/>
-              </a:ext>
-            </a:extLst>
-          </p:cNvPr>
+          <p:cNvPr id="6" name="Footer Placeholder 5"/>
           <p:cNvSpPr>
             <a:spLocks noGrp="1"/>
           </p:cNvSpPr>
@@ -18934,17 +18537,13 @@
           <a:p>
             <a:r>
               <a:rPr lang="en-US"/>
-              <a:t>(C) Elephant Scale 2019</a:t>
-            </a:r>
+              <a:t>(C) Elephant Scale 2021</a:t>
+            </a:r>
+            <a:endParaRPr lang="en-US"/>
           </a:p>
         </p:txBody>
       </p:sp>
     </p:spTree>
-    <p:extLst>
-      <p:ext uri="{BB962C8B-B14F-4D97-AF65-F5344CB8AC3E}">
-        <p14:creationId xmlns:p14="http://schemas.microsoft.com/office/powerpoint/2010/main" val="3706942248"/>
-      </p:ext>
-    </p:extLst>
   </p:cSld>
   <p:clrMapOvr>
     <a:masterClrMapping/>
@@ -18988,6 +18587,7 @@
               <a:rPr lang="en-US" dirty="0"/>
               <a:t>Version control system examples</a:t>
             </a:r>
+            <a:endParaRPr lang="en-US" dirty="0"/>
           </a:p>
         </p:txBody>
       </p:sp>
@@ -19015,6 +18615,7 @@
               <a:rPr lang="en-US" dirty="0"/>
               <a:t>Server-based</a:t>
             </a:r>
+            <a:endParaRPr lang="en-US" dirty="0"/>
           </a:p>
           <a:p>
             <a:pPr lvl="1">
@@ -19026,6 +18627,7 @@
               <a:rPr lang="en-US" dirty="0"/>
               <a:t>CVS</a:t>
             </a:r>
+            <a:endParaRPr lang="en-US" dirty="0"/>
           </a:p>
           <a:p>
             <a:pPr lvl="1">
@@ -19037,6 +18639,7 @@
               <a:rPr lang="en-US" dirty="0"/>
               <a:t>PVCS</a:t>
             </a:r>
+            <a:endParaRPr lang="en-US" dirty="0"/>
           </a:p>
           <a:p>
             <a:pPr lvl="1">
@@ -19048,6 +18651,7 @@
               <a:rPr lang="en-US" dirty="0"/>
               <a:t>SourceSafe</a:t>
             </a:r>
+            <a:endParaRPr lang="en-US" dirty="0"/>
           </a:p>
           <a:p>
             <a:pPr lvl="1">
@@ -19059,6 +18663,7 @@
               <a:rPr lang="en-US" dirty="0"/>
               <a:t>Subversion</a:t>
             </a:r>
+            <a:endParaRPr lang="en-US" dirty="0"/>
           </a:p>
           <a:p>
             <a:pPr>
@@ -19070,6 +18675,7 @@
               <a:rPr lang="en-US" dirty="0"/>
               <a:t>Distributed</a:t>
             </a:r>
+            <a:endParaRPr lang="en-US" dirty="0"/>
           </a:p>
           <a:p>
             <a:pPr lvl="1">
@@ -19093,6 +18699,7 @@
               <a:rPr lang="en-US" dirty="0"/>
               <a:t>Mercurial</a:t>
             </a:r>
+            <a:endParaRPr lang="en-US" dirty="0"/>
           </a:p>
           <a:p>
             <a:pPr marL="228600" lvl="1" indent="0">
@@ -19104,13 +18711,7 @@
       </p:sp>
       <p:sp>
         <p:nvSpPr>
-          <p:cNvPr id="5" name="Slide Number Placeholder 4">
-            <a:extLst>
-              <a:ext uri="{FF2B5EF4-FFF2-40B4-BE49-F238E27FC236}">
-                <a16:creationId xmlns:a16="http://schemas.microsoft.com/office/drawing/2014/main" id="{7DD49C47-98C4-854D-8B61-B78992F7F324}"/>
-              </a:ext>
-            </a:extLst>
-          </p:cNvPr>
+          <p:cNvPr id="5" name="Slide Number Placeholder 4"/>
           <p:cNvSpPr>
             <a:spLocks noGrp="1"/>
           </p:cNvSpPr>
@@ -19125,8 +18726,6 @@
           <a:p>
             <a:fld id="{BA9B540C-44DA-4F69-89C9-7C84606640D3}" type="slidenum">
               <a:rPr lang="en-US" smtClean="0"/>
-              <a:pPr/>
-              <a:t>5</a:t>
             </a:fld>
             <a:endParaRPr lang="en-US" dirty="0"/>
           </a:p>
@@ -19134,13 +18733,7 @@
       </p:sp>
       <p:sp>
         <p:nvSpPr>
-          <p:cNvPr id="6" name="Footer Placeholder 5">
-            <a:extLst>
-              <a:ext uri="{FF2B5EF4-FFF2-40B4-BE49-F238E27FC236}">
-                <a16:creationId xmlns:a16="http://schemas.microsoft.com/office/drawing/2014/main" id="{D4BB80D6-D890-5946-B5DE-2453ECFBFE00}"/>
-              </a:ext>
-            </a:extLst>
-          </p:cNvPr>
+          <p:cNvPr id="6" name="Footer Placeholder 5"/>
           <p:cNvSpPr>
             <a:spLocks noGrp="1"/>
           </p:cNvSpPr>
@@ -19155,17 +18748,13 @@
           <a:p>
             <a:r>
               <a:rPr lang="en-US"/>
-              <a:t>(C) Elephant Scale 2019</a:t>
-            </a:r>
+              <a:t>(C) Elephant Scale 2021</a:t>
+            </a:r>
+            <a:endParaRPr lang="en-US"/>
           </a:p>
         </p:txBody>
       </p:sp>
     </p:spTree>
-    <p:extLst>
-      <p:ext uri="{BB962C8B-B14F-4D97-AF65-F5344CB8AC3E}">
-        <p14:creationId xmlns:p14="http://schemas.microsoft.com/office/powerpoint/2010/main" val="3507738586"/>
-      </p:ext>
-    </p:extLst>
   </p:cSld>
   <p:clrMapOvr>
     <a:masterClrMapping/>
@@ -19350,6 +18939,7 @@
               <a:rPr lang="en-US" dirty="0"/>
               <a:t>Section: Merge and Conflict resolution</a:t>
             </a:r>
+            <a:endParaRPr lang="en-US" dirty="0"/>
           </a:p>
         </p:txBody>
       </p:sp>
@@ -19364,7 +18954,7 @@
           </p:nvPr>
         </p:nvPicPr>
         <p:blipFill>
-          <a:blip r:embed="rId2" cstate="email">
+          <a:blip r:embed="rId1" cstate="email">
             <a:extLst>
               <a:ext uri="{28A0092B-C50C-407E-A947-70E740481C1C}">
                 <a14:useLocalDpi xmlns:a14="http://schemas.microsoft.com/office/drawing/2010/main" val="0"/>
@@ -19384,13 +18974,7 @@
       </p:pic>
       <p:sp>
         <p:nvSpPr>
-          <p:cNvPr id="5" name="Slide Number Placeholder 4">
-            <a:extLst>
-              <a:ext uri="{FF2B5EF4-FFF2-40B4-BE49-F238E27FC236}">
-                <a16:creationId xmlns:a16="http://schemas.microsoft.com/office/drawing/2014/main" id="{2F54CD97-ABC9-2E4B-9C60-C171FC82DA5A}"/>
-              </a:ext>
-            </a:extLst>
-          </p:cNvPr>
+          <p:cNvPr id="5" name="Slide Number Placeholder 4"/>
           <p:cNvSpPr>
             <a:spLocks noGrp="1"/>
           </p:cNvSpPr>
@@ -19405,8 +18989,6 @@
           <a:p>
             <a:fld id="{BA9B540C-44DA-4F69-89C9-7C84606640D3}" type="slidenum">
               <a:rPr lang="en-US" smtClean="0"/>
-              <a:pPr/>
-              <a:t>50</a:t>
             </a:fld>
             <a:endParaRPr lang="en-US" dirty="0"/>
           </a:p>
@@ -19414,13 +18996,7 @@
       </p:sp>
       <p:sp>
         <p:nvSpPr>
-          <p:cNvPr id="6" name="Footer Placeholder 5">
-            <a:extLst>
-              <a:ext uri="{FF2B5EF4-FFF2-40B4-BE49-F238E27FC236}">
-                <a16:creationId xmlns:a16="http://schemas.microsoft.com/office/drawing/2014/main" id="{F591718E-1F77-BF42-AD6B-AB3D9B182FF7}"/>
-              </a:ext>
-            </a:extLst>
-          </p:cNvPr>
+          <p:cNvPr id="6" name="Footer Placeholder 5"/>
           <p:cNvSpPr>
             <a:spLocks noGrp="1"/>
           </p:cNvSpPr>
@@ -19435,17 +19011,13 @@
           <a:p>
             <a:r>
               <a:rPr lang="en-US"/>
-              <a:t>(C) Elephant Scale 2019</a:t>
-            </a:r>
+              <a:t>(C) Elephant Scale 2021</a:t>
+            </a:r>
+            <a:endParaRPr lang="en-US"/>
           </a:p>
         </p:txBody>
       </p:sp>
     </p:spTree>
-    <p:extLst>
-      <p:ext uri="{BB962C8B-B14F-4D97-AF65-F5344CB8AC3E}">
-        <p14:creationId xmlns:p14="http://schemas.microsoft.com/office/powerpoint/2010/main" val="663649932"/>
-      </p:ext>
-    </p:extLst>
   </p:cSld>
   <p:clrMapOvr>
     <a:masterClrMapping/>
@@ -19489,6 +19061,7 @@
               <a:rPr lang="en-US" dirty="0"/>
               <a:t>Merge and Conflict resolution</a:t>
             </a:r>
+            <a:endParaRPr lang="en-US" dirty="0"/>
           </a:p>
         </p:txBody>
       </p:sp>
@@ -19516,6 +19089,7 @@
               <a:rPr lang="en-US" dirty="0"/>
               <a:t>How merge conflicts happen</a:t>
             </a:r>
+            <a:endParaRPr lang="en-US" dirty="0"/>
           </a:p>
           <a:p>
             <a:pPr>
@@ -19527,6 +19101,7 @@
               <a:rPr lang="en-US" dirty="0"/>
               <a:t>Preventing merge conflicts</a:t>
             </a:r>
+            <a:endParaRPr lang="en-US" dirty="0"/>
           </a:p>
           <a:p>
             <a:pPr>
@@ -19538,21 +19113,16 @@
               <a:rPr lang="en-US" dirty="0"/>
               <a:t>How to resolve a merge conflict</a:t>
             </a:r>
-          </a:p>
-          <a:p>
-            <a:endParaRPr lang="en-US" dirty="0"/>
-          </a:p>
-        </p:txBody>
-      </p:sp>
-      <p:sp>
-        <p:nvSpPr>
-          <p:cNvPr id="5" name="Slide Number Placeholder 4">
-            <a:extLst>
-              <a:ext uri="{FF2B5EF4-FFF2-40B4-BE49-F238E27FC236}">
-                <a16:creationId xmlns:a16="http://schemas.microsoft.com/office/drawing/2014/main" id="{3F7D9259-D769-8948-A433-1AAF89EE3EAB}"/>
-              </a:ext>
-            </a:extLst>
-          </p:cNvPr>
+            <a:endParaRPr lang="en-US" dirty="0"/>
+          </a:p>
+          <a:p>
+            <a:endParaRPr lang="en-US" dirty="0"/>
+          </a:p>
+        </p:txBody>
+      </p:sp>
+      <p:sp>
+        <p:nvSpPr>
+          <p:cNvPr id="5" name="Slide Number Placeholder 4"/>
           <p:cNvSpPr>
             <a:spLocks noGrp="1"/>
           </p:cNvSpPr>
@@ -19567,8 +19137,6 @@
           <a:p>
             <a:fld id="{BA9B540C-44DA-4F69-89C9-7C84606640D3}" type="slidenum">
               <a:rPr lang="en-US" smtClean="0"/>
-              <a:pPr/>
-              <a:t>51</a:t>
             </a:fld>
             <a:endParaRPr lang="en-US" dirty="0"/>
           </a:p>
@@ -19576,13 +19144,7 @@
       </p:sp>
       <p:sp>
         <p:nvSpPr>
-          <p:cNvPr id="6" name="Footer Placeholder 5">
-            <a:extLst>
-              <a:ext uri="{FF2B5EF4-FFF2-40B4-BE49-F238E27FC236}">
-                <a16:creationId xmlns:a16="http://schemas.microsoft.com/office/drawing/2014/main" id="{7DEF87EF-A7B1-254B-97F0-0A3CB44F7E23}"/>
-              </a:ext>
-            </a:extLst>
-          </p:cNvPr>
+          <p:cNvPr id="6" name="Footer Placeholder 5"/>
           <p:cNvSpPr>
             <a:spLocks noGrp="1"/>
           </p:cNvSpPr>
@@ -19597,17 +19159,13 @@
           <a:p>
             <a:r>
               <a:rPr lang="en-US"/>
-              <a:t>(C) Elephant Scale 2019</a:t>
-            </a:r>
+              <a:t>(C) Elephant Scale 2021</a:t>
+            </a:r>
+            <a:endParaRPr lang="en-US"/>
           </a:p>
         </p:txBody>
       </p:sp>
     </p:spTree>
-    <p:extLst>
-      <p:ext uri="{BB962C8B-B14F-4D97-AF65-F5344CB8AC3E}">
-        <p14:creationId xmlns:p14="http://schemas.microsoft.com/office/powerpoint/2010/main" val="4081697770"/>
-      </p:ext>
-    </p:extLst>
   </p:cSld>
   <p:clrMapOvr>
     <a:masterClrMapping/>
@@ -19803,6 +19361,7 @@
               <a:rPr lang="en-US" dirty="0"/>
               <a:t>How merge conflicts happen</a:t>
             </a:r>
+            <a:endParaRPr lang="en-US" dirty="0"/>
           </a:p>
         </p:txBody>
       </p:sp>
@@ -19827,18 +19386,21 @@
               <a:rPr lang="en-US" sz="1800" dirty="0"/>
               <a:t>Change a file in one branch</a:t>
             </a:r>
+            <a:endParaRPr lang="en-US" sz="1800" dirty="0"/>
           </a:p>
           <a:p>
             <a:r>
               <a:rPr lang="en-US" sz="1800" dirty="0"/>
               <a:t>Chart the same file in another branch – same line!</a:t>
             </a:r>
+            <a:endParaRPr lang="en-US" sz="1800" dirty="0"/>
           </a:p>
           <a:p>
             <a:r>
               <a:rPr lang="en-US" sz="1800" dirty="0"/>
               <a:t>Now merge one branch into the other</a:t>
             </a:r>
+            <a:endParaRPr lang="en-US" sz="1800" dirty="0"/>
           </a:p>
           <a:p>
             <a:pPr marL="0" indent="0">
@@ -19858,6 +19420,10 @@
               </a:rPr>
               <a:t> checkout branch1 –b – now edit the file</a:t>
             </a:r>
+            <a:endParaRPr lang="en-US" sz="1600" dirty="0">
+              <a:latin typeface="Courier New" panose="02070309020205020404" pitchFamily="49" charset="0"/>
+              <a:cs typeface="Courier New" panose="02070309020205020404" pitchFamily="49" charset="0"/>
+            </a:endParaRPr>
           </a:p>
           <a:p>
             <a:pPr marL="0" indent="0">
@@ -19877,6 +19443,10 @@
               </a:rPr>
               <a:t> checkout branch2 –b – now edit the file</a:t>
             </a:r>
+            <a:endParaRPr lang="en-US" sz="1600" dirty="0">
+              <a:latin typeface="Courier New" panose="02070309020205020404" pitchFamily="49" charset="0"/>
+              <a:cs typeface="Courier New" panose="02070309020205020404" pitchFamily="49" charset="0"/>
+            </a:endParaRPr>
           </a:p>
           <a:p>
             <a:pPr marL="0" indent="0">
@@ -19896,6 +19466,10 @@
               </a:rPr>
               <a:t> merge branch1</a:t>
             </a:r>
+            <a:endParaRPr lang="en-US" sz="1600" dirty="0">
+              <a:latin typeface="Courier New" panose="02070309020205020404" pitchFamily="49" charset="0"/>
+              <a:cs typeface="Courier New" panose="02070309020205020404" pitchFamily="49" charset="0"/>
+            </a:endParaRPr>
           </a:p>
           <a:p>
             <a:pPr marL="0" indent="0">
@@ -19911,6 +19485,13 @@
               </a:rPr>
               <a:t>Auto-merging &lt;your-file&gt;</a:t>
             </a:r>
+            <a:endParaRPr lang="en-US" sz="1600" dirty="0">
+              <a:solidFill>
+                <a:srgbClr val="FF0000"/>
+              </a:solidFill>
+              <a:latin typeface="Courier New" panose="02070309020205020404" pitchFamily="49" charset="0"/>
+              <a:cs typeface="Courier New" panose="02070309020205020404" pitchFamily="49" charset="0"/>
+            </a:endParaRPr>
           </a:p>
           <a:p>
             <a:pPr marL="0" indent="0">
@@ -19926,6 +19507,13 @@
               </a:rPr>
               <a:t>CONFLICT (content): Merge conflict in &lt;your file&gt;</a:t>
             </a:r>
+            <a:endParaRPr lang="en-US" sz="1600" dirty="0">
+              <a:solidFill>
+                <a:srgbClr val="FF0000"/>
+              </a:solidFill>
+              <a:latin typeface="Courier New" panose="02070309020205020404" pitchFamily="49" charset="0"/>
+              <a:cs typeface="Courier New" panose="02070309020205020404" pitchFamily="49" charset="0"/>
+            </a:endParaRPr>
           </a:p>
           <a:p>
             <a:pPr marL="0" indent="0">
@@ -19941,18 +19529,19 @@
               </a:rPr>
               <a:t>Automatic merge failed; fix conflicts and then commit</a:t>
             </a:r>
-          </a:p>
-        </p:txBody>
-      </p:sp>
-      <p:sp>
-        <p:nvSpPr>
-          <p:cNvPr id="5" name="Slide Number Placeholder 4">
-            <a:extLst>
-              <a:ext uri="{FF2B5EF4-FFF2-40B4-BE49-F238E27FC236}">
-                <a16:creationId xmlns:a16="http://schemas.microsoft.com/office/drawing/2014/main" id="{2CED24EB-ACAA-5148-9CDE-B640BDAFDCDB}"/>
-              </a:ext>
-            </a:extLst>
-          </p:cNvPr>
+            <a:endParaRPr lang="en-US" sz="1600" dirty="0">
+              <a:solidFill>
+                <a:srgbClr val="FF0000"/>
+              </a:solidFill>
+              <a:latin typeface="Courier New" panose="02070309020205020404" pitchFamily="49" charset="0"/>
+              <a:cs typeface="Courier New" panose="02070309020205020404" pitchFamily="49" charset="0"/>
+            </a:endParaRPr>
+          </a:p>
+        </p:txBody>
+      </p:sp>
+      <p:sp>
+        <p:nvSpPr>
+          <p:cNvPr id="5" name="Slide Number Placeholder 4"/>
           <p:cNvSpPr>
             <a:spLocks noGrp="1"/>
           </p:cNvSpPr>
@@ -19967,8 +19556,6 @@
           <a:p>
             <a:fld id="{BA9B540C-44DA-4F69-89C9-7C84606640D3}" type="slidenum">
               <a:rPr lang="en-US" smtClean="0"/>
-              <a:pPr/>
-              <a:t>52</a:t>
             </a:fld>
             <a:endParaRPr lang="en-US" dirty="0"/>
           </a:p>
@@ -19976,13 +19563,7 @@
       </p:sp>
       <p:sp>
         <p:nvSpPr>
-          <p:cNvPr id="6" name="Footer Placeholder 5">
-            <a:extLst>
-              <a:ext uri="{FF2B5EF4-FFF2-40B4-BE49-F238E27FC236}">
-                <a16:creationId xmlns:a16="http://schemas.microsoft.com/office/drawing/2014/main" id="{E44EE7E0-5CC4-5F42-AC1B-94CB9EE89D3C}"/>
-              </a:ext>
-            </a:extLst>
-          </p:cNvPr>
+          <p:cNvPr id="6" name="Footer Placeholder 5"/>
           <p:cNvSpPr>
             <a:spLocks noGrp="1"/>
           </p:cNvSpPr>
@@ -19997,17 +19578,13 @@
           <a:p>
             <a:r>
               <a:rPr lang="en-US"/>
-              <a:t>(C) Elephant Scale 2019</a:t>
-            </a:r>
+              <a:t>(C) Elephant Scale 2021</a:t>
+            </a:r>
+            <a:endParaRPr lang="en-US"/>
           </a:p>
         </p:txBody>
       </p:sp>
     </p:spTree>
-    <p:extLst>
-      <p:ext uri="{BB962C8B-B14F-4D97-AF65-F5344CB8AC3E}">
-        <p14:creationId xmlns:p14="http://schemas.microsoft.com/office/powerpoint/2010/main" val="252830539"/>
-      </p:ext>
-    </p:extLst>
   </p:cSld>
   <p:clrMapOvr>
     <a:masterClrMapping/>
@@ -20051,6 +19628,7 @@
               <a:rPr lang="en-US" dirty="0"/>
               <a:t>How to resolve a merge conflict</a:t>
             </a:r>
+            <a:endParaRPr lang="en-US" dirty="0"/>
           </a:p>
         </p:txBody>
       </p:sp>
@@ -20084,6 +19662,7 @@
               <a:rPr lang="en-US" dirty="0"/>
               <a:t> writes markers in the file</a:t>
             </a:r>
+            <a:endParaRPr lang="en-US" dirty="0"/>
           </a:p>
           <a:p>
             <a:pPr marL="457200" indent="-457200">
@@ -20097,6 +19676,7 @@
               <a:rPr lang="en-US" dirty="0"/>
               <a:t>You edit that file</a:t>
             </a:r>
+            <a:endParaRPr lang="en-US" dirty="0"/>
           </a:p>
           <a:p>
             <a:pPr marL="457200" indent="-457200">
@@ -20120,18 +19700,16 @@
               </a:rPr>
               <a:t> add &lt;file&gt;</a:t>
             </a:r>
-          </a:p>
-        </p:txBody>
-      </p:sp>
-      <p:sp>
-        <p:nvSpPr>
-          <p:cNvPr id="5" name="Slide Number Placeholder 4">
-            <a:extLst>
-              <a:ext uri="{FF2B5EF4-FFF2-40B4-BE49-F238E27FC236}">
-                <a16:creationId xmlns:a16="http://schemas.microsoft.com/office/drawing/2014/main" id="{9776E71D-2E12-904B-9131-9C4BFD3EA73D}"/>
-              </a:ext>
-            </a:extLst>
-          </p:cNvPr>
+            <a:endParaRPr lang="en-US" dirty="0">
+              <a:latin typeface="Courier New" panose="02070309020205020404" pitchFamily="49" charset="0"/>
+              <a:cs typeface="Courier New" panose="02070309020205020404" pitchFamily="49" charset="0"/>
+            </a:endParaRPr>
+          </a:p>
+        </p:txBody>
+      </p:sp>
+      <p:sp>
+        <p:nvSpPr>
+          <p:cNvPr id="5" name="Slide Number Placeholder 4"/>
           <p:cNvSpPr>
             <a:spLocks noGrp="1"/>
           </p:cNvSpPr>
@@ -20146,8 +19724,6 @@
           <a:p>
             <a:fld id="{BA9B540C-44DA-4F69-89C9-7C84606640D3}" type="slidenum">
               <a:rPr lang="en-US" smtClean="0"/>
-              <a:pPr/>
-              <a:t>53</a:t>
             </a:fld>
             <a:endParaRPr lang="en-US" dirty="0"/>
           </a:p>
@@ -20155,13 +19731,7 @@
       </p:sp>
       <p:sp>
         <p:nvSpPr>
-          <p:cNvPr id="6" name="Footer Placeholder 5">
-            <a:extLst>
-              <a:ext uri="{FF2B5EF4-FFF2-40B4-BE49-F238E27FC236}">
-                <a16:creationId xmlns:a16="http://schemas.microsoft.com/office/drawing/2014/main" id="{7DE36154-675A-7D40-A21D-C95E8C00B1C4}"/>
-              </a:ext>
-            </a:extLst>
-          </p:cNvPr>
+          <p:cNvPr id="6" name="Footer Placeholder 5"/>
           <p:cNvSpPr>
             <a:spLocks noGrp="1"/>
           </p:cNvSpPr>
@@ -20176,17 +19746,13 @@
           <a:p>
             <a:r>
               <a:rPr lang="en-US"/>
-              <a:t>(C) Elephant Scale 2019</a:t>
-            </a:r>
+              <a:t>(C) Elephant Scale 2021</a:t>
+            </a:r>
+            <a:endParaRPr lang="en-US"/>
           </a:p>
         </p:txBody>
       </p:sp>
     </p:spTree>
-    <p:extLst>
-      <p:ext uri="{BB962C8B-B14F-4D97-AF65-F5344CB8AC3E}">
-        <p14:creationId xmlns:p14="http://schemas.microsoft.com/office/powerpoint/2010/main" val="1444170655"/>
-      </p:ext>
-    </p:extLst>
   </p:cSld>
   <p:clrMapOvr>
     <a:masterClrMapping/>
@@ -20230,6 +19796,7 @@
               <a:rPr lang="en-US" dirty="0"/>
               <a:t>Conflict message example</a:t>
             </a:r>
+            <a:endParaRPr lang="en-US" dirty="0"/>
           </a:p>
         </p:txBody>
       </p:sp>
@@ -20267,6 +19834,10 @@
               </a:rPr>
               <a:t> status</a:t>
             </a:r>
+            <a:endParaRPr lang="en-US" dirty="0">
+              <a:latin typeface="Courier New" panose="02070309020205020404" pitchFamily="49" charset="0"/>
+              <a:cs typeface="Courier New" panose="02070309020205020404" pitchFamily="49" charset="0"/>
+            </a:endParaRPr>
           </a:p>
           <a:p>
             <a:pPr marL="0" indent="0">
@@ -20279,6 +19850,10 @@
               </a:rPr>
               <a:t># # On branch branch1</a:t>
             </a:r>
+            <a:endParaRPr lang="en-US" dirty="0">
+              <a:latin typeface="Courier New" panose="02070309020205020404" pitchFamily="49" charset="0"/>
+              <a:cs typeface="Courier New" panose="02070309020205020404" pitchFamily="49" charset="0"/>
+            </a:endParaRPr>
           </a:p>
           <a:p>
             <a:pPr marL="0" indent="0">
@@ -20291,6 +19866,10 @@
               </a:rPr>
               <a:t># # You have unmerged paths.</a:t>
             </a:r>
+            <a:endParaRPr lang="en-US" dirty="0">
+              <a:latin typeface="Courier New" panose="02070309020205020404" pitchFamily="49" charset="0"/>
+              <a:cs typeface="Courier New" panose="02070309020205020404" pitchFamily="49" charset="0"/>
+            </a:endParaRPr>
           </a:p>
           <a:p>
             <a:pPr marL="0" indent="0">
@@ -20317,6 +19896,10 @@
               </a:rPr>
               <a:t> commit")</a:t>
             </a:r>
+            <a:endParaRPr lang="en-US" dirty="0">
+              <a:latin typeface="Courier New" panose="02070309020205020404" pitchFamily="49" charset="0"/>
+              <a:cs typeface="Courier New" panose="02070309020205020404" pitchFamily="49" charset="0"/>
+            </a:endParaRPr>
           </a:p>
           <a:p>
             <a:pPr marL="0" indent="0">
@@ -20329,6 +19912,10 @@
               </a:rPr>
               <a:t># #</a:t>
             </a:r>
+            <a:endParaRPr lang="en-US" dirty="0">
+              <a:latin typeface="Courier New" panose="02070309020205020404" pitchFamily="49" charset="0"/>
+              <a:cs typeface="Courier New" panose="02070309020205020404" pitchFamily="49" charset="0"/>
+            </a:endParaRPr>
           </a:p>
           <a:p>
             <a:pPr marL="0" indent="0">
@@ -20341,6 +19928,10 @@
               </a:rPr>
               <a:t># # Unmerged paths:</a:t>
             </a:r>
+            <a:endParaRPr lang="en-US" dirty="0">
+              <a:latin typeface="Courier New" panose="02070309020205020404" pitchFamily="49" charset="0"/>
+              <a:cs typeface="Courier New" panose="02070309020205020404" pitchFamily="49" charset="0"/>
+            </a:endParaRPr>
           </a:p>
           <a:p>
             <a:pPr marL="0" indent="0">
@@ -20367,6 +19958,10 @@
               </a:rPr>
               <a:t> add ..." to mark resolution)</a:t>
             </a:r>
+            <a:endParaRPr lang="en-US" dirty="0">
+              <a:latin typeface="Courier New" panose="02070309020205020404" pitchFamily="49" charset="0"/>
+              <a:cs typeface="Courier New" panose="02070309020205020404" pitchFamily="49" charset="0"/>
+            </a:endParaRPr>
           </a:p>
           <a:p>
             <a:pPr marL="0" indent="0">
@@ -20379,6 +19974,10 @@
               </a:rPr>
               <a:t># #</a:t>
             </a:r>
+            <a:endParaRPr lang="en-US" dirty="0">
+              <a:latin typeface="Courier New" panose="02070309020205020404" pitchFamily="49" charset="0"/>
+              <a:cs typeface="Courier New" panose="02070309020205020404" pitchFamily="49" charset="0"/>
+            </a:endParaRPr>
           </a:p>
           <a:p>
             <a:pPr marL="0" indent="0">
@@ -20391,6 +19990,10 @@
               </a:rPr>
               <a:t># # both modified:      &lt;your file&gt;</a:t>
             </a:r>
+            <a:endParaRPr lang="en-US" dirty="0">
+              <a:latin typeface="Courier New" panose="02070309020205020404" pitchFamily="49" charset="0"/>
+              <a:cs typeface="Courier New" panose="02070309020205020404" pitchFamily="49" charset="0"/>
+            </a:endParaRPr>
           </a:p>
           <a:p>
             <a:pPr marL="0" indent="0">
@@ -20403,6 +20006,10 @@
               </a:rPr>
               <a:t># #</a:t>
             </a:r>
+            <a:endParaRPr lang="en-US" dirty="0">
+              <a:latin typeface="Courier New" panose="02070309020205020404" pitchFamily="49" charset="0"/>
+              <a:cs typeface="Courier New" panose="02070309020205020404" pitchFamily="49" charset="0"/>
+            </a:endParaRPr>
           </a:p>
           <a:p>
             <a:pPr marL="0" indent="0">
@@ -20443,18 +20050,16 @@
               </a:rPr>
               <a:t> commit -a")</a:t>
             </a:r>
-          </a:p>
-        </p:txBody>
-      </p:sp>
-      <p:sp>
-        <p:nvSpPr>
-          <p:cNvPr id="5" name="Slide Number Placeholder 4">
-            <a:extLst>
-              <a:ext uri="{FF2B5EF4-FFF2-40B4-BE49-F238E27FC236}">
-                <a16:creationId xmlns:a16="http://schemas.microsoft.com/office/drawing/2014/main" id="{C28295BC-F718-2E4B-A34E-7B2060FA8962}"/>
-              </a:ext>
-            </a:extLst>
-          </p:cNvPr>
+            <a:endParaRPr lang="en-US" dirty="0">
+              <a:latin typeface="Courier New" panose="02070309020205020404" pitchFamily="49" charset="0"/>
+              <a:cs typeface="Courier New" panose="02070309020205020404" pitchFamily="49" charset="0"/>
+            </a:endParaRPr>
+          </a:p>
+        </p:txBody>
+      </p:sp>
+      <p:sp>
+        <p:nvSpPr>
+          <p:cNvPr id="5" name="Slide Number Placeholder 4"/>
           <p:cNvSpPr>
             <a:spLocks noGrp="1"/>
           </p:cNvSpPr>
@@ -20469,8 +20074,6 @@
           <a:p>
             <a:fld id="{BA9B540C-44DA-4F69-89C9-7C84606640D3}" type="slidenum">
               <a:rPr lang="en-US" smtClean="0"/>
-              <a:pPr/>
-              <a:t>54</a:t>
             </a:fld>
             <a:endParaRPr lang="en-US" dirty="0"/>
           </a:p>
@@ -20478,13 +20081,7 @@
       </p:sp>
       <p:sp>
         <p:nvSpPr>
-          <p:cNvPr id="6" name="Footer Placeholder 5">
-            <a:extLst>
-              <a:ext uri="{FF2B5EF4-FFF2-40B4-BE49-F238E27FC236}">
-                <a16:creationId xmlns:a16="http://schemas.microsoft.com/office/drawing/2014/main" id="{F9080E6B-AB66-9B4F-85F4-6DEAFD2A6715}"/>
-              </a:ext>
-            </a:extLst>
-          </p:cNvPr>
+          <p:cNvPr id="6" name="Footer Placeholder 5"/>
           <p:cNvSpPr>
             <a:spLocks noGrp="1"/>
           </p:cNvSpPr>
@@ -20499,17 +20096,13 @@
           <a:p>
             <a:r>
               <a:rPr lang="en-US"/>
-              <a:t>(C) Elephant Scale 2019</a:t>
-            </a:r>
+              <a:t>(C) Elephant Scale 2021</a:t>
+            </a:r>
+            <a:endParaRPr lang="en-US"/>
           </a:p>
         </p:txBody>
       </p:sp>
     </p:spTree>
-    <p:extLst>
-      <p:ext uri="{BB962C8B-B14F-4D97-AF65-F5344CB8AC3E}">
-        <p14:creationId xmlns:p14="http://schemas.microsoft.com/office/powerpoint/2010/main" val="3494291764"/>
-      </p:ext>
-    </p:extLst>
   </p:cSld>
   <p:clrMapOvr>
     <a:masterClrMapping/>
@@ -20553,6 +20146,7 @@
               <a:rPr lang="en-US" dirty="0"/>
               <a:t>What you will see</a:t>
             </a:r>
+            <a:endParaRPr lang="en-US" dirty="0"/>
           </a:p>
         </p:txBody>
       </p:sp>
@@ -20581,6 +20175,10 @@
               </a:rPr>
               <a:t>Threshold events</a:t>
             </a:r>
+            <a:endParaRPr lang="en-US" dirty="0">
+              <a:latin typeface="Courier New" panose="02070309020205020404" pitchFamily="49" charset="0"/>
+              <a:cs typeface="Courier New" panose="02070309020205020404" pitchFamily="49" charset="0"/>
+            </a:endParaRPr>
           </a:p>
           <a:p>
             <a:pPr marL="0" indent="0">
@@ -20593,6 +20191,10 @@
               </a:rPr>
               <a:t>&lt;&lt;&lt;&lt;&lt;&lt;&lt; HEAD</a:t>
             </a:r>
+            <a:endParaRPr lang="en-US" dirty="0">
+              <a:latin typeface="Courier New" panose="02070309020205020404" pitchFamily="49" charset="0"/>
+              <a:cs typeface="Courier New" panose="02070309020205020404" pitchFamily="49" charset="0"/>
+            </a:endParaRPr>
           </a:p>
           <a:p>
             <a:pPr marL="0" indent="0">
@@ -20605,6 +20207,10 @@
               </a:rPr>
               <a:t>two</a:t>
             </a:r>
+            <a:endParaRPr lang="en-US" dirty="0">
+              <a:latin typeface="Courier New" panose="02070309020205020404" pitchFamily="49" charset="0"/>
+              <a:cs typeface="Courier New" panose="02070309020205020404" pitchFamily="49" charset="0"/>
+            </a:endParaRPr>
           </a:p>
           <a:p>
             <a:pPr marL="0" indent="0">
@@ -20617,6 +20223,10 @@
               </a:rPr>
               <a:t>=======</a:t>
             </a:r>
+            <a:endParaRPr lang="en-US" dirty="0">
+              <a:latin typeface="Courier New" panose="02070309020205020404" pitchFamily="49" charset="0"/>
+              <a:cs typeface="Courier New" panose="02070309020205020404" pitchFamily="49" charset="0"/>
+            </a:endParaRPr>
           </a:p>
           <a:p>
             <a:pPr marL="0" indent="0">
@@ -20629,6 +20239,10 @@
               </a:rPr>
               <a:t>three</a:t>
             </a:r>
+            <a:endParaRPr lang="en-US" dirty="0">
+              <a:latin typeface="Courier New" panose="02070309020205020404" pitchFamily="49" charset="0"/>
+              <a:cs typeface="Courier New" panose="02070309020205020404" pitchFamily="49" charset="0"/>
+            </a:endParaRPr>
           </a:p>
           <a:p>
             <a:pPr marL="0" indent="0">
@@ -20641,18 +20255,16 @@
               </a:rPr>
               <a:t>&gt;&gt;&gt;&gt;&gt;&gt;&gt; branch-a</a:t>
             </a:r>
-          </a:p>
-        </p:txBody>
-      </p:sp>
-      <p:sp>
-        <p:nvSpPr>
-          <p:cNvPr id="5" name="Slide Number Placeholder 4">
-            <a:extLst>
-              <a:ext uri="{FF2B5EF4-FFF2-40B4-BE49-F238E27FC236}">
-                <a16:creationId xmlns:a16="http://schemas.microsoft.com/office/drawing/2014/main" id="{81C26CA1-0FF5-7A4B-B268-9E9CD70B3C36}"/>
-              </a:ext>
-            </a:extLst>
-          </p:cNvPr>
+            <a:endParaRPr lang="en-US" dirty="0">
+              <a:latin typeface="Courier New" panose="02070309020205020404" pitchFamily="49" charset="0"/>
+              <a:cs typeface="Courier New" panose="02070309020205020404" pitchFamily="49" charset="0"/>
+            </a:endParaRPr>
+          </a:p>
+        </p:txBody>
+      </p:sp>
+      <p:sp>
+        <p:nvSpPr>
+          <p:cNvPr id="5" name="Slide Number Placeholder 4"/>
           <p:cNvSpPr>
             <a:spLocks noGrp="1"/>
           </p:cNvSpPr>
@@ -20667,8 +20279,6 @@
           <a:p>
             <a:fld id="{BA9B540C-44DA-4F69-89C9-7C84606640D3}" type="slidenum">
               <a:rPr lang="en-US" smtClean="0"/>
-              <a:pPr/>
-              <a:t>55</a:t>
             </a:fld>
             <a:endParaRPr lang="en-US" dirty="0"/>
           </a:p>
@@ -20676,13 +20286,7 @@
       </p:sp>
       <p:sp>
         <p:nvSpPr>
-          <p:cNvPr id="6" name="Footer Placeholder 5">
-            <a:extLst>
-              <a:ext uri="{FF2B5EF4-FFF2-40B4-BE49-F238E27FC236}">
-                <a16:creationId xmlns:a16="http://schemas.microsoft.com/office/drawing/2014/main" id="{E4FD1CD7-72D0-4E4E-B632-0E3B6F5159C6}"/>
-              </a:ext>
-            </a:extLst>
-          </p:cNvPr>
+          <p:cNvPr id="6" name="Footer Placeholder 5"/>
           <p:cNvSpPr>
             <a:spLocks noGrp="1"/>
           </p:cNvSpPr>
@@ -20697,17 +20301,13 @@
           <a:p>
             <a:r>
               <a:rPr lang="en-US"/>
-              <a:t>(C) Elephant Scale 2019</a:t>
-            </a:r>
+              <a:t>(C) Elephant Scale 2021</a:t>
+            </a:r>
+            <a:endParaRPr lang="en-US"/>
           </a:p>
         </p:txBody>
       </p:sp>
     </p:spTree>
-    <p:extLst>
-      <p:ext uri="{BB962C8B-B14F-4D97-AF65-F5344CB8AC3E}">
-        <p14:creationId xmlns:p14="http://schemas.microsoft.com/office/powerpoint/2010/main" val="3910335782"/>
-      </p:ext>
-    </p:extLst>
   </p:cSld>
   <p:clrMapOvr>
     <a:masterClrMapping/>
@@ -20751,6 +20351,7 @@
               <a:rPr lang="en-US" dirty="0"/>
               <a:t>Lab 06</a:t>
             </a:r>
+            <a:endParaRPr lang="en-US" dirty="0"/>
           </a:p>
         </p:txBody>
       </p:sp>
@@ -20776,16 +20377,15 @@
               <a:rPr lang="en-US" dirty="0"/>
               <a:t>Please do all steps in lab 06</a:t>
             </a:r>
+            <a:endParaRPr lang="en-US" dirty="0"/>
           </a:p>
           <a:p>
             <a:pPr marL="0" indent="0">
               <a:buNone/>
             </a:pPr>
             <a:r>
-              <a:rPr lang="en-US" dirty="0">
-                <a:hlinkClick r:id="rId2"/>
-              </a:rPr>
-              <a:t>https://github.com/elephantscale/HI-labs/tree/master/git/lab06</a:t>
+              <a:rPr lang="en-US" dirty="0"/>
+              <a:t>https://github.com/elephantscale/git-labs/tree/main/lab06</a:t>
             </a:r>
             <a:endParaRPr lang="en-US" dirty="0"/>
           </a:p>
@@ -20820,13 +20420,7 @@
       </p:sp>
       <p:sp>
         <p:nvSpPr>
-          <p:cNvPr id="5" name="Slide Number Placeholder 4">
-            <a:extLst>
-              <a:ext uri="{FF2B5EF4-FFF2-40B4-BE49-F238E27FC236}">
-                <a16:creationId xmlns:a16="http://schemas.microsoft.com/office/drawing/2014/main" id="{8E0ED302-6871-C640-A92C-D3917F6C86EA}"/>
-              </a:ext>
-            </a:extLst>
-          </p:cNvPr>
+          <p:cNvPr id="5" name="Slide Number Placeholder 4"/>
           <p:cNvSpPr>
             <a:spLocks noGrp="1"/>
           </p:cNvSpPr>
@@ -20841,8 +20435,6 @@
           <a:p>
             <a:fld id="{BA9B540C-44DA-4F69-89C9-7C84606640D3}" type="slidenum">
               <a:rPr lang="en-US" smtClean="0"/>
-              <a:pPr/>
-              <a:t>56</a:t>
             </a:fld>
             <a:endParaRPr lang="en-US" dirty="0"/>
           </a:p>
@@ -20850,13 +20442,7 @@
       </p:sp>
       <p:sp>
         <p:nvSpPr>
-          <p:cNvPr id="6" name="Footer Placeholder 5">
-            <a:extLst>
-              <a:ext uri="{FF2B5EF4-FFF2-40B4-BE49-F238E27FC236}">
-                <a16:creationId xmlns:a16="http://schemas.microsoft.com/office/drawing/2014/main" id="{E48ADB8B-783B-E54C-B651-0C800BD40CED}"/>
-              </a:ext>
-            </a:extLst>
-          </p:cNvPr>
+          <p:cNvPr id="6" name="Footer Placeholder 5"/>
           <p:cNvSpPr>
             <a:spLocks noGrp="1"/>
           </p:cNvSpPr>
@@ -20871,17 +20457,13 @@
           <a:p>
             <a:r>
               <a:rPr lang="en-US"/>
-              <a:t>(C) Elephant Scale 2019</a:t>
-            </a:r>
+              <a:t>(C) Elephant Scale 2021</a:t>
+            </a:r>
+            <a:endParaRPr lang="en-US"/>
           </a:p>
         </p:txBody>
       </p:sp>
     </p:spTree>
-    <p:extLst>
-      <p:ext uri="{BB962C8B-B14F-4D97-AF65-F5344CB8AC3E}">
-        <p14:creationId xmlns:p14="http://schemas.microsoft.com/office/powerpoint/2010/main" val="275267793"/>
-      </p:ext>
-    </p:extLst>
   </p:cSld>
   <p:clrMapOvr>
     <a:masterClrMapping/>
@@ -20925,6 +20507,7 @@
               <a:rPr lang="en-US" dirty="0"/>
               <a:t>Preventing merge conflicts</a:t>
             </a:r>
+            <a:endParaRPr lang="en-US" dirty="0"/>
           </a:p>
         </p:txBody>
       </p:sp>
@@ -20947,6 +20530,7 @@
               <a:rPr lang="en-US" dirty="0"/>
               <a:t>Simple</a:t>
             </a:r>
+            <a:endParaRPr lang="en-US" dirty="0"/>
           </a:p>
           <a:p>
             <a:pPr lvl="1"/>
@@ -20954,6 +20538,7 @@
               <a:rPr lang="en-US" dirty="0"/>
               <a:t>Go with small iterations, in a branch, then merge and delete that branch</a:t>
             </a:r>
+            <a:endParaRPr lang="en-US" dirty="0"/>
           </a:p>
           <a:p>
             <a:pPr lvl="1"/>
@@ -20961,12 +20546,14 @@
               <a:rPr lang="en-US" dirty="0"/>
               <a:t>Do not forget to pull often</a:t>
             </a:r>
+            <a:endParaRPr lang="en-US" dirty="0"/>
           </a:p>
           <a:p>
             <a:r>
               <a:rPr lang="en-US" dirty="0"/>
               <a:t>Advanced</a:t>
             </a:r>
+            <a:endParaRPr lang="en-US" dirty="0"/>
           </a:p>
           <a:p>
             <a:pPr lvl="1"/>
@@ -20996,6 +20583,7 @@
               <a:rPr lang="en-US" dirty="0"/>
               <a:t> will:</a:t>
             </a:r>
+            <a:endParaRPr lang="en-US" dirty="0"/>
           </a:p>
           <a:p>
             <a:pPr lvl="1"/>
@@ -21003,6 +20591,7 @@
               <a:rPr lang="en-US" dirty="0"/>
               <a:t>Undo (unwind your commits)</a:t>
             </a:r>
+            <a:endParaRPr lang="en-US" dirty="0"/>
           </a:p>
           <a:p>
             <a:pPr lvl="1"/>
@@ -21010,6 +20599,7 @@
               <a:rPr lang="en-US" dirty="0"/>
               <a:t>Pull remote commits</a:t>
             </a:r>
+            <a:endParaRPr lang="en-US" dirty="0"/>
           </a:p>
           <a:p>
             <a:pPr lvl="1"/>
@@ -21017,6 +20607,7 @@
               <a:rPr lang="en-US" dirty="0"/>
               <a:t>Replay your local commits</a:t>
             </a:r>
+            <a:endParaRPr lang="en-US" dirty="0"/>
           </a:p>
           <a:p>
             <a:pPr lvl="1"/>
@@ -21024,6 +20615,7 @@
               <a:rPr lang="en-US" dirty="0"/>
               <a:t>You fix the conflicts if any</a:t>
             </a:r>
+            <a:endParaRPr lang="en-US" dirty="0"/>
           </a:p>
           <a:p>
             <a:pPr lvl="1"/>
@@ -21041,6 +20633,10 @@
               </a:rPr>
               <a:t> rebase continue</a:t>
             </a:r>
+            <a:endParaRPr lang="en-US" dirty="0">
+              <a:latin typeface="Courier New" panose="02070309020205020404" pitchFamily="49" charset="0"/>
+              <a:cs typeface="Courier New" panose="02070309020205020404" pitchFamily="49" charset="0"/>
+            </a:endParaRPr>
           </a:p>
           <a:p>
             <a:pPr lvl="1"/>
@@ -21054,13 +20650,7 @@
       </p:sp>
       <p:sp>
         <p:nvSpPr>
-          <p:cNvPr id="5" name="Slide Number Placeholder 4">
-            <a:extLst>
-              <a:ext uri="{FF2B5EF4-FFF2-40B4-BE49-F238E27FC236}">
-                <a16:creationId xmlns:a16="http://schemas.microsoft.com/office/drawing/2014/main" id="{AAA92070-673E-CC4C-B990-62034A3F1708}"/>
-              </a:ext>
-            </a:extLst>
-          </p:cNvPr>
+          <p:cNvPr id="5" name="Slide Number Placeholder 4"/>
           <p:cNvSpPr>
             <a:spLocks noGrp="1"/>
           </p:cNvSpPr>
@@ -21075,8 +20665,6 @@
           <a:p>
             <a:fld id="{BA9B540C-44DA-4F69-89C9-7C84606640D3}" type="slidenum">
               <a:rPr lang="en-US" smtClean="0"/>
-              <a:pPr/>
-              <a:t>57</a:t>
             </a:fld>
             <a:endParaRPr lang="en-US" dirty="0"/>
           </a:p>
@@ -21084,13 +20672,7 @@
       </p:sp>
       <p:sp>
         <p:nvSpPr>
-          <p:cNvPr id="6" name="Footer Placeholder 5">
-            <a:extLst>
-              <a:ext uri="{FF2B5EF4-FFF2-40B4-BE49-F238E27FC236}">
-                <a16:creationId xmlns:a16="http://schemas.microsoft.com/office/drawing/2014/main" id="{3A5EA795-C8BC-B44B-8414-3F9FB22002A8}"/>
-              </a:ext>
-            </a:extLst>
-          </p:cNvPr>
+          <p:cNvPr id="6" name="Footer Placeholder 5"/>
           <p:cNvSpPr>
             <a:spLocks noGrp="1"/>
           </p:cNvSpPr>
@@ -21105,17 +20687,13 @@
           <a:p>
             <a:r>
               <a:rPr lang="en-US"/>
-              <a:t>(C) Elephant Scale 2019</a:t>
-            </a:r>
+              <a:t>(C) Elephant Scale 2021</a:t>
+            </a:r>
+            <a:endParaRPr lang="en-US"/>
           </a:p>
         </p:txBody>
       </p:sp>
     </p:spTree>
-    <p:extLst>
-      <p:ext uri="{BB962C8B-B14F-4D97-AF65-F5344CB8AC3E}">
-        <p14:creationId xmlns:p14="http://schemas.microsoft.com/office/powerpoint/2010/main" val="3261337504"/>
-      </p:ext>
-    </p:extLst>
   </p:cSld>
   <p:clrMapOvr>
     <a:masterClrMapping/>
@@ -21159,6 +20737,7 @@
               <a:rPr lang="en-US" dirty="0"/>
               <a:t>Tagging</a:t>
             </a:r>
+            <a:endParaRPr lang="en-US" dirty="0"/>
           </a:p>
         </p:txBody>
       </p:sp>
@@ -21194,6 +20773,7 @@
               <a:rPr lang="en-US" dirty="0"/>
               <a:t>. They always point to the same object (usually: to the same revision); they do not change.</a:t>
             </a:r>
+            <a:endParaRPr lang="en-US" dirty="0"/>
           </a:p>
           <a:p>
             <a:pPr fontAlgn="base"/>
@@ -21213,21 +20793,16 @@
               <a:rPr lang="en-US" dirty="0"/>
               <a:t>. New commits are created on top of branch. The branch pointer naturally advances, pointing to newer and newer commits.</a:t>
             </a:r>
-          </a:p>
-          <a:p>
-            <a:endParaRPr lang="en-US" dirty="0"/>
-          </a:p>
-        </p:txBody>
-      </p:sp>
-      <p:sp>
-        <p:nvSpPr>
-          <p:cNvPr id="5" name="Slide Number Placeholder 4">
-            <a:extLst>
-              <a:ext uri="{FF2B5EF4-FFF2-40B4-BE49-F238E27FC236}">
-                <a16:creationId xmlns:a16="http://schemas.microsoft.com/office/drawing/2014/main" id="{D0EB7708-EE7A-1E45-8350-44CD10D90413}"/>
-              </a:ext>
-            </a:extLst>
-          </p:cNvPr>
+            <a:endParaRPr lang="en-US" dirty="0"/>
+          </a:p>
+          <a:p>
+            <a:endParaRPr lang="en-US" dirty="0"/>
+          </a:p>
+        </p:txBody>
+      </p:sp>
+      <p:sp>
+        <p:nvSpPr>
+          <p:cNvPr id="5" name="Slide Number Placeholder 4"/>
           <p:cNvSpPr>
             <a:spLocks noGrp="1"/>
           </p:cNvSpPr>
@@ -21242,8 +20817,6 @@
           <a:p>
             <a:fld id="{BA9B540C-44DA-4F69-89C9-7C84606640D3}" type="slidenum">
               <a:rPr lang="en-US" smtClean="0"/>
-              <a:pPr/>
-              <a:t>58</a:t>
             </a:fld>
             <a:endParaRPr lang="en-US" dirty="0"/>
           </a:p>
@@ -21251,13 +20824,7 @@
       </p:sp>
       <p:sp>
         <p:nvSpPr>
-          <p:cNvPr id="6" name="Footer Placeholder 5">
-            <a:extLst>
-              <a:ext uri="{FF2B5EF4-FFF2-40B4-BE49-F238E27FC236}">
-                <a16:creationId xmlns:a16="http://schemas.microsoft.com/office/drawing/2014/main" id="{FA22AA09-BD97-8448-9C29-11668D4F9F63}"/>
-              </a:ext>
-            </a:extLst>
-          </p:cNvPr>
+          <p:cNvPr id="6" name="Footer Placeholder 5"/>
           <p:cNvSpPr>
             <a:spLocks noGrp="1"/>
           </p:cNvSpPr>
@@ -21272,17 +20839,13 @@
           <a:p>
             <a:r>
               <a:rPr lang="en-US"/>
-              <a:t>(C) Elephant Scale 2019</a:t>
-            </a:r>
+              <a:t>(C) Elephant Scale 2021</a:t>
+            </a:r>
+            <a:endParaRPr lang="en-US"/>
           </a:p>
         </p:txBody>
       </p:sp>
     </p:spTree>
-    <p:extLst>
-      <p:ext uri="{BB962C8B-B14F-4D97-AF65-F5344CB8AC3E}">
-        <p14:creationId xmlns:p14="http://schemas.microsoft.com/office/powerpoint/2010/main" val="2350841123"/>
-      </p:ext>
-    </p:extLst>
   </p:cSld>
   <p:clrMapOvr>
     <a:masterClrMapping/>
@@ -21326,6 +20889,7 @@
               <a:rPr lang="en-US" dirty="0"/>
               <a:t>Vincent Van Gogh. Siesta</a:t>
             </a:r>
+            <a:endParaRPr lang="en-US" dirty="0"/>
           </a:p>
         </p:txBody>
       </p:sp>
@@ -21340,7 +20904,7 @@
           </p:nvPr>
         </p:nvPicPr>
         <p:blipFill>
-          <a:blip r:embed="rId2">
+          <a:blip r:embed="rId1">
             <a:extLst>
               <a:ext uri="{28A0092B-C50C-407E-A947-70E740481C1C}">
                 <a14:useLocalDpi xmlns:a14="http://schemas.microsoft.com/office/drawing/2010/main" val="0"/>
@@ -21360,13 +20924,7 @@
       </p:pic>
       <p:sp>
         <p:nvSpPr>
-          <p:cNvPr id="5" name="Slide Number Placeholder 4">
-            <a:extLst>
-              <a:ext uri="{FF2B5EF4-FFF2-40B4-BE49-F238E27FC236}">
-                <a16:creationId xmlns:a16="http://schemas.microsoft.com/office/drawing/2014/main" id="{D42CFD8F-469C-C145-A0EA-65F6F8FF7ABF}"/>
-              </a:ext>
-            </a:extLst>
-          </p:cNvPr>
+          <p:cNvPr id="5" name="Slide Number Placeholder 4"/>
           <p:cNvSpPr>
             <a:spLocks noGrp="1"/>
           </p:cNvSpPr>
@@ -21381,8 +20939,6 @@
           <a:p>
             <a:fld id="{BA9B540C-44DA-4F69-89C9-7C84606640D3}" type="slidenum">
               <a:rPr lang="en-US" smtClean="0"/>
-              <a:pPr/>
-              <a:t>59</a:t>
             </a:fld>
             <a:endParaRPr lang="en-US" dirty="0"/>
           </a:p>
@@ -21390,13 +20946,7 @@
       </p:sp>
       <p:sp>
         <p:nvSpPr>
-          <p:cNvPr id="6" name="Footer Placeholder 5">
-            <a:extLst>
-              <a:ext uri="{FF2B5EF4-FFF2-40B4-BE49-F238E27FC236}">
-                <a16:creationId xmlns:a16="http://schemas.microsoft.com/office/drawing/2014/main" id="{B3AE2236-E614-604E-8D19-04451EC295D6}"/>
-              </a:ext>
-            </a:extLst>
-          </p:cNvPr>
+          <p:cNvPr id="6" name="Footer Placeholder 5"/>
           <p:cNvSpPr>
             <a:spLocks noGrp="1"/>
           </p:cNvSpPr>
@@ -21411,17 +20961,13 @@
           <a:p>
             <a:r>
               <a:rPr lang="en-US"/>
-              <a:t>(C) Elephant Scale 2019</a:t>
-            </a:r>
+              <a:t>(C) Elephant Scale 2021</a:t>
+            </a:r>
+            <a:endParaRPr lang="en-US"/>
           </a:p>
         </p:txBody>
       </p:sp>
     </p:spTree>
-    <p:extLst>
-      <p:ext uri="{BB962C8B-B14F-4D97-AF65-F5344CB8AC3E}">
-        <p14:creationId xmlns:p14="http://schemas.microsoft.com/office/powerpoint/2010/main" val="1876483803"/>
-      </p:ext>
-    </p:extLst>
   </p:cSld>
   <p:clrMapOvr>
     <a:masterClrMapping/>
@@ -21465,6 +21011,7 @@
               <a:rPr lang="en-US" dirty="0"/>
               <a:t>Aside: a little history</a:t>
             </a:r>
+            <a:endParaRPr lang="en-US" dirty="0"/>
           </a:p>
         </p:txBody>
       </p:sp>
@@ -21506,6 +21053,7 @@
               <a:rPr lang="en-US" dirty="0"/>
               <a:t> unfriends Linux</a:t>
             </a:r>
+            <a:endParaRPr lang="en-US" dirty="0"/>
           </a:p>
           <a:p>
             <a:r>
@@ -21520,6 +21068,7 @@
               <a:rPr lang="en-US" dirty="0"/>
               <a:t> (uncouth person)</a:t>
             </a:r>
+            <a:endParaRPr lang="en-US" dirty="0"/>
           </a:p>
           <a:p>
             <a:pPr lvl="1"/>
@@ -21527,6 +21076,7 @@
               <a:rPr lang="en-US" dirty="0"/>
               <a:t>Speed</a:t>
             </a:r>
+            <a:endParaRPr lang="en-US" dirty="0"/>
           </a:p>
           <a:p>
             <a:pPr lvl="1"/>
@@ -21534,6 +21084,7 @@
               <a:rPr lang="en-US" dirty="0"/>
               <a:t>Simple design</a:t>
             </a:r>
+            <a:endParaRPr lang="en-US" dirty="0"/>
           </a:p>
           <a:p>
             <a:pPr lvl="1"/>
@@ -21541,6 +21092,7 @@
               <a:rPr lang="en-US" dirty="0"/>
               <a:t>Support for non-linear development</a:t>
             </a:r>
+            <a:endParaRPr lang="en-US" dirty="0"/>
           </a:p>
           <a:p>
             <a:pPr lvl="1"/>
@@ -21548,6 +21100,7 @@
               <a:rPr lang="en-US" dirty="0"/>
               <a:t>Distributed (you can work on the plane)</a:t>
             </a:r>
+            <a:endParaRPr lang="en-US" dirty="0"/>
           </a:p>
           <a:p>
             <a:pPr lvl="1"/>
@@ -21555,21 +21108,16 @@
               <a:rPr lang="en-US" dirty="0"/>
               <a:t>Handle large projects efficiently (speed and data size)</a:t>
             </a:r>
-          </a:p>
-          <a:p>
-            <a:endParaRPr lang="en-US" dirty="0"/>
-          </a:p>
-        </p:txBody>
-      </p:sp>
-      <p:sp>
-        <p:nvSpPr>
-          <p:cNvPr id="5" name="Slide Number Placeholder 4">
-            <a:extLst>
-              <a:ext uri="{FF2B5EF4-FFF2-40B4-BE49-F238E27FC236}">
-                <a16:creationId xmlns:a16="http://schemas.microsoft.com/office/drawing/2014/main" id="{D3377194-6E0C-2C41-9D08-C16C806CFC16}"/>
-              </a:ext>
-            </a:extLst>
-          </p:cNvPr>
+            <a:endParaRPr lang="en-US" dirty="0"/>
+          </a:p>
+          <a:p>
+            <a:endParaRPr lang="en-US" dirty="0"/>
+          </a:p>
+        </p:txBody>
+      </p:sp>
+      <p:sp>
+        <p:nvSpPr>
+          <p:cNvPr id="5" name="Slide Number Placeholder 4"/>
           <p:cNvSpPr>
             <a:spLocks noGrp="1"/>
           </p:cNvSpPr>
@@ -21584,8 +21132,6 @@
           <a:p>
             <a:fld id="{BA9B540C-44DA-4F69-89C9-7C84606640D3}" type="slidenum">
               <a:rPr lang="en-US" smtClean="0"/>
-              <a:pPr/>
-              <a:t>6</a:t>
             </a:fld>
             <a:endParaRPr lang="en-US" dirty="0"/>
           </a:p>
@@ -21593,13 +21139,7 @@
       </p:sp>
       <p:sp>
         <p:nvSpPr>
-          <p:cNvPr id="6" name="Footer Placeholder 5">
-            <a:extLst>
-              <a:ext uri="{FF2B5EF4-FFF2-40B4-BE49-F238E27FC236}">
-                <a16:creationId xmlns:a16="http://schemas.microsoft.com/office/drawing/2014/main" id="{3F3606F7-FFA3-5B4C-B4EC-A5B0A25D58C8}"/>
-              </a:ext>
-            </a:extLst>
-          </p:cNvPr>
+          <p:cNvPr id="6" name="Footer Placeholder 5"/>
           <p:cNvSpPr>
             <a:spLocks noGrp="1"/>
           </p:cNvSpPr>
@@ -21614,17 +21154,13 @@
           <a:p>
             <a:r>
               <a:rPr lang="en-US"/>
-              <a:t>(C) Elephant Scale 2019</a:t>
-            </a:r>
+              <a:t>(C) Elephant Scale 2021</a:t>
+            </a:r>
+            <a:endParaRPr lang="en-US"/>
           </a:p>
         </p:txBody>
       </p:sp>
     </p:spTree>
-    <p:extLst>
-      <p:ext uri="{BB962C8B-B14F-4D97-AF65-F5344CB8AC3E}">
-        <p14:creationId xmlns:p14="http://schemas.microsoft.com/office/powerpoint/2010/main" val="1649410452"/>
-      </p:ext>
-    </p:extLst>
   </p:cSld>
   <p:clrMapOvr>
     <a:masterClrMapping/>
@@ -21668,6 +21204,7 @@
               <a:rPr lang="en-US" dirty="0"/>
               <a:t>Detail</a:t>
             </a:r>
+            <a:endParaRPr lang="en-US" dirty="0"/>
           </a:p>
         </p:txBody>
       </p:sp>
@@ -21682,7 +21219,7 @@
           </p:nvPr>
         </p:nvPicPr>
         <p:blipFill>
-          <a:blip r:embed="rId2">
+          <a:blip r:embed="rId1">
             <a:extLst>
               <a:ext uri="{28A0092B-C50C-407E-A947-70E740481C1C}">
                 <a14:useLocalDpi xmlns:a14="http://schemas.microsoft.com/office/drawing/2010/main" val="0"/>
@@ -21709,7 +21246,7 @@
           <p:nvPr/>
         </p:nvPicPr>
         <p:blipFill>
-          <a:blip r:embed="rId3">
+          <a:blip r:embed="rId2">
             <a:extLst>
               <a:ext uri="{28A0092B-C50C-407E-A947-70E740481C1C}">
                 <a14:useLocalDpi xmlns:a14="http://schemas.microsoft.com/office/drawing/2010/main" val="0"/>
@@ -21756,12 +21293,14 @@
               <a:rPr lang="en-US" dirty="0"/>
               <a:t>Painted late in life</a:t>
             </a:r>
+            <a:endParaRPr lang="en-US" dirty="0"/>
           </a:p>
           <a:p>
             <a:r>
               <a:rPr lang="en-US" dirty="0"/>
               <a:t>Copied after Millet</a:t>
             </a:r>
+            <a:endParaRPr lang="en-US" dirty="0"/>
           </a:p>
           <a:p>
             <a:r>
@@ -21778,13 +21317,7 @@
       </p:sp>
       <p:sp>
         <p:nvSpPr>
-          <p:cNvPr id="4" name="Slide Number Placeholder 3">
-            <a:extLst>
-              <a:ext uri="{FF2B5EF4-FFF2-40B4-BE49-F238E27FC236}">
-                <a16:creationId xmlns:a16="http://schemas.microsoft.com/office/drawing/2014/main" id="{87127C69-08D8-034A-BFD6-A1E475FD14A1}"/>
-              </a:ext>
-            </a:extLst>
-          </p:cNvPr>
+          <p:cNvPr id="4" name="Slide Number Placeholder 3"/>
           <p:cNvSpPr>
             <a:spLocks noGrp="1"/>
           </p:cNvSpPr>
@@ -21799,8 +21332,6 @@
           <a:p>
             <a:fld id="{BA9B540C-44DA-4F69-89C9-7C84606640D3}" type="slidenum">
               <a:rPr lang="en-US" smtClean="0"/>
-              <a:pPr/>
-              <a:t>60</a:t>
             </a:fld>
             <a:endParaRPr lang="en-US" dirty="0"/>
           </a:p>
@@ -21808,13 +21339,7 @@
       </p:sp>
       <p:sp>
         <p:nvSpPr>
-          <p:cNvPr id="5" name="Footer Placeholder 4">
-            <a:extLst>
-              <a:ext uri="{FF2B5EF4-FFF2-40B4-BE49-F238E27FC236}">
-                <a16:creationId xmlns:a16="http://schemas.microsoft.com/office/drawing/2014/main" id="{33F90517-1DAC-8E4A-943C-671017AE3C6D}"/>
-              </a:ext>
-            </a:extLst>
-          </p:cNvPr>
+          <p:cNvPr id="5" name="Footer Placeholder 4"/>
           <p:cNvSpPr>
             <a:spLocks noGrp="1"/>
           </p:cNvSpPr>
@@ -21829,17 +21354,13 @@
           <a:p>
             <a:r>
               <a:rPr lang="en-US"/>
-              <a:t>(C) Elephant Scale 2019</a:t>
-            </a:r>
+              <a:t>(C) Elephant Scale 2021</a:t>
+            </a:r>
+            <a:endParaRPr lang="en-US"/>
           </a:p>
         </p:txBody>
       </p:sp>
     </p:spTree>
-    <p:extLst>
-      <p:ext uri="{BB962C8B-B14F-4D97-AF65-F5344CB8AC3E}">
-        <p14:creationId xmlns:p14="http://schemas.microsoft.com/office/powerpoint/2010/main" val="3462152068"/>
-      </p:ext>
-    </p:extLst>
   </p:cSld>
   <p:clrMapOvr>
     <a:masterClrMapping/>
@@ -21883,6 +21404,7 @@
               <a:rPr lang="en-US" dirty="0"/>
               <a:t>Pull requests</a:t>
             </a:r>
+            <a:endParaRPr lang="en-US" dirty="0"/>
           </a:p>
         </p:txBody>
       </p:sp>
@@ -21910,6 +21432,7 @@
               <a:rPr lang="en-US" dirty="0"/>
               <a:t> has no branch security</a:t>
             </a:r>
+            <a:endParaRPr lang="en-US" dirty="0"/>
           </a:p>
           <a:p>
             <a:pPr fontAlgn="base"/>
@@ -21917,6 +21440,7 @@
               <a:rPr lang="en-US" dirty="0"/>
               <a:t>Anyone can work in his friend’s branch, then commit</a:t>
             </a:r>
+            <a:endParaRPr lang="en-US" dirty="0"/>
           </a:p>
           <a:p>
             <a:pPr fontAlgn="base"/>
@@ -21924,6 +21448,7 @@
               <a:rPr lang="en-US" dirty="0"/>
               <a:t>How do you add not-trusted developers to the team?	</a:t>
             </a:r>
+            <a:endParaRPr lang="en-US" dirty="0"/>
           </a:p>
           <a:p>
             <a:pPr lvl="1" fontAlgn="base"/>
@@ -21931,6 +21456,7 @@
               <a:rPr lang="en-US" dirty="0"/>
               <a:t>New developers may be given read-only access</a:t>
             </a:r>
+            <a:endParaRPr lang="en-US" dirty="0"/>
           </a:p>
           <a:p>
             <a:pPr lvl="1" fontAlgn="base"/>
@@ -21938,6 +21464,7 @@
               <a:rPr lang="en-US" dirty="0"/>
               <a:t>Then will fork the project but won’t be able to commit the changes</a:t>
             </a:r>
+            <a:endParaRPr lang="en-US" dirty="0"/>
           </a:p>
           <a:p>
             <a:pPr lvl="1" fontAlgn="base"/>
@@ -21953,18 +21480,13 @@
               <a:rPr lang="en-US" dirty="0"/>
               <a:t> pull request</a:t>
             </a:r>
-          </a:p>
-        </p:txBody>
-      </p:sp>
-      <p:sp>
-        <p:nvSpPr>
-          <p:cNvPr id="5" name="Slide Number Placeholder 4">
-            <a:extLst>
-              <a:ext uri="{FF2B5EF4-FFF2-40B4-BE49-F238E27FC236}">
-                <a16:creationId xmlns:a16="http://schemas.microsoft.com/office/drawing/2014/main" id="{4EF3D0EE-4714-5641-8ECD-4ADE190D9CA7}"/>
-              </a:ext>
-            </a:extLst>
-          </p:cNvPr>
+            <a:endParaRPr lang="en-US" dirty="0"/>
+          </a:p>
+        </p:txBody>
+      </p:sp>
+      <p:sp>
+        <p:nvSpPr>
+          <p:cNvPr id="5" name="Slide Number Placeholder 4"/>
           <p:cNvSpPr>
             <a:spLocks noGrp="1"/>
           </p:cNvSpPr>
@@ -21979,8 +21501,6 @@
           <a:p>
             <a:fld id="{BA9B540C-44DA-4F69-89C9-7C84606640D3}" type="slidenum">
               <a:rPr lang="en-US" smtClean="0"/>
-              <a:pPr/>
-              <a:t>61</a:t>
             </a:fld>
             <a:endParaRPr lang="en-US" dirty="0"/>
           </a:p>
@@ -21988,13 +21508,7 @@
       </p:sp>
       <p:sp>
         <p:nvSpPr>
-          <p:cNvPr id="6" name="Footer Placeholder 5">
-            <a:extLst>
-              <a:ext uri="{FF2B5EF4-FFF2-40B4-BE49-F238E27FC236}">
-                <a16:creationId xmlns:a16="http://schemas.microsoft.com/office/drawing/2014/main" id="{F7D05AB2-DD48-4E44-B7BA-F3FA1A871BFC}"/>
-              </a:ext>
-            </a:extLst>
-          </p:cNvPr>
+          <p:cNvPr id="6" name="Footer Placeholder 5"/>
           <p:cNvSpPr>
             <a:spLocks noGrp="1"/>
           </p:cNvSpPr>
@@ -22009,17 +21523,13 @@
           <a:p>
             <a:r>
               <a:rPr lang="en-US"/>
-              <a:t>(C) Elephant Scale 2019</a:t>
-            </a:r>
+              <a:t>(C) Elephant Scale 2021</a:t>
+            </a:r>
+            <a:endParaRPr lang="en-US"/>
           </a:p>
         </p:txBody>
       </p:sp>
     </p:spTree>
-    <p:extLst>
-      <p:ext uri="{BB962C8B-B14F-4D97-AF65-F5344CB8AC3E}">
-        <p14:creationId xmlns:p14="http://schemas.microsoft.com/office/powerpoint/2010/main" val="479723172"/>
-      </p:ext>
-    </p:extLst>
   </p:cSld>
   <p:clrMapOvr>
     <a:masterClrMapping/>
@@ -22089,16 +21599,15 @@
               <a:rPr lang="en-US" dirty="0"/>
               <a:t>Please do all steps in lab 07</a:t>
             </a:r>
+            <a:endParaRPr lang="en-US" dirty="0"/>
           </a:p>
           <a:p>
             <a:pPr marL="0" indent="0">
               <a:buNone/>
             </a:pPr>
             <a:r>
-              <a:rPr lang="en-US" dirty="0">
-                <a:hlinkClick r:id="rId2"/>
-              </a:rPr>
-              <a:t>https://github.com/elephantscale/HI-labs/tree/master/git/lab07</a:t>
+              <a:rPr lang="en-US" dirty="0"/>
+              <a:t>https://github.com/elephantscale/git-labs/tree/main/lab07</a:t>
             </a:r>
             <a:endParaRPr lang="en-US" dirty="0"/>
           </a:p>
@@ -22139,13 +21648,7 @@
       </p:sp>
       <p:sp>
         <p:nvSpPr>
-          <p:cNvPr id="5" name="Slide Number Placeholder 4">
-            <a:extLst>
-              <a:ext uri="{FF2B5EF4-FFF2-40B4-BE49-F238E27FC236}">
-                <a16:creationId xmlns:a16="http://schemas.microsoft.com/office/drawing/2014/main" id="{1DF749F8-BB16-FB49-BDCE-8F60A6DCB685}"/>
-              </a:ext>
-            </a:extLst>
-          </p:cNvPr>
+          <p:cNvPr id="5" name="Slide Number Placeholder 4"/>
           <p:cNvSpPr>
             <a:spLocks noGrp="1"/>
           </p:cNvSpPr>
@@ -22160,8 +21663,6 @@
           <a:p>
             <a:fld id="{BA9B540C-44DA-4F69-89C9-7C84606640D3}" type="slidenum">
               <a:rPr lang="en-US" smtClean="0"/>
-              <a:pPr/>
-              <a:t>62</a:t>
             </a:fld>
             <a:endParaRPr lang="en-US" dirty="0"/>
           </a:p>
@@ -22169,13 +21670,7 @@
       </p:sp>
       <p:sp>
         <p:nvSpPr>
-          <p:cNvPr id="6" name="Footer Placeholder 5">
-            <a:extLst>
-              <a:ext uri="{FF2B5EF4-FFF2-40B4-BE49-F238E27FC236}">
-                <a16:creationId xmlns:a16="http://schemas.microsoft.com/office/drawing/2014/main" id="{18D10806-0436-8B44-8DDA-3FDD50CC555E}"/>
-              </a:ext>
-            </a:extLst>
-          </p:cNvPr>
+          <p:cNvPr id="6" name="Footer Placeholder 5"/>
           <p:cNvSpPr>
             <a:spLocks noGrp="1"/>
           </p:cNvSpPr>
@@ -22190,17 +21685,13 @@
           <a:p>
             <a:r>
               <a:rPr lang="en-US"/>
-              <a:t>(C) Elephant Scale 2019</a:t>
-            </a:r>
+              <a:t>(C) Elephant Scale 2021</a:t>
+            </a:r>
+            <a:endParaRPr lang="en-US"/>
           </a:p>
         </p:txBody>
       </p:sp>
     </p:spTree>
-    <p:extLst>
-      <p:ext uri="{BB962C8B-B14F-4D97-AF65-F5344CB8AC3E}">
-        <p14:creationId xmlns:p14="http://schemas.microsoft.com/office/powerpoint/2010/main" val="2963926384"/>
-      </p:ext>
-    </p:extLst>
   </p:cSld>
   <p:clrMapOvr>
     <a:masterClrMapping/>
@@ -22244,6 +21735,7 @@
               <a:rPr lang="en-US" dirty="0"/>
               <a:t>Cartoon – Linus Torvalds</a:t>
             </a:r>
+            <a:endParaRPr lang="en-US" dirty="0"/>
           </a:p>
         </p:txBody>
       </p:sp>
@@ -22258,7 +21750,7 @@
           </p:nvPr>
         </p:nvPicPr>
         <p:blipFill>
-          <a:blip r:embed="rId2">
+          <a:blip r:embed="rId1">
             <a:extLst>
               <a:ext uri="{28A0092B-C50C-407E-A947-70E740481C1C}">
                 <a14:useLocalDpi xmlns:a14="http://schemas.microsoft.com/office/drawing/2010/main" val="0"/>
@@ -22278,13 +21770,7 @@
       </p:pic>
       <p:sp>
         <p:nvSpPr>
-          <p:cNvPr id="4" name="Slide Number Placeholder 3">
-            <a:extLst>
-              <a:ext uri="{FF2B5EF4-FFF2-40B4-BE49-F238E27FC236}">
-                <a16:creationId xmlns:a16="http://schemas.microsoft.com/office/drawing/2014/main" id="{120F4B17-1EC4-FC42-9B9F-71B8A827E4D6}"/>
-              </a:ext>
-            </a:extLst>
-          </p:cNvPr>
+          <p:cNvPr id="4" name="Slide Number Placeholder 3"/>
           <p:cNvSpPr>
             <a:spLocks noGrp="1"/>
           </p:cNvSpPr>
@@ -22299,8 +21785,6 @@
           <a:p>
             <a:fld id="{BA9B540C-44DA-4F69-89C9-7C84606640D3}" type="slidenum">
               <a:rPr lang="en-US" smtClean="0"/>
-              <a:pPr/>
-              <a:t>7</a:t>
             </a:fld>
             <a:endParaRPr lang="en-US" dirty="0"/>
           </a:p>
@@ -22308,13 +21792,7 @@
       </p:sp>
       <p:sp>
         <p:nvSpPr>
-          <p:cNvPr id="6" name="Footer Placeholder 5">
-            <a:extLst>
-              <a:ext uri="{FF2B5EF4-FFF2-40B4-BE49-F238E27FC236}">
-                <a16:creationId xmlns:a16="http://schemas.microsoft.com/office/drawing/2014/main" id="{F01F6924-1B64-3A41-9E1B-2E3590D49438}"/>
-              </a:ext>
-            </a:extLst>
-          </p:cNvPr>
+          <p:cNvPr id="6" name="Footer Placeholder 5"/>
           <p:cNvSpPr>
             <a:spLocks noGrp="1"/>
           </p:cNvSpPr>
@@ -22329,17 +21807,13 @@
           <a:p>
             <a:r>
               <a:rPr lang="en-US"/>
-              <a:t>(C) Elephant Scale 2019</a:t>
-            </a:r>
+              <a:t>(C) Elephant Scale 2021</a:t>
+            </a:r>
+            <a:endParaRPr lang="en-US"/>
           </a:p>
         </p:txBody>
       </p:sp>
     </p:spTree>
-    <p:extLst>
-      <p:ext uri="{BB962C8B-B14F-4D97-AF65-F5344CB8AC3E}">
-        <p14:creationId xmlns:p14="http://schemas.microsoft.com/office/powerpoint/2010/main" val="596389709"/>
-      </p:ext>
-    </p:extLst>
   </p:cSld>
   <p:clrMapOvr>
     <a:masterClrMapping/>
@@ -22383,6 +21857,7 @@
               <a:rPr lang="en-US" dirty="0"/>
               <a:t>What’s the difference?</a:t>
             </a:r>
+            <a:endParaRPr lang="en-US" dirty="0"/>
           </a:p>
         </p:txBody>
       </p:sp>
@@ -22397,7 +21872,7 @@
           </p:nvPr>
         </p:nvPicPr>
         <p:blipFill>
-          <a:blip r:embed="rId2">
+          <a:blip r:embed="rId1">
             <a:extLst>
               <a:ext uri="{28A0092B-C50C-407E-A947-70E740481C1C}">
                 <a14:useLocalDpi xmlns:a14="http://schemas.microsoft.com/office/drawing/2010/main" val="0"/>
@@ -22424,7 +21899,7 @@
           <p:nvPr/>
         </p:nvPicPr>
         <p:blipFill>
-          <a:blip r:embed="rId3">
+          <a:blip r:embed="rId2">
             <a:extLst>
               <a:ext uri="{28A0092B-C50C-407E-A947-70E740481C1C}">
                 <a14:useLocalDpi xmlns:a14="http://schemas.microsoft.com/office/drawing/2010/main" val="0"/>
@@ -22471,6 +21946,7 @@
               <a:rPr lang="en-US" dirty="0"/>
               <a:t>Other systems</a:t>
             </a:r>
+            <a:endParaRPr lang="en-US" dirty="0"/>
           </a:p>
         </p:txBody>
       </p:sp>
@@ -22538,18 +22014,13 @@
               <a:rPr lang="en-US" dirty="0"/>
               <a:t> book</a:t>
             </a:r>
-          </a:p>
-        </p:txBody>
-      </p:sp>
-      <p:sp>
-        <p:nvSpPr>
-          <p:cNvPr id="9" name="Slide Number Placeholder 8">
-            <a:extLst>
-              <a:ext uri="{FF2B5EF4-FFF2-40B4-BE49-F238E27FC236}">
-                <a16:creationId xmlns:a16="http://schemas.microsoft.com/office/drawing/2014/main" id="{E975CE03-A313-3E47-8AD0-20F632BA3A97}"/>
-              </a:ext>
-            </a:extLst>
-          </p:cNvPr>
+            <a:endParaRPr lang="en-US" dirty="0"/>
+          </a:p>
+        </p:txBody>
+      </p:sp>
+      <p:sp>
+        <p:nvSpPr>
+          <p:cNvPr id="9" name="Slide Number Placeholder 8"/>
           <p:cNvSpPr>
             <a:spLocks noGrp="1"/>
           </p:cNvSpPr>
@@ -22564,8 +22035,6 @@
           <a:p>
             <a:fld id="{BA9B540C-44DA-4F69-89C9-7C84606640D3}" type="slidenum">
               <a:rPr lang="en-US" smtClean="0"/>
-              <a:pPr/>
-              <a:t>8</a:t>
             </a:fld>
             <a:endParaRPr lang="en-US" dirty="0"/>
           </a:p>
@@ -22573,13 +22042,7 @@
       </p:sp>
       <p:sp>
         <p:nvSpPr>
-          <p:cNvPr id="10" name="Footer Placeholder 9">
-            <a:extLst>
-              <a:ext uri="{FF2B5EF4-FFF2-40B4-BE49-F238E27FC236}">
-                <a16:creationId xmlns:a16="http://schemas.microsoft.com/office/drawing/2014/main" id="{4760B909-9E57-BE44-BE48-0964E98DB7D0}"/>
-              </a:ext>
-            </a:extLst>
-          </p:cNvPr>
+          <p:cNvPr id="10" name="Footer Placeholder 9"/>
           <p:cNvSpPr>
             <a:spLocks noGrp="1"/>
           </p:cNvSpPr>
@@ -22594,17 +22057,13 @@
           <a:p>
             <a:r>
               <a:rPr lang="en-US"/>
-              <a:t>(C) Elephant Scale 2019</a:t>
-            </a:r>
+              <a:t>(C) Elephant Scale 2021</a:t>
+            </a:r>
+            <a:endParaRPr lang="en-US"/>
           </a:p>
         </p:txBody>
       </p:sp>
     </p:spTree>
-    <p:extLst>
-      <p:ext uri="{BB962C8B-B14F-4D97-AF65-F5344CB8AC3E}">
-        <p14:creationId xmlns:p14="http://schemas.microsoft.com/office/powerpoint/2010/main" val="1630839283"/>
-      </p:ext>
-    </p:extLst>
   </p:cSld>
   <p:clrMapOvr>
     <a:masterClrMapping/>
@@ -22648,6 +22107,7 @@
               <a:rPr lang="en-US" dirty="0"/>
               <a:t>Terminology</a:t>
             </a:r>
+            <a:endParaRPr lang="en-US" dirty="0"/>
           </a:p>
         </p:txBody>
       </p:sp>
@@ -22677,6 +22137,7 @@
               <a:rPr lang="en-US" dirty="0"/>
               <a:t>Key concepts</a:t>
             </a:r>
+            <a:endParaRPr lang="en-US" dirty="0"/>
           </a:p>
           <a:p>
             <a:pPr lvl="1">
@@ -22688,6 +22149,7 @@
               <a:rPr lang="en-US" dirty="0"/>
               <a:t>Repository</a:t>
             </a:r>
+            <a:endParaRPr lang="en-US" dirty="0"/>
           </a:p>
           <a:p>
             <a:pPr lvl="1">
@@ -22699,6 +22161,7 @@
               <a:rPr lang="en-US" dirty="0"/>
               <a:t>Working Copy</a:t>
             </a:r>
+            <a:endParaRPr lang="en-US" dirty="0"/>
           </a:p>
           <a:p>
             <a:pPr lvl="1">
@@ -22710,6 +22173,7 @@
               <a:rPr lang="en-US" dirty="0"/>
               <a:t>Index/Staging area</a:t>
             </a:r>
+            <a:endParaRPr lang="en-US" dirty="0"/>
           </a:p>
           <a:p>
             <a:pPr lvl="1">
@@ -22721,6 +22185,7 @@
               <a:rPr lang="en-US" dirty="0"/>
               <a:t>Blobs, Trees</a:t>
             </a:r>
+            <a:endParaRPr lang="en-US" dirty="0"/>
           </a:p>
           <a:p>
             <a:pPr lvl="1">
@@ -22732,6 +22197,7 @@
               <a:rPr lang="en-US" dirty="0"/>
               <a:t>Cloning</a:t>
             </a:r>
+            <a:endParaRPr lang="en-US" dirty="0"/>
           </a:p>
           <a:p>
             <a:pPr lvl="1">
@@ -22743,6 +22209,7 @@
               <a:rPr lang="en-US" dirty="0"/>
               <a:t>Remotes</a:t>
             </a:r>
+            <a:endParaRPr lang="en-US" dirty="0"/>
           </a:p>
           <a:p>
             <a:pPr lvl="1">
@@ -22754,6 +22221,7 @@
               <a:rPr lang="en-US" dirty="0"/>
               <a:t>Pulling + Pushing</a:t>
             </a:r>
+            <a:endParaRPr lang="en-US" dirty="0"/>
           </a:p>
           <a:p>
             <a:pPr lvl="1">
@@ -22765,6 +22233,7 @@
               <a:rPr lang="en-US" dirty="0"/>
               <a:t>Local history vs. Public history</a:t>
             </a:r>
+            <a:endParaRPr lang="en-US" dirty="0"/>
           </a:p>
           <a:p>
             <a:pPr lvl="1">
@@ -22778,13 +22247,7 @@
       </p:sp>
       <p:sp>
         <p:nvSpPr>
-          <p:cNvPr id="5" name="Slide Number Placeholder 4">
-            <a:extLst>
-              <a:ext uri="{FF2B5EF4-FFF2-40B4-BE49-F238E27FC236}">
-                <a16:creationId xmlns:a16="http://schemas.microsoft.com/office/drawing/2014/main" id="{DDE17474-CD80-AB49-B236-19BF5FF88BD5}"/>
-              </a:ext>
-            </a:extLst>
-          </p:cNvPr>
+          <p:cNvPr id="5" name="Slide Number Placeholder 4"/>
           <p:cNvSpPr>
             <a:spLocks noGrp="1"/>
           </p:cNvSpPr>
@@ -22799,8 +22262,6 @@
           <a:p>
             <a:fld id="{BA9B540C-44DA-4F69-89C9-7C84606640D3}" type="slidenum">
               <a:rPr lang="en-US" smtClean="0"/>
-              <a:pPr/>
-              <a:t>9</a:t>
             </a:fld>
             <a:endParaRPr lang="en-US" dirty="0"/>
           </a:p>
@@ -22808,13 +22269,7 @@
       </p:sp>
       <p:sp>
         <p:nvSpPr>
-          <p:cNvPr id="6" name="Footer Placeholder 5">
-            <a:extLst>
-              <a:ext uri="{FF2B5EF4-FFF2-40B4-BE49-F238E27FC236}">
-                <a16:creationId xmlns:a16="http://schemas.microsoft.com/office/drawing/2014/main" id="{1F1C3D6F-AD2A-8C48-A4E7-CE62F682A627}"/>
-              </a:ext>
-            </a:extLst>
-          </p:cNvPr>
+          <p:cNvPr id="6" name="Footer Placeholder 5"/>
           <p:cNvSpPr>
             <a:spLocks noGrp="1"/>
           </p:cNvSpPr>
@@ -22829,17 +22284,13 @@
           <a:p>
             <a:r>
               <a:rPr lang="en-US"/>
-              <a:t>(C) Elephant Scale 2019</a:t>
-            </a:r>
+              <a:t>(C) Elephant Scale 2021</a:t>
+            </a:r>
+            <a:endParaRPr lang="en-US"/>
           </a:p>
         </p:txBody>
       </p:sp>
     </p:spTree>
-    <p:extLst>
-      <p:ext uri="{BB962C8B-B14F-4D97-AF65-F5344CB8AC3E}">
-        <p14:creationId xmlns:p14="http://schemas.microsoft.com/office/powerpoint/2010/main" val="2375156239"/>
-      </p:ext>
-    </p:extLst>
   </p:cSld>
   <p:clrMapOvr>
     <a:masterClrMapping/>
@@ -23109,7 +22560,11 @@
       </a:style>
     </a:lnDef>
   </a:objectDefaults>
-  <a:extraClrSchemeLst/>
+  <a:extLst>
+    <a:ext uri="{05A4C25C-085E-4340-85A3-A5531E510DB2}">
+      <thm15:themeFamily xmlns:thm15="http://schemas.microsoft.com/office/thememl/2012/main" name="Office Theme" id="{62F939B6-93AF-4DB8-9C6B-D6C7DFDC589F}" vid="{4A3C46E8-61CC-4603-A589-7422A47A8E4A}"/>
+    </a:ext>
+  </a:extLst>
 </a:theme>
 </file>
 
@@ -23429,7 +22884,11 @@
       </a:style>
     </a:lnDef>
   </a:objectDefaults>
-  <a:extraClrSchemeLst/>
+  <a:extLst>
+    <a:ext uri="{05A4C25C-085E-4340-85A3-A5531E510DB2}">
+      <thm15:themeFamily xmlns:thm15="http://schemas.microsoft.com/office/thememl/2012/main" name="Office Theme" id="{62F939B6-93AF-4DB8-9C6B-D6C7DFDC589F}" vid="{4A3C46E8-61CC-4603-A589-7422A47A8E4A}"/>
+    </a:ext>
+  </a:extLst>
 </a:theme>
 </file>
 
@@ -23476,7 +22935,7 @@
     </a:clrScheme>
     <a:fontScheme name="Office">
       <a:majorFont>
-        <a:latin typeface="Calibri Light" panose="020F0302020204030204"/>
+        <a:latin typeface="Calibri Light"/>
         <a:ea typeface=""/>
         <a:cs typeface=""/>
         <a:font script="Jpan" typeface="游ゴシック Light"/>
@@ -23509,26 +22968,9 @@
         <a:font script="Viet" typeface="Times New Roman"/>
         <a:font script="Uigh" typeface="Microsoft Uighur"/>
         <a:font script="Geor" typeface="Sylfaen"/>
-        <a:font script="Armn" typeface="Arial"/>
-        <a:font script="Bugi" typeface="Leelawadee UI"/>
-        <a:font script="Bopo" typeface="Microsoft JhengHei"/>
-        <a:font script="Java" typeface="Javanese Text"/>
-        <a:font script="Lisu" typeface="Segoe UI"/>
-        <a:font script="Mymr" typeface="Myanmar Text"/>
-        <a:font script="Nkoo" typeface="Ebrima"/>
-        <a:font script="Olck" typeface="Nirmala UI"/>
-        <a:font script="Osma" typeface="Ebrima"/>
-        <a:font script="Phag" typeface="Phagspa"/>
-        <a:font script="Syrn" typeface="Estrangelo Edessa"/>
-        <a:font script="Syrj" typeface="Estrangelo Edessa"/>
-        <a:font script="Syre" typeface="Estrangelo Edessa"/>
-        <a:font script="Sora" typeface="Nirmala UI"/>
-        <a:font script="Tale" typeface="Microsoft Tai Le"/>
-        <a:font script="Talu" typeface="Microsoft New Tai Lue"/>
-        <a:font script="Tfng" typeface="Ebrima"/>
       </a:majorFont>
       <a:minorFont>
-        <a:latin typeface="Calibri" panose="020F0502020204030204"/>
+        <a:latin typeface="Calibri"/>
         <a:ea typeface=""/>
         <a:cs typeface=""/>
         <a:font script="Jpan" typeface="游ゴシック"/>
@@ -23561,23 +23003,6 @@
         <a:font script="Viet" typeface="Arial"/>
         <a:font script="Uigh" typeface="Microsoft Uighur"/>
         <a:font script="Geor" typeface="Sylfaen"/>
-        <a:font script="Armn" typeface="Arial"/>
-        <a:font script="Bugi" typeface="Leelawadee UI"/>
-        <a:font script="Bopo" typeface="Microsoft JhengHei"/>
-        <a:font script="Java" typeface="Javanese Text"/>
-        <a:font script="Lisu" typeface="Segoe UI"/>
-        <a:font script="Mymr" typeface="Myanmar Text"/>
-        <a:font script="Nkoo" typeface="Ebrima"/>
-        <a:font script="Olck" typeface="Nirmala UI"/>
-        <a:font script="Osma" typeface="Ebrima"/>
-        <a:font script="Phag" typeface="Phagspa"/>
-        <a:font script="Syrn" typeface="Estrangelo Edessa"/>
-        <a:font script="Syrj" typeface="Estrangelo Edessa"/>
-        <a:font script="Syre" typeface="Estrangelo Edessa"/>
-        <a:font script="Sora" typeface="Nirmala UI"/>
-        <a:font script="Tale" typeface="Microsoft Tai Le"/>
-        <a:font script="Talu" typeface="Microsoft New Tai Lue"/>
-        <a:font script="Tfng" typeface="Ebrima"/>
       </a:minorFont>
     </a:fontScheme>
     <a:fmtScheme name="Office">
@@ -23718,8 +23143,6 @@
       </a:bgFillStyleLst>
     </a:fmtScheme>
   </a:themeElements>
-  <a:objectDefaults/>
-  <a:extraClrSchemeLst/>
   <a:extLst>
     <a:ext uri="{05A4C25C-085E-4340-85A3-A5531E510DB2}">
       <thm15:themeFamily xmlns:thm15="http://schemas.microsoft.com/office/thememl/2012/main" name="Office Theme" id="{62F939B6-93AF-4DB8-9C6B-D6C7DFDC589F}" vid="{4A3C46E8-61CC-4603-A589-7422A47A8E4A}"/>

--- a/git/slides/GIT-1__Git.pptx
+++ b/git/slides/GIT-1__Git.pptx
@@ -5,74 +5,74 @@
     <p:sldMasterId id="2147483648" r:id="rId1"/>
   </p:sldMasterIdLst>
   <p:notesMasterIdLst>
-    <p:notesMasterId r:id="rId65"/>
+    <p:notesMasterId r:id="rId64"/>
   </p:notesMasterIdLst>
   <p:handoutMasterIdLst>
-    <p:handoutMasterId r:id="rId66"/>
+    <p:handoutMasterId r:id="rId65"/>
   </p:handoutMasterIdLst>
   <p:sldIdLst>
-    <p:sldId id="268" r:id="rId3"/>
-    <p:sldId id="402" r:id="rId4"/>
-    <p:sldId id="421" r:id="rId5"/>
-    <p:sldId id="414" r:id="rId6"/>
-    <p:sldId id="415" r:id="rId7"/>
-    <p:sldId id="416" r:id="rId8"/>
-    <p:sldId id="403" r:id="rId9"/>
-    <p:sldId id="417" r:id="rId10"/>
-    <p:sldId id="404" r:id="rId11"/>
-    <p:sldId id="407" r:id="rId12"/>
-    <p:sldId id="405" r:id="rId13"/>
-    <p:sldId id="406" r:id="rId14"/>
-    <p:sldId id="408" r:id="rId15"/>
-    <p:sldId id="409" r:id="rId16"/>
-    <p:sldId id="462" r:id="rId17"/>
-    <p:sldId id="419" r:id="rId18"/>
-    <p:sldId id="418" r:id="rId19"/>
-    <p:sldId id="410" r:id="rId20"/>
-    <p:sldId id="463" r:id="rId21"/>
-    <p:sldId id="420" r:id="rId22"/>
-    <p:sldId id="411" r:id="rId23"/>
-    <p:sldId id="412" r:id="rId24"/>
-    <p:sldId id="424" r:id="rId25"/>
-    <p:sldId id="413" r:id="rId26"/>
-    <p:sldId id="423" r:id="rId27"/>
-    <p:sldId id="422" r:id="rId28"/>
-    <p:sldId id="425" r:id="rId29"/>
-    <p:sldId id="426" r:id="rId30"/>
-    <p:sldId id="427" r:id="rId31"/>
-    <p:sldId id="428" r:id="rId32"/>
-    <p:sldId id="464" r:id="rId33"/>
-    <p:sldId id="430" r:id="rId34"/>
-    <p:sldId id="429" r:id="rId35"/>
-    <p:sldId id="431" r:id="rId36"/>
-    <p:sldId id="432" r:id="rId37"/>
-    <p:sldId id="433" r:id="rId38"/>
-    <p:sldId id="434" r:id="rId39"/>
-    <p:sldId id="435" r:id="rId40"/>
-    <p:sldId id="438" r:id="rId41"/>
-    <p:sldId id="442" r:id="rId42"/>
-    <p:sldId id="440" r:id="rId43"/>
-    <p:sldId id="441" r:id="rId44"/>
-    <p:sldId id="443" r:id="rId45"/>
-    <p:sldId id="444" r:id="rId46"/>
-    <p:sldId id="445" r:id="rId47"/>
-    <p:sldId id="446" r:id="rId48"/>
-    <p:sldId id="447" r:id="rId49"/>
-    <p:sldId id="448" r:id="rId50"/>
-    <p:sldId id="449" r:id="rId51"/>
-    <p:sldId id="450" r:id="rId52"/>
-    <p:sldId id="451" r:id="rId53"/>
-    <p:sldId id="452" r:id="rId54"/>
-    <p:sldId id="454" r:id="rId55"/>
-    <p:sldId id="455" r:id="rId56"/>
-    <p:sldId id="456" r:id="rId57"/>
-    <p:sldId id="465" r:id="rId58"/>
-    <p:sldId id="453" r:id="rId59"/>
-    <p:sldId id="460" r:id="rId60"/>
-    <p:sldId id="458" r:id="rId61"/>
-    <p:sldId id="459" r:id="rId62"/>
-    <p:sldId id="466" r:id="rId63"/>
-    <p:sldId id="468" r:id="rId64"/>
+    <p:sldId id="268" r:id="rId2"/>
+    <p:sldId id="402" r:id="rId3"/>
+    <p:sldId id="421" r:id="rId4"/>
+    <p:sldId id="414" r:id="rId5"/>
+    <p:sldId id="415" r:id="rId6"/>
+    <p:sldId id="416" r:id="rId7"/>
+    <p:sldId id="403" r:id="rId8"/>
+    <p:sldId id="417" r:id="rId9"/>
+    <p:sldId id="404" r:id="rId10"/>
+    <p:sldId id="407" r:id="rId11"/>
+    <p:sldId id="405" r:id="rId12"/>
+    <p:sldId id="406" r:id="rId13"/>
+    <p:sldId id="408" r:id="rId14"/>
+    <p:sldId id="409" r:id="rId15"/>
+    <p:sldId id="462" r:id="rId16"/>
+    <p:sldId id="419" r:id="rId17"/>
+    <p:sldId id="418" r:id="rId18"/>
+    <p:sldId id="410" r:id="rId19"/>
+    <p:sldId id="463" r:id="rId20"/>
+    <p:sldId id="420" r:id="rId21"/>
+    <p:sldId id="411" r:id="rId22"/>
+    <p:sldId id="412" r:id="rId23"/>
+    <p:sldId id="424" r:id="rId24"/>
+    <p:sldId id="413" r:id="rId25"/>
+    <p:sldId id="423" r:id="rId26"/>
+    <p:sldId id="422" r:id="rId27"/>
+    <p:sldId id="425" r:id="rId28"/>
+    <p:sldId id="426" r:id="rId29"/>
+    <p:sldId id="427" r:id="rId30"/>
+    <p:sldId id="428" r:id="rId31"/>
+    <p:sldId id="464" r:id="rId32"/>
+    <p:sldId id="430" r:id="rId33"/>
+    <p:sldId id="429" r:id="rId34"/>
+    <p:sldId id="431" r:id="rId35"/>
+    <p:sldId id="432" r:id="rId36"/>
+    <p:sldId id="433" r:id="rId37"/>
+    <p:sldId id="434" r:id="rId38"/>
+    <p:sldId id="435" r:id="rId39"/>
+    <p:sldId id="438" r:id="rId40"/>
+    <p:sldId id="442" r:id="rId41"/>
+    <p:sldId id="440" r:id="rId42"/>
+    <p:sldId id="441" r:id="rId43"/>
+    <p:sldId id="443" r:id="rId44"/>
+    <p:sldId id="444" r:id="rId45"/>
+    <p:sldId id="445" r:id="rId46"/>
+    <p:sldId id="446" r:id="rId47"/>
+    <p:sldId id="447" r:id="rId48"/>
+    <p:sldId id="448" r:id="rId49"/>
+    <p:sldId id="449" r:id="rId50"/>
+    <p:sldId id="450" r:id="rId51"/>
+    <p:sldId id="451" r:id="rId52"/>
+    <p:sldId id="452" r:id="rId53"/>
+    <p:sldId id="454" r:id="rId54"/>
+    <p:sldId id="455" r:id="rId55"/>
+    <p:sldId id="456" r:id="rId56"/>
+    <p:sldId id="465" r:id="rId57"/>
+    <p:sldId id="453" r:id="rId58"/>
+    <p:sldId id="460" r:id="rId59"/>
+    <p:sldId id="458" r:id="rId60"/>
+    <p:sldId id="459" r:id="rId61"/>
+    <p:sldId id="466" r:id="rId62"/>
+    <p:sldId id="468" r:id="rId63"/>
   </p:sldIdLst>
   <p:sldSz cx="9144000" cy="6858000" type="screen4x3"/>
   <p:notesSz cx="6858000" cy="9144000"/>
@@ -258,6 +258,20 @@
         </p14:section>
       </p14:sectionLst>
     </p:ext>
+    <p:ext uri="{EFAFB233-063F-42B5-8137-9DF3F51BA10A}">
+      <p15:sldGuideLst xmlns:p15="http://schemas.microsoft.com/office/powerpoint/2012/main">
+        <p15:guide id="1" orient="horz" pos="2160">
+          <p15:clr>
+            <a:srgbClr val="A4A3A4"/>
+          </p15:clr>
+        </p15:guide>
+        <p15:guide id="2" pos="2880">
+          <p15:clr>
+            <a:srgbClr val="A4A3A4"/>
+          </p15:clr>
+        </p15:guide>
+      </p15:sldGuideLst>
+    </p:ext>
   </p:extLst>
 </p:presentation>
 </file>
@@ -344,6 +358,7 @@
           <a:p>
             <a:fld id="{BAFEE738-D543-6549-8F75-9A4BE0159268}" type="datetimeFigureOut">
               <a:rPr lang="en-US" smtClean="0"/>
+              <a:t>9/9/2021</a:t>
             </a:fld>
             <a:endParaRPr lang="en-US"/>
           </a:p>
@@ -380,7 +395,6 @@
               <a:rPr lang="en-US"/>
               <a:t>(C) Elephant Scale 2019</a:t>
             </a:r>
-            <a:endParaRPr lang="en-US"/>
           </a:p>
         </p:txBody>
       </p:sp>
@@ -413,12 +427,18 @@
           <a:p>
             <a:fld id="{537E5EF3-76B4-8945-BA88-6D3891C46164}" type="slidenum">
               <a:rPr lang="en-US" smtClean="0"/>
+              <a:t>‹#›</a:t>
             </a:fld>
             <a:endParaRPr lang="en-US"/>
           </a:p>
         </p:txBody>
       </p:sp>
     </p:spTree>
+    <p:extLst>
+      <p:ext uri="{BB962C8B-B14F-4D97-AF65-F5344CB8AC3E}">
+        <p14:creationId xmlns:p14="http://schemas.microsoft.com/office/powerpoint/2010/main" val="1"/>
+      </p:ext>
+    </p:extLst>
   </p:cSld>
   <p:clrMap bg1="lt1" tx1="dk1" bg2="lt2" tx2="dk2" accent1="accent1" accent2="accent2" accent3="accent3" accent4="accent4" accent5="accent5" accent6="accent6" hlink="hlink" folHlink="folHlink"/>
   <p:hf dt="0"/>
@@ -507,6 +527,7 @@
           <a:p>
             <a:fld id="{9BC04DFD-92B3-4045-948D-EC92A88059A5}" type="datetimeFigureOut">
               <a:rPr lang="en-US" smtClean="0"/>
+              <a:t>9/9/2021</a:t>
             </a:fld>
             <a:endParaRPr lang="en-US"/>
           </a:p>
@@ -573,7 +594,6 @@
               <a:rPr lang="en-US"/>
               <a:t>Click to edit Master text styles</a:t>
             </a:r>
-            <a:endParaRPr lang="en-US"/>
           </a:p>
           <a:p>
             <a:pPr lvl="1"/>
@@ -581,7 +601,6 @@
               <a:rPr lang="en-US"/>
               <a:t>Second level</a:t>
             </a:r>
-            <a:endParaRPr lang="en-US"/>
           </a:p>
           <a:p>
             <a:pPr lvl="2"/>
@@ -589,7 +608,6 @@
               <a:rPr lang="en-US"/>
               <a:t>Third level</a:t>
             </a:r>
-            <a:endParaRPr lang="en-US"/>
           </a:p>
           <a:p>
             <a:pPr lvl="3"/>
@@ -597,7 +615,6 @@
               <a:rPr lang="en-US"/>
               <a:t>Fourth level</a:t>
             </a:r>
-            <a:endParaRPr lang="en-US"/>
           </a:p>
           <a:p>
             <a:pPr lvl="4"/>
@@ -605,7 +622,6 @@
               <a:rPr lang="en-US"/>
               <a:t>Fifth level</a:t>
             </a:r>
-            <a:endParaRPr lang="en-US"/>
           </a:p>
         </p:txBody>
       </p:sp>
@@ -640,7 +656,6 @@
               <a:rPr lang="en-US"/>
               <a:t>(C) Elephant Scale 2019</a:t>
             </a:r>
-            <a:endParaRPr lang="en-US"/>
           </a:p>
         </p:txBody>
       </p:sp>
@@ -673,6 +688,7 @@
           <a:p>
             <a:fld id="{FA6F1241-889B-AD4D-909B-32DF63E6C49F}" type="slidenum">
               <a:rPr lang="en-US" smtClean="0"/>
+              <a:t>‹#›</a:t>
             </a:fld>
             <a:endParaRPr lang="en-US"/>
           </a:p>
@@ -778,7 +794,7 @@
 </file>
 
 <file path=ppt/slideLayouts/slideLayout1.xml><?xml version="1.0" encoding="utf-8"?>
-<p:sldLayout xmlns:a="http://schemas.openxmlformats.org/drawingml/2006/main" xmlns:r="http://schemas.openxmlformats.org/officeDocument/2006/relationships" xmlns:p="http://schemas.openxmlformats.org/presentationml/2006/main" type="title" preserve="1" showMasterSp="0">
+<p:sldLayout xmlns:a="http://schemas.openxmlformats.org/drawingml/2006/main" xmlns:r="http://schemas.openxmlformats.org/officeDocument/2006/relationships" xmlns:p="http://schemas.openxmlformats.org/presentationml/2006/main" showMasterSp="0" type="title" preserve="1">
   <p:cSld name="Title Slide">
     <p:spTree>
       <p:nvGrpSpPr>
@@ -978,6 +994,7 @@
           <a:p>
             <a:fld id="{C53B5549-E143-D94F-B3BF-494EE4C6DAA7}" type="datetime1">
               <a:rPr lang="en-US" smtClean="0"/>
+              <a:t>9/9/2021</a:t>
             </a:fld>
             <a:endParaRPr lang="en-US" dirty="0"/>
           </a:p>
@@ -1048,14 +1065,6 @@
               </a:rPr>
               <a:t>+</a:t>
             </a:r>
-            <a:endParaRPr sz="5400" b="1">
-              <a:solidFill>
-                <a:schemeClr val="accent1">
-                  <a:lumMod val="60000"/>
-                  <a:lumOff val="40000"/>
-                </a:schemeClr>
-              </a:solidFill>
-            </a:endParaRPr>
           </a:p>
         </p:txBody>
       </p:sp>
@@ -1127,6 +1136,7 @@
           <a:lstStyle/>
           <a:p>
             <a:pPr algn="ctr"/>
+            <a:endParaRPr/>
           </a:p>
         </p:txBody>
       </p:sp>
@@ -1163,14 +1173,6 @@
               </a:rPr>
               <a:t>+</a:t>
             </a:r>
-            <a:endParaRPr sz="3600" b="1">
-              <a:solidFill>
-                <a:schemeClr val="accent1">
-                  <a:lumMod val="60000"/>
-                  <a:lumOff val="40000"/>
-                </a:schemeClr>
-              </a:solidFill>
-            </a:endParaRPr>
           </a:p>
         </p:txBody>
       </p:sp>
@@ -1193,7 +1195,6 @@
               <a:rPr lang="en-US"/>
               <a:t>Click to edit Master title style</a:t>
             </a:r>
-            <a:endParaRPr lang="en-US"/>
           </a:p>
         </p:txBody>
       </p:sp>
@@ -1214,6 +1215,7 @@
           <a:p>
             <a:fld id="{A8F09E8F-51A8-D248-95F5-7F467F059827}" type="datetime1">
               <a:rPr lang="en-US" smtClean="0"/>
+              <a:t>9/9/2021</a:t>
             </a:fld>
             <a:endParaRPr lang="en-US" dirty="0"/>
           </a:p>
@@ -1259,6 +1261,7 @@
           <a:p>
             <a:fld id="{BA9B540C-44DA-4F69-89C9-7C84606640D3}" type="slidenum">
               <a:rPr lang="en-US" smtClean="0"/>
+              <a:t>‹#›</a:t>
             </a:fld>
             <a:endParaRPr lang="en-US" dirty="0"/>
           </a:p>
@@ -1319,7 +1322,6 @@
               <a:rPr lang="en-US"/>
               <a:t>Click to edit Master text styles</a:t>
             </a:r>
-            <a:endParaRPr lang="en-US"/>
           </a:p>
           <a:p>
             <a:pPr lvl="1"/>
@@ -1327,7 +1329,6 @@
               <a:rPr lang="en-US"/>
               <a:t>Second level</a:t>
             </a:r>
-            <a:endParaRPr lang="en-US"/>
           </a:p>
           <a:p>
             <a:pPr lvl="2"/>
@@ -1335,7 +1336,6 @@
               <a:rPr lang="en-US"/>
               <a:t>Third level</a:t>
             </a:r>
-            <a:endParaRPr lang="en-US"/>
           </a:p>
           <a:p>
             <a:pPr lvl="3"/>
@@ -1343,7 +1343,6 @@
               <a:rPr lang="en-US"/>
               <a:t>Fourth level</a:t>
             </a:r>
-            <a:endParaRPr lang="en-US"/>
           </a:p>
           <a:p>
             <a:pPr lvl="4"/>
@@ -1410,7 +1409,6 @@
               <a:rPr lang="en-US"/>
               <a:t>Click to edit Master text styles</a:t>
             </a:r>
-            <a:endParaRPr lang="en-US"/>
           </a:p>
           <a:p>
             <a:pPr lvl="1"/>
@@ -1418,7 +1416,6 @@
               <a:rPr lang="en-US"/>
               <a:t>Second level</a:t>
             </a:r>
-            <a:endParaRPr lang="en-US"/>
           </a:p>
           <a:p>
             <a:pPr lvl="2"/>
@@ -1426,7 +1423,6 @@
               <a:rPr lang="en-US"/>
               <a:t>Third level</a:t>
             </a:r>
-            <a:endParaRPr lang="en-US"/>
           </a:p>
           <a:p>
             <a:pPr lvl="3"/>
@@ -1434,7 +1430,6 @@
               <a:rPr lang="en-US"/>
               <a:t>Fourth level</a:t>
             </a:r>
-            <a:endParaRPr lang="en-US"/>
           </a:p>
           <a:p>
             <a:pPr lvl="4"/>
@@ -1501,7 +1496,6 @@
               <a:rPr lang="en-US"/>
               <a:t>Click to edit Master text styles</a:t>
             </a:r>
-            <a:endParaRPr lang="en-US"/>
           </a:p>
           <a:p>
             <a:pPr lvl="1"/>
@@ -1509,7 +1503,6 @@
               <a:rPr lang="en-US"/>
               <a:t>Second level</a:t>
             </a:r>
-            <a:endParaRPr lang="en-US"/>
           </a:p>
           <a:p>
             <a:pPr lvl="2"/>
@@ -1517,7 +1510,6 @@
               <a:rPr lang="en-US"/>
               <a:t>Third level</a:t>
             </a:r>
-            <a:endParaRPr lang="en-US"/>
           </a:p>
           <a:p>
             <a:pPr lvl="3"/>
@@ -1525,7 +1517,6 @@
               <a:rPr lang="en-US"/>
               <a:t>Fourth level</a:t>
             </a:r>
-            <a:endParaRPr lang="en-US"/>
           </a:p>
           <a:p>
             <a:pPr lvl="4"/>
@@ -1592,7 +1583,6 @@
               <a:rPr lang="en-US"/>
               <a:t>Click to edit Master text styles</a:t>
             </a:r>
-            <a:endParaRPr lang="en-US"/>
           </a:p>
           <a:p>
             <a:pPr lvl="1"/>
@@ -1600,7 +1590,6 @@
               <a:rPr lang="en-US"/>
               <a:t>Second level</a:t>
             </a:r>
-            <a:endParaRPr lang="en-US"/>
           </a:p>
           <a:p>
             <a:pPr lvl="2"/>
@@ -1608,7 +1597,6 @@
               <a:rPr lang="en-US"/>
               <a:t>Third level</a:t>
             </a:r>
-            <a:endParaRPr lang="en-US"/>
           </a:p>
           <a:p>
             <a:pPr lvl="3"/>
@@ -1616,7 +1604,6 @@
               <a:rPr lang="en-US"/>
               <a:t>Fourth level</a:t>
             </a:r>
-            <a:endParaRPr lang="en-US"/>
           </a:p>
           <a:p>
             <a:pPr lvl="4"/>
@@ -1696,6 +1683,7 @@
           <a:lstStyle/>
           <a:p>
             <a:pPr algn="ctr"/>
+            <a:endParaRPr/>
           </a:p>
         </p:txBody>
       </p:sp>
@@ -1732,14 +1720,6 @@
               </a:rPr>
               <a:t>+</a:t>
             </a:r>
-            <a:endParaRPr sz="3600" b="1">
-              <a:solidFill>
-                <a:schemeClr val="accent1">
-                  <a:lumMod val="60000"/>
-                  <a:lumOff val="40000"/>
-                </a:schemeClr>
-              </a:solidFill>
-            </a:endParaRPr>
           </a:p>
         </p:txBody>
       </p:sp>
@@ -1762,7 +1742,6 @@
               <a:rPr lang="en-US"/>
               <a:t>Click to edit Master title style</a:t>
             </a:r>
-            <a:endParaRPr lang="en-US"/>
           </a:p>
         </p:txBody>
       </p:sp>
@@ -1783,6 +1762,7 @@
           <a:p>
             <a:fld id="{ABF7B023-A86C-D44F-8ECE-5368849D0BB4}" type="datetime1">
               <a:rPr lang="en-US" smtClean="0"/>
+              <a:t>9/9/2021</a:t>
             </a:fld>
             <a:endParaRPr lang="en-US"/>
           </a:p>
@@ -1807,7 +1787,6 @@
               <a:rPr lang="en-US"/>
               <a:t>(C) Elephant Scale 2021</a:t>
             </a:r>
-            <a:endParaRPr lang="en-US"/>
           </a:p>
         </p:txBody>
       </p:sp>
@@ -1828,6 +1807,7 @@
           <a:p>
             <a:fld id="{BA9B540C-44DA-4F69-89C9-7C84606640D3}" type="slidenum">
               <a:rPr lang="en-US" smtClean="0"/>
+              <a:t>‹#›</a:t>
             </a:fld>
             <a:endParaRPr lang="en-US"/>
           </a:p>
@@ -1901,6 +1881,7 @@
           <a:lstStyle/>
           <a:p>
             <a:pPr algn="ctr"/>
+            <a:endParaRPr/>
           </a:p>
         </p:txBody>
       </p:sp>
@@ -1921,6 +1902,7 @@
           <a:p>
             <a:fld id="{8F2FA471-51C6-AD4F-B776-1BDFA14277ED}" type="datetime1">
               <a:rPr lang="en-US" smtClean="0"/>
+              <a:t>9/9/2021</a:t>
             </a:fld>
             <a:endParaRPr lang="en-US"/>
           </a:p>
@@ -1945,7 +1927,6 @@
               <a:rPr lang="en-US"/>
               <a:t>(C) Elephant Scale 2021</a:t>
             </a:r>
-            <a:endParaRPr lang="en-US"/>
           </a:p>
         </p:txBody>
       </p:sp>
@@ -1966,6 +1947,7 @@
           <a:p>
             <a:fld id="{BA9B540C-44DA-4F69-89C9-7C84606640D3}" type="slidenum">
               <a:rPr lang="en-US" smtClean="0"/>
+              <a:t>‹#›</a:t>
             </a:fld>
             <a:endParaRPr lang="en-US"/>
           </a:p>
@@ -2039,6 +2021,7 @@
           <a:lstStyle/>
           <a:p>
             <a:pPr algn="ctr"/>
+            <a:endParaRPr/>
           </a:p>
         </p:txBody>
       </p:sp>
@@ -2135,7 +2118,6 @@
               <a:rPr lang="en-US"/>
               <a:t>Click to edit Master text styles</a:t>
             </a:r>
-            <a:endParaRPr lang="en-US"/>
           </a:p>
           <a:p>
             <a:pPr lvl="1"/>
@@ -2143,7 +2125,6 @@
               <a:rPr lang="en-US"/>
               <a:t>Second level</a:t>
             </a:r>
-            <a:endParaRPr lang="en-US"/>
           </a:p>
           <a:p>
             <a:pPr lvl="2"/>
@@ -2151,7 +2132,6 @@
               <a:rPr lang="en-US"/>
               <a:t>Third level</a:t>
             </a:r>
-            <a:endParaRPr lang="en-US"/>
           </a:p>
           <a:p>
             <a:pPr lvl="3"/>
@@ -2159,7 +2139,6 @@
               <a:rPr lang="en-US"/>
               <a:t>Fourth level</a:t>
             </a:r>
-            <a:endParaRPr lang="en-US"/>
           </a:p>
           <a:p>
             <a:pPr lvl="4"/>
@@ -2240,7 +2219,6 @@
               <a:rPr lang="en-US"/>
               <a:t>Click to edit Master text styles</a:t>
             </a:r>
-            <a:endParaRPr lang="en-US"/>
           </a:p>
         </p:txBody>
       </p:sp>
@@ -2266,6 +2244,7 @@
           <a:p>
             <a:fld id="{026AC302-FCCD-E146-B2BA-2DC398AB059B}" type="datetime1">
               <a:rPr lang="en-US" smtClean="0"/>
+              <a:t>9/9/2021</a:t>
             </a:fld>
             <a:endParaRPr lang="en-US"/>
           </a:p>
@@ -2295,7 +2274,6 @@
               <a:rPr lang="en-US"/>
               <a:t>(C) Elephant Scale 2021</a:t>
             </a:r>
-            <a:endParaRPr lang="en-US"/>
           </a:p>
         </p:txBody>
       </p:sp>
@@ -2332,14 +2310,6 @@
               </a:rPr>
               <a:t>+</a:t>
             </a:r>
-            <a:endParaRPr sz="5400" b="1">
-              <a:solidFill>
-                <a:schemeClr val="accent1">
-                  <a:lumMod val="60000"/>
-                  <a:lumOff val="40000"/>
-                </a:schemeClr>
-              </a:solidFill>
-            </a:endParaRPr>
           </a:p>
         </p:txBody>
       </p:sp>
@@ -2411,6 +2381,7 @@
           <a:lstStyle/>
           <a:p>
             <a:pPr algn="ctr"/>
+            <a:endParaRPr/>
           </a:p>
         </p:txBody>
       </p:sp>
@@ -2444,7 +2415,6 @@
               <a:rPr lang="en-US"/>
               <a:t>Click to edit Master title style</a:t>
             </a:r>
-            <a:endParaRPr lang="en-US"/>
           </a:p>
         </p:txBody>
       </p:sp>
@@ -2509,7 +2479,6 @@
               <a:rPr lang="en-US"/>
               <a:t>Drag picture to placeholder or click icon to add</a:t>
             </a:r>
-            <a:endParaRPr lang="en-US"/>
           </a:p>
         </p:txBody>
       </p:sp>
@@ -2578,7 +2547,6 @@
               <a:rPr lang="en-US"/>
               <a:t>Click to edit Master text styles</a:t>
             </a:r>
-            <a:endParaRPr lang="en-US"/>
           </a:p>
         </p:txBody>
       </p:sp>
@@ -2604,6 +2572,7 @@
           <a:p>
             <a:fld id="{F51CB026-2E51-5344-8D07-E97778EB3E6E}" type="datetime1">
               <a:rPr lang="en-US" smtClean="0"/>
+              <a:t>9/9/2021</a:t>
             </a:fld>
             <a:endParaRPr lang="en-US"/>
           </a:p>
@@ -2633,7 +2602,6 @@
               <a:rPr lang="en-US"/>
               <a:t>(C) Elephant Scale 2021</a:t>
             </a:r>
-            <a:endParaRPr lang="en-US"/>
           </a:p>
         </p:txBody>
       </p:sp>
@@ -2654,6 +2622,7 @@
           <a:p>
             <a:fld id="{BA9B540C-44DA-4F69-89C9-7C84606640D3}" type="slidenum">
               <a:rPr lang="en-US" smtClean="0"/>
+              <a:t>‹#›</a:t>
             </a:fld>
             <a:endParaRPr lang="en-US"/>
           </a:p>
@@ -2692,14 +2661,6 @@
               </a:rPr>
               <a:t>+ </a:t>
             </a:r>
-            <a:endParaRPr sz="2400" b="1" baseline="0">
-              <a:solidFill>
-                <a:schemeClr val="accent1">
-                  <a:lumMod val="60000"/>
-                  <a:lumOff val="40000"/>
-                </a:schemeClr>
-              </a:solidFill>
-            </a:endParaRPr>
           </a:p>
         </p:txBody>
       </p:sp>
@@ -2759,7 +2720,6 @@
               <a:rPr lang="en-US"/>
               <a:t>Click to edit Master title style</a:t>
             </a:r>
-            <a:endParaRPr lang="en-US"/>
           </a:p>
         </p:txBody>
       </p:sp>
@@ -2824,7 +2784,6 @@
               <a:rPr lang="en-US"/>
               <a:t>Drag picture to placeholder or click icon to add</a:t>
             </a:r>
-            <a:endParaRPr lang="en-US"/>
           </a:p>
         </p:txBody>
       </p:sp>
@@ -2893,7 +2852,6 @@
               <a:rPr lang="en-US"/>
               <a:t>Click to edit Master text styles</a:t>
             </a:r>
-            <a:endParaRPr lang="en-US"/>
           </a:p>
         </p:txBody>
       </p:sp>
@@ -2914,6 +2872,7 @@
           <a:p>
             <a:fld id="{1FF242FD-2098-5649-9BD4-8AA09EBFBFF0}" type="datetime1">
               <a:rPr lang="en-US" smtClean="0"/>
+              <a:t>9/9/2021</a:t>
             </a:fld>
             <a:endParaRPr lang="en-US" dirty="0"/>
           </a:p>
@@ -2959,6 +2918,7 @@
           <a:p>
             <a:fld id="{BA9B540C-44DA-4F69-89C9-7C84606640D3}" type="slidenum">
               <a:rPr lang="en-US" smtClean="0"/>
+              <a:t>‹#›</a:t>
             </a:fld>
             <a:endParaRPr lang="en-US" dirty="0"/>
           </a:p>
@@ -3006,6 +2966,7 @@
           <a:lstStyle/>
           <a:p>
             <a:pPr algn="ctr"/>
+            <a:endParaRPr/>
           </a:p>
         </p:txBody>
       </p:sp>
@@ -3051,6 +3012,7 @@
           <a:lstStyle/>
           <a:p>
             <a:pPr algn="ctr"/>
+            <a:endParaRPr/>
           </a:p>
         </p:txBody>
       </p:sp>
@@ -3087,14 +3049,6 @@
               </a:rPr>
               <a:t>+ </a:t>
             </a:r>
-            <a:endParaRPr sz="2400" b="1" baseline="0">
-              <a:solidFill>
-                <a:schemeClr val="accent1">
-                  <a:lumMod val="60000"/>
-                  <a:lumOff val="40000"/>
-                </a:schemeClr>
-              </a:solidFill>
-            </a:endParaRPr>
           </a:p>
         </p:txBody>
       </p:sp>
@@ -3166,6 +3120,7 @@
           <a:lstStyle/>
           <a:p>
             <a:pPr algn="ctr"/>
+            <a:endParaRPr/>
           </a:p>
         </p:txBody>
       </p:sp>
@@ -3203,7 +3158,6 @@
               <a:rPr lang="en-US"/>
               <a:t>Click to edit Master title style</a:t>
             </a:r>
-            <a:endParaRPr lang="en-US"/>
           </a:p>
         </p:txBody>
       </p:sp>
@@ -3276,7 +3230,6 @@
               <a:rPr lang="en-US"/>
               <a:t>Click to edit Master text styles</a:t>
             </a:r>
-            <a:endParaRPr lang="en-US"/>
           </a:p>
         </p:txBody>
       </p:sp>
@@ -3310,6 +3263,7 @@
           <a:p>
             <a:fld id="{F1BF92B1-63AC-8148-931D-B7843126E619}" type="datetime1">
               <a:rPr lang="en-US" smtClean="0"/>
+              <a:t>9/9/2021</a:t>
             </a:fld>
             <a:endParaRPr lang="en-US" dirty="0"/>
           </a:p>
@@ -3368,6 +3322,7 @@
           <a:p>
             <a:fld id="{BA9B540C-44DA-4F69-89C9-7C84606640D3}" type="slidenum">
               <a:rPr lang="en-US" smtClean="0"/>
+              <a:t>‹#›</a:t>
             </a:fld>
             <a:endParaRPr lang="en-US" dirty="0"/>
           </a:p>
@@ -3406,14 +3361,6 @@
               </a:rPr>
               <a:t>+</a:t>
             </a:r>
-            <a:endParaRPr sz="5400" b="1">
-              <a:solidFill>
-                <a:schemeClr val="accent1">
-                  <a:lumMod val="60000"/>
-                  <a:lumOff val="40000"/>
-                </a:schemeClr>
-              </a:solidFill>
-            </a:endParaRPr>
           </a:p>
         </p:txBody>
       </p:sp>
@@ -3459,6 +3406,7 @@
           <a:lstStyle/>
           <a:p>
             <a:pPr algn="ctr"/>
+            <a:endParaRPr/>
           </a:p>
         </p:txBody>
       </p:sp>
@@ -3491,7 +3439,6 @@
               <a:rPr lang="en-US"/>
               <a:t>Drag picture to placeholder or click icon to add</a:t>
             </a:r>
-            <a:endParaRPr lang="en-US"/>
           </a:p>
         </p:txBody>
       </p:sp>
@@ -3524,7 +3471,6 @@
               <a:rPr lang="en-US"/>
               <a:t>Drag picture to placeholder or click icon to add</a:t>
             </a:r>
-            <a:endParaRPr lang="en-US"/>
           </a:p>
         </p:txBody>
       </p:sp>
@@ -3596,6 +3542,7 @@
           <a:lstStyle/>
           <a:p>
             <a:pPr algn="ctr"/>
+            <a:endParaRPr/>
           </a:p>
         </p:txBody>
       </p:sp>
@@ -3633,7 +3580,6 @@
               <a:rPr lang="en-US"/>
               <a:t>Click to edit Master title style</a:t>
             </a:r>
-            <a:endParaRPr lang="en-US"/>
           </a:p>
         </p:txBody>
       </p:sp>
@@ -3706,7 +3652,6 @@
               <a:rPr lang="en-US"/>
               <a:t>Click to edit Master text styles</a:t>
             </a:r>
-            <a:endParaRPr lang="en-US"/>
           </a:p>
         </p:txBody>
       </p:sp>
@@ -3740,6 +3685,7 @@
           <a:p>
             <a:fld id="{A30764FE-1E17-F547-AB2E-A75EBAEB7687}" type="datetime1">
               <a:rPr lang="en-US" smtClean="0"/>
+              <a:t>9/9/2021</a:t>
             </a:fld>
             <a:endParaRPr lang="en-US" dirty="0"/>
           </a:p>
@@ -3798,6 +3744,7 @@
           <a:p>
             <a:fld id="{BA9B540C-44DA-4F69-89C9-7C84606640D3}" type="slidenum">
               <a:rPr lang="en-US" smtClean="0"/>
+              <a:t>‹#›</a:t>
             </a:fld>
             <a:endParaRPr lang="en-US" dirty="0"/>
           </a:p>
@@ -3836,14 +3783,6 @@
               </a:rPr>
               <a:t>+</a:t>
             </a:r>
-            <a:endParaRPr sz="5400" b="1">
-              <a:solidFill>
-                <a:schemeClr val="accent1">
-                  <a:lumMod val="60000"/>
-                  <a:lumOff val="40000"/>
-                </a:schemeClr>
-              </a:solidFill>
-            </a:endParaRPr>
           </a:p>
         </p:txBody>
       </p:sp>
@@ -3889,6 +3828,7 @@
           <a:lstStyle/>
           <a:p>
             <a:pPr algn="ctr"/>
+            <a:endParaRPr/>
           </a:p>
         </p:txBody>
       </p:sp>
@@ -3934,6 +3874,7 @@
           <a:lstStyle/>
           <a:p>
             <a:pPr algn="ctr"/>
+            <a:endParaRPr/>
           </a:p>
         </p:txBody>
       </p:sp>
@@ -3966,7 +3907,6 @@
               <a:rPr lang="en-US"/>
               <a:t>Drag picture to placeholder or click icon to add</a:t>
             </a:r>
-            <a:endParaRPr lang="en-US"/>
           </a:p>
         </p:txBody>
       </p:sp>
@@ -3999,7 +3939,6 @@
               <a:rPr lang="en-US"/>
               <a:t>Drag picture to placeholder or click icon to add</a:t>
             </a:r>
-            <a:endParaRPr lang="en-US"/>
           </a:p>
         </p:txBody>
       </p:sp>
@@ -4032,7 +3971,6 @@
               <a:rPr lang="en-US"/>
               <a:t>Drag picture to placeholder or click icon to add</a:t>
             </a:r>
-            <a:endParaRPr lang="en-US"/>
           </a:p>
         </p:txBody>
       </p:sp>
@@ -4104,6 +4042,7 @@
           <a:lstStyle/>
           <a:p>
             <a:pPr algn="ctr"/>
+            <a:endParaRPr/>
           </a:p>
         </p:txBody>
       </p:sp>
@@ -4137,7 +4076,6 @@
               <a:rPr lang="en-US"/>
               <a:t>Click to edit Master title style</a:t>
             </a:r>
-            <a:endParaRPr lang="en-US"/>
           </a:p>
         </p:txBody>
       </p:sp>
@@ -4202,7 +4140,6 @@
               <a:rPr lang="en-US"/>
               <a:t>Drag picture to placeholder or click icon to add</a:t>
             </a:r>
-            <a:endParaRPr lang="en-US"/>
           </a:p>
         </p:txBody>
       </p:sp>
@@ -4271,7 +4208,6 @@
               <a:rPr lang="en-US"/>
               <a:t>Click to edit Master text styles</a:t>
             </a:r>
-            <a:endParaRPr lang="en-US"/>
           </a:p>
         </p:txBody>
       </p:sp>
@@ -4297,6 +4233,7 @@
           <a:p>
             <a:fld id="{FA9C4317-62A3-464F-9E9B-0A8E78E4B4E3}" type="datetime1">
               <a:rPr lang="en-US" smtClean="0"/>
+              <a:t>9/9/2021</a:t>
             </a:fld>
             <a:endParaRPr lang="en-US" dirty="0"/>
           </a:p>
@@ -4347,6 +4284,7 @@
           <a:p>
             <a:fld id="{BA9B540C-44DA-4F69-89C9-7C84606640D3}" type="slidenum">
               <a:rPr lang="en-US" smtClean="0"/>
+              <a:t>‹#›</a:t>
             </a:fld>
             <a:endParaRPr lang="en-US" dirty="0"/>
           </a:p>
@@ -4385,14 +4323,6 @@
               </a:rPr>
               <a:t>+ </a:t>
             </a:r>
-            <a:endParaRPr sz="2400" b="1" baseline="0">
-              <a:solidFill>
-                <a:schemeClr val="accent1">
-                  <a:lumMod val="60000"/>
-                  <a:lumOff val="40000"/>
-                </a:schemeClr>
-              </a:solidFill>
-            </a:endParaRPr>
           </a:p>
         </p:txBody>
       </p:sp>
@@ -4425,7 +4355,6 @@
               <a:rPr lang="en-US"/>
               <a:t>Drag picture to placeholder or click icon to add</a:t>
             </a:r>
-            <a:endParaRPr lang="en-US"/>
           </a:p>
         </p:txBody>
       </p:sp>
@@ -4458,7 +4387,6 @@
               <a:rPr lang="en-US"/>
               <a:t>Drag picture to placeholder or click icon to add</a:t>
             </a:r>
-            <a:endParaRPr lang="en-US"/>
           </a:p>
         </p:txBody>
       </p:sp>
@@ -4530,6 +4458,7 @@
           <a:lstStyle/>
           <a:p>
             <a:pPr algn="ctr"/>
+            <a:endParaRPr/>
           </a:p>
         </p:txBody>
       </p:sp>
@@ -4566,14 +4495,6 @@
               </a:rPr>
               <a:t>+</a:t>
             </a:r>
-            <a:endParaRPr sz="3600" b="1">
-              <a:solidFill>
-                <a:schemeClr val="accent1">
-                  <a:lumMod val="60000"/>
-                  <a:lumOff val="40000"/>
-                </a:schemeClr>
-              </a:solidFill>
-            </a:endParaRPr>
           </a:p>
         </p:txBody>
       </p:sp>
@@ -4596,7 +4517,6 @@
               <a:rPr lang="en-US"/>
               <a:t>Click to edit Master title style</a:t>
             </a:r>
-            <a:endParaRPr lang="en-US"/>
           </a:p>
         </p:txBody>
       </p:sp>
@@ -4624,7 +4544,6 @@
               <a:rPr lang="en-US"/>
               <a:t>Click to edit Master text styles</a:t>
             </a:r>
-            <a:endParaRPr lang="en-US"/>
           </a:p>
           <a:p>
             <a:pPr lvl="1"/>
@@ -4632,7 +4551,6 @@
               <a:rPr lang="en-US"/>
               <a:t>Second level</a:t>
             </a:r>
-            <a:endParaRPr lang="en-US"/>
           </a:p>
           <a:p>
             <a:pPr lvl="2"/>
@@ -4640,7 +4558,6 @@
               <a:rPr lang="en-US"/>
               <a:t>Third level</a:t>
             </a:r>
-            <a:endParaRPr lang="en-US"/>
           </a:p>
           <a:p>
             <a:pPr lvl="3"/>
@@ -4648,7 +4565,6 @@
               <a:rPr lang="en-US"/>
               <a:t>Fourth level</a:t>
             </a:r>
-            <a:endParaRPr lang="en-US"/>
           </a:p>
           <a:p>
             <a:pPr lvl="4"/>
@@ -4677,6 +4593,7 @@
           <a:p>
             <a:fld id="{7438221F-CE69-CF46-B8F0-3423D0EE1253}" type="datetime1">
               <a:rPr lang="en-US" smtClean="0"/>
+              <a:t>9/9/2021</a:t>
             </a:fld>
             <a:endParaRPr lang="en-US"/>
           </a:p>
@@ -4701,7 +4618,6 @@
               <a:rPr lang="en-US"/>
               <a:t>(C) Elephant Scale 2021</a:t>
             </a:r>
-            <a:endParaRPr lang="en-US"/>
           </a:p>
         </p:txBody>
       </p:sp>
@@ -4722,6 +4638,7 @@
           <a:p>
             <a:fld id="{BA9B540C-44DA-4F69-89C9-7C84606640D3}" type="slidenum">
               <a:rPr lang="en-US" smtClean="0"/>
+              <a:t>‹#›</a:t>
             </a:fld>
             <a:endParaRPr lang="en-US"/>
           </a:p>
@@ -4795,6 +4712,7 @@
           <a:lstStyle/>
           <a:p>
             <a:pPr algn="ctr"/>
+            <a:endParaRPr/>
           </a:p>
         </p:txBody>
       </p:sp>
@@ -4817,7 +4735,6 @@
               <a:rPr lang="en-US"/>
               <a:t>Click to edit Master title style</a:t>
             </a:r>
-            <a:endParaRPr lang="en-US"/>
           </a:p>
         </p:txBody>
       </p:sp>
@@ -4850,7 +4767,6 @@
               <a:rPr lang="en-US"/>
               <a:t>Click to edit Master text styles</a:t>
             </a:r>
-            <a:endParaRPr lang="en-US"/>
           </a:p>
           <a:p>
             <a:pPr lvl="1"/>
@@ -4858,7 +4774,6 @@
               <a:rPr lang="en-US"/>
               <a:t>Second level</a:t>
             </a:r>
-            <a:endParaRPr lang="en-US"/>
           </a:p>
           <a:p>
             <a:pPr lvl="2"/>
@@ -4866,7 +4781,6 @@
               <a:rPr lang="en-US"/>
               <a:t>Third level</a:t>
             </a:r>
-            <a:endParaRPr lang="en-US"/>
           </a:p>
           <a:p>
             <a:pPr lvl="3"/>
@@ -4874,7 +4788,6 @@
               <a:rPr lang="en-US"/>
               <a:t>Fourth level</a:t>
             </a:r>
-            <a:endParaRPr lang="en-US"/>
           </a:p>
           <a:p>
             <a:pPr lvl="4"/>
@@ -4903,6 +4816,7 @@
           <a:p>
             <a:fld id="{976EEB6F-524F-ED44-B3EA-A1C73B297FA0}" type="datetime1">
               <a:rPr lang="en-US" smtClean="0"/>
+              <a:t>9/9/2021</a:t>
             </a:fld>
             <a:endParaRPr lang="en-US"/>
           </a:p>
@@ -4927,7 +4841,6 @@
               <a:rPr lang="en-US"/>
               <a:t>(C) Elephant Scale 2021</a:t>
             </a:r>
-            <a:endParaRPr lang="en-US"/>
           </a:p>
         </p:txBody>
       </p:sp>
@@ -4948,6 +4861,7 @@
           <a:p>
             <a:fld id="{BA9B540C-44DA-4F69-89C9-7C84606640D3}" type="slidenum">
               <a:rPr lang="en-US" smtClean="0"/>
+              <a:t>‹#›</a:t>
             </a:fld>
             <a:endParaRPr lang="en-US" dirty="0"/>
           </a:p>
@@ -4986,14 +4900,6 @@
               </a:rPr>
               <a:t>+</a:t>
             </a:r>
-            <a:endParaRPr sz="3600" b="1">
-              <a:solidFill>
-                <a:schemeClr val="accent1">
-                  <a:lumMod val="60000"/>
-                  <a:lumOff val="40000"/>
-                </a:schemeClr>
-              </a:solidFill>
-            </a:endParaRPr>
           </a:p>
         </p:txBody>
       </p:sp>
@@ -5065,6 +4971,7 @@
           <a:lstStyle/>
           <a:p>
             <a:pPr algn="ctr"/>
+            <a:endParaRPr/>
           </a:p>
         </p:txBody>
       </p:sp>
@@ -5092,7 +4999,6 @@
               <a:rPr lang="en-US"/>
               <a:t>Click to edit Master title style</a:t>
             </a:r>
-            <a:endParaRPr lang="en-US"/>
           </a:p>
         </p:txBody>
       </p:sp>
@@ -5125,7 +5031,6 @@
               <a:rPr lang="en-US"/>
               <a:t>Click to edit Master text styles</a:t>
             </a:r>
-            <a:endParaRPr lang="en-US"/>
           </a:p>
           <a:p>
             <a:pPr lvl="1"/>
@@ -5133,7 +5038,6 @@
               <a:rPr lang="en-US"/>
               <a:t>Second level</a:t>
             </a:r>
-            <a:endParaRPr lang="en-US"/>
           </a:p>
           <a:p>
             <a:pPr lvl="2"/>
@@ -5141,7 +5045,6 @@
               <a:rPr lang="en-US"/>
               <a:t>Third level</a:t>
             </a:r>
-            <a:endParaRPr lang="en-US"/>
           </a:p>
           <a:p>
             <a:pPr lvl="3"/>
@@ -5149,7 +5052,6 @@
               <a:rPr lang="en-US"/>
               <a:t>Fourth level</a:t>
             </a:r>
-            <a:endParaRPr lang="en-US"/>
           </a:p>
           <a:p>
             <a:pPr lvl="4"/>
@@ -5178,6 +5080,7 @@
           <a:p>
             <a:fld id="{E6BDD5FF-5E2C-834F-B1BD-36491CBECD72}" type="datetime1">
               <a:rPr lang="en-US" smtClean="0"/>
+              <a:t>9/9/2021</a:t>
             </a:fld>
             <a:endParaRPr lang="en-US"/>
           </a:p>
@@ -5202,7 +5105,6 @@
               <a:rPr lang="en-US"/>
               <a:t>(C) Elephant Scale 2021</a:t>
             </a:r>
-            <a:endParaRPr lang="en-US"/>
           </a:p>
         </p:txBody>
       </p:sp>
@@ -5223,6 +5125,7 @@
           <a:p>
             <a:fld id="{BA9B540C-44DA-4F69-89C9-7C84606640D3}" type="slidenum">
               <a:rPr lang="en-US" smtClean="0"/>
+              <a:t>‹#›</a:t>
             </a:fld>
             <a:endParaRPr lang="en-US"/>
           </a:p>
@@ -5261,14 +5164,6 @@
               </a:rPr>
               <a:t>+</a:t>
             </a:r>
-            <a:endParaRPr sz="3600" b="1">
-              <a:solidFill>
-                <a:schemeClr val="accent1">
-                  <a:lumMod val="60000"/>
-                  <a:lumOff val="40000"/>
-                </a:schemeClr>
-              </a:solidFill>
-            </a:endParaRPr>
           </a:p>
         </p:txBody>
       </p:sp>
@@ -5340,6 +5235,7 @@
           <a:lstStyle/>
           <a:p>
             <a:pPr algn="ctr"/>
+            <a:endParaRPr/>
           </a:p>
         </p:txBody>
       </p:sp>
@@ -5367,7 +5263,6 @@
               <a:rPr lang="en-US"/>
               <a:t>Click to edit Master title style</a:t>
             </a:r>
-            <a:endParaRPr lang="en-US"/>
           </a:p>
         </p:txBody>
       </p:sp>
@@ -5395,7 +5290,6 @@
               <a:rPr lang="en-US"/>
               <a:t>Click to edit Master text styles</a:t>
             </a:r>
-            <a:endParaRPr lang="en-US"/>
           </a:p>
           <a:p>
             <a:pPr lvl="1"/>
@@ -5403,7 +5297,6 @@
               <a:rPr lang="en-US"/>
               <a:t>Second level</a:t>
             </a:r>
-            <a:endParaRPr lang="en-US"/>
           </a:p>
           <a:p>
             <a:pPr lvl="2"/>
@@ -5411,7 +5304,6 @@
               <a:rPr lang="en-US"/>
               <a:t>Third level</a:t>
             </a:r>
-            <a:endParaRPr lang="en-US"/>
           </a:p>
           <a:p>
             <a:pPr lvl="3"/>
@@ -5419,7 +5311,6 @@
               <a:rPr lang="en-US"/>
               <a:t>Fourth level</a:t>
             </a:r>
-            <a:endParaRPr lang="en-US"/>
           </a:p>
           <a:p>
             <a:pPr lvl="4"/>
@@ -5448,6 +5339,7 @@
           <a:p>
             <a:fld id="{FE30BA9C-16FD-F347-B6CE-765C43504237}" type="datetime1">
               <a:rPr lang="en-US" smtClean="0"/>
+              <a:t>9/9/2021</a:t>
             </a:fld>
             <a:endParaRPr lang="en-US" dirty="0"/>
           </a:p>
@@ -5493,6 +5385,7 @@
           <a:p>
             <a:fld id="{BA9B540C-44DA-4F69-89C9-7C84606640D3}" type="slidenum">
               <a:rPr lang="en-US" smtClean="0"/>
+              <a:t>‹#›</a:t>
             </a:fld>
             <a:endParaRPr lang="en-US" dirty="0"/>
           </a:p>
@@ -5531,14 +5424,6 @@
               </a:rPr>
               <a:t>+</a:t>
             </a:r>
-            <a:endParaRPr sz="3600" b="1">
-              <a:solidFill>
-                <a:schemeClr val="accent1">
-                  <a:lumMod val="60000"/>
-                  <a:lumOff val="40000"/>
-                </a:schemeClr>
-              </a:solidFill>
-            </a:endParaRPr>
           </a:p>
         </p:txBody>
       </p:sp>
@@ -5634,7 +5519,6 @@
               <a:rPr lang="en-US"/>
               <a:t>Click to edit Master text styles</a:t>
             </a:r>
-            <a:endParaRPr lang="en-US"/>
           </a:p>
         </p:txBody>
       </p:sp>
@@ -5694,7 +5578,6 @@
               <a:rPr lang="en-US"/>
               <a:t>Click to edit Master title style</a:t>
             </a:r>
-            <a:endParaRPr lang="en-US"/>
           </a:p>
         </p:txBody>
       </p:sp>
@@ -5848,6 +5731,7 @@
           <a:p>
             <a:fld id="{C5441BAF-611A-5C48-BF5D-456B0597AA05}" type="datetime1">
               <a:rPr lang="en-US" smtClean="0"/>
+              <a:t>9/9/2021</a:t>
             </a:fld>
             <a:endParaRPr lang="en-US" dirty="0"/>
           </a:p>
@@ -5927,6 +5811,7 @@
           <a:lstStyle/>
           <a:p>
             <a:pPr algn="ctr"/>
+            <a:endParaRPr/>
           </a:p>
         </p:txBody>
       </p:sp>
@@ -5972,6 +5857,7 @@
           <a:lstStyle/>
           <a:p>
             <a:pPr algn="ctr"/>
+            <a:endParaRPr/>
           </a:p>
         </p:txBody>
       </p:sp>
@@ -6017,6 +5903,7 @@
           <a:lstStyle/>
           <a:p>
             <a:pPr algn="ctr"/>
+            <a:endParaRPr/>
           </a:p>
         </p:txBody>
       </p:sp>
@@ -6049,7 +5936,6 @@
               <a:rPr lang="en-US"/>
               <a:t>Drag picture to placeholder or click icon to add</a:t>
             </a:r>
-            <a:endParaRPr lang="en-US"/>
           </a:p>
         </p:txBody>
       </p:sp>
@@ -6082,7 +5968,6 @@
               <a:rPr lang="en-US"/>
               <a:t>Drag picture to placeholder or click icon to add</a:t>
             </a:r>
-            <a:endParaRPr lang="en-US"/>
           </a:p>
         </p:txBody>
       </p:sp>
@@ -6137,7 +6022,6 @@
               <a:rPr kumimoji="0" lang="en-US"/>
               <a:t>Click to edit Master text styles</a:t>
             </a:r>
-            <a:endParaRPr kumimoji="0" lang="en-US"/>
           </a:p>
         </p:txBody>
       </p:sp>
@@ -6174,14 +6058,6 @@
               </a:rPr>
               <a:t>+</a:t>
             </a:r>
-            <a:endParaRPr sz="5400" b="1">
-              <a:solidFill>
-                <a:schemeClr val="accent1">
-                  <a:lumMod val="60000"/>
-                  <a:lumOff val="40000"/>
-                </a:schemeClr>
-              </a:solidFill>
-            </a:endParaRPr>
           </a:p>
         </p:txBody>
       </p:sp>
@@ -6253,6 +6129,7 @@
           <a:lstStyle/>
           <a:p>
             <a:pPr algn="ctr"/>
+            <a:endParaRPr/>
           </a:p>
         </p:txBody>
       </p:sp>
@@ -6290,7 +6167,6 @@
               <a:rPr lang="en-US"/>
               <a:t>Click to edit Master title style</a:t>
             </a:r>
-            <a:endParaRPr lang="en-US"/>
           </a:p>
         </p:txBody>
       </p:sp>
@@ -6413,7 +6289,6 @@
               <a:rPr lang="en-US"/>
               <a:t>Click to edit Master text styles</a:t>
             </a:r>
-            <a:endParaRPr lang="en-US"/>
           </a:p>
         </p:txBody>
       </p:sp>
@@ -6447,6 +6322,7 @@
           <a:p>
             <a:fld id="{7D213D8E-39C7-7F40-B854-333AB53DB2E3}" type="datetime1">
               <a:rPr lang="en-US" smtClean="0"/>
+              <a:t>9/9/2021</a:t>
             </a:fld>
             <a:endParaRPr lang="en-US"/>
           </a:p>
@@ -6484,7 +6360,6 @@
               <a:rPr lang="en-US"/>
               <a:t>(C) Elephant Scale 2021</a:t>
             </a:r>
-            <a:endParaRPr lang="en-US"/>
           </a:p>
         </p:txBody>
       </p:sp>
@@ -6510,6 +6385,7 @@
           <a:p>
             <a:fld id="{BA9B540C-44DA-4F69-89C9-7C84606640D3}" type="slidenum">
               <a:rPr lang="en-US" smtClean="0"/>
+              <a:t>‹#›</a:t>
             </a:fld>
             <a:endParaRPr lang="en-US"/>
           </a:p>
@@ -6548,14 +6424,6 @@
               </a:rPr>
               <a:t>+</a:t>
             </a:r>
-            <a:endParaRPr sz="4000" b="1">
-              <a:solidFill>
-                <a:schemeClr val="accent1">
-                  <a:lumMod val="60000"/>
-                  <a:lumOff val="40000"/>
-                </a:schemeClr>
-              </a:solidFill>
-            </a:endParaRPr>
           </a:p>
         </p:txBody>
       </p:sp>
@@ -6601,6 +6469,7 @@
           <a:lstStyle/>
           <a:p>
             <a:pPr algn="ctr"/>
+            <a:endParaRPr/>
           </a:p>
         </p:txBody>
       </p:sp>
@@ -6672,6 +6541,7 @@
           <a:lstStyle/>
           <a:p>
             <a:pPr algn="ctr"/>
+            <a:endParaRPr/>
           </a:p>
         </p:txBody>
       </p:sp>
@@ -6717,6 +6587,7 @@
           <a:lstStyle/>
           <a:p>
             <a:pPr algn="ctr"/>
+            <a:endParaRPr/>
           </a:p>
         </p:txBody>
       </p:sp>
@@ -6753,14 +6624,6 @@
               </a:rPr>
               <a:t>+</a:t>
             </a:r>
-            <a:endParaRPr sz="3600" b="1">
-              <a:solidFill>
-                <a:schemeClr val="accent1">
-                  <a:lumMod val="60000"/>
-                  <a:lumOff val="40000"/>
-                </a:schemeClr>
-              </a:solidFill>
-            </a:endParaRPr>
           </a:p>
         </p:txBody>
       </p:sp>
@@ -6783,7 +6646,6 @@
               <a:rPr lang="en-US"/>
               <a:t>Click to edit Master title style</a:t>
             </a:r>
-            <a:endParaRPr lang="en-US"/>
           </a:p>
         </p:txBody>
       </p:sp>
@@ -6842,7 +6704,6 @@
               <a:rPr lang="en-US"/>
               <a:t>Click to edit Master text styles</a:t>
             </a:r>
-            <a:endParaRPr lang="en-US"/>
           </a:p>
           <a:p>
             <a:pPr lvl="1"/>
@@ -6850,7 +6711,6 @@
               <a:rPr lang="en-US"/>
               <a:t>Second level</a:t>
             </a:r>
-            <a:endParaRPr lang="en-US"/>
           </a:p>
           <a:p>
             <a:pPr lvl="2"/>
@@ -6858,7 +6718,6 @@
               <a:rPr lang="en-US"/>
               <a:t>Third level</a:t>
             </a:r>
-            <a:endParaRPr lang="en-US"/>
           </a:p>
           <a:p>
             <a:pPr lvl="3"/>
@@ -6866,7 +6725,6 @@
               <a:rPr lang="en-US"/>
               <a:t>Fourth level</a:t>
             </a:r>
-            <a:endParaRPr lang="en-US"/>
           </a:p>
           <a:p>
             <a:pPr lvl="4"/>
@@ -6933,7 +6791,6 @@
               <a:rPr lang="en-US"/>
               <a:t>Click to edit Master text styles</a:t>
             </a:r>
-            <a:endParaRPr lang="en-US"/>
           </a:p>
           <a:p>
             <a:pPr lvl="1"/>
@@ -6941,7 +6798,6 @@
               <a:rPr lang="en-US"/>
               <a:t>Second level</a:t>
             </a:r>
-            <a:endParaRPr lang="en-US"/>
           </a:p>
           <a:p>
             <a:pPr lvl="2"/>
@@ -6949,7 +6805,6 @@
               <a:rPr lang="en-US"/>
               <a:t>Third level</a:t>
             </a:r>
-            <a:endParaRPr lang="en-US"/>
           </a:p>
           <a:p>
             <a:pPr lvl="3"/>
@@ -6957,7 +6812,6 @@
               <a:rPr lang="en-US"/>
               <a:t>Fourth level</a:t>
             </a:r>
-            <a:endParaRPr lang="en-US"/>
           </a:p>
           <a:p>
             <a:pPr lvl="4"/>
@@ -6986,6 +6840,7 @@
           <a:p>
             <a:fld id="{120E6F83-D35F-6149-846A-8B224D475C32}" type="datetime1">
               <a:rPr lang="en-US" smtClean="0"/>
+              <a:t>9/9/2021</a:t>
             </a:fld>
             <a:endParaRPr lang="en-US"/>
           </a:p>
@@ -7010,7 +6865,6 @@
               <a:rPr lang="en-US"/>
               <a:t>(C) Elephant Scale 2021</a:t>
             </a:r>
-            <a:endParaRPr lang="en-US"/>
           </a:p>
         </p:txBody>
       </p:sp>
@@ -7031,6 +6885,7 @@
           <a:p>
             <a:fld id="{BA9B540C-44DA-4F69-89C9-7C84606640D3}" type="slidenum">
               <a:rPr lang="en-US" smtClean="0"/>
+              <a:t>‹#›</a:t>
             </a:fld>
             <a:endParaRPr lang="en-US"/>
           </a:p>
@@ -7104,6 +6959,7 @@
           <a:lstStyle/>
           <a:p>
             <a:pPr algn="ctr"/>
+            <a:endParaRPr/>
           </a:p>
         </p:txBody>
       </p:sp>
@@ -7140,14 +6996,6 @@
               </a:rPr>
               <a:t>+</a:t>
             </a:r>
-            <a:endParaRPr sz="3600" b="1">
-              <a:solidFill>
-                <a:schemeClr val="accent1">
-                  <a:lumMod val="60000"/>
-                  <a:lumOff val="40000"/>
-                </a:schemeClr>
-              </a:solidFill>
-            </a:endParaRPr>
           </a:p>
         </p:txBody>
       </p:sp>
@@ -7174,7 +7022,6 @@
               <a:rPr lang="en-US"/>
               <a:t>Click to edit Master title style</a:t>
             </a:r>
-            <a:endParaRPr lang="en-US"/>
           </a:p>
         </p:txBody>
       </p:sp>
@@ -7233,7 +7080,6 @@
               <a:rPr lang="en-US"/>
               <a:t>Click to edit Master text styles</a:t>
             </a:r>
-            <a:endParaRPr lang="en-US"/>
           </a:p>
           <a:p>
             <a:pPr lvl="1"/>
@@ -7241,7 +7087,6 @@
               <a:rPr lang="en-US"/>
               <a:t>Second level</a:t>
             </a:r>
-            <a:endParaRPr lang="en-US"/>
           </a:p>
           <a:p>
             <a:pPr lvl="2"/>
@@ -7249,7 +7094,6 @@
               <a:rPr lang="en-US"/>
               <a:t>Third level</a:t>
             </a:r>
-            <a:endParaRPr lang="en-US"/>
           </a:p>
           <a:p>
             <a:pPr lvl="3"/>
@@ -7257,7 +7101,6 @@
               <a:rPr lang="en-US"/>
               <a:t>Fourth level</a:t>
             </a:r>
-            <a:endParaRPr lang="en-US"/>
           </a:p>
           <a:p>
             <a:pPr lvl="4"/>
@@ -7324,7 +7167,6 @@
               <a:rPr lang="en-US"/>
               <a:t>Click to edit Master text styles</a:t>
             </a:r>
-            <a:endParaRPr lang="en-US"/>
           </a:p>
           <a:p>
             <a:pPr lvl="1"/>
@@ -7332,7 +7174,6 @@
               <a:rPr lang="en-US"/>
               <a:t>Second level</a:t>
             </a:r>
-            <a:endParaRPr lang="en-US"/>
           </a:p>
           <a:p>
             <a:pPr lvl="2"/>
@@ -7340,7 +7181,6 @@
               <a:rPr lang="en-US"/>
               <a:t>Third level</a:t>
             </a:r>
-            <a:endParaRPr lang="en-US"/>
           </a:p>
           <a:p>
             <a:pPr lvl="3"/>
@@ -7348,7 +7188,6 @@
               <a:rPr lang="en-US"/>
               <a:t>Fourth level</a:t>
             </a:r>
-            <a:endParaRPr lang="en-US"/>
           </a:p>
           <a:p>
             <a:pPr lvl="4"/>
@@ -7377,6 +7216,7 @@
           <a:p>
             <a:fld id="{CDC8B48E-3E60-C345-9339-318FD49F2A0D}" type="datetime1">
               <a:rPr lang="en-US" smtClean="0"/>
+              <a:t>9/9/2021</a:t>
             </a:fld>
             <a:endParaRPr lang="en-US"/>
           </a:p>
@@ -7401,7 +7241,6 @@
               <a:rPr lang="en-US"/>
               <a:t>(C) Elephant Scale 2021</a:t>
             </a:r>
-            <a:endParaRPr lang="en-US"/>
           </a:p>
         </p:txBody>
       </p:sp>
@@ -7422,6 +7261,7 @@
           <a:p>
             <a:fld id="{BA9B540C-44DA-4F69-89C9-7C84606640D3}" type="slidenum">
               <a:rPr lang="en-US" smtClean="0"/>
+              <a:t>‹#›</a:t>
             </a:fld>
             <a:endParaRPr lang="en-US"/>
           </a:p>
@@ -7504,7 +7344,6 @@
               <a:rPr lang="en-US"/>
               <a:t>Click to edit Master text styles</a:t>
             </a:r>
-            <a:endParaRPr lang="en-US"/>
           </a:p>
         </p:txBody>
       </p:sp>
@@ -7588,7 +7427,6 @@
               <a:rPr lang="en-US"/>
               <a:t>Click to edit Master text styles</a:t>
             </a:r>
-            <a:endParaRPr lang="en-US"/>
           </a:p>
         </p:txBody>
       </p:sp>
@@ -7651,14 +7489,6 @@
               </a:rPr>
               <a:t>+</a:t>
             </a:r>
-            <a:endParaRPr sz="3600" b="1">
-              <a:solidFill>
-                <a:schemeClr val="accent1">
-                  <a:lumMod val="60000"/>
-                  <a:lumOff val="40000"/>
-                </a:schemeClr>
-              </a:solidFill>
-            </a:endParaRPr>
           </a:p>
         </p:txBody>
       </p:sp>
@@ -7681,7 +7511,6 @@
               <a:rPr lang="en-US"/>
               <a:t>Click to edit Master title style</a:t>
             </a:r>
-            <a:endParaRPr lang="en-US"/>
           </a:p>
         </p:txBody>
       </p:sp>
@@ -7740,7 +7569,6 @@
               <a:rPr lang="en-US"/>
               <a:t>Click to edit Master text styles</a:t>
             </a:r>
-            <a:endParaRPr lang="en-US"/>
           </a:p>
           <a:p>
             <a:pPr lvl="1"/>
@@ -7748,7 +7576,6 @@
               <a:rPr lang="en-US"/>
               <a:t>Second level</a:t>
             </a:r>
-            <a:endParaRPr lang="en-US"/>
           </a:p>
           <a:p>
             <a:pPr lvl="2"/>
@@ -7756,7 +7583,6 @@
               <a:rPr lang="en-US"/>
               <a:t>Third level</a:t>
             </a:r>
-            <a:endParaRPr lang="en-US"/>
           </a:p>
           <a:p>
             <a:pPr lvl="3"/>
@@ -7764,7 +7590,6 @@
               <a:rPr lang="en-US"/>
               <a:t>Fourth level</a:t>
             </a:r>
-            <a:endParaRPr lang="en-US"/>
           </a:p>
           <a:p>
             <a:pPr lvl="4"/>
@@ -7793,6 +7618,7 @@
           <a:p>
             <a:fld id="{D70A28F9-E908-F84D-83BE-06764EAA8274}" type="datetime1">
               <a:rPr lang="en-US" smtClean="0"/>
+              <a:t>9/9/2021</a:t>
             </a:fld>
             <a:endParaRPr lang="en-US" dirty="0"/>
           </a:p>
@@ -7876,7 +7702,6 @@
               <a:rPr lang="en-US"/>
               <a:t>Click to edit Master text styles</a:t>
             </a:r>
-            <a:endParaRPr lang="en-US"/>
           </a:p>
           <a:p>
             <a:pPr lvl="1"/>
@@ -7884,7 +7709,6 @@
               <a:rPr lang="en-US"/>
               <a:t>Second level</a:t>
             </a:r>
-            <a:endParaRPr lang="en-US"/>
           </a:p>
           <a:p>
             <a:pPr lvl="2"/>
@@ -7892,7 +7716,6 @@
               <a:rPr lang="en-US"/>
               <a:t>Third level</a:t>
             </a:r>
-            <a:endParaRPr lang="en-US"/>
           </a:p>
           <a:p>
             <a:pPr lvl="3"/>
@@ -7900,7 +7723,6 @@
               <a:rPr lang="en-US"/>
               <a:t>Fourth level</a:t>
             </a:r>
-            <a:endParaRPr lang="en-US"/>
           </a:p>
           <a:p>
             <a:pPr lvl="4"/>
@@ -7954,6 +7776,7 @@
           <a:lstStyle/>
           <a:p>
             <a:pPr algn="ctr"/>
+            <a:endParaRPr/>
           </a:p>
         </p:txBody>
       </p:sp>
@@ -7979,6 +7802,7 @@
           <a:p>
             <a:fld id="{BA9B540C-44DA-4F69-89C9-7C84606640D3}" type="slidenum">
               <a:rPr lang="en-US" smtClean="0"/>
+              <a:t>‹#›</a:t>
             </a:fld>
             <a:endParaRPr lang="en-US" dirty="0"/>
           </a:p>
@@ -8052,6 +7876,7 @@
           <a:lstStyle/>
           <a:p>
             <a:pPr algn="ctr"/>
+            <a:endParaRPr/>
           </a:p>
         </p:txBody>
       </p:sp>
@@ -8088,14 +7913,6 @@
               </a:rPr>
               <a:t>+</a:t>
             </a:r>
-            <a:endParaRPr sz="3600" b="1">
-              <a:solidFill>
-                <a:schemeClr val="accent1">
-                  <a:lumMod val="60000"/>
-                  <a:lumOff val="40000"/>
-                </a:schemeClr>
-              </a:solidFill>
-            </a:endParaRPr>
           </a:p>
         </p:txBody>
       </p:sp>
@@ -8118,7 +7935,6 @@
               <a:rPr lang="en-US"/>
               <a:t>Click to edit Master title style</a:t>
             </a:r>
-            <a:endParaRPr lang="en-US"/>
           </a:p>
         </p:txBody>
       </p:sp>
@@ -8177,7 +7993,6 @@
               <a:rPr lang="en-US"/>
               <a:t>Click to edit Master text styles</a:t>
             </a:r>
-            <a:endParaRPr lang="en-US"/>
           </a:p>
           <a:p>
             <a:pPr lvl="1"/>
@@ -8185,7 +8000,6 @@
               <a:rPr lang="en-US"/>
               <a:t>Second level</a:t>
             </a:r>
-            <a:endParaRPr lang="en-US"/>
           </a:p>
           <a:p>
             <a:pPr lvl="2"/>
@@ -8193,7 +8007,6 @@
               <a:rPr lang="en-US"/>
               <a:t>Third level</a:t>
             </a:r>
-            <a:endParaRPr lang="en-US"/>
           </a:p>
           <a:p>
             <a:pPr lvl="3"/>
@@ -8201,7 +8014,6 @@
               <a:rPr lang="en-US"/>
               <a:t>Fourth level</a:t>
             </a:r>
-            <a:endParaRPr lang="en-US"/>
           </a:p>
           <a:p>
             <a:pPr lvl="4"/>
@@ -8230,6 +8042,7 @@
           <a:p>
             <a:fld id="{C414A0F5-F26F-EC4B-97BF-EA491D1169A6}" type="datetime1">
               <a:rPr lang="en-US" smtClean="0"/>
+              <a:t>9/9/2021</a:t>
             </a:fld>
             <a:endParaRPr lang="en-US" dirty="0"/>
           </a:p>
@@ -8275,6 +8088,7 @@
           <a:p>
             <a:fld id="{BA9B540C-44DA-4F69-89C9-7C84606640D3}" type="slidenum">
               <a:rPr lang="en-US" smtClean="0"/>
+              <a:t>‹#›</a:t>
             </a:fld>
             <a:endParaRPr lang="en-US" dirty="0"/>
           </a:p>
@@ -8335,7 +8149,6 @@
               <a:rPr lang="en-US"/>
               <a:t>Click to edit Master text styles</a:t>
             </a:r>
-            <a:endParaRPr lang="en-US"/>
           </a:p>
           <a:p>
             <a:pPr lvl="1"/>
@@ -8343,7 +8156,6 @@
               <a:rPr lang="en-US"/>
               <a:t>Second level</a:t>
             </a:r>
-            <a:endParaRPr lang="en-US"/>
           </a:p>
           <a:p>
             <a:pPr lvl="2"/>
@@ -8351,7 +8163,6 @@
               <a:rPr lang="en-US"/>
               <a:t>Third level</a:t>
             </a:r>
-            <a:endParaRPr lang="en-US"/>
           </a:p>
           <a:p>
             <a:pPr lvl="3"/>
@@ -8359,7 +8170,6 @@
               <a:rPr lang="en-US"/>
               <a:t>Fourth level</a:t>
             </a:r>
-            <a:endParaRPr lang="en-US"/>
           </a:p>
           <a:p>
             <a:pPr lvl="4"/>
@@ -8426,7 +8236,6 @@
               <a:rPr lang="en-US"/>
               <a:t>Click to edit Master text styles</a:t>
             </a:r>
-            <a:endParaRPr lang="en-US"/>
           </a:p>
           <a:p>
             <a:pPr lvl="1"/>
@@ -8434,7 +8243,6 @@
               <a:rPr lang="en-US"/>
               <a:t>Second level</a:t>
             </a:r>
-            <a:endParaRPr lang="en-US"/>
           </a:p>
           <a:p>
             <a:pPr lvl="2"/>
@@ -8442,7 +8250,6 @@
               <a:rPr lang="en-US"/>
               <a:t>Third level</a:t>
             </a:r>
-            <a:endParaRPr lang="en-US"/>
           </a:p>
           <a:p>
             <a:pPr lvl="3"/>
@@ -8450,7 +8257,6 @@
               <a:rPr lang="en-US"/>
               <a:t>Fourth level</a:t>
             </a:r>
-            <a:endParaRPr lang="en-US"/>
           </a:p>
           <a:p>
             <a:pPr lvl="4"/>
@@ -8522,7 +8328,6 @@
               <a:rPr lang="en-US"/>
               <a:t>Click to edit Master title style</a:t>
             </a:r>
-            <a:endParaRPr lang="en-US"/>
           </a:p>
         </p:txBody>
       </p:sp>
@@ -8556,7 +8361,6 @@
               <a:rPr lang="en-US"/>
               <a:t>Click to edit Master text styles</a:t>
             </a:r>
-            <a:endParaRPr lang="en-US"/>
           </a:p>
           <a:p>
             <a:pPr lvl="1"/>
@@ -8564,7 +8368,6 @@
               <a:rPr lang="en-US"/>
               <a:t>Second level</a:t>
             </a:r>
-            <a:endParaRPr lang="en-US"/>
           </a:p>
           <a:p>
             <a:pPr lvl="2"/>
@@ -8572,7 +8375,6 @@
               <a:rPr lang="en-US"/>
               <a:t>Third level</a:t>
             </a:r>
-            <a:endParaRPr lang="en-US"/>
           </a:p>
           <a:p>
             <a:pPr lvl="3"/>
@@ -8580,7 +8382,6 @@
               <a:rPr lang="en-US"/>
               <a:t>Fourth level</a:t>
             </a:r>
-            <a:endParaRPr lang="en-US"/>
           </a:p>
           <a:p>
             <a:pPr lvl="4"/>
@@ -8628,6 +8429,7 @@
           <a:p>
             <a:fld id="{8F73959D-1378-7041-92FF-0F142FC82D7A}" type="datetime1">
               <a:rPr lang="en-US" smtClean="0"/>
+              <a:t>9/9/2021</a:t>
             </a:fld>
             <a:endParaRPr lang="en-US" dirty="0"/>
           </a:p>
@@ -8708,6 +8510,7 @@
           <a:p>
             <a:fld id="{BA9B540C-44DA-4F69-89C9-7C84606640D3}" type="slidenum">
               <a:rPr lang="en-US" smtClean="0"/>
+              <a:t>‹#›</a:t>
             </a:fld>
             <a:endParaRPr lang="en-US" dirty="0"/>
           </a:p>
@@ -9230,7 +9033,6 @@
               <a:rPr lang="en-US" dirty="0"/>
               <a:t> for Developers</a:t>
             </a:r>
-            <a:endParaRPr lang="en-US" dirty="0"/>
           </a:p>
         </p:txBody>
       </p:sp>
@@ -9260,28 +9062,24 @@
               <a:rPr lang="en-US" sz="2400" dirty="0"/>
               <a:t>Concepts </a:t>
             </a:r>
-            <a:endParaRPr lang="en-US" sz="2400" dirty="0"/>
           </a:p>
           <a:p>
             <a:r>
               <a:rPr lang="en-US" sz="2400" dirty="0"/>
               <a:t>	Hands-on exercises</a:t>
             </a:r>
-            <a:endParaRPr lang="en-US" sz="2400" dirty="0"/>
           </a:p>
           <a:p>
             <a:r>
               <a:rPr lang="en-US" sz="2400" dirty="0"/>
               <a:t>		Command-line</a:t>
             </a:r>
-            <a:endParaRPr lang="en-US" sz="2400" dirty="0"/>
           </a:p>
           <a:p>
             <a:r>
               <a:rPr lang="en-US" sz="2400" dirty="0"/>
               <a:t>			UI clients</a:t>
             </a:r>
-            <a:endParaRPr lang="en-US" sz="2400" dirty="0"/>
           </a:p>
           <a:p>
             <a:endParaRPr lang="en-US" sz="2400" dirty="0"/>
@@ -9312,9 +9110,8 @@
           <a:p>
             <a:r>
               <a:rPr lang="en-US" dirty="0"/>
-              <a:t>© Elephant Scale, 2019</a:t>
-            </a:r>
-            <a:endParaRPr lang="en-US" dirty="0"/>
+              <a:t>© Elephant Scale, 2021</a:t>
+            </a:r>
           </a:p>
         </p:txBody>
       </p:sp>
@@ -9386,7 +9183,6 @@
               <a:rPr lang="en-US" dirty="0"/>
               <a:t>How we will approach the terms</a:t>
             </a:r>
-            <a:endParaRPr lang="en-US" dirty="0"/>
           </a:p>
         </p:txBody>
       </p:sp>
@@ -9416,7 +9212,6 @@
               <a:rPr lang="en-US" dirty="0"/>
               <a:t>Define</a:t>
             </a:r>
-            <a:endParaRPr lang="en-US" dirty="0"/>
           </a:p>
           <a:p>
             <a:pPr>
@@ -9428,7 +9223,6 @@
               <a:rPr lang="en-US" dirty="0"/>
               <a:t>Give examples</a:t>
             </a:r>
-            <a:endParaRPr lang="en-US" dirty="0"/>
           </a:p>
           <a:p>
             <a:pPr>
@@ -9440,7 +9234,6 @@
               <a:rPr lang="en-US" dirty="0"/>
               <a:t>Hands-on</a:t>
             </a:r>
-            <a:endParaRPr lang="en-US" dirty="0"/>
           </a:p>
           <a:p>
             <a:pPr lvl="1">
@@ -9469,6 +9262,7 @@
           <a:p>
             <a:fld id="{BA9B540C-44DA-4F69-89C9-7C84606640D3}" type="slidenum">
               <a:rPr lang="en-US" smtClean="0"/>
+              <a:t>10</a:t>
             </a:fld>
             <a:endParaRPr lang="en-US" dirty="0"/>
           </a:p>
@@ -9493,7 +9287,6 @@
               <a:rPr lang="en-US"/>
               <a:t>(C) Elephant Scale 2021</a:t>
             </a:r>
-            <a:endParaRPr lang="en-US"/>
           </a:p>
         </p:txBody>
       </p:sp>
@@ -9669,61 +9462,55 @@
               <a:rPr lang="en-US" dirty="0"/>
               <a:t>Repository</a:t>
             </a:r>
+          </a:p>
+        </p:txBody>
+      </p:sp>
+      <p:sp>
+        <p:nvSpPr>
+          <p:cNvPr id="3" name="Content Placeholder 2"/>
+          <p:cNvSpPr>
+            <a:spLocks noGrp="1"/>
+          </p:cNvSpPr>
+          <p:nvPr>
+            <p:ph idx="1"/>
+          </p:nvPr>
+        </p:nvSpPr>
+        <p:spPr/>
+        <p:txBody>
+          <a:bodyPr/>
+          <a:lstStyle/>
+          <a:p>
+            <a:r>
+              <a:rPr lang="en-US" dirty="0"/>
+              <a:t>A set of files and directories</a:t>
+            </a:r>
+          </a:p>
+          <a:p>
+            <a:r>
+              <a:rPr lang="en-US" dirty="0"/>
+              <a:t>Historical record of changes in the repository</a:t>
+            </a:r>
+          </a:p>
+          <a:p>
+            <a:r>
+              <a:rPr lang="en-US" dirty="0"/>
+              <a:t>A set of commit objects</a:t>
+            </a:r>
+          </a:p>
+          <a:p>
+            <a:r>
+              <a:rPr lang="en-US" dirty="0"/>
+              <a:t>A set of references to commit objects, called heads</a:t>
+            </a:r>
+          </a:p>
+          <a:p>
             <a:endParaRPr lang="en-US" dirty="0"/>
           </a:p>
-        </p:txBody>
-      </p:sp>
-      <p:sp>
-        <p:nvSpPr>
-          <p:cNvPr id="3" name="Content Placeholder 2"/>
-          <p:cNvSpPr>
-            <a:spLocks noGrp="1"/>
-          </p:cNvSpPr>
-          <p:nvPr>
-            <p:ph idx="1"/>
-          </p:nvPr>
-        </p:nvSpPr>
-        <p:spPr/>
-        <p:txBody>
-          <a:bodyPr/>
-          <a:lstStyle/>
-          <a:p>
-            <a:r>
-              <a:rPr lang="en-US" dirty="0"/>
-              <a:t>A set of files and directories</a:t>
-            </a:r>
-            <a:endParaRPr lang="en-US" dirty="0"/>
-          </a:p>
-          <a:p>
-            <a:r>
-              <a:rPr lang="en-US" dirty="0"/>
-              <a:t>Historical record of changes in the repository</a:t>
-            </a:r>
-            <a:endParaRPr lang="en-US" dirty="0"/>
-          </a:p>
-          <a:p>
-            <a:r>
-              <a:rPr lang="en-US" dirty="0"/>
-              <a:t>A set of commit objects</a:t>
-            </a:r>
-            <a:endParaRPr lang="en-US" dirty="0"/>
-          </a:p>
-          <a:p>
-            <a:r>
-              <a:rPr lang="en-US" dirty="0"/>
-              <a:t>A set of references to commit objects, called heads</a:t>
-            </a:r>
-            <a:endParaRPr lang="en-US" dirty="0"/>
-          </a:p>
-          <a:p>
-            <a:endParaRPr lang="en-US" dirty="0"/>
-          </a:p>
           <a:p>
             <a:r>
               <a:rPr lang="en-US" dirty="0"/>
               <a:t>Let us give examples of what qualifies as a repository</a:t>
             </a:r>
-            <a:endParaRPr lang="en-US" dirty="0"/>
           </a:p>
           <a:p>
             <a:pPr lvl="1"/>
@@ -9731,7 +9518,6 @@
               <a:rPr lang="en-US" dirty="0"/>
               <a:t>A copy of a project directory?</a:t>
             </a:r>
-            <a:endParaRPr lang="en-US" dirty="0"/>
           </a:p>
           <a:p>
             <a:pPr lvl="1"/>
@@ -9739,7 +9525,6 @@
               <a:rPr lang="en-US" dirty="0"/>
               <a:t>CVS? Subversion?</a:t>
             </a:r>
-            <a:endParaRPr lang="en-US" dirty="0"/>
           </a:p>
           <a:p>
             <a:r>
@@ -9750,7 +9535,6 @@
               <a:rPr lang="en-US" dirty="0"/>
               <a:t> is a complete repository, either local and remote</a:t>
             </a:r>
-            <a:endParaRPr lang="en-US" dirty="0"/>
           </a:p>
         </p:txBody>
       </p:sp>
@@ -9771,6 +9555,7 @@
           <a:p>
             <a:fld id="{BA9B540C-44DA-4F69-89C9-7C84606640D3}" type="slidenum">
               <a:rPr lang="en-US" smtClean="0"/>
+              <a:t>11</a:t>
             </a:fld>
             <a:endParaRPr lang="en-US" dirty="0"/>
           </a:p>
@@ -9795,7 +9580,6 @@
               <a:rPr lang="en-US"/>
               <a:t>(C) Elephant Scale 2021</a:t>
             </a:r>
-            <a:endParaRPr lang="en-US"/>
           </a:p>
         </p:txBody>
       </p:sp>
@@ -10033,7 +9817,6 @@
               <a:rPr lang="en-US" dirty="0"/>
               <a:t>Working copy</a:t>
             </a:r>
-            <a:endParaRPr lang="en-US" dirty="0"/>
           </a:p>
         </p:txBody>
       </p:sp>
@@ -10060,7 +9843,6 @@
               <a:rPr lang="en-US" dirty="0"/>
               <a:t> “working directory,” is a single checkout of one version of the project</a:t>
             </a:r>
-            <a:endParaRPr lang="en-US" dirty="0"/>
           </a:p>
         </p:txBody>
       </p:sp>
@@ -10073,7 +9855,7 @@
           <p:nvPr/>
         </p:nvPicPr>
         <p:blipFill>
-          <a:blip r:embed="rId1" cstate="email">
+          <a:blip r:embed="rId2" cstate="email">
             <a:extLst>
               <a:ext uri="{28A0092B-C50C-407E-A947-70E740481C1C}">
                 <a14:useLocalDpi xmlns:a14="http://schemas.microsoft.com/office/drawing/2010/main" val="0"/>
@@ -10128,7 +9910,6 @@
               <a:rPr lang="en-US" dirty="0"/>
               <a:t> book</a:t>
             </a:r>
-            <a:endParaRPr lang="en-US" dirty="0"/>
           </a:p>
         </p:txBody>
       </p:sp>
@@ -10174,7 +9955,6 @@
               <a:rPr lang="en-US" dirty="0"/>
               <a:t>)</a:t>
             </a:r>
-            <a:endParaRPr lang="en-US" dirty="0"/>
           </a:p>
         </p:txBody>
       </p:sp>
@@ -10204,7 +9984,6 @@
               <a:rPr lang="en-US" dirty="0"/>
               <a:t>Can you have multiple working copies?</a:t>
             </a:r>
-            <a:endParaRPr lang="en-US" dirty="0"/>
           </a:p>
         </p:txBody>
       </p:sp>
@@ -10225,6 +10004,7 @@
           <a:p>
             <a:fld id="{BA9B540C-44DA-4F69-89C9-7C84606640D3}" type="slidenum">
               <a:rPr lang="en-US" smtClean="0"/>
+              <a:t>12</a:t>
             </a:fld>
             <a:endParaRPr lang="en-US" dirty="0"/>
           </a:p>
@@ -10249,7 +10029,6 @@
               <a:rPr lang="en-US"/>
               <a:t>(C) Elephant Scale 2021</a:t>
             </a:r>
-            <a:endParaRPr lang="en-US"/>
           </a:p>
         </p:txBody>
       </p:sp>
@@ -10437,7 +10216,6 @@
               <a:rPr lang="en-US" dirty="0"/>
               <a:t>Index and Staging areas</a:t>
             </a:r>
-            <a:endParaRPr lang="en-US" dirty="0"/>
           </a:p>
         </p:txBody>
       </p:sp>
@@ -10465,7 +10243,6 @@
               <a:rPr lang="en-US" dirty="0"/>
               <a:t>Index and Staging area are the same</a:t>
             </a:r>
-            <a:endParaRPr lang="en-US" dirty="0"/>
           </a:p>
           <a:p>
             <a:pPr>
@@ -10485,7 +10262,6 @@
               <a:rPr lang="en-US" dirty="0"/>
               <a:t> directory</a:t>
             </a:r>
-            <a:endParaRPr lang="en-US" dirty="0"/>
           </a:p>
           <a:p>
             <a:pPr>
@@ -10497,7 +10273,6 @@
               <a:rPr lang="en-US" dirty="0"/>
               <a:t>Stores information about the next commit</a:t>
             </a:r>
-            <a:endParaRPr lang="en-US" dirty="0"/>
           </a:p>
         </p:txBody>
       </p:sp>
@@ -10518,6 +10293,7 @@
           <a:p>
             <a:fld id="{BA9B540C-44DA-4F69-89C9-7C84606640D3}" type="slidenum">
               <a:rPr lang="en-US" smtClean="0"/>
+              <a:t>13</a:t>
             </a:fld>
             <a:endParaRPr lang="en-US" dirty="0"/>
           </a:p>
@@ -10542,7 +10318,6 @@
               <a:rPr lang="en-US"/>
               <a:t>(C) Elephant Scale 2021</a:t>
             </a:r>
-            <a:endParaRPr lang="en-US"/>
           </a:p>
         </p:txBody>
       </p:sp>
@@ -10590,7 +10365,6 @@
               <a:rPr lang="en-US" dirty="0"/>
               <a:t>Blobs, Trees</a:t>
             </a:r>
-            <a:endParaRPr lang="en-US" dirty="0"/>
           </a:p>
         </p:txBody>
       </p:sp>
@@ -10605,7 +10379,7 @@
           </p:nvPr>
         </p:nvPicPr>
         <p:blipFill>
-          <a:blip r:embed="rId1">
+          <a:blip r:embed="rId2">
             <a:extLst>
               <a:ext uri="{28A0092B-C50C-407E-A947-70E740481C1C}">
                 <a14:useLocalDpi xmlns:a14="http://schemas.microsoft.com/office/drawing/2010/main" val="0"/>
@@ -10657,7 +10431,6 @@
               <a:rPr lang="en-US" dirty="0"/>
               <a:t> is a key-value data store</a:t>
             </a:r>
-            <a:endParaRPr lang="en-US" dirty="0"/>
           </a:p>
           <a:p>
             <a:pPr marL="342900" indent="-342900">
@@ -10668,7 +10441,6 @@
               <a:rPr lang="en-US" dirty="0"/>
               <a:t>You can store a value and get back a key</a:t>
             </a:r>
-            <a:endParaRPr lang="en-US" dirty="0"/>
           </a:p>
           <a:p>
             <a:pPr marL="342900" indent="-342900">
@@ -10687,7 +10459,6 @@
               <a:rPr lang="en-US" dirty="0"/>
               <a:t> internals</a:t>
             </a:r>
-            <a:endParaRPr lang="en-US" dirty="0"/>
           </a:p>
           <a:p>
             <a:pPr marL="342900" indent="-342900">
@@ -10698,7 +10469,6 @@
               <a:rPr lang="en-US" dirty="0"/>
               <a:t>All we need to know is “tree” and “blob”</a:t>
             </a:r>
-            <a:endParaRPr lang="en-US" dirty="0"/>
           </a:p>
         </p:txBody>
       </p:sp>
@@ -10736,7 +10506,6 @@
               <a:rPr lang="en-US" dirty="0"/>
               <a:t> book</a:t>
             </a:r>
-            <a:endParaRPr lang="en-US" dirty="0"/>
           </a:p>
         </p:txBody>
       </p:sp>
@@ -10757,6 +10526,7 @@
           <a:p>
             <a:fld id="{BA9B540C-44DA-4F69-89C9-7C84606640D3}" type="slidenum">
               <a:rPr lang="en-US" smtClean="0"/>
+              <a:t>14</a:t>
             </a:fld>
             <a:endParaRPr lang="en-US" dirty="0"/>
           </a:p>
@@ -10781,7 +10551,6 @@
               <a:rPr lang="en-US"/>
               <a:t>(C) Elephant Scale 2021</a:t>
             </a:r>
-            <a:endParaRPr lang="en-US"/>
           </a:p>
         </p:txBody>
       </p:sp>
@@ -10856,17 +10625,15 @@
               <a:rPr lang="en-US" dirty="0"/>
               <a:t>Please do all steps in Lab 01:</a:t>
             </a:r>
+          </a:p>
+          <a:p>
             <a:endParaRPr lang="en-US" dirty="0"/>
           </a:p>
           <a:p>
-            <a:endParaRPr lang="en-US" dirty="0"/>
-          </a:p>
-          <a:p>
             <a:r>
               <a:rPr lang="en-US" dirty="0"/>
               <a:t>https://github.com/elephantscale/git-labs/tree/main/lab01</a:t>
             </a:r>
-            <a:endParaRPr lang="en-US" dirty="0"/>
           </a:p>
         </p:txBody>
       </p:sp>
@@ -10887,6 +10654,7 @@
           <a:p>
             <a:fld id="{BA9B540C-44DA-4F69-89C9-7C84606640D3}" type="slidenum">
               <a:rPr lang="en-US" smtClean="0"/>
+              <a:t>15</a:t>
             </a:fld>
             <a:endParaRPr lang="en-US" dirty="0"/>
           </a:p>
@@ -10911,7 +10679,6 @@
               <a:rPr lang="en-US"/>
               <a:t>(C) Elephant Scale 2021</a:t>
             </a:r>
-            <a:endParaRPr lang="en-US"/>
           </a:p>
         </p:txBody>
       </p:sp>
@@ -10959,7 +10726,6 @@
               <a:rPr lang="en-US" dirty="0"/>
               <a:t>Put and get values</a:t>
             </a:r>
-            <a:endParaRPr lang="en-US" dirty="0"/>
           </a:p>
         </p:txBody>
       </p:sp>
@@ -10985,7 +10751,6 @@
               <a:rPr lang="en-US" dirty="0"/>
               <a:t>Put value, observe the key you get in return</a:t>
             </a:r>
-            <a:endParaRPr lang="en-US" dirty="0"/>
           </a:p>
           <a:p>
             <a:pPr marL="0" indent="0">
@@ -11020,7 +10785,6 @@
               <a:rPr lang="en-US" dirty="0"/>
               <a:t>Find the file:</a:t>
             </a:r>
-            <a:endParaRPr lang="en-US" dirty="0"/>
           </a:p>
           <a:p>
             <a:pPr marL="0" indent="0">
@@ -11038,7 +10802,6 @@
               <a:rPr lang="en-US" dirty="0"/>
               <a:t>/objects -type f</a:t>
             </a:r>
-            <a:endParaRPr lang="en-US" dirty="0"/>
           </a:p>
           <a:p>
             <a:pPr marL="0" indent="0">
@@ -11061,7 +10824,6 @@
               <a:rPr lang="en-US" dirty="0"/>
               <a:t>Get it back</a:t>
             </a:r>
-            <a:endParaRPr lang="en-US" dirty="0"/>
           </a:p>
           <a:p>
             <a:pPr marL="0" indent="0">
@@ -11100,6 +10862,7 @@
           <a:p>
             <a:fld id="{BA9B540C-44DA-4F69-89C9-7C84606640D3}" type="slidenum">
               <a:rPr lang="en-US" smtClean="0"/>
+              <a:t>16</a:t>
             </a:fld>
             <a:endParaRPr lang="en-US" dirty="0"/>
           </a:p>
@@ -11124,7 +10887,6 @@
               <a:rPr lang="en-US"/>
               <a:t>(C) Elephant Scale 2021</a:t>
             </a:r>
-            <a:endParaRPr lang="en-US"/>
           </a:p>
         </p:txBody>
       </p:sp>
@@ -11172,7 +10934,6 @@
               <a:rPr lang="en-US" dirty="0"/>
               <a:t>Lab 02</a:t>
             </a:r>
-            <a:endParaRPr lang="en-US" dirty="0"/>
           </a:p>
         </p:txBody>
       </p:sp>
@@ -11200,7 +10961,6 @@
               <a:rPr lang="en-US" dirty="0"/>
               <a:t>Please do all steps in lab 02:</a:t>
             </a:r>
-            <a:endParaRPr lang="en-US" dirty="0"/>
           </a:p>
           <a:p>
             <a:pPr marL="0" indent="0">
@@ -11210,7 +10970,6 @@
               <a:rPr lang="en-US" dirty="0"/>
               <a:t>https://github.com/elephantscale/git-labs/tree/main/lab02</a:t>
             </a:r>
-            <a:endParaRPr lang="en-US" dirty="0"/>
           </a:p>
           <a:p>
             <a:pPr marL="0" indent="0">
@@ -11223,7 +10982,7 @@
               <a:buNone/>
             </a:pPr>
             <a:endParaRPr lang="en-US" dirty="0">
-              <a:hlinkClick r:id="rId1"/>
+              <a:hlinkClick r:id="rId2"/>
             </a:endParaRPr>
           </a:p>
           <a:p>
@@ -11231,7 +10990,7 @@
               <a:buNone/>
             </a:pPr>
             <a:endParaRPr lang="en-US" dirty="0">
-              <a:hlinkClick r:id="rId1"/>
+              <a:hlinkClick r:id="rId2"/>
             </a:endParaRPr>
           </a:p>
         </p:txBody>
@@ -11253,6 +11012,7 @@
           <a:p>
             <a:fld id="{BA9B540C-44DA-4F69-89C9-7C84606640D3}" type="slidenum">
               <a:rPr lang="en-US" smtClean="0"/>
+              <a:t>17</a:t>
             </a:fld>
             <a:endParaRPr lang="en-US" dirty="0"/>
           </a:p>
@@ -11277,7 +11037,6 @@
               <a:rPr lang="en-US"/>
               <a:t>(C) Elephant Scale 2021</a:t>
             </a:r>
-            <a:endParaRPr lang="en-US"/>
           </a:p>
         </p:txBody>
       </p:sp>
@@ -11325,7 +11084,6 @@
               <a:rPr lang="en-US" dirty="0"/>
               <a:t>Cloning</a:t>
             </a:r>
-            <a:endParaRPr lang="en-US" dirty="0"/>
           </a:p>
         </p:txBody>
       </p:sp>
@@ -11348,7 +11106,6 @@
               <a:rPr lang="en-US" dirty="0"/>
               <a:t>Getting a copy of the existing get repository (quick, what is repository?)</a:t>
             </a:r>
-            <a:endParaRPr lang="en-US" dirty="0"/>
           </a:p>
           <a:p>
             <a:r>
@@ -11383,17 +11140,12 @@
               </a:rPr>
               <a:t>&gt;</a:t>
             </a:r>
-            <a:endParaRPr lang="en-US" dirty="0">
-              <a:latin typeface="Courier New" panose="02070309020205020404" pitchFamily="49" charset="0"/>
-              <a:cs typeface="Courier New" panose="02070309020205020404" pitchFamily="49" charset="0"/>
-            </a:endParaRPr>
           </a:p>
           <a:p>
             <a:r>
               <a:rPr lang="en-US" dirty="0"/>
               <a:t>Example:</a:t>
             </a:r>
-            <a:endParaRPr lang="en-US" dirty="0"/>
           </a:p>
           <a:p>
             <a:pPr marL="0" indent="0">
@@ -11420,69 +11172,62 @@
               </a:rPr>
               <a:t> clone git://github.com/schacon/grit.git</a:t>
             </a:r>
+          </a:p>
+          <a:p>
+            <a:r>
+              <a:rPr lang="en-US" dirty="0"/>
+              <a:t>Exercises</a:t>
+            </a:r>
+          </a:p>
+          <a:p>
+            <a:pPr lvl="1"/>
+            <a:r>
+              <a:rPr lang="en-US" dirty="0"/>
+              <a:t>clone on the command line </a:t>
+            </a:r>
+          </a:p>
+          <a:p>
+            <a:pPr lvl="1"/>
+            <a:r>
+              <a:rPr lang="en-US" dirty="0"/>
+              <a:t>clone in your preferred </a:t>
+            </a:r>
+            <a:r>
+              <a:rPr lang="en-US" dirty="0" err="1"/>
+              <a:t>Git</a:t>
+            </a:r>
+            <a:r>
+              <a:rPr lang="en-US" dirty="0"/>
+              <a:t> UI (i.e. Eclipse </a:t>
+            </a:r>
+            <a:r>
+              <a:rPr lang="en-US" dirty="0" err="1"/>
+              <a:t>Git</a:t>
+            </a:r>
+            <a:r>
+              <a:rPr lang="en-US" dirty="0"/>
+              <a:t>, </a:t>
+            </a:r>
+            <a:r>
+              <a:rPr lang="en-US" dirty="0" err="1"/>
+              <a:t>SmartGit</a:t>
+            </a:r>
+            <a:r>
+              <a:rPr lang="en-US" dirty="0"/>
+              <a:t>, etc.)</a:t>
+            </a:r>
+          </a:p>
+          <a:p>
+            <a:pPr lvl="1"/>
+            <a:r>
+              <a:rPr lang="en-US" dirty="0"/>
+              <a:t>See the following lab</a:t>
+            </a:r>
             <a:endParaRPr lang="en-US" dirty="0">
               <a:latin typeface="Courier New" panose="02070309020205020404" pitchFamily="49" charset="0"/>
               <a:cs typeface="Courier New" panose="02070309020205020404" pitchFamily="49" charset="0"/>
             </a:endParaRPr>
           </a:p>
-          <a:p>
-            <a:r>
-              <a:rPr lang="en-US" dirty="0"/>
-              <a:t>Exercises</a:t>
-            </a:r>
-            <a:endParaRPr lang="en-US" dirty="0"/>
-          </a:p>
-          <a:p>
-            <a:pPr lvl="1"/>
-            <a:r>
-              <a:rPr lang="en-US" dirty="0"/>
-              <a:t>clone on the command line </a:t>
-            </a:r>
-            <a:endParaRPr lang="en-US" dirty="0"/>
-          </a:p>
-          <a:p>
-            <a:pPr lvl="1"/>
-            <a:r>
-              <a:rPr lang="en-US" dirty="0"/>
-              <a:t>clone in your preferred </a:t>
-            </a:r>
-            <a:r>
-              <a:rPr lang="en-US" dirty="0" err="1"/>
-              <a:t>Git</a:t>
-            </a:r>
-            <a:r>
-              <a:rPr lang="en-US" dirty="0"/>
-              <a:t> UI (i.e. Eclipse </a:t>
-            </a:r>
-            <a:r>
-              <a:rPr lang="en-US" dirty="0" err="1"/>
-              <a:t>Git</a:t>
-            </a:r>
-            <a:r>
-              <a:rPr lang="en-US" dirty="0"/>
-              <a:t>, </a:t>
-            </a:r>
-            <a:r>
-              <a:rPr lang="en-US" dirty="0" err="1"/>
-              <a:t>SmartGit</a:t>
-            </a:r>
-            <a:r>
-              <a:rPr lang="en-US" dirty="0"/>
-              <a:t>, etc.)</a:t>
-            </a:r>
-            <a:endParaRPr lang="en-US" dirty="0"/>
-          </a:p>
-          <a:p>
-            <a:pPr lvl="1"/>
-            <a:r>
-              <a:rPr lang="en-US" dirty="0"/>
-              <a:t>See the following lab</a:t>
-            </a:r>
-            <a:endParaRPr lang="en-US" dirty="0">
-              <a:latin typeface="Courier New" panose="02070309020205020404" pitchFamily="49" charset="0"/>
-              <a:cs typeface="Courier New" panose="02070309020205020404" pitchFamily="49" charset="0"/>
-            </a:endParaRPr>
-          </a:p>
         </p:txBody>
       </p:sp>
       <p:sp>
@@ -11502,6 +11247,7 @@
           <a:p>
             <a:fld id="{BA9B540C-44DA-4F69-89C9-7C84606640D3}" type="slidenum">
               <a:rPr lang="en-US" smtClean="0"/>
+              <a:t>18</a:t>
             </a:fld>
             <a:endParaRPr lang="en-US" dirty="0"/>
           </a:p>
@@ -11526,7 +11272,6 @@
               <a:rPr lang="en-US"/>
               <a:t>(C) Elephant Scale 2021</a:t>
             </a:r>
-            <a:endParaRPr lang="en-US"/>
           </a:p>
         </p:txBody>
       </p:sp>
@@ -11574,7 +11319,6 @@
               <a:rPr lang="en-US" dirty="0"/>
               <a:t>Lab 03</a:t>
             </a:r>
-            <a:endParaRPr lang="en-US" dirty="0"/>
           </a:p>
         </p:txBody>
       </p:sp>
@@ -11602,7 +11346,6 @@
               <a:rPr lang="en-US" dirty="0"/>
               <a:t>Please do all steps in lab 03:</a:t>
             </a:r>
-            <a:endParaRPr lang="en-US" dirty="0"/>
           </a:p>
           <a:p>
             <a:pPr marL="0" indent="0">
@@ -11612,7 +11355,6 @@
               <a:rPr lang="en-US" dirty="0"/>
               <a:t>https://github.com/elephantscale/git-labs/tree/main/lab03</a:t>
             </a:r>
-            <a:endParaRPr lang="en-US" dirty="0"/>
           </a:p>
           <a:p>
             <a:pPr marL="0" indent="0">
@@ -11645,6 +11387,7 @@
           <a:p>
             <a:fld id="{BA9B540C-44DA-4F69-89C9-7C84606640D3}" type="slidenum">
               <a:rPr lang="en-US" smtClean="0"/>
+              <a:t>19</a:t>
             </a:fld>
             <a:endParaRPr lang="en-US" dirty="0"/>
           </a:p>
@@ -11669,7 +11412,6 @@
               <a:rPr lang="en-US"/>
               <a:t>(C) Elephant Scale 2021</a:t>
             </a:r>
-            <a:endParaRPr lang="en-US"/>
           </a:p>
         </p:txBody>
       </p:sp>
@@ -11717,7 +11459,6 @@
               <a:rPr lang="en-US" dirty="0"/>
               <a:t>Agenda</a:t>
             </a:r>
-            <a:endParaRPr lang="en-US" dirty="0"/>
           </a:p>
         </p:txBody>
       </p:sp>
@@ -11745,7 +11486,6 @@
               <a:rPr lang="en-US" dirty="0"/>
               <a:t>What we will learn</a:t>
             </a:r>
-            <a:endParaRPr lang="en-US" dirty="0"/>
           </a:p>
           <a:p>
             <a:pPr lvl="1">
@@ -11757,7 +11497,6 @@
               <a:rPr lang="en-US" dirty="0"/>
               <a:t>Terminology</a:t>
             </a:r>
-            <a:endParaRPr lang="en-US" dirty="0"/>
           </a:p>
           <a:p>
             <a:pPr lvl="1">
@@ -11769,7 +11508,6 @@
               <a:rPr lang="en-US" dirty="0"/>
               <a:t>Basic operations</a:t>
             </a:r>
-            <a:endParaRPr lang="en-US" dirty="0"/>
           </a:p>
           <a:p>
             <a:pPr lvl="1">
@@ -11781,7 +11519,6 @@
               <a:rPr lang="en-US" dirty="0"/>
               <a:t>Changes, staging, commit</a:t>
             </a:r>
-            <a:endParaRPr lang="en-US" dirty="0"/>
           </a:p>
           <a:p>
             <a:pPr lvl="1">
@@ -11793,7 +11530,6 @@
               <a:rPr lang="en-US" dirty="0"/>
               <a:t>Merge and conflict resolution</a:t>
             </a:r>
-            <a:endParaRPr lang="en-US" dirty="0"/>
           </a:p>
         </p:txBody>
       </p:sp>
@@ -11814,6 +11550,7 @@
           <a:p>
             <a:fld id="{BA9B540C-44DA-4F69-89C9-7C84606640D3}" type="slidenum">
               <a:rPr lang="en-US" smtClean="0"/>
+              <a:t>2</a:t>
             </a:fld>
             <a:endParaRPr lang="en-US" dirty="0"/>
           </a:p>
@@ -11838,7 +11575,6 @@
               <a:rPr lang="en-US"/>
               <a:t>(C) Elephant Scale 2021</a:t>
             </a:r>
-            <a:endParaRPr lang="en-US"/>
           </a:p>
         </p:txBody>
       </p:sp>
@@ -11886,7 +11622,6 @@
               <a:rPr lang="en-US" dirty="0"/>
               <a:t>Cloning vs ‘checkout’</a:t>
             </a:r>
-            <a:endParaRPr lang="en-US" dirty="0"/>
           </a:p>
         </p:txBody>
       </p:sp>
@@ -11920,7 +11655,6 @@
               <a:rPr lang="en-US" dirty="0"/>
               <a:t>. Difference?</a:t>
             </a:r>
-            <a:endParaRPr lang="en-US" dirty="0"/>
           </a:p>
           <a:p>
             <a:pPr marL="0" indent="0">
@@ -11942,7 +11676,7 @@
           <p:nvPr/>
         </p:nvPicPr>
         <p:blipFill>
-          <a:blip r:embed="rId1">
+          <a:blip r:embed="rId2">
             <a:extLst>
               <a:ext uri="{28A0092B-C50C-407E-A947-70E740481C1C}">
                 <a14:useLocalDpi xmlns:a14="http://schemas.microsoft.com/office/drawing/2010/main" val="0"/>
@@ -11972,7 +11706,7 @@
           <p:nvPr/>
         </p:nvPicPr>
         <p:blipFill>
-          <a:blip r:embed="rId2" cstate="email">
+          <a:blip r:embed="rId3" cstate="email">
             <a:extLst>
               <a:ext uri="{28A0092B-C50C-407E-A947-70E740481C1C}">
                 <a14:useLocalDpi xmlns:a14="http://schemas.microsoft.com/office/drawing/2010/main" val="0"/>
@@ -12049,7 +11783,6 @@
               <a:rPr lang="en-US" dirty="0"/>
               <a:t>Subversion</a:t>
             </a:r>
-            <a:endParaRPr lang="en-US" dirty="0"/>
           </a:p>
         </p:txBody>
       </p:sp>
@@ -12070,6 +11803,7 @@
           <a:p>
             <a:fld id="{BA9B540C-44DA-4F69-89C9-7C84606640D3}" type="slidenum">
               <a:rPr lang="en-US" smtClean="0"/>
+              <a:t>20</a:t>
             </a:fld>
             <a:endParaRPr lang="en-US" dirty="0"/>
           </a:p>
@@ -12094,7 +11828,6 @@
               <a:rPr lang="en-US"/>
               <a:t>(C) Elephant Scale 2021</a:t>
             </a:r>
-            <a:endParaRPr lang="en-US"/>
           </a:p>
         </p:txBody>
       </p:sp>
@@ -12142,7 +11875,6 @@
               <a:rPr lang="en-US" dirty="0"/>
               <a:t>Remotes</a:t>
             </a:r>
-            <a:endParaRPr lang="en-US" dirty="0"/>
           </a:p>
         </p:txBody>
       </p:sp>
@@ -12165,14 +11897,12 @@
               <a:rPr lang="en-US" dirty="0"/>
               <a:t>Versions of your project that are hosted on the Internet or network – that’s how you collaborate</a:t>
             </a:r>
-            <a:endParaRPr lang="en-US" dirty="0"/>
           </a:p>
           <a:p>
             <a:r>
               <a:rPr lang="en-US" dirty="0"/>
               <a:t>Remotes can be</a:t>
             </a:r>
-            <a:endParaRPr lang="en-US" dirty="0"/>
           </a:p>
           <a:p>
             <a:pPr lvl="1"/>
@@ -12180,7 +11910,6 @@
               <a:rPr lang="en-US" dirty="0"/>
               <a:t>Multiple</a:t>
             </a:r>
-            <a:endParaRPr lang="en-US" dirty="0"/>
           </a:p>
           <a:p>
             <a:pPr lvl="1"/>
@@ -12188,7 +11917,6 @@
               <a:rPr lang="en-US" dirty="0"/>
               <a:t>Read only or read-write</a:t>
             </a:r>
-            <a:endParaRPr lang="en-US" dirty="0"/>
           </a:p>
           <a:p>
             <a:pPr lvl="1"/>
@@ -12200,7 +11928,6 @@
               <a:rPr lang="en-US" dirty="0"/>
               <a:t>Try</a:t>
             </a:r>
-            <a:endParaRPr lang="en-US" dirty="0"/>
           </a:p>
           <a:p>
             <a:pPr lvl="2"/>
@@ -12235,7 +11962,6 @@
               <a:rPr lang="en-US" dirty="0"/>
               <a:t>This is where you clone your project from</a:t>
             </a:r>
-            <a:endParaRPr lang="en-US" dirty="0"/>
           </a:p>
         </p:txBody>
       </p:sp>
@@ -12256,6 +11982,7 @@
           <a:p>
             <a:fld id="{BA9B540C-44DA-4F69-89C9-7C84606640D3}" type="slidenum">
               <a:rPr lang="en-US" smtClean="0"/>
+              <a:t>21</a:t>
             </a:fld>
             <a:endParaRPr lang="en-US" dirty="0"/>
           </a:p>
@@ -12280,7 +12007,6 @@
               <a:rPr lang="en-US"/>
               <a:t>(C) Elephant Scale 2021</a:t>
             </a:r>
-            <a:endParaRPr lang="en-US"/>
           </a:p>
         </p:txBody>
       </p:sp>
@@ -12328,7 +12054,6 @@
               <a:rPr lang="en-US" dirty="0"/>
               <a:t>Pulling + Pushing</a:t>
             </a:r>
-            <a:endParaRPr lang="en-US" dirty="0"/>
           </a:p>
         </p:txBody>
       </p:sp>
@@ -12358,7 +12083,6 @@
               <a:rPr lang="en-US" dirty="0"/>
               <a:t>Pulling – from a branch on a remote</a:t>
             </a:r>
-            <a:endParaRPr lang="en-US" dirty="0"/>
           </a:p>
           <a:p>
             <a:pPr>
@@ -12370,7 +12094,6 @@
               <a:rPr lang="en-US" dirty="0"/>
               <a:t>Fetching – all that you don’t have yet</a:t>
             </a:r>
-            <a:endParaRPr lang="en-US" dirty="0"/>
           </a:p>
           <a:p>
             <a:pPr>
@@ -12382,7 +12105,6 @@
               <a:rPr lang="en-US" dirty="0"/>
               <a:t>Pushing – back to the branch on a remote</a:t>
             </a:r>
-            <a:endParaRPr lang="en-US" dirty="0"/>
           </a:p>
         </p:txBody>
       </p:sp>
@@ -12395,7 +12117,7 @@
           <p:nvPr/>
         </p:nvPicPr>
         <p:blipFill>
-          <a:blip r:embed="rId1" cstate="email">
+          <a:blip r:embed="rId2" cstate="email">
             <a:extLst>
               <a:ext uri="{28A0092B-C50C-407E-A947-70E740481C1C}">
                 <a14:useLocalDpi xmlns:a14="http://schemas.microsoft.com/office/drawing/2010/main" val="0"/>
@@ -12442,7 +12164,6 @@
               <a:rPr lang="en-US" dirty="0"/>
               <a:t>Source: Cutedocpix.com</a:t>
             </a:r>
-            <a:endParaRPr lang="en-US" dirty="0"/>
           </a:p>
         </p:txBody>
       </p:sp>
@@ -12463,6 +12184,7 @@
           <a:p>
             <a:fld id="{BA9B540C-44DA-4F69-89C9-7C84606640D3}" type="slidenum">
               <a:rPr lang="en-US" smtClean="0"/>
+              <a:t>22</a:t>
             </a:fld>
             <a:endParaRPr lang="en-US" dirty="0"/>
           </a:p>
@@ -12487,7 +12209,6 @@
               <a:rPr lang="en-US"/>
               <a:t>(C) Elephant Scale 2021</a:t>
             </a:r>
-            <a:endParaRPr lang="en-US"/>
           </a:p>
         </p:txBody>
       </p:sp>
@@ -12535,7 +12256,6 @@
               <a:rPr lang="en-US" dirty="0"/>
               <a:t>Lab 04</a:t>
             </a:r>
-            <a:endParaRPr lang="en-US" dirty="0"/>
           </a:p>
         </p:txBody>
       </p:sp>
@@ -12561,7 +12281,6 @@
               <a:rPr lang="en-US" dirty="0"/>
               <a:t>Please do all steps in lab 04</a:t>
             </a:r>
-            <a:endParaRPr lang="en-US" dirty="0"/>
           </a:p>
           <a:p>
             <a:pPr marL="0" indent="0">
@@ -12571,7 +12290,6 @@
               <a:rPr lang="en-US" dirty="0"/>
               <a:t>https://github.com/elephantscale/git-labs/tree/main/lab04</a:t>
             </a:r>
-            <a:endParaRPr lang="en-US" dirty="0"/>
           </a:p>
           <a:p>
             <a:pPr marL="0" indent="0">
@@ -12581,7 +12299,6 @@
               <a:rPr lang="en-US" dirty="0"/>
               <a:t>Note, however, that the simples way to work is to always use</a:t>
             </a:r>
-            <a:endParaRPr lang="en-US" dirty="0"/>
           </a:p>
           <a:p>
             <a:pPr marL="0" indent="0">
@@ -12601,10 +12318,6 @@
               </a:rPr>
               <a:t> commit –a</a:t>
             </a:r>
-            <a:endParaRPr lang="en-US" dirty="0">
-              <a:latin typeface="Courier New" panose="02070309020205020404" pitchFamily="49" charset="0"/>
-              <a:cs typeface="Courier New" panose="02070309020205020404" pitchFamily="49" charset="0"/>
-            </a:endParaRPr>
           </a:p>
           <a:p>
             <a:pPr marL="0" indent="0">
@@ -12614,7 +12327,6 @@
               <a:rPr lang="en-US" dirty="0"/>
               <a:t>command</a:t>
             </a:r>
-            <a:endParaRPr lang="en-US" dirty="0"/>
           </a:p>
           <a:p>
             <a:pPr marL="0" indent="0">
@@ -12650,6 +12362,7 @@
           <a:p>
             <a:fld id="{BA9B540C-44DA-4F69-89C9-7C84606640D3}" type="slidenum">
               <a:rPr lang="en-US" smtClean="0"/>
+              <a:t>23</a:t>
             </a:fld>
             <a:endParaRPr lang="en-US" dirty="0"/>
           </a:p>
@@ -12674,7 +12387,6 @@
               <a:rPr lang="en-US"/>
               <a:t>(C) Elephant Scale 2021</a:t>
             </a:r>
-            <a:endParaRPr lang="en-US"/>
           </a:p>
         </p:txBody>
       </p:sp>
@@ -12722,7 +12434,6 @@
               <a:rPr lang="en-US" dirty="0"/>
               <a:t>Local history vs. Public history</a:t>
             </a:r>
-            <a:endParaRPr lang="en-US" dirty="0"/>
           </a:p>
         </p:txBody>
       </p:sp>
@@ -12745,14 +12456,12 @@
               <a:rPr lang="en-US" dirty="0"/>
               <a:t>Local history is on your laptop</a:t>
             </a:r>
-            <a:endParaRPr lang="en-US" dirty="0"/>
           </a:p>
           <a:p>
             <a:r>
               <a:rPr lang="en-US" dirty="0"/>
               <a:t>You can</a:t>
             </a:r>
-            <a:endParaRPr lang="en-US" dirty="0"/>
           </a:p>
           <a:p>
             <a:pPr lvl="1"/>
@@ -12760,7 +12469,6 @@
               <a:rPr lang="en-US" dirty="0"/>
               <a:t>Change commits</a:t>
             </a:r>
-            <a:endParaRPr lang="en-US" dirty="0"/>
           </a:p>
           <a:p>
             <a:pPr lvl="1"/>
@@ -12768,7 +12476,6 @@
               <a:rPr lang="en-US" dirty="0"/>
               <a:t>Change commit messages</a:t>
             </a:r>
-            <a:endParaRPr lang="en-US" dirty="0"/>
           </a:p>
           <a:p>
             <a:pPr lvl="1"/>
@@ -12776,7 +12483,6 @@
               <a:rPr lang="en-US" dirty="0"/>
               <a:t>Reorder</a:t>
             </a:r>
-            <a:endParaRPr lang="en-US" dirty="0"/>
           </a:p>
           <a:p>
             <a:pPr lvl="1"/>
@@ -12784,7 +12490,6 @@
               <a:rPr lang="en-US" dirty="0"/>
               <a:t>Squash</a:t>
             </a:r>
-            <a:endParaRPr lang="en-US" dirty="0"/>
           </a:p>
           <a:p>
             <a:pPr marL="228600" lvl="1" indent="0">
@@ -12797,7 +12502,6 @@
               <a:rPr lang="en-US" dirty="0"/>
               <a:t>However</a:t>
             </a:r>
-            <a:endParaRPr lang="en-US" dirty="0"/>
           </a:p>
           <a:p>
             <a:pPr lvl="1"/>
@@ -12805,7 +12509,6 @@
               <a:rPr lang="en-US" dirty="0"/>
               <a:t>Be careful pushing this to the public history</a:t>
             </a:r>
-            <a:endParaRPr lang="en-US" dirty="0"/>
           </a:p>
           <a:p>
             <a:pPr lvl="1"/>
@@ -12813,7 +12516,6 @@
               <a:rPr lang="en-US" dirty="0"/>
               <a:t>Because other developers may end up having to merge</a:t>
             </a:r>
-            <a:endParaRPr lang="en-US" dirty="0"/>
           </a:p>
           <a:p>
             <a:pPr marL="228600" lvl="1" indent="0">
@@ -12840,6 +12542,7 @@
           <a:p>
             <a:fld id="{BA9B540C-44DA-4F69-89C9-7C84606640D3}" type="slidenum">
               <a:rPr lang="en-US" smtClean="0"/>
+              <a:t>24</a:t>
             </a:fld>
             <a:endParaRPr lang="en-US" dirty="0"/>
           </a:p>
@@ -12864,7 +12567,6 @@
               <a:rPr lang="en-US"/>
               <a:t>(C) Elephant Scale 2021</a:t>
             </a:r>
-            <a:endParaRPr lang="en-US"/>
           </a:p>
         </p:txBody>
       </p:sp>
@@ -12920,7 +12622,6 @@
               <a:rPr lang="en-US" dirty="0"/>
               <a:t> Operations</a:t>
             </a:r>
-            <a:endParaRPr lang="en-US" dirty="0"/>
           </a:p>
         </p:txBody>
       </p:sp>
@@ -12935,7 +12636,7 @@
           </p:nvPr>
         </p:nvPicPr>
         <p:blipFill>
-          <a:blip r:embed="rId1" cstate="email">
+          <a:blip r:embed="rId2" cstate="email">
             <a:extLst>
               <a:ext uri="{28A0092B-C50C-407E-A947-70E740481C1C}">
                 <a14:useLocalDpi xmlns:a14="http://schemas.microsoft.com/office/drawing/2010/main" val="0"/>
@@ -12987,7 +12688,6 @@
               <a:rPr lang="en-US" dirty="0"/>
               <a:t> book</a:t>
             </a:r>
-            <a:endParaRPr lang="en-US" dirty="0"/>
           </a:p>
         </p:txBody>
       </p:sp>
@@ -13008,6 +12708,7 @@
           <a:p>
             <a:fld id="{BA9B540C-44DA-4F69-89C9-7C84606640D3}" type="slidenum">
               <a:rPr lang="en-US" smtClean="0"/>
+              <a:t>25</a:t>
             </a:fld>
             <a:endParaRPr lang="en-US" dirty="0"/>
           </a:p>
@@ -13032,7 +12733,6 @@
               <a:rPr lang="en-US"/>
               <a:t>(C) Elephant Scale 2021</a:t>
             </a:r>
-            <a:endParaRPr lang="en-US"/>
           </a:p>
         </p:txBody>
       </p:sp>
@@ -13080,7 +12780,6 @@
               <a:rPr lang="en-US" dirty="0"/>
               <a:t>Viewing a commit in UI</a:t>
             </a:r>
-            <a:endParaRPr lang="en-US" dirty="0"/>
           </a:p>
         </p:txBody>
       </p:sp>
@@ -13108,7 +12807,6 @@
               <a:rPr lang="en-US" dirty="0"/>
               <a:t>Execute the commands below</a:t>
             </a:r>
-            <a:endParaRPr lang="en-US" dirty="0"/>
           </a:p>
           <a:p>
             <a:pPr marL="0" indent="0">
@@ -13126,7 +12824,6 @@
               <a:rPr lang="en-US" dirty="0"/>
               <a:t> Bash</a:t>
             </a:r>
-            <a:endParaRPr lang="en-US" dirty="0"/>
           </a:p>
           <a:p>
             <a:pPr marL="0" indent="0">
@@ -13150,7 +12847,6 @@
               <a:rPr lang="en-US" dirty="0"/>
               <a:t>Or</a:t>
             </a:r>
-            <a:endParaRPr lang="en-US" dirty="0"/>
           </a:p>
           <a:p>
             <a:pPr marL="0" indent="0">
@@ -13168,7 +12864,6 @@
               <a:rPr lang="en-US" dirty="0"/>
               <a:t> Shell</a:t>
             </a:r>
-            <a:endParaRPr lang="en-US" dirty="0"/>
           </a:p>
           <a:p>
             <a:pPr marL="0" indent="0">
@@ -13192,7 +12887,6 @@
               <a:rPr lang="en-US" dirty="0"/>
               <a:t>To view a specific commit</a:t>
             </a:r>
-            <a:endParaRPr lang="en-US" dirty="0"/>
           </a:p>
           <a:p>
             <a:pPr marL="0" indent="0">
@@ -13210,7 +12904,6 @@
               <a:rPr lang="en-US" dirty="0"/>
               <a:t> show 5809 (first few letters of the SHA-1)</a:t>
             </a:r>
-            <a:endParaRPr lang="en-US" dirty="0"/>
           </a:p>
         </p:txBody>
       </p:sp>
@@ -13231,6 +12924,7 @@
           <a:p>
             <a:fld id="{BA9B540C-44DA-4F69-89C9-7C84606640D3}" type="slidenum">
               <a:rPr lang="en-US" smtClean="0"/>
+              <a:t>26</a:t>
             </a:fld>
             <a:endParaRPr lang="en-US" dirty="0"/>
           </a:p>
@@ -13255,7 +12949,6 @@
               <a:rPr lang="en-US"/>
               <a:t>(C) Elephant Scale 2021</a:t>
             </a:r>
-            <a:endParaRPr lang="en-US"/>
           </a:p>
         </p:txBody>
       </p:sp>
@@ -13303,7 +12996,6 @@
               <a:rPr lang="en-US" dirty="0"/>
               <a:t>Switching branches</a:t>
             </a:r>
-            <a:endParaRPr lang="en-US" dirty="0"/>
           </a:p>
         </p:txBody>
       </p:sp>
@@ -13337,7 +13029,6 @@
               <a:rPr lang="en-US" dirty="0"/>
               <a:t> checkout &lt;branch-name&gt;</a:t>
             </a:r>
-            <a:endParaRPr lang="en-US" dirty="0"/>
           </a:p>
           <a:p>
             <a:pPr marL="228600" lvl="1" indent="0">
@@ -13355,7 +13046,6 @@
               <a:rPr lang="en-US" dirty="0"/>
               <a:t>Try switching between your branches</a:t>
             </a:r>
-            <a:endParaRPr lang="en-US" dirty="0"/>
           </a:p>
           <a:p>
             <a:pPr lvl="1">
@@ -13367,7 +13057,6 @@
               <a:rPr lang="en-US" dirty="0"/>
               <a:t>Try switching branches to your friend’s</a:t>
             </a:r>
-            <a:endParaRPr lang="en-US" dirty="0"/>
           </a:p>
           <a:p>
             <a:pPr lvl="1">
@@ -13379,7 +13068,6 @@
               <a:rPr lang="en-US" dirty="0"/>
               <a:t>Describe what happens when you switch a branch</a:t>
             </a:r>
-            <a:endParaRPr lang="en-US" dirty="0"/>
           </a:p>
         </p:txBody>
       </p:sp>
@@ -13400,6 +13088,7 @@
           <a:p>
             <a:fld id="{BA9B540C-44DA-4F69-89C9-7C84606640D3}" type="slidenum">
               <a:rPr lang="en-US" smtClean="0"/>
+              <a:t>27</a:t>
             </a:fld>
             <a:endParaRPr lang="en-US" dirty="0"/>
           </a:p>
@@ -13424,7 +13113,6 @@
               <a:rPr lang="en-US"/>
               <a:t>(C) Elephant Scale 2021</a:t>
             </a:r>
-            <a:endParaRPr lang="en-US"/>
           </a:p>
         </p:txBody>
       </p:sp>
@@ -13472,7 +13160,6 @@
               <a:rPr lang="en-US" dirty="0"/>
               <a:t>Switching branches – practical scenario</a:t>
             </a:r>
-            <a:endParaRPr lang="en-US" dirty="0"/>
           </a:p>
         </p:txBody>
       </p:sp>
@@ -13495,7 +13182,6 @@
               <a:rPr lang="en-US" dirty="0"/>
               <a:t>A day in the life of a web developer</a:t>
             </a:r>
-            <a:endParaRPr lang="en-US" dirty="0"/>
           </a:p>
           <a:p>
             <a:endParaRPr lang="en-US" dirty="0"/>
@@ -13511,7 +13197,7 @@
           <p:nvPr/>
         </p:nvPicPr>
         <p:blipFill>
-          <a:blip r:embed="rId1" cstate="email">
+          <a:blip r:embed="rId2" cstate="email">
             <a:extLst>
               <a:ext uri="{28A0092B-C50C-407E-A947-70E740481C1C}">
                 <a14:useLocalDpi xmlns:a14="http://schemas.microsoft.com/office/drawing/2010/main" val="0"/>
@@ -13549,6 +13235,7 @@
           <a:p>
             <a:fld id="{BA9B540C-44DA-4F69-89C9-7C84606640D3}" type="slidenum">
               <a:rPr lang="en-US" smtClean="0"/>
+              <a:t>28</a:t>
             </a:fld>
             <a:endParaRPr lang="en-US" dirty="0"/>
           </a:p>
@@ -13573,7 +13260,6 @@
               <a:rPr lang="en-US"/>
               <a:t>(C) Elephant Scale 2021</a:t>
             </a:r>
-            <a:endParaRPr lang="en-US"/>
           </a:p>
         </p:txBody>
       </p:sp>
@@ -13621,7 +13307,6 @@
               <a:rPr lang="en-US" dirty="0"/>
               <a:t>Morning</a:t>
             </a:r>
-            <a:endParaRPr lang="en-US" dirty="0"/>
           </a:p>
         </p:txBody>
       </p:sp>
@@ -13648,7 +13333,6 @@
               <a:rPr lang="en-US" dirty="0"/>
               <a:t>Do work on a web site.</a:t>
             </a:r>
-            <a:endParaRPr lang="en-US" dirty="0"/>
           </a:p>
           <a:p>
             <a:pPr marL="457200" indent="-457200">
@@ -13659,7 +13343,6 @@
               <a:rPr lang="en-US" dirty="0"/>
               <a:t>Create a branch for a new story you’re working on.</a:t>
             </a:r>
-            <a:endParaRPr lang="en-US" dirty="0"/>
           </a:p>
           <a:p>
             <a:pPr marL="457200" indent="-457200">
@@ -13670,7 +13353,6 @@
               <a:rPr lang="en-US" dirty="0"/>
               <a:t>Do some work in that branch.</a:t>
             </a:r>
-            <a:endParaRPr lang="en-US" dirty="0"/>
           </a:p>
           <a:p>
             <a:pPr marL="0" indent="0">
@@ -13680,7 +13362,6 @@
               <a:rPr lang="en-US" dirty="0"/>
               <a:t>Let us try that. </a:t>
             </a:r>
-            <a:endParaRPr lang="en-US" dirty="0"/>
           </a:p>
           <a:p>
             <a:pPr marL="457200" indent="-457200">
@@ -13691,7 +13372,6 @@
               <a:rPr lang="en-US" dirty="0"/>
               <a:t>Work on the text file of your choice</a:t>
             </a:r>
-            <a:endParaRPr lang="en-US" dirty="0"/>
           </a:p>
           <a:p>
             <a:pPr marL="457200" indent="-457200">
@@ -13717,7 +13397,6 @@
               <a:rPr lang="en-US" dirty="0"/>
               <a:t>Do some work in that branch.</a:t>
             </a:r>
-            <a:endParaRPr lang="en-US" dirty="0"/>
           </a:p>
           <a:p>
             <a:pPr marL="0" indent="0">
@@ -13744,6 +13423,7 @@
           <a:p>
             <a:fld id="{BA9B540C-44DA-4F69-89C9-7C84606640D3}" type="slidenum">
               <a:rPr lang="en-US" smtClean="0"/>
+              <a:t>29</a:t>
             </a:fld>
             <a:endParaRPr lang="en-US" dirty="0"/>
           </a:p>
@@ -13768,7 +13448,6 @@
               <a:rPr lang="en-US"/>
               <a:t>(C) Elephant Scale 2021</a:t>
             </a:r>
-            <a:endParaRPr lang="en-US"/>
           </a:p>
         </p:txBody>
       </p:sp>
@@ -13816,7 +13495,6 @@
               <a:rPr lang="en-US" dirty="0"/>
               <a:t>Section - Terminology</a:t>
             </a:r>
-            <a:endParaRPr lang="en-US" dirty="0"/>
           </a:p>
         </p:txBody>
       </p:sp>
@@ -13831,7 +13509,7 @@
           </p:nvPr>
         </p:nvPicPr>
         <p:blipFill>
-          <a:blip r:embed="rId1" cstate="email">
+          <a:blip r:embed="rId2" cstate="email">
             <a:extLst>
               <a:ext uri="{28A0092B-C50C-407E-A947-70E740481C1C}">
                 <a14:useLocalDpi xmlns:a14="http://schemas.microsoft.com/office/drawing/2010/main" val="0"/>
@@ -13866,6 +13544,7 @@
           <a:p>
             <a:fld id="{BA9B540C-44DA-4F69-89C9-7C84606640D3}" type="slidenum">
               <a:rPr lang="en-US" smtClean="0"/>
+              <a:t>3</a:t>
             </a:fld>
             <a:endParaRPr lang="en-US" dirty="0"/>
           </a:p>
@@ -13890,7 +13569,6 @@
               <a:rPr lang="en-US"/>
               <a:t>(C) Elephant Scale 2021</a:t>
             </a:r>
-            <a:endParaRPr lang="en-US"/>
           </a:p>
         </p:txBody>
       </p:sp>
@@ -13938,7 +13616,6 @@
               <a:rPr lang="en-US" dirty="0"/>
               <a:t>Afternoon</a:t>
             </a:r>
-            <a:endParaRPr lang="en-US" dirty="0"/>
           </a:p>
         </p:txBody>
       </p:sp>
@@ -13961,7 +13638,6 @@
               <a:rPr lang="en-US" dirty="0"/>
               <a:t>Emergency fix is required in your branch your-name!</a:t>
             </a:r>
-            <a:endParaRPr lang="en-US" dirty="0"/>
           </a:p>
           <a:p>
             <a:pPr marL="457200" indent="-457200">
@@ -13972,7 +13648,6 @@
               <a:rPr lang="en-US" dirty="0"/>
               <a:t>Switch back to your production branch.</a:t>
             </a:r>
-            <a:endParaRPr lang="en-US" dirty="0"/>
           </a:p>
           <a:p>
             <a:pPr marL="457200" indent="-457200">
@@ -13983,7 +13658,6 @@
               <a:rPr lang="en-US" dirty="0"/>
               <a:t>Create a branch to add the fix.</a:t>
             </a:r>
-            <a:endParaRPr lang="en-US" dirty="0"/>
           </a:p>
           <a:p>
             <a:pPr marL="457200" indent="-457200">
@@ -13994,7 +13668,6 @@
               <a:rPr lang="en-US" dirty="0"/>
               <a:t>Test, merge the hotfix branch into your-name, and push to production.</a:t>
             </a:r>
-            <a:endParaRPr lang="en-US" dirty="0"/>
           </a:p>
           <a:p>
             <a:pPr marL="457200" indent="-457200">
@@ -14005,7 +13678,6 @@
               <a:rPr lang="en-US" dirty="0"/>
               <a:t>Switch back to your original story and continue working.</a:t>
             </a:r>
-            <a:endParaRPr lang="en-US" dirty="0"/>
           </a:p>
           <a:p>
             <a:pPr marL="457200" indent="-457200">
@@ -14022,7 +13694,6 @@
               <a:rPr lang="en-US" dirty="0"/>
               <a:t>Let us do that (following lab)</a:t>
             </a:r>
-            <a:endParaRPr lang="en-US" dirty="0"/>
           </a:p>
         </p:txBody>
       </p:sp>
@@ -14043,6 +13714,7 @@
           <a:p>
             <a:fld id="{BA9B540C-44DA-4F69-89C9-7C84606640D3}" type="slidenum">
               <a:rPr lang="en-US" smtClean="0"/>
+              <a:t>30</a:t>
             </a:fld>
             <a:endParaRPr lang="en-US" dirty="0"/>
           </a:p>
@@ -14067,7 +13739,6 @@
               <a:rPr lang="en-US"/>
               <a:t>(C) Elephant Scale 2021</a:t>
             </a:r>
-            <a:endParaRPr lang="en-US"/>
           </a:p>
         </p:txBody>
       </p:sp>
@@ -14115,7 +13786,6 @@
               <a:rPr lang="en-US" dirty="0"/>
               <a:t>Lab 05</a:t>
             </a:r>
-            <a:endParaRPr lang="en-US" dirty="0"/>
           </a:p>
         </p:txBody>
       </p:sp>
@@ -14141,7 +13811,6 @@
               <a:rPr lang="en-US" dirty="0"/>
               <a:t>Please do all steps in lab 05</a:t>
             </a:r>
-            <a:endParaRPr lang="en-US" dirty="0"/>
           </a:p>
           <a:p>
             <a:pPr marL="0" indent="0">
@@ -14151,7 +13820,6 @@
               <a:rPr lang="en-US" dirty="0"/>
               <a:t>https://github.com/elephantscale/git-labs/tree/main/lab05</a:t>
             </a:r>
-            <a:endParaRPr lang="en-US" dirty="0"/>
           </a:p>
           <a:p>
             <a:pPr marL="0" indent="0">
@@ -14193,6 +13861,7 @@
           <a:p>
             <a:fld id="{BA9B540C-44DA-4F69-89C9-7C84606640D3}" type="slidenum">
               <a:rPr lang="en-US" smtClean="0"/>
+              <a:t>31</a:t>
             </a:fld>
             <a:endParaRPr lang="en-US" dirty="0"/>
           </a:p>
@@ -14217,7 +13886,6 @@
               <a:rPr lang="en-US"/>
               <a:t>(C) Elephant Scale 2021</a:t>
             </a:r>
-            <a:endParaRPr lang="en-US"/>
           </a:p>
         </p:txBody>
       </p:sp>
@@ -14265,7 +13933,6 @@
               <a:rPr lang="en-US" dirty="0"/>
               <a:t>Section: making changes, staging, and committing</a:t>
             </a:r>
-            <a:endParaRPr lang="en-US" dirty="0"/>
           </a:p>
         </p:txBody>
       </p:sp>
@@ -14280,7 +13947,7 @@
           </p:nvPr>
         </p:nvPicPr>
         <p:blipFill>
-          <a:blip r:embed="rId1">
+          <a:blip r:embed="rId2">
             <a:extLst>
               <a:ext uri="{28A0092B-C50C-407E-A947-70E740481C1C}">
                 <a14:useLocalDpi xmlns:a14="http://schemas.microsoft.com/office/drawing/2010/main" val="0"/>
@@ -14324,7 +13991,6 @@
               <a:rPr lang="en-US" dirty="0"/>
               <a:t>Source: http://www.northeaststage.com</a:t>
             </a:r>
-            <a:endParaRPr lang="en-US" dirty="0"/>
           </a:p>
         </p:txBody>
       </p:sp>
@@ -14345,6 +14011,7 @@
           <a:p>
             <a:fld id="{BA9B540C-44DA-4F69-89C9-7C84606640D3}" type="slidenum">
               <a:rPr lang="en-US" smtClean="0"/>
+              <a:t>32</a:t>
             </a:fld>
             <a:endParaRPr lang="en-US" dirty="0"/>
           </a:p>
@@ -14369,7 +14036,6 @@
               <a:rPr lang="en-US"/>
               <a:t>(C) Elephant Scale 2021</a:t>
             </a:r>
-            <a:endParaRPr lang="en-US"/>
           </a:p>
         </p:txBody>
       </p:sp>
@@ -14417,7 +14083,6 @@
               <a:rPr lang="en-US" dirty="0"/>
               <a:t>Making changes, staging and committing – in-depth look</a:t>
             </a:r>
-            <a:endParaRPr lang="en-US" dirty="0"/>
           </a:p>
         </p:txBody>
       </p:sp>
@@ -14445,7 +14110,6 @@
               <a:rPr lang="en-US" dirty="0"/>
               <a:t>Staging a commit</a:t>
             </a:r>
-            <a:endParaRPr lang="en-US" dirty="0"/>
           </a:p>
           <a:p>
             <a:pPr>
@@ -14457,7 +14121,6 @@
               <a:rPr lang="en-US" dirty="0"/>
               <a:t>Making a commit</a:t>
             </a:r>
-            <a:endParaRPr lang="en-US" dirty="0"/>
           </a:p>
           <a:p>
             <a:pPr>
@@ -14469,7 +14132,6 @@
               <a:rPr lang="en-US" dirty="0"/>
               <a:t>Pushing your change</a:t>
             </a:r>
-            <a:endParaRPr lang="en-US" dirty="0"/>
           </a:p>
           <a:p>
             <a:pPr>
@@ -14481,7 +14143,6 @@
               <a:rPr lang="en-US" dirty="0"/>
               <a:t>Undoing latest local commit</a:t>
             </a:r>
-            <a:endParaRPr lang="en-US" dirty="0"/>
           </a:p>
           <a:p>
             <a:pPr>
@@ -14493,7 +14154,6 @@
               <a:rPr lang="en-US" dirty="0"/>
               <a:t>Reverting a commit</a:t>
             </a:r>
-            <a:endParaRPr lang="en-US" dirty="0"/>
           </a:p>
         </p:txBody>
       </p:sp>
@@ -14514,6 +14174,7 @@
           <a:p>
             <a:fld id="{BA9B540C-44DA-4F69-89C9-7C84606640D3}" type="slidenum">
               <a:rPr lang="en-US" smtClean="0"/>
+              <a:t>33</a:t>
             </a:fld>
             <a:endParaRPr lang="en-US" dirty="0"/>
           </a:p>
@@ -14538,7 +14199,6 @@
               <a:rPr lang="en-US"/>
               <a:t>(C) Elephant Scale 2021</a:t>
             </a:r>
-            <a:endParaRPr lang="en-US"/>
           </a:p>
         </p:txBody>
       </p:sp>
@@ -14836,7 +14496,6 @@
               <a:rPr lang="en-US" dirty="0"/>
               <a:t>Staging a commit	</a:t>
             </a:r>
-            <a:endParaRPr lang="en-US" dirty="0"/>
           </a:p>
         </p:txBody>
       </p:sp>
@@ -14859,14 +14518,12 @@
               <a:rPr lang="en-US" dirty="0"/>
               <a:t>Review: what happens in staging?</a:t>
             </a:r>
-            <a:endParaRPr lang="en-US" dirty="0"/>
           </a:p>
           <a:p>
             <a:r>
               <a:rPr lang="en-US" dirty="0"/>
               <a:t>Answer: your changes go to the staging area</a:t>
             </a:r>
-            <a:endParaRPr lang="en-US" dirty="0"/>
           </a:p>
           <a:p>
             <a:pPr marL="0" indent="0">
@@ -14876,7 +14533,6 @@
               <a:rPr lang="en-US" dirty="0"/>
               <a:t>Do commands</a:t>
             </a:r>
-            <a:endParaRPr lang="en-US" dirty="0"/>
           </a:p>
           <a:p>
             <a:pPr marL="0" indent="0">
@@ -14894,7 +14550,6 @@
               <a:rPr lang="en-US" dirty="0"/>
               <a:t> status</a:t>
             </a:r>
-            <a:endParaRPr lang="en-US" dirty="0"/>
           </a:p>
           <a:p>
             <a:pPr marL="0" indent="0">
@@ -14912,7 +14567,6 @@
               <a:rPr lang="en-US" dirty="0"/>
               <a:t> add &lt;file&gt;</a:t>
             </a:r>
-            <a:endParaRPr lang="en-US" dirty="0"/>
           </a:p>
           <a:p>
             <a:pPr marL="0" indent="0">
@@ -14930,7 +14584,6 @@
               <a:rPr lang="en-US" dirty="0"/>
               <a:t> commit –a</a:t>
             </a:r>
-            <a:endParaRPr lang="en-US" dirty="0"/>
           </a:p>
           <a:p>
             <a:pPr marL="0" indent="0">
@@ -14940,7 +14593,6 @@
               <a:rPr lang="en-US" dirty="0"/>
               <a:t>Interactive</a:t>
             </a:r>
-            <a:endParaRPr lang="en-US" dirty="0"/>
           </a:p>
           <a:p>
             <a:pPr marL="0" indent="0">
@@ -14986,6 +14638,7 @@
           <a:p>
             <a:fld id="{BA9B540C-44DA-4F69-89C9-7C84606640D3}" type="slidenum">
               <a:rPr lang="en-US" smtClean="0"/>
+              <a:t>34</a:t>
             </a:fld>
             <a:endParaRPr lang="en-US" dirty="0"/>
           </a:p>
@@ -15010,7 +14663,6 @@
               <a:rPr lang="en-US"/>
               <a:t>(C) Elephant Scale 2021</a:t>
             </a:r>
-            <a:endParaRPr lang="en-US"/>
           </a:p>
         </p:txBody>
       </p:sp>
@@ -15058,7 +14710,6 @@
               <a:rPr lang="en-US" dirty="0"/>
               <a:t>Making a commit</a:t>
             </a:r>
-            <a:endParaRPr lang="en-US" dirty="0"/>
           </a:p>
         </p:txBody>
       </p:sp>
@@ -15089,14 +14740,12 @@
               <a:rPr lang="en-US" dirty="0"/>
               <a:t> directory (repository)</a:t>
             </a:r>
-            <a:endParaRPr lang="en-US" dirty="0"/>
           </a:p>
           <a:p>
             <a:r>
               <a:rPr lang="en-US" dirty="0"/>
               <a:t>Making a commit is moving the branch point (master in this case) to the next snapshot</a:t>
             </a:r>
-            <a:endParaRPr lang="en-US" dirty="0"/>
           </a:p>
           <a:p>
             <a:endParaRPr lang="en-US" dirty="0"/>
@@ -15112,7 +14761,7 @@
           <p:nvPr/>
         </p:nvPicPr>
         <p:blipFill>
-          <a:blip r:embed="rId1">
+          <a:blip r:embed="rId2">
             <a:extLst>
               <a:ext uri="{28A0092B-C50C-407E-A947-70E740481C1C}">
                 <a14:useLocalDpi xmlns:a14="http://schemas.microsoft.com/office/drawing/2010/main" val="0"/>
@@ -15167,7 +14816,6 @@
               <a:rPr lang="en-US" dirty="0"/>
               <a:t> book</a:t>
             </a:r>
-            <a:endParaRPr lang="en-US" dirty="0"/>
           </a:p>
         </p:txBody>
       </p:sp>
@@ -15188,6 +14836,7 @@
           <a:p>
             <a:fld id="{BA9B540C-44DA-4F69-89C9-7C84606640D3}" type="slidenum">
               <a:rPr lang="en-US" smtClean="0"/>
+              <a:t>35</a:t>
             </a:fld>
             <a:endParaRPr lang="en-US" dirty="0"/>
           </a:p>
@@ -15212,7 +14861,6 @@
               <a:rPr lang="en-US"/>
               <a:t>(C) Elephant Scale 2021</a:t>
             </a:r>
-            <a:endParaRPr lang="en-US"/>
           </a:p>
         </p:txBody>
       </p:sp>
@@ -15260,7 +14908,6 @@
               <a:rPr lang="en-US" dirty="0"/>
               <a:t>Commits</a:t>
             </a:r>
-            <a:endParaRPr lang="en-US" dirty="0"/>
           </a:p>
         </p:txBody>
       </p:sp>
@@ -15283,7 +14930,6 @@
               <a:rPr lang="en-US" dirty="0"/>
               <a:t>What are the differences and similarities between a commitment and a commit?</a:t>
             </a:r>
-            <a:endParaRPr lang="en-US" dirty="0"/>
           </a:p>
         </p:txBody>
       </p:sp>
@@ -15296,7 +14942,7 @@
           <p:nvPr/>
         </p:nvPicPr>
         <p:blipFill>
-          <a:blip r:embed="rId1">
+          <a:blip r:embed="rId2">
             <a:extLst>
               <a:ext uri="{28A0092B-C50C-407E-A947-70E740481C1C}">
                 <a14:useLocalDpi xmlns:a14="http://schemas.microsoft.com/office/drawing/2010/main" val="0"/>
@@ -15334,6 +14980,7 @@
           <a:p>
             <a:fld id="{BA9B540C-44DA-4F69-89C9-7C84606640D3}" type="slidenum">
               <a:rPr lang="en-US" smtClean="0"/>
+              <a:t>36</a:t>
             </a:fld>
             <a:endParaRPr lang="en-US" dirty="0"/>
           </a:p>
@@ -15358,7 +15005,6 @@
               <a:rPr lang="en-US"/>
               <a:t>(C) Elephant Scale 2021</a:t>
             </a:r>
-            <a:endParaRPr lang="en-US"/>
           </a:p>
         </p:txBody>
       </p:sp>
@@ -15406,7 +15052,6 @@
               <a:rPr lang="en-US" dirty="0"/>
               <a:t>Commit features</a:t>
             </a:r>
-            <a:endParaRPr lang="en-US" dirty="0"/>
           </a:p>
         </p:txBody>
       </p:sp>
@@ -15429,7 +15074,6 @@
               <a:rPr lang="en-US" dirty="0"/>
               <a:t>Permanence</a:t>
             </a:r>
-            <a:endParaRPr lang="en-US" dirty="0"/>
           </a:p>
           <a:p>
             <a:pPr lvl="1"/>
@@ -15437,7 +15081,6 @@
               <a:rPr lang="en-US" dirty="0"/>
               <a:t>Commit leaves a record</a:t>
             </a:r>
-            <a:endParaRPr lang="en-US" dirty="0"/>
           </a:p>
           <a:p>
             <a:pPr lvl="1"/>
@@ -15453,7 +15096,6 @@
               <a:rPr lang="en-US" dirty="0"/>
               <a:t> area</a:t>
             </a:r>
-            <a:endParaRPr lang="en-US" dirty="0"/>
           </a:p>
           <a:p>
             <a:pPr lvl="1"/>
@@ -15461,7 +15103,6 @@
               <a:rPr lang="en-US" dirty="0"/>
               <a:t>Commit can be further recorded in a remote</a:t>
             </a:r>
-            <a:endParaRPr lang="en-US" dirty="0"/>
           </a:p>
           <a:p>
             <a:pPr lvl="1"/>
@@ -15472,7 +15113,6 @@
               <a:rPr lang="en-US" dirty="0"/>
               <a:t>Impermanence</a:t>
             </a:r>
-            <a:endParaRPr lang="en-US" dirty="0"/>
           </a:p>
           <a:p>
             <a:pPr lvl="1"/>
@@ -15480,7 +15120,6 @@
               <a:rPr lang="en-US" dirty="0"/>
               <a:t>Commits can be taken back (undone locally or reverted)</a:t>
             </a:r>
-            <a:endParaRPr lang="en-US" dirty="0"/>
           </a:p>
           <a:p>
             <a:pPr lvl="1"/>
@@ -15492,7 +15131,6 @@
               <a:rPr lang="en-US"/>
               <a:t>(rebase)</a:t>
             </a:r>
-            <a:endParaRPr lang="en-US"/>
           </a:p>
         </p:txBody>
       </p:sp>
@@ -15513,6 +15151,7 @@
           <a:p>
             <a:fld id="{BA9B540C-44DA-4F69-89C9-7C84606640D3}" type="slidenum">
               <a:rPr lang="en-US" smtClean="0"/>
+              <a:t>37</a:t>
             </a:fld>
             <a:endParaRPr lang="en-US" dirty="0"/>
           </a:p>
@@ -15537,7 +15176,6 @@
               <a:rPr lang="en-US"/>
               <a:t>(C) Elephant Scale 2021</a:t>
             </a:r>
-            <a:endParaRPr lang="en-US"/>
           </a:p>
         </p:txBody>
       </p:sp>
@@ -15585,54 +15223,49 @@
               <a:rPr lang="en-US" dirty="0"/>
               <a:t>How does branching and merging work</a:t>
             </a:r>
+          </a:p>
+        </p:txBody>
+      </p:sp>
+      <p:sp>
+        <p:nvSpPr>
+          <p:cNvPr id="3" name="Content Placeholder 2"/>
+          <p:cNvSpPr>
+            <a:spLocks noGrp="1"/>
+          </p:cNvSpPr>
+          <p:nvPr>
+            <p:ph idx="1"/>
+          </p:nvPr>
+        </p:nvSpPr>
+        <p:spPr/>
+        <p:txBody>
+          <a:bodyPr/>
+          <a:lstStyle/>
+          <a:p>
+            <a:r>
+              <a:rPr lang="en-US" dirty="0"/>
+              <a:t>Let’s go back to our morning-afternoon scenario. In brief…</a:t>
+            </a:r>
+          </a:p>
+          <a:p>
             <a:endParaRPr lang="en-US" dirty="0"/>
           </a:p>
-        </p:txBody>
-      </p:sp>
-      <p:sp>
-        <p:nvSpPr>
-          <p:cNvPr id="3" name="Content Placeholder 2"/>
-          <p:cNvSpPr>
-            <a:spLocks noGrp="1"/>
-          </p:cNvSpPr>
-          <p:nvPr>
-            <p:ph idx="1"/>
-          </p:nvPr>
-        </p:nvSpPr>
-        <p:spPr/>
-        <p:txBody>
-          <a:bodyPr/>
-          <a:lstStyle/>
-          <a:p>
-            <a:r>
-              <a:rPr lang="en-US" dirty="0"/>
-              <a:t>Let’s go back to our morning-afternoon scenario. In brief…</a:t>
-            </a:r>
-            <a:endParaRPr lang="en-US" dirty="0"/>
-          </a:p>
-          <a:p>
-            <a:endParaRPr lang="en-US" dirty="0"/>
-          </a:p>
           <a:p>
             <a:r>
               <a:rPr lang="en-US" dirty="0"/>
               <a:t>Working on your issue</a:t>
             </a:r>
-            <a:endParaRPr lang="en-US" dirty="0"/>
           </a:p>
           <a:p>
             <a:r>
               <a:rPr lang="en-US" dirty="0"/>
               <a:t>Get interrupted with the production fix</a:t>
             </a:r>
-            <a:endParaRPr lang="en-US" dirty="0"/>
           </a:p>
           <a:p>
             <a:r>
               <a:rPr lang="en-US" dirty="0"/>
               <a:t>Fix the production, go back to your issue</a:t>
             </a:r>
-            <a:endParaRPr lang="en-US" dirty="0"/>
           </a:p>
         </p:txBody>
       </p:sp>
@@ -15653,6 +15286,7 @@
           <a:p>
             <a:fld id="{BA9B540C-44DA-4F69-89C9-7C84606640D3}" type="slidenum">
               <a:rPr lang="en-US" smtClean="0"/>
+              <a:t>38</a:t>
             </a:fld>
             <a:endParaRPr lang="en-US" dirty="0"/>
           </a:p>
@@ -15677,7 +15311,6 @@
               <a:rPr lang="en-US"/>
               <a:t>(C) Elephant Scale 2021</a:t>
             </a:r>
-            <a:endParaRPr lang="en-US"/>
           </a:p>
         </p:txBody>
       </p:sp>
@@ -15725,7 +15358,6 @@
               <a:rPr lang="en-US" dirty="0"/>
               <a:t>This is where you start</a:t>
             </a:r>
-            <a:endParaRPr lang="en-US" dirty="0"/>
           </a:p>
         </p:txBody>
       </p:sp>
@@ -15740,7 +15372,7 @@
           </p:nvPr>
         </p:nvPicPr>
         <p:blipFill>
-          <a:blip r:embed="rId1" cstate="email">
+          <a:blip r:embed="rId2" cstate="email">
             <a:extLst>
               <a:ext uri="{28A0092B-C50C-407E-A947-70E740481C1C}">
                 <a14:useLocalDpi xmlns:a14="http://schemas.microsoft.com/office/drawing/2010/main" val="0"/>
@@ -15775,6 +15407,7 @@
           <a:p>
             <a:fld id="{BA9B540C-44DA-4F69-89C9-7C84606640D3}" type="slidenum">
               <a:rPr lang="en-US" smtClean="0"/>
+              <a:t>39</a:t>
             </a:fld>
             <a:endParaRPr lang="en-US" dirty="0"/>
           </a:p>
@@ -15799,7 +15432,6 @@
               <a:rPr lang="en-US"/>
               <a:t>(C) Elephant Scale 2021</a:t>
             </a:r>
-            <a:endParaRPr lang="en-US"/>
           </a:p>
         </p:txBody>
       </p:sp>
@@ -15847,7 +15479,6 @@
               <a:rPr lang="en-US" dirty="0"/>
               <a:t>What is Version Control?</a:t>
             </a:r>
-            <a:endParaRPr lang="en-US" dirty="0"/>
           </a:p>
         </p:txBody>
       </p:sp>
@@ -15872,14 +15503,12 @@
               <a:rPr lang="en-US" dirty="0"/>
               <a:t>Management of changes</a:t>
             </a:r>
-            <a:endParaRPr lang="en-US" dirty="0"/>
           </a:p>
           <a:p>
             <a:r>
               <a:rPr lang="en-US" dirty="0"/>
               <a:t>Why is it important?</a:t>
             </a:r>
-            <a:endParaRPr lang="en-US" dirty="0"/>
           </a:p>
           <a:p>
             <a:pPr lvl="1"/>
@@ -15887,7 +15516,6 @@
               <a:rPr lang="en-US" dirty="0"/>
               <a:t>Revert code changes</a:t>
             </a:r>
-            <a:endParaRPr lang="en-US" dirty="0"/>
           </a:p>
           <a:p>
             <a:pPr lvl="1"/>
@@ -15895,7 +15523,6 @@
               <a:rPr lang="en-US" dirty="0"/>
               <a:t>Never loose code</a:t>
             </a:r>
-            <a:endParaRPr lang="en-US" dirty="0"/>
           </a:p>
           <a:p>
             <a:pPr lvl="1"/>
@@ -15903,7 +15530,6 @@
               <a:rPr lang="en-US" dirty="0"/>
               <a:t>Maintain multiple versions of a product</a:t>
             </a:r>
-            <a:endParaRPr lang="en-US" dirty="0"/>
           </a:p>
           <a:p>
             <a:pPr lvl="1"/>
@@ -15911,7 +15537,6 @@
               <a:rPr lang="en-US" dirty="0"/>
               <a:t>See the difference between two (or more) versions of your code</a:t>
             </a:r>
-            <a:endParaRPr lang="en-US" dirty="0"/>
           </a:p>
           <a:p>
             <a:pPr lvl="1"/>
@@ -15919,7 +15544,6 @@
               <a:rPr lang="en-US" dirty="0"/>
               <a:t>Prove that a particular change broke or fixed a piece of code</a:t>
             </a:r>
-            <a:endParaRPr lang="en-US" dirty="0"/>
           </a:p>
           <a:p>
             <a:pPr lvl="1"/>
@@ -15927,7 +15551,6 @@
               <a:rPr lang="en-US" dirty="0"/>
               <a:t>Review the history of some code</a:t>
             </a:r>
-            <a:endParaRPr lang="en-US" dirty="0"/>
           </a:p>
           <a:p>
             <a:pPr lvl="1"/>
@@ -15935,7 +15558,6 @@
               <a:rPr lang="en-US" dirty="0"/>
               <a:t>Submit a change to someone else's code</a:t>
             </a:r>
-            <a:endParaRPr lang="en-US" dirty="0"/>
           </a:p>
           <a:p>
             <a:pPr lvl="1"/>
@@ -15943,7 +15565,6 @@
               <a:rPr lang="en-US" dirty="0"/>
               <a:t>Share your code, or let other people work on your code</a:t>
             </a:r>
-            <a:endParaRPr lang="en-US" dirty="0"/>
           </a:p>
           <a:p>
             <a:pPr lvl="1"/>
@@ -15951,7 +15572,6 @@
               <a:rPr lang="en-US" dirty="0"/>
               <a:t>See how much work is being done, and where, when and by whom</a:t>
             </a:r>
-            <a:endParaRPr lang="en-US" dirty="0"/>
           </a:p>
           <a:p>
             <a:pPr lvl="1"/>
@@ -15959,7 +15579,6 @@
               <a:rPr lang="en-US" dirty="0"/>
               <a:t>Experiment with a new feature without interfering with working code</a:t>
             </a:r>
-            <a:endParaRPr lang="en-US" dirty="0"/>
           </a:p>
           <a:p>
             <a:pPr lvl="1"/>
@@ -15967,7 +15586,6 @@
               <a:rPr lang="en-US" dirty="0"/>
               <a:t>More?</a:t>
             </a:r>
-            <a:endParaRPr lang="en-US" dirty="0"/>
           </a:p>
         </p:txBody>
       </p:sp>
@@ -15988,6 +15606,7 @@
           <a:p>
             <a:fld id="{BA9B540C-44DA-4F69-89C9-7C84606640D3}" type="slidenum">
               <a:rPr lang="en-US" smtClean="0"/>
+              <a:t>4</a:t>
             </a:fld>
             <a:endParaRPr lang="en-US" dirty="0"/>
           </a:p>
@@ -16012,7 +15631,6 @@
               <a:rPr lang="en-US"/>
               <a:t>(C) Elephant Scale 2021</a:t>
             </a:r>
-            <a:endParaRPr lang="en-US"/>
           </a:p>
         </p:txBody>
       </p:sp>
@@ -16628,7 +16246,6 @@
               <a:rPr lang="en-US" dirty="0"/>
               <a:t>Prepare to work on your feature</a:t>
             </a:r>
-            <a:endParaRPr lang="en-US" dirty="0"/>
           </a:p>
         </p:txBody>
       </p:sp>
@@ -16643,7 +16260,7 @@
           </p:nvPr>
         </p:nvPicPr>
         <p:blipFill>
-          <a:blip r:embed="rId1" cstate="email">
+          <a:blip r:embed="rId2" cstate="email">
             <a:extLst>
               <a:ext uri="{28A0092B-C50C-407E-A947-70E740481C1C}">
                 <a14:useLocalDpi xmlns:a14="http://schemas.microsoft.com/office/drawing/2010/main" val="0"/>
@@ -16691,7 +16308,6 @@
               <a:rPr lang="en-US" dirty="0"/>
               <a:t> checkout tom -b</a:t>
             </a:r>
-            <a:endParaRPr lang="en-US" dirty="0"/>
           </a:p>
         </p:txBody>
       </p:sp>
@@ -16712,6 +16328,7 @@
           <a:p>
             <a:fld id="{BA9B540C-44DA-4F69-89C9-7C84606640D3}" type="slidenum">
               <a:rPr lang="en-US" smtClean="0"/>
+              <a:t>40</a:t>
             </a:fld>
             <a:endParaRPr lang="en-US" dirty="0"/>
           </a:p>
@@ -16736,7 +16353,6 @@
               <a:rPr lang="en-US"/>
               <a:t>(C) Elephant Scale 2021</a:t>
             </a:r>
-            <a:endParaRPr lang="en-US"/>
           </a:p>
         </p:txBody>
       </p:sp>
@@ -16784,7 +16400,6 @@
               <a:rPr lang="en-US" dirty="0"/>
               <a:t>Commit your new changes</a:t>
             </a:r>
-            <a:endParaRPr lang="en-US" dirty="0"/>
           </a:p>
         </p:txBody>
       </p:sp>
@@ -16799,7 +16414,7 @@
           </p:nvPr>
         </p:nvPicPr>
         <p:blipFill>
-          <a:blip r:embed="rId1" cstate="email">
+          <a:blip r:embed="rId2" cstate="email">
             <a:extLst>
               <a:ext uri="{28A0092B-C50C-407E-A947-70E740481C1C}">
                 <a14:useLocalDpi xmlns:a14="http://schemas.microsoft.com/office/drawing/2010/main" val="0"/>
@@ -16847,7 +16462,6 @@
               <a:rPr lang="en-US" dirty="0"/>
               <a:t> commit -a</a:t>
             </a:r>
-            <a:endParaRPr lang="en-US" dirty="0"/>
           </a:p>
         </p:txBody>
       </p:sp>
@@ -16868,6 +16482,7 @@
           <a:p>
             <a:fld id="{BA9B540C-44DA-4F69-89C9-7C84606640D3}" type="slidenum">
               <a:rPr lang="en-US" smtClean="0"/>
+              <a:t>41</a:t>
             </a:fld>
             <a:endParaRPr lang="en-US" dirty="0"/>
           </a:p>
@@ -16892,7 +16507,6 @@
               <a:rPr lang="en-US"/>
               <a:t>(C) Elephant Scale 2021</a:t>
             </a:r>
-            <a:endParaRPr lang="en-US"/>
           </a:p>
         </p:txBody>
       </p:sp>
@@ -16940,7 +16554,6 @@
               <a:rPr lang="en-US" dirty="0"/>
               <a:t>Work on hotfix</a:t>
             </a:r>
-            <a:endParaRPr lang="en-US" dirty="0"/>
           </a:p>
         </p:txBody>
       </p:sp>
@@ -16953,7 +16566,7 @@
           <p:nvPr/>
         </p:nvPicPr>
         <p:blipFill>
-          <a:blip r:embed="rId1" cstate="email">
+          <a:blip r:embed="rId2" cstate="email">
             <a:extLst>
               <a:ext uri="{28A0092B-C50C-407E-A947-70E740481C1C}">
                 <a14:useLocalDpi xmlns:a14="http://schemas.microsoft.com/office/drawing/2010/main" val="0"/>
@@ -17008,21 +16621,18 @@
               <a:rPr lang="en-US" dirty="0"/>
               <a:t> checkout -b hotfix</a:t>
             </a:r>
-            <a:endParaRPr lang="en-US" dirty="0"/>
           </a:p>
           <a:p>
             <a:r>
               <a:rPr lang="en-US" dirty="0"/>
               <a:t>Switched to a new branch 'hotfix'</a:t>
             </a:r>
-            <a:endParaRPr lang="en-US" dirty="0"/>
           </a:p>
           <a:p>
             <a:r>
               <a:rPr lang="en-US" dirty="0"/>
               <a:t>$ do your work</a:t>
             </a:r>
-            <a:endParaRPr lang="en-US" dirty="0"/>
           </a:p>
           <a:p>
             <a:r>
@@ -17037,7 +16647,6 @@
               <a:rPr lang="en-US" dirty="0"/>
               <a:t> commit -a -m 'urgent fix'</a:t>
             </a:r>
-            <a:endParaRPr lang="en-US" dirty="0"/>
           </a:p>
         </p:txBody>
       </p:sp>
@@ -17058,6 +16667,7 @@
           <a:p>
             <a:fld id="{BA9B540C-44DA-4F69-89C9-7C84606640D3}" type="slidenum">
               <a:rPr lang="en-US" smtClean="0"/>
+              <a:t>42</a:t>
             </a:fld>
             <a:endParaRPr lang="en-US" dirty="0"/>
           </a:p>
@@ -17082,7 +16692,6 @@
               <a:rPr lang="en-US"/>
               <a:t>(C) Elephant Scale 2021</a:t>
             </a:r>
-            <a:endParaRPr lang="en-US"/>
           </a:p>
         </p:txBody>
       </p:sp>
@@ -17130,7 +16739,6 @@
               <a:rPr lang="en-US" dirty="0"/>
               <a:t>Merge hotfix</a:t>
             </a:r>
-            <a:endParaRPr lang="en-US" dirty="0"/>
           </a:p>
         </p:txBody>
       </p:sp>
@@ -17145,7 +16753,7 @@
           </p:nvPr>
         </p:nvPicPr>
         <p:blipFill>
-          <a:blip r:embed="rId1" cstate="email">
+          <a:blip r:embed="rId2" cstate="email">
             <a:extLst>
               <a:ext uri="{28A0092B-C50C-407E-A947-70E740481C1C}">
                 <a14:useLocalDpi xmlns:a14="http://schemas.microsoft.com/office/drawing/2010/main" val="0"/>
@@ -17189,7 +16797,6 @@
               <a:rPr lang="sv-SE" dirty="0"/>
               <a:t>git checkout master</a:t>
             </a:r>
-            <a:endParaRPr lang="sv-SE" dirty="0"/>
           </a:p>
           <a:p>
             <a:r>
@@ -17217,6 +16824,7 @@
           <a:p>
             <a:fld id="{BA9B540C-44DA-4F69-89C9-7C84606640D3}" type="slidenum">
               <a:rPr lang="en-US" smtClean="0"/>
+              <a:t>43</a:t>
             </a:fld>
             <a:endParaRPr lang="en-US" dirty="0"/>
           </a:p>
@@ -17241,7 +16849,6 @@
               <a:rPr lang="en-US"/>
               <a:t>(C) Elephant Scale 2021</a:t>
             </a:r>
-            <a:endParaRPr lang="en-US"/>
           </a:p>
         </p:txBody>
       </p:sp>
@@ -17289,7 +16896,6 @@
               <a:rPr lang="en-US" dirty="0"/>
               <a:t>And now, clean up!</a:t>
             </a:r>
-            <a:endParaRPr lang="en-US" dirty="0"/>
           </a:p>
         </p:txBody>
       </p:sp>
@@ -17304,7 +16910,7 @@
           </p:nvPr>
         </p:nvPicPr>
         <p:blipFill>
-          <a:blip r:embed="rId1" cstate="email">
+          <a:blip r:embed="rId2" cstate="email">
             <a:extLst>
               <a:ext uri="{28A0092B-C50C-407E-A947-70E740481C1C}">
                 <a14:useLocalDpi xmlns:a14="http://schemas.microsoft.com/office/drawing/2010/main" val="0"/>
@@ -17352,7 +16958,6 @@
               <a:rPr lang="en-US" dirty="0"/>
               <a:t> branch -d hotfix</a:t>
             </a:r>
-            <a:endParaRPr lang="en-US" dirty="0"/>
           </a:p>
         </p:txBody>
       </p:sp>
@@ -17373,6 +16978,7 @@
           <a:p>
             <a:fld id="{BA9B540C-44DA-4F69-89C9-7C84606640D3}" type="slidenum">
               <a:rPr lang="en-US" smtClean="0"/>
+              <a:t>44</a:t>
             </a:fld>
             <a:endParaRPr lang="en-US" dirty="0"/>
           </a:p>
@@ -17397,7 +17003,6 @@
               <a:rPr lang="en-US"/>
               <a:t>(C) Elephant Scale 2021</a:t>
             </a:r>
-            <a:endParaRPr lang="en-US"/>
           </a:p>
         </p:txBody>
       </p:sp>
@@ -17445,7 +17050,6 @@
               <a:rPr lang="en-US" dirty="0"/>
               <a:t>Pushing your change</a:t>
             </a:r>
-            <a:endParaRPr lang="en-US" dirty="0"/>
           </a:p>
         </p:txBody>
       </p:sp>
@@ -17460,7 +17064,7 @@
           </p:nvPr>
         </p:nvPicPr>
         <p:blipFill>
-          <a:blip r:embed="rId1">
+          <a:blip r:embed="rId2">
             <a:extLst>
               <a:ext uri="{28A0092B-C50C-407E-A947-70E740481C1C}">
                 <a14:useLocalDpi xmlns:a14="http://schemas.microsoft.com/office/drawing/2010/main" val="0"/>
@@ -17508,17 +17112,15 @@
               <a:rPr lang="en-US" dirty="0"/>
               <a:t> push &lt;remote&gt; &lt;branch&gt;</a:t>
             </a:r>
+          </a:p>
+          <a:p>
             <a:endParaRPr lang="en-US" dirty="0"/>
           </a:p>
           <a:p>
-            <a:endParaRPr lang="en-US" dirty="0"/>
-          </a:p>
-          <a:p>
             <a:r>
               <a:rPr lang="en-US" dirty="0"/>
               <a:t>or simply</a:t>
             </a:r>
-            <a:endParaRPr lang="en-US" dirty="0"/>
           </a:p>
           <a:p>
             <a:endParaRPr lang="en-US" dirty="0"/>
@@ -17532,7 +17134,6 @@
               <a:rPr lang="en-US" dirty="0"/>
               <a:t> push</a:t>
             </a:r>
-            <a:endParaRPr lang="en-US" dirty="0"/>
           </a:p>
         </p:txBody>
       </p:sp>
@@ -17553,6 +17154,7 @@
           <a:p>
             <a:fld id="{BA9B540C-44DA-4F69-89C9-7C84606640D3}" type="slidenum">
               <a:rPr lang="en-US" smtClean="0"/>
+              <a:t>45</a:t>
             </a:fld>
             <a:endParaRPr lang="en-US" dirty="0"/>
           </a:p>
@@ -17577,7 +17179,6 @@
               <a:rPr lang="en-US"/>
               <a:t>(C) Elephant Scale 2021</a:t>
             </a:r>
-            <a:endParaRPr lang="en-US"/>
           </a:p>
         </p:txBody>
       </p:sp>
@@ -17625,7 +17226,6 @@
               <a:rPr lang="en-US" dirty="0"/>
               <a:t>Pushing – do not use force</a:t>
             </a:r>
-            <a:endParaRPr lang="en-US" dirty="0"/>
           </a:p>
         </p:txBody>
       </p:sp>
@@ -17648,7 +17248,6 @@
               <a:rPr lang="en-US" dirty="0"/>
               <a:t>As good practice, do not do this</a:t>
             </a:r>
-            <a:endParaRPr lang="en-US" dirty="0"/>
           </a:p>
           <a:p>
             <a:pPr marL="0" indent="0">
@@ -17662,7 +17261,6 @@
               <a:rPr lang="en-US" dirty="0"/>
               <a:t> push &lt;remote&gt; --force</a:t>
             </a:r>
-            <a:endParaRPr lang="en-US" dirty="0"/>
           </a:p>
           <a:p>
             <a:pPr marL="0" indent="0">
@@ -17672,7 +17270,6 @@
               <a:rPr lang="en-US" dirty="0"/>
               <a:t>When can it happen?</a:t>
             </a:r>
-            <a:endParaRPr lang="en-US" dirty="0"/>
           </a:p>
           <a:p>
             <a:pPr marL="457200" indent="-457200">
@@ -17682,7 +17279,6 @@
               <a:rPr lang="en-US" dirty="0"/>
               <a:t>Did not pull but want to push</a:t>
             </a:r>
-            <a:endParaRPr lang="en-US" dirty="0"/>
           </a:p>
           <a:p>
             <a:pPr marL="457200" indent="-457200">
@@ -17692,7 +17288,6 @@
               <a:rPr lang="en-US" dirty="0"/>
               <a:t>Rebase (we will mention it later)</a:t>
             </a:r>
-            <a:endParaRPr lang="en-US" dirty="0"/>
           </a:p>
         </p:txBody>
       </p:sp>
@@ -17713,6 +17308,7 @@
           <a:p>
             <a:fld id="{BA9B540C-44DA-4F69-89C9-7C84606640D3}" type="slidenum">
               <a:rPr lang="en-US" smtClean="0"/>
+              <a:t>46</a:t>
             </a:fld>
             <a:endParaRPr lang="en-US" dirty="0"/>
           </a:p>
@@ -17737,7 +17333,6 @@
               <a:rPr lang="en-US"/>
               <a:t>(C) Elephant Scale 2021</a:t>
             </a:r>
-            <a:endParaRPr lang="en-US"/>
           </a:p>
         </p:txBody>
       </p:sp>
@@ -17926,7 +17521,6 @@
               <a:rPr lang="en-US" dirty="0"/>
               <a:t>Undoing latest local commit</a:t>
             </a:r>
-            <a:endParaRPr lang="en-US" dirty="0"/>
           </a:p>
         </p:txBody>
       </p:sp>
@@ -17952,7 +17546,6 @@
               <a:rPr lang="en-US" dirty="0"/>
               <a:t>Can you do this?</a:t>
             </a:r>
-            <a:endParaRPr lang="en-US" dirty="0"/>
           </a:p>
           <a:p>
             <a:pPr marL="0" indent="0">
@@ -17970,9 +17563,6 @@
               </a:rPr>
               <a:t> undo-commit</a:t>
             </a:r>
-            <a:endParaRPr lang="en-US" dirty="0">
-              <a:latin typeface="Corbel" panose="020B0503020204020204" pitchFamily="34" charset="0"/>
-            </a:endParaRPr>
           </a:p>
           <a:p>
             <a:pPr marL="0" indent="0">
@@ -17982,7 +17572,6 @@
               <a:rPr lang="en-US" dirty="0"/>
               <a:t>Yes, if prior you type</a:t>
             </a:r>
-            <a:endParaRPr lang="en-US" dirty="0"/>
           </a:p>
           <a:p>
             <a:pPr marL="0" indent="0">
@@ -18030,10 +17619,6 @@
               </a:rPr>
               <a:t>-commit 'reset --soft HEAD^'</a:t>
             </a:r>
-            <a:endParaRPr lang="en-US" sz="1600" dirty="0">
-              <a:latin typeface="Courier New" panose="02070309020205020404" pitchFamily="49" charset="0"/>
-              <a:cs typeface="Courier New" panose="02070309020205020404" pitchFamily="49" charset="0"/>
-            </a:endParaRPr>
           </a:p>
           <a:p>
             <a:pPr marL="0" indent="0">
@@ -18043,7 +17628,6 @@
               <a:rPr lang="en-US" dirty="0"/>
               <a:t>Another way:</a:t>
             </a:r>
-            <a:endParaRPr lang="en-US" dirty="0"/>
           </a:p>
           <a:p>
             <a:pPr marL="0" indent="0">
@@ -18063,10 +17647,6 @@
               </a:rPr>
               <a:t> reset --soft HEAD~1</a:t>
             </a:r>
-            <a:endParaRPr lang="en-US" dirty="0">
-              <a:latin typeface="Courier New" panose="02070309020205020404" pitchFamily="49" charset="0"/>
-              <a:cs typeface="Courier New" panose="02070309020205020404" pitchFamily="49" charset="0"/>
-            </a:endParaRPr>
           </a:p>
         </p:txBody>
       </p:sp>
@@ -18087,6 +17667,7 @@
           <a:p>
             <a:fld id="{BA9B540C-44DA-4F69-89C9-7C84606640D3}" type="slidenum">
               <a:rPr lang="en-US" smtClean="0"/>
+              <a:t>47</a:t>
             </a:fld>
             <a:endParaRPr lang="en-US" dirty="0"/>
           </a:p>
@@ -18111,7 +17692,6 @@
               <a:rPr lang="en-US"/>
               <a:t>(C) Elephant Scale 2021</a:t>
             </a:r>
-            <a:endParaRPr lang="en-US"/>
           </a:p>
         </p:txBody>
       </p:sp>
@@ -18159,7 +17739,6 @@
               <a:rPr lang="en-US" dirty="0"/>
               <a:t>Undo staging</a:t>
             </a:r>
-            <a:endParaRPr lang="en-US" dirty="0"/>
           </a:p>
         </p:txBody>
       </p:sp>
@@ -18182,7 +17761,6 @@
               <a:rPr lang="en-US" dirty="0"/>
               <a:t>Say you did this and added too much</a:t>
             </a:r>
-            <a:endParaRPr lang="en-US" dirty="0"/>
           </a:p>
           <a:p>
             <a:pPr marL="0" indent="0">
@@ -18202,10 +17780,6 @@
               </a:rPr>
               <a:t> add .</a:t>
             </a:r>
-            <a:endParaRPr lang="en-US" dirty="0">
-              <a:latin typeface="Courier New" panose="02070309020205020404" pitchFamily="49" charset="0"/>
-              <a:cs typeface="Courier New" panose="02070309020205020404" pitchFamily="49" charset="0"/>
-            </a:endParaRPr>
           </a:p>
           <a:p>
             <a:pPr marL="0" indent="0">
@@ -18215,7 +17789,6 @@
               <a:rPr lang="en-US" dirty="0"/>
               <a:t>Here is how you can extricate yourself</a:t>
             </a:r>
-            <a:endParaRPr lang="en-US" dirty="0"/>
           </a:p>
           <a:p>
             <a:pPr marL="0" indent="0">
@@ -18249,10 +17822,6 @@
               </a:rPr>
               <a:t> -r --cached .</a:t>
             </a:r>
-            <a:endParaRPr lang="en-US" dirty="0">
-              <a:latin typeface="Courier New" panose="02070309020205020404" pitchFamily="49" charset="0"/>
-              <a:cs typeface="Courier New" panose="02070309020205020404" pitchFamily="49" charset="0"/>
-            </a:endParaRPr>
           </a:p>
           <a:p>
             <a:pPr marL="0" indent="0">
@@ -18285,24 +17854,20 @@
               </a:rPr>
               <a:t> add -n .</a:t>
             </a:r>
+          </a:p>
+          <a:p>
+            <a:pPr marL="0" indent="0">
+              <a:buNone/>
+            </a:pPr>
+            <a:r>
+              <a:rPr lang="en-US" dirty="0"/>
+              <a:t>Try this: create a file, add it, then undo the staging</a:t>
+            </a:r>
             <a:endParaRPr lang="en-US" dirty="0">
               <a:latin typeface="Courier New" panose="02070309020205020404" pitchFamily="49" charset="0"/>
               <a:cs typeface="Courier New" panose="02070309020205020404" pitchFamily="49" charset="0"/>
             </a:endParaRPr>
           </a:p>
-          <a:p>
-            <a:pPr marL="0" indent="0">
-              <a:buNone/>
-            </a:pPr>
-            <a:r>
-              <a:rPr lang="en-US" dirty="0"/>
-              <a:t>Try this: create a file, add it, then undo the staging</a:t>
-            </a:r>
-            <a:endParaRPr lang="en-US" dirty="0">
-              <a:latin typeface="Courier New" panose="02070309020205020404" pitchFamily="49" charset="0"/>
-              <a:cs typeface="Courier New" panose="02070309020205020404" pitchFamily="49" charset="0"/>
-            </a:endParaRPr>
-          </a:p>
         </p:txBody>
       </p:sp>
       <p:sp>
@@ -18322,6 +17887,7 @@
           <a:p>
             <a:fld id="{BA9B540C-44DA-4F69-89C9-7C84606640D3}" type="slidenum">
               <a:rPr lang="en-US" smtClean="0"/>
+              <a:t>48</a:t>
             </a:fld>
             <a:endParaRPr lang="en-US" dirty="0"/>
           </a:p>
@@ -18346,7 +17912,6 @@
               <a:rPr lang="en-US"/>
               <a:t>(C) Elephant Scale 2021</a:t>
             </a:r>
-            <a:endParaRPr lang="en-US"/>
           </a:p>
         </p:txBody>
       </p:sp>
@@ -18394,7 +17959,6 @@
               <a:rPr lang="en-US" dirty="0"/>
               <a:t>Revert commit</a:t>
             </a:r>
-            <a:endParaRPr lang="en-US" dirty="0"/>
           </a:p>
         </p:txBody>
       </p:sp>
@@ -18420,7 +17984,6 @@
               <a:rPr lang="en-US" dirty="0"/>
               <a:t>To go to a previous commit</a:t>
             </a:r>
-            <a:endParaRPr lang="en-US" dirty="0"/>
           </a:p>
           <a:p>
             <a:pPr marL="0" indent="0">
@@ -18440,10 +18003,6 @@
               </a:rPr>
               <a:t> checkout 0d1d (start of your hash)</a:t>
             </a:r>
-            <a:endParaRPr lang="en-US" dirty="0">
-              <a:latin typeface="Courier New" panose="02070309020205020404" pitchFamily="49" charset="0"/>
-              <a:cs typeface="Courier New" panose="02070309020205020404" pitchFamily="49" charset="0"/>
-            </a:endParaRPr>
           </a:p>
           <a:p>
             <a:pPr marL="0" indent="0">
@@ -18459,7 +18018,6 @@
               <a:rPr lang="en-US" dirty="0"/>
               <a:t>Careful! To go back and delete all subsequent commits</a:t>
             </a:r>
-            <a:endParaRPr lang="en-US" dirty="0"/>
           </a:p>
           <a:p>
             <a:pPr marL="0" indent="0">
@@ -18479,10 +18037,6 @@
               </a:rPr>
               <a:t> reset --hard 0d1d (start of the commit hash)</a:t>
             </a:r>
-            <a:endParaRPr lang="en-US" dirty="0">
-              <a:latin typeface="Courier New" panose="02070309020205020404" pitchFamily="49" charset="0"/>
-              <a:cs typeface="Courier New" panose="02070309020205020404" pitchFamily="49" charset="0"/>
-            </a:endParaRPr>
           </a:p>
           <a:p>
             <a:pPr marL="0" indent="0">
@@ -18515,6 +18069,7 @@
           <a:p>
             <a:fld id="{BA9B540C-44DA-4F69-89C9-7C84606640D3}" type="slidenum">
               <a:rPr lang="en-US" smtClean="0"/>
+              <a:t>49</a:t>
             </a:fld>
             <a:endParaRPr lang="en-US" dirty="0"/>
           </a:p>
@@ -18539,7 +18094,6 @@
               <a:rPr lang="en-US"/>
               <a:t>(C) Elephant Scale 2021</a:t>
             </a:r>
-            <a:endParaRPr lang="en-US"/>
           </a:p>
         </p:txBody>
       </p:sp>
@@ -18587,7 +18141,6 @@
               <a:rPr lang="en-US" dirty="0"/>
               <a:t>Version control system examples</a:t>
             </a:r>
-            <a:endParaRPr lang="en-US" dirty="0"/>
           </a:p>
         </p:txBody>
       </p:sp>
@@ -18615,7 +18168,6 @@
               <a:rPr lang="en-US" dirty="0"/>
               <a:t>Server-based</a:t>
             </a:r>
-            <a:endParaRPr lang="en-US" dirty="0"/>
           </a:p>
           <a:p>
             <a:pPr lvl="1">
@@ -18627,7 +18179,6 @@
               <a:rPr lang="en-US" dirty="0"/>
               <a:t>CVS</a:t>
             </a:r>
-            <a:endParaRPr lang="en-US" dirty="0"/>
           </a:p>
           <a:p>
             <a:pPr lvl="1">
@@ -18639,7 +18190,6 @@
               <a:rPr lang="en-US" dirty="0"/>
               <a:t>PVCS</a:t>
             </a:r>
-            <a:endParaRPr lang="en-US" dirty="0"/>
           </a:p>
           <a:p>
             <a:pPr lvl="1">
@@ -18651,7 +18201,6 @@
               <a:rPr lang="en-US" dirty="0"/>
               <a:t>SourceSafe</a:t>
             </a:r>
-            <a:endParaRPr lang="en-US" dirty="0"/>
           </a:p>
           <a:p>
             <a:pPr lvl="1">
@@ -18663,7 +18212,6 @@
               <a:rPr lang="en-US" dirty="0"/>
               <a:t>Subversion</a:t>
             </a:r>
-            <a:endParaRPr lang="en-US" dirty="0"/>
           </a:p>
           <a:p>
             <a:pPr>
@@ -18675,7 +18223,6 @@
               <a:rPr lang="en-US" dirty="0"/>
               <a:t>Distributed</a:t>
             </a:r>
-            <a:endParaRPr lang="en-US" dirty="0"/>
           </a:p>
           <a:p>
             <a:pPr lvl="1">
@@ -18699,7 +18246,6 @@
               <a:rPr lang="en-US" dirty="0"/>
               <a:t>Mercurial</a:t>
             </a:r>
-            <a:endParaRPr lang="en-US" dirty="0"/>
           </a:p>
           <a:p>
             <a:pPr marL="228600" lvl="1" indent="0">
@@ -18726,6 +18272,7 @@
           <a:p>
             <a:fld id="{BA9B540C-44DA-4F69-89C9-7C84606640D3}" type="slidenum">
               <a:rPr lang="en-US" smtClean="0"/>
+              <a:t>5</a:t>
             </a:fld>
             <a:endParaRPr lang="en-US" dirty="0"/>
           </a:p>
@@ -18750,7 +18297,6 @@
               <a:rPr lang="en-US"/>
               <a:t>(C) Elephant Scale 2021</a:t>
             </a:r>
-            <a:endParaRPr lang="en-US"/>
           </a:p>
         </p:txBody>
       </p:sp>
@@ -18939,7 +18485,6 @@
               <a:rPr lang="en-US" dirty="0"/>
               <a:t>Section: Merge and Conflict resolution</a:t>
             </a:r>
-            <a:endParaRPr lang="en-US" dirty="0"/>
           </a:p>
         </p:txBody>
       </p:sp>
@@ -18954,7 +18499,7 @@
           </p:nvPr>
         </p:nvPicPr>
         <p:blipFill>
-          <a:blip r:embed="rId1" cstate="email">
+          <a:blip r:embed="rId2" cstate="email">
             <a:extLst>
               <a:ext uri="{28A0092B-C50C-407E-A947-70E740481C1C}">
                 <a14:useLocalDpi xmlns:a14="http://schemas.microsoft.com/office/drawing/2010/main" val="0"/>
@@ -18989,6 +18534,7 @@
           <a:p>
             <a:fld id="{BA9B540C-44DA-4F69-89C9-7C84606640D3}" type="slidenum">
               <a:rPr lang="en-US" smtClean="0"/>
+              <a:t>50</a:t>
             </a:fld>
             <a:endParaRPr lang="en-US" dirty="0"/>
           </a:p>
@@ -19013,7 +18559,6 @@
               <a:rPr lang="en-US"/>
               <a:t>(C) Elephant Scale 2021</a:t>
             </a:r>
-            <a:endParaRPr lang="en-US"/>
           </a:p>
         </p:txBody>
       </p:sp>
@@ -19061,7 +18606,6 @@
               <a:rPr lang="en-US" dirty="0"/>
               <a:t>Merge and Conflict resolution</a:t>
             </a:r>
-            <a:endParaRPr lang="en-US" dirty="0"/>
           </a:p>
         </p:txBody>
       </p:sp>
@@ -19089,7 +18633,6 @@
               <a:rPr lang="en-US" dirty="0"/>
               <a:t>How merge conflicts happen</a:t>
             </a:r>
-            <a:endParaRPr lang="en-US" dirty="0"/>
           </a:p>
           <a:p>
             <a:pPr>
@@ -19101,7 +18644,6 @@
               <a:rPr lang="en-US" dirty="0"/>
               <a:t>Preventing merge conflicts</a:t>
             </a:r>
-            <a:endParaRPr lang="en-US" dirty="0"/>
           </a:p>
           <a:p>
             <a:pPr>
@@ -19113,7 +18655,6 @@
               <a:rPr lang="en-US" dirty="0"/>
               <a:t>How to resolve a merge conflict</a:t>
             </a:r>
-            <a:endParaRPr lang="en-US" dirty="0"/>
           </a:p>
           <a:p>
             <a:endParaRPr lang="en-US" dirty="0"/>
@@ -19137,6 +18678,7 @@
           <a:p>
             <a:fld id="{BA9B540C-44DA-4F69-89C9-7C84606640D3}" type="slidenum">
               <a:rPr lang="en-US" smtClean="0"/>
+              <a:t>51</a:t>
             </a:fld>
             <a:endParaRPr lang="en-US" dirty="0"/>
           </a:p>
@@ -19161,7 +18703,6 @@
               <a:rPr lang="en-US"/>
               <a:t>(C) Elephant Scale 2021</a:t>
             </a:r>
-            <a:endParaRPr lang="en-US"/>
           </a:p>
         </p:txBody>
       </p:sp>
@@ -19361,7 +18902,6 @@
               <a:rPr lang="en-US" dirty="0"/>
               <a:t>How merge conflicts happen</a:t>
             </a:r>
-            <a:endParaRPr lang="en-US" dirty="0"/>
           </a:p>
         </p:txBody>
       </p:sp>
@@ -19386,21 +18926,18 @@
               <a:rPr lang="en-US" sz="1800" dirty="0"/>
               <a:t>Change a file in one branch</a:t>
             </a:r>
-            <a:endParaRPr lang="en-US" sz="1800" dirty="0"/>
           </a:p>
           <a:p>
             <a:r>
               <a:rPr lang="en-US" sz="1800" dirty="0"/>
               <a:t>Chart the same file in another branch – same line!</a:t>
             </a:r>
-            <a:endParaRPr lang="en-US" sz="1800" dirty="0"/>
           </a:p>
           <a:p>
             <a:r>
               <a:rPr lang="en-US" sz="1800" dirty="0"/>
               <a:t>Now merge one branch into the other</a:t>
             </a:r>
-            <a:endParaRPr lang="en-US" sz="1800" dirty="0"/>
           </a:p>
           <a:p>
             <a:pPr marL="0" indent="0">
@@ -19420,10 +18957,6 @@
               </a:rPr>
               <a:t> checkout branch1 –b – now edit the file</a:t>
             </a:r>
-            <a:endParaRPr lang="en-US" sz="1600" dirty="0">
-              <a:latin typeface="Courier New" panose="02070309020205020404" pitchFamily="49" charset="0"/>
-              <a:cs typeface="Courier New" panose="02070309020205020404" pitchFamily="49" charset="0"/>
-            </a:endParaRPr>
           </a:p>
           <a:p>
             <a:pPr marL="0" indent="0">
@@ -19443,10 +18976,6 @@
               </a:rPr>
               <a:t> checkout branch2 –b – now edit the file</a:t>
             </a:r>
-            <a:endParaRPr lang="en-US" sz="1600" dirty="0">
-              <a:latin typeface="Courier New" panose="02070309020205020404" pitchFamily="49" charset="0"/>
-              <a:cs typeface="Courier New" panose="02070309020205020404" pitchFamily="49" charset="0"/>
-            </a:endParaRPr>
           </a:p>
           <a:p>
             <a:pPr marL="0" indent="0">
@@ -19466,10 +18995,6 @@
               </a:rPr>
               <a:t> merge branch1</a:t>
             </a:r>
-            <a:endParaRPr lang="en-US" sz="1600" dirty="0">
-              <a:latin typeface="Courier New" panose="02070309020205020404" pitchFamily="49" charset="0"/>
-              <a:cs typeface="Courier New" panose="02070309020205020404" pitchFamily="49" charset="0"/>
-            </a:endParaRPr>
           </a:p>
           <a:p>
             <a:pPr marL="0" indent="0">
@@ -19485,13 +19010,6 @@
               </a:rPr>
               <a:t>Auto-merging &lt;your-file&gt;</a:t>
             </a:r>
-            <a:endParaRPr lang="en-US" sz="1600" dirty="0">
-              <a:solidFill>
-                <a:srgbClr val="FF0000"/>
-              </a:solidFill>
-              <a:latin typeface="Courier New" panose="02070309020205020404" pitchFamily="49" charset="0"/>
-              <a:cs typeface="Courier New" panose="02070309020205020404" pitchFamily="49" charset="0"/>
-            </a:endParaRPr>
           </a:p>
           <a:p>
             <a:pPr marL="0" indent="0">
@@ -19507,13 +19025,6 @@
               </a:rPr>
               <a:t>CONFLICT (content): Merge conflict in &lt;your file&gt;</a:t>
             </a:r>
-            <a:endParaRPr lang="en-US" sz="1600" dirty="0">
-              <a:solidFill>
-                <a:srgbClr val="FF0000"/>
-              </a:solidFill>
-              <a:latin typeface="Courier New" panose="02070309020205020404" pitchFamily="49" charset="0"/>
-              <a:cs typeface="Courier New" panose="02070309020205020404" pitchFamily="49" charset="0"/>
-            </a:endParaRPr>
           </a:p>
           <a:p>
             <a:pPr marL="0" indent="0">
@@ -19529,13 +19040,6 @@
               </a:rPr>
               <a:t>Automatic merge failed; fix conflicts and then commit</a:t>
             </a:r>
-            <a:endParaRPr lang="en-US" sz="1600" dirty="0">
-              <a:solidFill>
-                <a:srgbClr val="FF0000"/>
-              </a:solidFill>
-              <a:latin typeface="Courier New" panose="02070309020205020404" pitchFamily="49" charset="0"/>
-              <a:cs typeface="Courier New" panose="02070309020205020404" pitchFamily="49" charset="0"/>
-            </a:endParaRPr>
           </a:p>
         </p:txBody>
       </p:sp>
@@ -19556,6 +19060,7 @@
           <a:p>
             <a:fld id="{BA9B540C-44DA-4F69-89C9-7C84606640D3}" type="slidenum">
               <a:rPr lang="en-US" smtClean="0"/>
+              <a:t>52</a:t>
             </a:fld>
             <a:endParaRPr lang="en-US" dirty="0"/>
           </a:p>
@@ -19580,7 +19085,6 @@
               <a:rPr lang="en-US"/>
               <a:t>(C) Elephant Scale 2021</a:t>
             </a:r>
-            <a:endParaRPr lang="en-US"/>
           </a:p>
         </p:txBody>
       </p:sp>
@@ -19628,7 +19132,6 @@
               <a:rPr lang="en-US" dirty="0"/>
               <a:t>How to resolve a merge conflict</a:t>
             </a:r>
-            <a:endParaRPr lang="en-US" dirty="0"/>
           </a:p>
         </p:txBody>
       </p:sp>
@@ -19662,7 +19165,6 @@
               <a:rPr lang="en-US" dirty="0"/>
               <a:t> writes markers in the file</a:t>
             </a:r>
-            <a:endParaRPr lang="en-US" dirty="0"/>
           </a:p>
           <a:p>
             <a:pPr marL="457200" indent="-457200">
@@ -19676,7 +19178,6 @@
               <a:rPr lang="en-US" dirty="0"/>
               <a:t>You edit that file</a:t>
             </a:r>
-            <a:endParaRPr lang="en-US" dirty="0"/>
           </a:p>
           <a:p>
             <a:pPr marL="457200" indent="-457200">
@@ -19700,10 +19201,6 @@
               </a:rPr>
               <a:t> add &lt;file&gt;</a:t>
             </a:r>
-            <a:endParaRPr lang="en-US" dirty="0">
-              <a:latin typeface="Courier New" panose="02070309020205020404" pitchFamily="49" charset="0"/>
-              <a:cs typeface="Courier New" panose="02070309020205020404" pitchFamily="49" charset="0"/>
-            </a:endParaRPr>
           </a:p>
         </p:txBody>
       </p:sp>
@@ -19724,6 +19221,7 @@
           <a:p>
             <a:fld id="{BA9B540C-44DA-4F69-89C9-7C84606640D3}" type="slidenum">
               <a:rPr lang="en-US" smtClean="0"/>
+              <a:t>53</a:t>
             </a:fld>
             <a:endParaRPr lang="en-US" dirty="0"/>
           </a:p>
@@ -19748,7 +19246,6 @@
               <a:rPr lang="en-US"/>
               <a:t>(C) Elephant Scale 2021</a:t>
             </a:r>
-            <a:endParaRPr lang="en-US"/>
           </a:p>
         </p:txBody>
       </p:sp>
@@ -19796,7 +19293,6 @@
               <a:rPr lang="en-US" dirty="0"/>
               <a:t>Conflict message example</a:t>
             </a:r>
-            <a:endParaRPr lang="en-US" dirty="0"/>
           </a:p>
         </p:txBody>
       </p:sp>
@@ -19834,10 +19330,6 @@
               </a:rPr>
               <a:t> status</a:t>
             </a:r>
-            <a:endParaRPr lang="en-US" dirty="0">
-              <a:latin typeface="Courier New" panose="02070309020205020404" pitchFamily="49" charset="0"/>
-              <a:cs typeface="Courier New" panose="02070309020205020404" pitchFamily="49" charset="0"/>
-            </a:endParaRPr>
           </a:p>
           <a:p>
             <a:pPr marL="0" indent="0">
@@ -19850,10 +19342,6 @@
               </a:rPr>
               <a:t># # On branch branch1</a:t>
             </a:r>
-            <a:endParaRPr lang="en-US" dirty="0">
-              <a:latin typeface="Courier New" panose="02070309020205020404" pitchFamily="49" charset="0"/>
-              <a:cs typeface="Courier New" panose="02070309020205020404" pitchFamily="49" charset="0"/>
-            </a:endParaRPr>
           </a:p>
           <a:p>
             <a:pPr marL="0" indent="0">
@@ -19866,10 +19354,6 @@
               </a:rPr>
               <a:t># # You have unmerged paths.</a:t>
             </a:r>
-            <a:endParaRPr lang="en-US" dirty="0">
-              <a:latin typeface="Courier New" panose="02070309020205020404" pitchFamily="49" charset="0"/>
-              <a:cs typeface="Courier New" panose="02070309020205020404" pitchFamily="49" charset="0"/>
-            </a:endParaRPr>
           </a:p>
           <a:p>
             <a:pPr marL="0" indent="0">
@@ -19896,10 +19380,6 @@
               </a:rPr>
               <a:t> commit")</a:t>
             </a:r>
-            <a:endParaRPr lang="en-US" dirty="0">
-              <a:latin typeface="Courier New" panose="02070309020205020404" pitchFamily="49" charset="0"/>
-              <a:cs typeface="Courier New" panose="02070309020205020404" pitchFamily="49" charset="0"/>
-            </a:endParaRPr>
           </a:p>
           <a:p>
             <a:pPr marL="0" indent="0">
@@ -19912,10 +19392,6 @@
               </a:rPr>
               <a:t># #</a:t>
             </a:r>
-            <a:endParaRPr lang="en-US" dirty="0">
-              <a:latin typeface="Courier New" panose="02070309020205020404" pitchFamily="49" charset="0"/>
-              <a:cs typeface="Courier New" panose="02070309020205020404" pitchFamily="49" charset="0"/>
-            </a:endParaRPr>
           </a:p>
           <a:p>
             <a:pPr marL="0" indent="0">
@@ -19928,10 +19404,6 @@
               </a:rPr>
               <a:t># # Unmerged paths:</a:t>
             </a:r>
-            <a:endParaRPr lang="en-US" dirty="0">
-              <a:latin typeface="Courier New" panose="02070309020205020404" pitchFamily="49" charset="0"/>
-              <a:cs typeface="Courier New" panose="02070309020205020404" pitchFamily="49" charset="0"/>
-            </a:endParaRPr>
           </a:p>
           <a:p>
             <a:pPr marL="0" indent="0">
@@ -19958,10 +19430,6 @@
               </a:rPr>
               <a:t> add ..." to mark resolution)</a:t>
             </a:r>
-            <a:endParaRPr lang="en-US" dirty="0">
-              <a:latin typeface="Courier New" panose="02070309020205020404" pitchFamily="49" charset="0"/>
-              <a:cs typeface="Courier New" panose="02070309020205020404" pitchFamily="49" charset="0"/>
-            </a:endParaRPr>
           </a:p>
           <a:p>
             <a:pPr marL="0" indent="0">
@@ -19974,10 +19442,6 @@
               </a:rPr>
               <a:t># #</a:t>
             </a:r>
-            <a:endParaRPr lang="en-US" dirty="0">
-              <a:latin typeface="Courier New" panose="02070309020205020404" pitchFamily="49" charset="0"/>
-              <a:cs typeface="Courier New" panose="02070309020205020404" pitchFamily="49" charset="0"/>
-            </a:endParaRPr>
           </a:p>
           <a:p>
             <a:pPr marL="0" indent="0">
@@ -19990,10 +19454,6 @@
               </a:rPr>
               <a:t># # both modified:      &lt;your file&gt;</a:t>
             </a:r>
-            <a:endParaRPr lang="en-US" dirty="0">
-              <a:latin typeface="Courier New" panose="02070309020205020404" pitchFamily="49" charset="0"/>
-              <a:cs typeface="Courier New" panose="02070309020205020404" pitchFamily="49" charset="0"/>
-            </a:endParaRPr>
           </a:p>
           <a:p>
             <a:pPr marL="0" indent="0">
@@ -20006,10 +19466,6 @@
               </a:rPr>
               <a:t># #</a:t>
             </a:r>
-            <a:endParaRPr lang="en-US" dirty="0">
-              <a:latin typeface="Courier New" panose="02070309020205020404" pitchFamily="49" charset="0"/>
-              <a:cs typeface="Courier New" panose="02070309020205020404" pitchFamily="49" charset="0"/>
-            </a:endParaRPr>
           </a:p>
           <a:p>
             <a:pPr marL="0" indent="0">
@@ -20050,10 +19506,6 @@
               </a:rPr>
               <a:t> commit -a")</a:t>
             </a:r>
-            <a:endParaRPr lang="en-US" dirty="0">
-              <a:latin typeface="Courier New" panose="02070309020205020404" pitchFamily="49" charset="0"/>
-              <a:cs typeface="Courier New" panose="02070309020205020404" pitchFamily="49" charset="0"/>
-            </a:endParaRPr>
           </a:p>
         </p:txBody>
       </p:sp>
@@ -20074,6 +19526,7 @@
           <a:p>
             <a:fld id="{BA9B540C-44DA-4F69-89C9-7C84606640D3}" type="slidenum">
               <a:rPr lang="en-US" smtClean="0"/>
+              <a:t>54</a:t>
             </a:fld>
             <a:endParaRPr lang="en-US" dirty="0"/>
           </a:p>
@@ -20098,7 +19551,6 @@
               <a:rPr lang="en-US"/>
               <a:t>(C) Elephant Scale 2021</a:t>
             </a:r>
-            <a:endParaRPr lang="en-US"/>
           </a:p>
         </p:txBody>
       </p:sp>
@@ -20146,7 +19598,6 @@
               <a:rPr lang="en-US" dirty="0"/>
               <a:t>What you will see</a:t>
             </a:r>
-            <a:endParaRPr lang="en-US" dirty="0"/>
           </a:p>
         </p:txBody>
       </p:sp>
@@ -20175,10 +19626,6 @@
               </a:rPr>
               <a:t>Threshold events</a:t>
             </a:r>
-            <a:endParaRPr lang="en-US" dirty="0">
-              <a:latin typeface="Courier New" panose="02070309020205020404" pitchFamily="49" charset="0"/>
-              <a:cs typeface="Courier New" panose="02070309020205020404" pitchFamily="49" charset="0"/>
-            </a:endParaRPr>
           </a:p>
           <a:p>
             <a:pPr marL="0" indent="0">
@@ -20191,10 +19638,6 @@
               </a:rPr>
               <a:t>&lt;&lt;&lt;&lt;&lt;&lt;&lt; HEAD</a:t>
             </a:r>
-            <a:endParaRPr lang="en-US" dirty="0">
-              <a:latin typeface="Courier New" panose="02070309020205020404" pitchFamily="49" charset="0"/>
-              <a:cs typeface="Courier New" panose="02070309020205020404" pitchFamily="49" charset="0"/>
-            </a:endParaRPr>
           </a:p>
           <a:p>
             <a:pPr marL="0" indent="0">
@@ -20207,10 +19650,6 @@
               </a:rPr>
               <a:t>two</a:t>
             </a:r>
-            <a:endParaRPr lang="en-US" dirty="0">
-              <a:latin typeface="Courier New" panose="02070309020205020404" pitchFamily="49" charset="0"/>
-              <a:cs typeface="Courier New" panose="02070309020205020404" pitchFamily="49" charset="0"/>
-            </a:endParaRPr>
           </a:p>
           <a:p>
             <a:pPr marL="0" indent="0">
@@ -20223,10 +19662,6 @@
               </a:rPr>
               <a:t>=======</a:t>
             </a:r>
-            <a:endParaRPr lang="en-US" dirty="0">
-              <a:latin typeface="Courier New" panose="02070309020205020404" pitchFamily="49" charset="0"/>
-              <a:cs typeface="Courier New" panose="02070309020205020404" pitchFamily="49" charset="0"/>
-            </a:endParaRPr>
           </a:p>
           <a:p>
             <a:pPr marL="0" indent="0">
@@ -20239,10 +19674,6 @@
               </a:rPr>
               <a:t>three</a:t>
             </a:r>
-            <a:endParaRPr lang="en-US" dirty="0">
-              <a:latin typeface="Courier New" panose="02070309020205020404" pitchFamily="49" charset="0"/>
-              <a:cs typeface="Courier New" panose="02070309020205020404" pitchFamily="49" charset="0"/>
-            </a:endParaRPr>
           </a:p>
           <a:p>
             <a:pPr marL="0" indent="0">
@@ -20255,10 +19686,6 @@
               </a:rPr>
               <a:t>&gt;&gt;&gt;&gt;&gt;&gt;&gt; branch-a</a:t>
             </a:r>
-            <a:endParaRPr lang="en-US" dirty="0">
-              <a:latin typeface="Courier New" panose="02070309020205020404" pitchFamily="49" charset="0"/>
-              <a:cs typeface="Courier New" panose="02070309020205020404" pitchFamily="49" charset="0"/>
-            </a:endParaRPr>
           </a:p>
         </p:txBody>
       </p:sp>
@@ -20279,6 +19706,7 @@
           <a:p>
             <a:fld id="{BA9B540C-44DA-4F69-89C9-7C84606640D3}" type="slidenum">
               <a:rPr lang="en-US" smtClean="0"/>
+              <a:t>55</a:t>
             </a:fld>
             <a:endParaRPr lang="en-US" dirty="0"/>
           </a:p>
@@ -20303,7 +19731,6 @@
               <a:rPr lang="en-US"/>
               <a:t>(C) Elephant Scale 2021</a:t>
             </a:r>
-            <a:endParaRPr lang="en-US"/>
           </a:p>
         </p:txBody>
       </p:sp>
@@ -20351,7 +19778,6 @@
               <a:rPr lang="en-US" dirty="0"/>
               <a:t>Lab 06</a:t>
             </a:r>
-            <a:endParaRPr lang="en-US" dirty="0"/>
           </a:p>
         </p:txBody>
       </p:sp>
@@ -20377,7 +19803,6 @@
               <a:rPr lang="en-US" dirty="0"/>
               <a:t>Please do all steps in lab 06</a:t>
             </a:r>
-            <a:endParaRPr lang="en-US" dirty="0"/>
           </a:p>
           <a:p>
             <a:pPr marL="0" indent="0">
@@ -20387,7 +19812,6 @@
               <a:rPr lang="en-US" dirty="0"/>
               <a:t>https://github.com/elephantscale/git-labs/tree/main/lab06</a:t>
             </a:r>
-            <a:endParaRPr lang="en-US" dirty="0"/>
           </a:p>
           <a:p>
             <a:pPr marL="0" indent="0">
@@ -20435,6 +19859,7 @@
           <a:p>
             <a:fld id="{BA9B540C-44DA-4F69-89C9-7C84606640D3}" type="slidenum">
               <a:rPr lang="en-US" smtClean="0"/>
+              <a:t>56</a:t>
             </a:fld>
             <a:endParaRPr lang="en-US" dirty="0"/>
           </a:p>
@@ -20459,7 +19884,6 @@
               <a:rPr lang="en-US"/>
               <a:t>(C) Elephant Scale 2021</a:t>
             </a:r>
-            <a:endParaRPr lang="en-US"/>
           </a:p>
         </p:txBody>
       </p:sp>
@@ -20507,7 +19931,6 @@
               <a:rPr lang="en-US" dirty="0"/>
               <a:t>Preventing merge conflicts</a:t>
             </a:r>
-            <a:endParaRPr lang="en-US" dirty="0"/>
           </a:p>
         </p:txBody>
       </p:sp>
@@ -20530,7 +19953,6 @@
               <a:rPr lang="en-US" dirty="0"/>
               <a:t>Simple</a:t>
             </a:r>
-            <a:endParaRPr lang="en-US" dirty="0"/>
           </a:p>
           <a:p>
             <a:pPr lvl="1"/>
@@ -20538,7 +19960,6 @@
               <a:rPr lang="en-US" dirty="0"/>
               <a:t>Go with small iterations, in a branch, then merge and delete that branch</a:t>
             </a:r>
-            <a:endParaRPr lang="en-US" dirty="0"/>
           </a:p>
           <a:p>
             <a:pPr lvl="1"/>
@@ -20546,14 +19967,12 @@
               <a:rPr lang="en-US" dirty="0"/>
               <a:t>Do not forget to pull often</a:t>
             </a:r>
-            <a:endParaRPr lang="en-US" dirty="0"/>
           </a:p>
           <a:p>
             <a:r>
               <a:rPr lang="en-US" dirty="0"/>
               <a:t>Advanced</a:t>
             </a:r>
-            <a:endParaRPr lang="en-US" dirty="0"/>
           </a:p>
           <a:p>
             <a:pPr lvl="1"/>
@@ -20583,7 +20002,6 @@
               <a:rPr lang="en-US" dirty="0"/>
               <a:t> will:</a:t>
             </a:r>
-            <a:endParaRPr lang="en-US" dirty="0"/>
           </a:p>
           <a:p>
             <a:pPr lvl="1"/>
@@ -20591,7 +20009,6 @@
               <a:rPr lang="en-US" dirty="0"/>
               <a:t>Undo (unwind your commits)</a:t>
             </a:r>
-            <a:endParaRPr lang="en-US" dirty="0"/>
           </a:p>
           <a:p>
             <a:pPr lvl="1"/>
@@ -20599,7 +20016,6 @@
               <a:rPr lang="en-US" dirty="0"/>
               <a:t>Pull remote commits</a:t>
             </a:r>
-            <a:endParaRPr lang="en-US" dirty="0"/>
           </a:p>
           <a:p>
             <a:pPr lvl="1"/>
@@ -20607,7 +20023,6 @@
               <a:rPr lang="en-US" dirty="0"/>
               <a:t>Replay your local commits</a:t>
             </a:r>
-            <a:endParaRPr lang="en-US" dirty="0"/>
           </a:p>
           <a:p>
             <a:pPr lvl="1"/>
@@ -20615,7 +20030,6 @@
               <a:rPr lang="en-US" dirty="0"/>
               <a:t>You fix the conflicts if any</a:t>
             </a:r>
-            <a:endParaRPr lang="en-US" dirty="0"/>
           </a:p>
           <a:p>
             <a:pPr lvl="1"/>
@@ -20633,10 +20047,6 @@
               </a:rPr>
               <a:t> rebase continue</a:t>
             </a:r>
-            <a:endParaRPr lang="en-US" dirty="0">
-              <a:latin typeface="Courier New" panose="02070309020205020404" pitchFamily="49" charset="0"/>
-              <a:cs typeface="Courier New" panose="02070309020205020404" pitchFamily="49" charset="0"/>
-            </a:endParaRPr>
           </a:p>
           <a:p>
             <a:pPr lvl="1"/>
@@ -20665,6 +20075,7 @@
           <a:p>
             <a:fld id="{BA9B540C-44DA-4F69-89C9-7C84606640D3}" type="slidenum">
               <a:rPr lang="en-US" smtClean="0"/>
+              <a:t>57</a:t>
             </a:fld>
             <a:endParaRPr lang="en-US" dirty="0"/>
           </a:p>
@@ -20689,7 +20100,6 @@
               <a:rPr lang="en-US"/>
               <a:t>(C) Elephant Scale 2021</a:t>
             </a:r>
-            <a:endParaRPr lang="en-US"/>
           </a:p>
         </p:txBody>
       </p:sp>
@@ -20737,7 +20147,6 @@
               <a:rPr lang="en-US" dirty="0"/>
               <a:t>Tagging</a:t>
             </a:r>
-            <a:endParaRPr lang="en-US" dirty="0"/>
           </a:p>
         </p:txBody>
       </p:sp>
@@ -20773,7 +20182,6 @@
               <a:rPr lang="en-US" dirty="0"/>
               <a:t>. They always point to the same object (usually: to the same revision); they do not change.</a:t>
             </a:r>
-            <a:endParaRPr lang="en-US" dirty="0"/>
           </a:p>
           <a:p>
             <a:pPr fontAlgn="base"/>
@@ -20793,7 +20201,6 @@
               <a:rPr lang="en-US" dirty="0"/>
               <a:t>. New commits are created on top of branch. The branch pointer naturally advances, pointing to newer and newer commits.</a:t>
             </a:r>
-            <a:endParaRPr lang="en-US" dirty="0"/>
           </a:p>
           <a:p>
             <a:endParaRPr lang="en-US" dirty="0"/>
@@ -20817,6 +20224,7 @@
           <a:p>
             <a:fld id="{BA9B540C-44DA-4F69-89C9-7C84606640D3}" type="slidenum">
               <a:rPr lang="en-US" smtClean="0"/>
+              <a:t>58</a:t>
             </a:fld>
             <a:endParaRPr lang="en-US" dirty="0"/>
           </a:p>
@@ -20841,7 +20249,6 @@
               <a:rPr lang="en-US"/>
               <a:t>(C) Elephant Scale 2021</a:t>
             </a:r>
-            <a:endParaRPr lang="en-US"/>
           </a:p>
         </p:txBody>
       </p:sp>
@@ -20889,7 +20296,6 @@
               <a:rPr lang="en-US" dirty="0"/>
               <a:t>Vincent Van Gogh. Siesta</a:t>
             </a:r>
-            <a:endParaRPr lang="en-US" dirty="0"/>
           </a:p>
         </p:txBody>
       </p:sp>
@@ -20904,7 +20310,7 @@
           </p:nvPr>
         </p:nvPicPr>
         <p:blipFill>
-          <a:blip r:embed="rId1">
+          <a:blip r:embed="rId2">
             <a:extLst>
               <a:ext uri="{28A0092B-C50C-407E-A947-70E740481C1C}">
                 <a14:useLocalDpi xmlns:a14="http://schemas.microsoft.com/office/drawing/2010/main" val="0"/>
@@ -20939,6 +20345,7 @@
           <a:p>
             <a:fld id="{BA9B540C-44DA-4F69-89C9-7C84606640D3}" type="slidenum">
               <a:rPr lang="en-US" smtClean="0"/>
+              <a:t>59</a:t>
             </a:fld>
             <a:endParaRPr lang="en-US" dirty="0"/>
           </a:p>
@@ -20963,7 +20370,6 @@
               <a:rPr lang="en-US"/>
               <a:t>(C) Elephant Scale 2021</a:t>
             </a:r>
-            <a:endParaRPr lang="en-US"/>
           </a:p>
         </p:txBody>
       </p:sp>
@@ -21011,7 +20417,6 @@
               <a:rPr lang="en-US" dirty="0"/>
               <a:t>Aside: a little history</a:t>
             </a:r>
-            <a:endParaRPr lang="en-US" dirty="0"/>
           </a:p>
         </p:txBody>
       </p:sp>
@@ -21053,7 +20458,6 @@
               <a:rPr lang="en-US" dirty="0"/>
               <a:t> unfriends Linux</a:t>
             </a:r>
-            <a:endParaRPr lang="en-US" dirty="0"/>
           </a:p>
           <a:p>
             <a:r>
@@ -21068,7 +20472,6 @@
               <a:rPr lang="en-US" dirty="0"/>
               <a:t> (uncouth person)</a:t>
             </a:r>
-            <a:endParaRPr lang="en-US" dirty="0"/>
           </a:p>
           <a:p>
             <a:pPr lvl="1"/>
@@ -21076,7 +20479,6 @@
               <a:rPr lang="en-US" dirty="0"/>
               <a:t>Speed</a:t>
             </a:r>
-            <a:endParaRPr lang="en-US" dirty="0"/>
           </a:p>
           <a:p>
             <a:pPr lvl="1"/>
@@ -21084,7 +20486,6 @@
               <a:rPr lang="en-US" dirty="0"/>
               <a:t>Simple design</a:t>
             </a:r>
-            <a:endParaRPr lang="en-US" dirty="0"/>
           </a:p>
           <a:p>
             <a:pPr lvl="1"/>
@@ -21092,7 +20493,6 @@
               <a:rPr lang="en-US" dirty="0"/>
               <a:t>Support for non-linear development</a:t>
             </a:r>
-            <a:endParaRPr lang="en-US" dirty="0"/>
           </a:p>
           <a:p>
             <a:pPr lvl="1"/>
@@ -21100,7 +20500,6 @@
               <a:rPr lang="en-US" dirty="0"/>
               <a:t>Distributed (you can work on the plane)</a:t>
             </a:r>
-            <a:endParaRPr lang="en-US" dirty="0"/>
           </a:p>
           <a:p>
             <a:pPr lvl="1"/>
@@ -21108,7 +20507,6 @@
               <a:rPr lang="en-US" dirty="0"/>
               <a:t>Handle large projects efficiently (speed and data size)</a:t>
             </a:r>
-            <a:endParaRPr lang="en-US" dirty="0"/>
           </a:p>
           <a:p>
             <a:endParaRPr lang="en-US" dirty="0"/>
@@ -21132,6 +20530,7 @@
           <a:p>
             <a:fld id="{BA9B540C-44DA-4F69-89C9-7C84606640D3}" type="slidenum">
               <a:rPr lang="en-US" smtClean="0"/>
+              <a:t>6</a:t>
             </a:fld>
             <a:endParaRPr lang="en-US" dirty="0"/>
           </a:p>
@@ -21156,7 +20555,6 @@
               <a:rPr lang="en-US"/>
               <a:t>(C) Elephant Scale 2021</a:t>
             </a:r>
-            <a:endParaRPr lang="en-US"/>
           </a:p>
         </p:txBody>
       </p:sp>
@@ -21204,7 +20602,6 @@
               <a:rPr lang="en-US" dirty="0"/>
               <a:t>Detail</a:t>
             </a:r>
-            <a:endParaRPr lang="en-US" dirty="0"/>
           </a:p>
         </p:txBody>
       </p:sp>
@@ -21219,7 +20616,7 @@
           </p:nvPr>
         </p:nvPicPr>
         <p:blipFill>
-          <a:blip r:embed="rId1">
+          <a:blip r:embed="rId2">
             <a:extLst>
               <a:ext uri="{28A0092B-C50C-407E-A947-70E740481C1C}">
                 <a14:useLocalDpi xmlns:a14="http://schemas.microsoft.com/office/drawing/2010/main" val="0"/>
@@ -21246,7 +20643,7 @@
           <p:nvPr/>
         </p:nvPicPr>
         <p:blipFill>
-          <a:blip r:embed="rId2">
+          <a:blip r:embed="rId3">
             <a:extLst>
               <a:ext uri="{28A0092B-C50C-407E-A947-70E740481C1C}">
                 <a14:useLocalDpi xmlns:a14="http://schemas.microsoft.com/office/drawing/2010/main" val="0"/>
@@ -21293,14 +20690,12 @@
               <a:rPr lang="en-US" dirty="0"/>
               <a:t>Painted late in life</a:t>
             </a:r>
-            <a:endParaRPr lang="en-US" dirty="0"/>
           </a:p>
           <a:p>
             <a:r>
               <a:rPr lang="en-US" dirty="0"/>
               <a:t>Copied after Millet</a:t>
             </a:r>
-            <a:endParaRPr lang="en-US" dirty="0"/>
           </a:p>
           <a:p>
             <a:r>
@@ -21332,6 +20727,7 @@
           <a:p>
             <a:fld id="{BA9B540C-44DA-4F69-89C9-7C84606640D3}" type="slidenum">
               <a:rPr lang="en-US" smtClean="0"/>
+              <a:t>60</a:t>
             </a:fld>
             <a:endParaRPr lang="en-US" dirty="0"/>
           </a:p>
@@ -21356,7 +20752,6 @@
               <a:rPr lang="en-US"/>
               <a:t>(C) Elephant Scale 2021</a:t>
             </a:r>
-            <a:endParaRPr lang="en-US"/>
           </a:p>
         </p:txBody>
       </p:sp>
@@ -21404,7 +20799,6 @@
               <a:rPr lang="en-US" dirty="0"/>
               <a:t>Pull requests</a:t>
             </a:r>
-            <a:endParaRPr lang="en-US" dirty="0"/>
           </a:p>
         </p:txBody>
       </p:sp>
@@ -21432,7 +20826,6 @@
               <a:rPr lang="en-US" dirty="0"/>
               <a:t> has no branch security</a:t>
             </a:r>
-            <a:endParaRPr lang="en-US" dirty="0"/>
           </a:p>
           <a:p>
             <a:pPr fontAlgn="base"/>
@@ -21440,7 +20833,6 @@
               <a:rPr lang="en-US" dirty="0"/>
               <a:t>Anyone can work in his friend’s branch, then commit</a:t>
             </a:r>
-            <a:endParaRPr lang="en-US" dirty="0"/>
           </a:p>
           <a:p>
             <a:pPr fontAlgn="base"/>
@@ -21448,7 +20840,6 @@
               <a:rPr lang="en-US" dirty="0"/>
               <a:t>How do you add not-trusted developers to the team?	</a:t>
             </a:r>
-            <a:endParaRPr lang="en-US" dirty="0"/>
           </a:p>
           <a:p>
             <a:pPr lvl="1" fontAlgn="base"/>
@@ -21456,7 +20847,6 @@
               <a:rPr lang="en-US" dirty="0"/>
               <a:t>New developers may be given read-only access</a:t>
             </a:r>
-            <a:endParaRPr lang="en-US" dirty="0"/>
           </a:p>
           <a:p>
             <a:pPr lvl="1" fontAlgn="base"/>
@@ -21464,7 +20854,6 @@
               <a:rPr lang="en-US" dirty="0"/>
               <a:t>Then will fork the project but won’t be able to commit the changes</a:t>
             </a:r>
-            <a:endParaRPr lang="en-US" dirty="0"/>
           </a:p>
           <a:p>
             <a:pPr lvl="1" fontAlgn="base"/>
@@ -21480,7 +20869,6 @@
               <a:rPr lang="en-US" dirty="0"/>
               <a:t> pull request</a:t>
             </a:r>
-            <a:endParaRPr lang="en-US" dirty="0"/>
           </a:p>
         </p:txBody>
       </p:sp>
@@ -21501,6 +20889,7 @@
           <a:p>
             <a:fld id="{BA9B540C-44DA-4F69-89C9-7C84606640D3}" type="slidenum">
               <a:rPr lang="en-US" smtClean="0"/>
+              <a:t>61</a:t>
             </a:fld>
             <a:endParaRPr lang="en-US" dirty="0"/>
           </a:p>
@@ -21525,7 +20914,6 @@
               <a:rPr lang="en-US"/>
               <a:t>(C) Elephant Scale 2021</a:t>
             </a:r>
-            <a:endParaRPr lang="en-US"/>
           </a:p>
         </p:txBody>
       </p:sp>
@@ -21599,7 +20987,6 @@
               <a:rPr lang="en-US" dirty="0"/>
               <a:t>Please do all steps in lab 07</a:t>
             </a:r>
-            <a:endParaRPr lang="en-US" dirty="0"/>
           </a:p>
           <a:p>
             <a:pPr marL="0" indent="0">
@@ -21609,7 +20996,6 @@
               <a:rPr lang="en-US" dirty="0"/>
               <a:t>https://github.com/elephantscale/git-labs/tree/main/lab07</a:t>
             </a:r>
-            <a:endParaRPr lang="en-US" dirty="0"/>
           </a:p>
           <a:p>
             <a:pPr marL="0" indent="0">
@@ -21663,6 +21049,7 @@
           <a:p>
             <a:fld id="{BA9B540C-44DA-4F69-89C9-7C84606640D3}" type="slidenum">
               <a:rPr lang="en-US" smtClean="0"/>
+              <a:t>62</a:t>
             </a:fld>
             <a:endParaRPr lang="en-US" dirty="0"/>
           </a:p>
@@ -21687,7 +21074,6 @@
               <a:rPr lang="en-US"/>
               <a:t>(C) Elephant Scale 2021</a:t>
             </a:r>
-            <a:endParaRPr lang="en-US"/>
           </a:p>
         </p:txBody>
       </p:sp>
@@ -21735,7 +21121,6 @@
               <a:rPr lang="en-US" dirty="0"/>
               <a:t>Cartoon – Linus Torvalds</a:t>
             </a:r>
-            <a:endParaRPr lang="en-US" dirty="0"/>
           </a:p>
         </p:txBody>
       </p:sp>
@@ -21750,7 +21135,7 @@
           </p:nvPr>
         </p:nvPicPr>
         <p:blipFill>
-          <a:blip r:embed="rId1">
+          <a:blip r:embed="rId2">
             <a:extLst>
               <a:ext uri="{28A0092B-C50C-407E-A947-70E740481C1C}">
                 <a14:useLocalDpi xmlns:a14="http://schemas.microsoft.com/office/drawing/2010/main" val="0"/>
@@ -21785,6 +21170,7 @@
           <a:p>
             <a:fld id="{BA9B540C-44DA-4F69-89C9-7C84606640D3}" type="slidenum">
               <a:rPr lang="en-US" smtClean="0"/>
+              <a:t>7</a:t>
             </a:fld>
             <a:endParaRPr lang="en-US" dirty="0"/>
           </a:p>
@@ -21809,7 +21195,6 @@
               <a:rPr lang="en-US"/>
               <a:t>(C) Elephant Scale 2021</a:t>
             </a:r>
-            <a:endParaRPr lang="en-US"/>
           </a:p>
         </p:txBody>
       </p:sp>
@@ -21857,7 +21242,6 @@
               <a:rPr lang="en-US" dirty="0"/>
               <a:t>What’s the difference?</a:t>
             </a:r>
-            <a:endParaRPr lang="en-US" dirty="0"/>
           </a:p>
         </p:txBody>
       </p:sp>
@@ -21872,7 +21256,7 @@
           </p:nvPr>
         </p:nvPicPr>
         <p:blipFill>
-          <a:blip r:embed="rId1">
+          <a:blip r:embed="rId2">
             <a:extLst>
               <a:ext uri="{28A0092B-C50C-407E-A947-70E740481C1C}">
                 <a14:useLocalDpi xmlns:a14="http://schemas.microsoft.com/office/drawing/2010/main" val="0"/>
@@ -21899,7 +21283,7 @@
           <p:nvPr/>
         </p:nvPicPr>
         <p:blipFill>
-          <a:blip r:embed="rId2">
+          <a:blip r:embed="rId3">
             <a:extLst>
               <a:ext uri="{28A0092B-C50C-407E-A947-70E740481C1C}">
                 <a14:useLocalDpi xmlns:a14="http://schemas.microsoft.com/office/drawing/2010/main" val="0"/>
@@ -21946,7 +21330,6 @@
               <a:rPr lang="en-US" dirty="0"/>
               <a:t>Other systems</a:t>
             </a:r>
-            <a:endParaRPr lang="en-US" dirty="0"/>
           </a:p>
         </p:txBody>
       </p:sp>
@@ -22014,7 +21397,6 @@
               <a:rPr lang="en-US" dirty="0"/>
               <a:t> book</a:t>
             </a:r>
-            <a:endParaRPr lang="en-US" dirty="0"/>
           </a:p>
         </p:txBody>
       </p:sp>
@@ -22035,6 +21417,7 @@
           <a:p>
             <a:fld id="{BA9B540C-44DA-4F69-89C9-7C84606640D3}" type="slidenum">
               <a:rPr lang="en-US" smtClean="0"/>
+              <a:t>8</a:t>
             </a:fld>
             <a:endParaRPr lang="en-US" dirty="0"/>
           </a:p>
@@ -22059,7 +21442,6 @@
               <a:rPr lang="en-US"/>
               <a:t>(C) Elephant Scale 2021</a:t>
             </a:r>
-            <a:endParaRPr lang="en-US"/>
           </a:p>
         </p:txBody>
       </p:sp>
@@ -22107,7 +21489,6 @@
               <a:rPr lang="en-US" dirty="0"/>
               <a:t>Terminology</a:t>
             </a:r>
-            <a:endParaRPr lang="en-US" dirty="0"/>
           </a:p>
         </p:txBody>
       </p:sp>
@@ -22137,7 +21518,6 @@
               <a:rPr lang="en-US" dirty="0"/>
               <a:t>Key concepts</a:t>
             </a:r>
-            <a:endParaRPr lang="en-US" dirty="0"/>
           </a:p>
           <a:p>
             <a:pPr lvl="1">
@@ -22149,7 +21529,6 @@
               <a:rPr lang="en-US" dirty="0"/>
               <a:t>Repository</a:t>
             </a:r>
-            <a:endParaRPr lang="en-US" dirty="0"/>
           </a:p>
           <a:p>
             <a:pPr lvl="1">
@@ -22161,7 +21540,6 @@
               <a:rPr lang="en-US" dirty="0"/>
               <a:t>Working Copy</a:t>
             </a:r>
-            <a:endParaRPr lang="en-US" dirty="0"/>
           </a:p>
           <a:p>
             <a:pPr lvl="1">
@@ -22173,7 +21551,6 @@
               <a:rPr lang="en-US" dirty="0"/>
               <a:t>Index/Staging area</a:t>
             </a:r>
-            <a:endParaRPr lang="en-US" dirty="0"/>
           </a:p>
           <a:p>
             <a:pPr lvl="1">
@@ -22185,7 +21562,6 @@
               <a:rPr lang="en-US" dirty="0"/>
               <a:t>Blobs, Trees</a:t>
             </a:r>
-            <a:endParaRPr lang="en-US" dirty="0"/>
           </a:p>
           <a:p>
             <a:pPr lvl="1">
@@ -22197,7 +21573,6 @@
               <a:rPr lang="en-US" dirty="0"/>
               <a:t>Cloning</a:t>
             </a:r>
-            <a:endParaRPr lang="en-US" dirty="0"/>
           </a:p>
           <a:p>
             <a:pPr lvl="1">
@@ -22209,7 +21584,6 @@
               <a:rPr lang="en-US" dirty="0"/>
               <a:t>Remotes</a:t>
             </a:r>
-            <a:endParaRPr lang="en-US" dirty="0"/>
           </a:p>
           <a:p>
             <a:pPr lvl="1">
@@ -22221,7 +21595,6 @@
               <a:rPr lang="en-US" dirty="0"/>
               <a:t>Pulling + Pushing</a:t>
             </a:r>
-            <a:endParaRPr lang="en-US" dirty="0"/>
           </a:p>
           <a:p>
             <a:pPr lvl="1">
@@ -22233,7 +21606,6 @@
               <a:rPr lang="en-US" dirty="0"/>
               <a:t>Local history vs. Public history</a:t>
             </a:r>
-            <a:endParaRPr lang="en-US" dirty="0"/>
           </a:p>
           <a:p>
             <a:pPr lvl="1">
@@ -22262,6 +21634,7 @@
           <a:p>
             <a:fld id="{BA9B540C-44DA-4F69-89C9-7C84606640D3}" type="slidenum">
               <a:rPr lang="en-US" smtClean="0"/>
+              <a:t>9</a:t>
             </a:fld>
             <a:endParaRPr lang="en-US" dirty="0"/>
           </a:p>
@@ -22286,7 +21659,6 @@
               <a:rPr lang="en-US"/>
               <a:t>(C) Elephant Scale 2021</a:t>
             </a:r>
-            <a:endParaRPr lang="en-US"/>
           </a:p>
         </p:txBody>
       </p:sp>
@@ -22560,6 +21932,7 @@
       </a:style>
     </a:lnDef>
   </a:objectDefaults>
+  <a:extraClrSchemeLst/>
   <a:extLst>
     <a:ext uri="{05A4C25C-085E-4340-85A3-A5531E510DB2}">
       <thm15:themeFamily xmlns:thm15="http://schemas.microsoft.com/office/thememl/2012/main" name="Office Theme" id="{62F939B6-93AF-4DB8-9C6B-D6C7DFDC589F}" vid="{4A3C46E8-61CC-4603-A589-7422A47A8E4A}"/>
@@ -22884,6 +22257,7 @@
       </a:style>
     </a:lnDef>
   </a:objectDefaults>
+  <a:extraClrSchemeLst/>
   <a:extLst>
     <a:ext uri="{05A4C25C-085E-4340-85A3-A5531E510DB2}">
       <thm15:themeFamily xmlns:thm15="http://schemas.microsoft.com/office/thememl/2012/main" name="Office Theme" id="{62F939B6-93AF-4DB8-9C6B-D6C7DFDC589F}" vid="{4A3C46E8-61CC-4603-A589-7422A47A8E4A}"/>
@@ -23143,6 +22517,8 @@
       </a:bgFillStyleLst>
     </a:fmtScheme>
   </a:themeElements>
+  <a:objectDefaults/>
+  <a:extraClrSchemeLst/>
   <a:extLst>
     <a:ext uri="{05A4C25C-085E-4340-85A3-A5531E510DB2}">
       <thm15:themeFamily xmlns:thm15="http://schemas.microsoft.com/office/thememl/2012/main" name="Office Theme" id="{62F939B6-93AF-4DB8-9C6B-D6C7DFDC589F}" vid="{4A3C46E8-61CC-4603-A589-7422A47A8E4A}"/>
